--- a/SharedPointer.pptx
+++ b/SharedPointer.pptx
@@ -5,13 +5,22 @@
     <p:sldMasterId id="2147483840" r:id="rId4"/>
   </p:sldMasterIdLst>
   <p:notesMasterIdLst>
-    <p:notesMasterId r:id="rId9"/>
+    <p:notesMasterId r:id="rId18"/>
   </p:notesMasterIdLst>
   <p:sldIdLst>
     <p:sldId id="256" r:id="rId5"/>
     <p:sldId id="263" r:id="rId6"/>
     <p:sldId id="264" r:id="rId7"/>
     <p:sldId id="265" r:id="rId8"/>
+    <p:sldId id="266" r:id="rId9"/>
+    <p:sldId id="268" r:id="rId10"/>
+    <p:sldId id="269" r:id="rId11"/>
+    <p:sldId id="273" r:id="rId12"/>
+    <p:sldId id="274" r:id="rId13"/>
+    <p:sldId id="272" r:id="rId14"/>
+    <p:sldId id="270" r:id="rId15"/>
+    <p:sldId id="271" r:id="rId16"/>
+    <p:sldId id="275" r:id="rId17"/>
   </p:sldIdLst>
   <p:sldSz cx="12192000" cy="6858000"/>
   <p:notesSz cx="6858000" cy="9144000"/>
@@ -200,7 +209,7 @@
           <a:p>
             <a:fld id="{9E095F26-633F-4564-B85E-E583F671A7C0}" type="datetimeFigureOut">
               <a:rPr lang="en-US" smtClean="0"/>
-              <a:t>7/28/2020</a:t>
+              <a:t>7/31/2020</a:t>
             </a:fld>
             <a:endParaRPr lang="en-US"/>
           </a:p>
@@ -653,7 +662,7 @@
             <a:fld id="{8E36636D-D922-432D-A958-524484B5923D}" type="datetimeFigureOut">
               <a:rPr lang="en-US" dirty="0"/>
               <a:pPr/>
-              <a:t>7/28/2020</a:t>
+              <a:t>7/31/2020</a:t>
             </a:fld>
             <a:endParaRPr lang="en-US" dirty="0"/>
           </a:p>
@@ -947,7 +956,7 @@
           <a:p>
             <a:fld id="{48A87A34-81AB-432B-8DAE-1953F412C126}" type="datetimeFigureOut">
               <a:rPr lang="en-US" dirty="0"/>
-              <a:t>7/28/2020</a:t>
+              <a:t>7/31/2020</a:t>
             </a:fld>
             <a:endParaRPr lang="en-US" dirty="0"/>
           </a:p>
@@ -1134,7 +1143,7 @@
           <a:p>
             <a:fld id="{48A87A34-81AB-432B-8DAE-1953F412C126}" type="datetimeFigureOut">
               <a:rPr lang="en-US" dirty="0"/>
-              <a:t>7/28/2020</a:t>
+              <a:t>7/31/2020</a:t>
             </a:fld>
             <a:endParaRPr lang="en-US" dirty="0"/>
           </a:p>
@@ -1390,7 +1399,7 @@
           <a:p>
             <a:fld id="{48A87A34-81AB-432B-8DAE-1953F412C126}" type="datetimeFigureOut">
               <a:rPr lang="en-US" dirty="0"/>
-              <a:t>7/28/2020</a:t>
+              <a:t>7/31/2020</a:t>
             </a:fld>
             <a:endParaRPr lang="en-US" dirty="0"/>
           </a:p>
@@ -1809,7 +1818,7 @@
           <a:p>
             <a:fld id="{48A87A34-81AB-432B-8DAE-1953F412C126}" type="datetimeFigureOut">
               <a:rPr lang="en-US" dirty="0"/>
-              <a:t>7/28/2020</a:t>
+              <a:t>7/31/2020</a:t>
             </a:fld>
             <a:endParaRPr lang="en-US" dirty="0"/>
           </a:p>
@@ -2341,7 +2350,7 @@
           <a:p>
             <a:fld id="{48A87A34-81AB-432B-8DAE-1953F412C126}" type="datetimeFigureOut">
               <a:rPr lang="en-US" dirty="0"/>
-              <a:t>7/28/2020</a:t>
+              <a:t>7/31/2020</a:t>
             </a:fld>
             <a:endParaRPr lang="en-US" dirty="0"/>
           </a:p>
@@ -3200,7 +3209,7 @@
           <a:p>
             <a:fld id="{48A87A34-81AB-432B-8DAE-1953F412C126}" type="datetimeFigureOut">
               <a:rPr lang="en-US" dirty="0"/>
-              <a:t>7/28/2020</a:t>
+              <a:t>7/31/2020</a:t>
             </a:fld>
             <a:endParaRPr lang="en-US" dirty="0"/>
           </a:p>
@@ -3366,7 +3375,7 @@
             <a:fld id="{8E36636D-D922-432D-A958-524484B5923D}" type="datetimeFigureOut">
               <a:rPr lang="en-US" dirty="0"/>
               <a:pPr/>
-              <a:t>7/28/2020</a:t>
+              <a:t>7/31/2020</a:t>
             </a:fld>
             <a:endParaRPr lang="en-US" dirty="0"/>
           </a:p>
@@ -3547,7 +3556,7 @@
             <a:fld id="{8E36636D-D922-432D-A958-524484B5923D}" type="datetimeFigureOut">
               <a:rPr lang="en-US" dirty="0"/>
               <a:pPr/>
-              <a:t>7/28/2020</a:t>
+              <a:t>7/31/2020</a:t>
             </a:fld>
             <a:endParaRPr lang="en-US" dirty="0"/>
           </a:p>
@@ -3714,7 +3723,7 @@
             <a:fld id="{8E36636D-D922-432D-A958-524484B5923D}" type="datetimeFigureOut">
               <a:rPr lang="en-US" dirty="0"/>
               <a:pPr/>
-              <a:t>7/28/2020</a:t>
+              <a:t>7/31/2020</a:t>
             </a:fld>
             <a:endParaRPr lang="en-US" dirty="0"/>
           </a:p>
@@ -3955,7 +3964,7 @@
             <a:fld id="{8E36636D-D922-432D-A958-524484B5923D}" type="datetimeFigureOut">
               <a:rPr lang="en-US" dirty="0"/>
               <a:pPr/>
-              <a:t>7/28/2020</a:t>
+              <a:t>7/31/2020</a:t>
             </a:fld>
             <a:endParaRPr lang="en-US" dirty="0"/>
           </a:p>
@@ -4188,7 +4197,7 @@
             <a:fld id="{8E36636D-D922-432D-A958-524484B5923D}" type="datetimeFigureOut">
               <a:rPr lang="en-US" dirty="0"/>
               <a:pPr/>
-              <a:t>7/28/2020</a:t>
+              <a:t>7/31/2020</a:t>
             </a:fld>
             <a:endParaRPr lang="en-US" dirty="0"/>
           </a:p>
@@ -4651,7 +4660,7 @@
             <a:fld id="{8E36636D-D922-432D-A958-524484B5923D}" type="datetimeFigureOut">
               <a:rPr lang="en-US" dirty="0"/>
               <a:pPr/>
-              <a:t>7/28/2020</a:t>
+              <a:t>7/31/2020</a:t>
             </a:fld>
             <a:endParaRPr lang="en-US" dirty="0"/>
           </a:p>
@@ -4766,7 +4775,7 @@
             <a:fld id="{8E36636D-D922-432D-A958-524484B5923D}" type="datetimeFigureOut">
               <a:rPr lang="en-US" dirty="0"/>
               <a:pPr/>
-              <a:t>7/28/2020</a:t>
+              <a:t>7/31/2020</a:t>
             </a:fld>
             <a:endParaRPr lang="en-US" dirty="0"/>
           </a:p>
@@ -4858,7 +4867,7 @@
             <a:fld id="{8E36636D-D922-432D-A958-524484B5923D}" type="datetimeFigureOut">
               <a:rPr lang="en-US" dirty="0"/>
               <a:pPr/>
-              <a:t>7/28/2020</a:t>
+              <a:t>7/31/2020</a:t>
             </a:fld>
             <a:endParaRPr lang="en-US" dirty="0"/>
           </a:p>
@@ -5110,7 +5119,7 @@
             <a:fld id="{8E36636D-D922-432D-A958-524484B5923D}" type="datetimeFigureOut">
               <a:rPr lang="en-US" dirty="0"/>
               <a:pPr/>
-              <a:t>7/28/2020</a:t>
+              <a:t>7/31/2020</a:t>
             </a:fld>
             <a:endParaRPr lang="en-US" dirty="0"/>
           </a:p>
@@ -5407,7 +5416,7 @@
             <a:fld id="{8E36636D-D922-432D-A958-524484B5923D}" type="datetimeFigureOut">
               <a:rPr lang="en-US" dirty="0"/>
               <a:pPr/>
-              <a:t>7/28/2020</a:t>
+              <a:t>7/31/2020</a:t>
             </a:fld>
             <a:endParaRPr lang="en-US" dirty="0"/>
           </a:p>
@@ -5638,7 +5647,7 @@
             <a:fld id="{8E36636D-D922-432D-A958-524484B5923D}" type="datetimeFigureOut">
               <a:rPr lang="en-US" dirty="0"/>
               <a:pPr/>
-              <a:t>7/28/2020</a:t>
+              <a:t>7/31/2020</a:t>
             </a:fld>
             <a:endParaRPr lang="en-US" dirty="0"/>
           </a:p>
@@ -6337,10 +6346,14 @@
           <a:lstStyle/>
           <a:p>
             <a:r>
-              <a:rPr lang="en-US" altLang="zh-TW" dirty="0"/>
+              <a:rPr lang="en-US" altLang="zh-TW" dirty="0">
+                <a:effectLst/>
+              </a:rPr>
               <a:t>Shared Pointer</a:t>
             </a:r>
-            <a:endParaRPr lang="en-US" dirty="0"/>
+            <a:endParaRPr lang="en-US" dirty="0">
+              <a:effectLst/>
+            </a:endParaRPr>
           </a:p>
         </p:txBody>
       </p:sp>
@@ -6348,6 +6361,3347 @@
     <p:extLst>
       <p:ext uri="{BB962C8B-B14F-4D97-AF65-F5344CB8AC3E}">
         <p14:creationId xmlns:p14="http://schemas.microsoft.com/office/powerpoint/2010/main" val="1048936605"/>
+      </p:ext>
+    </p:extLst>
+  </p:cSld>
+  <p:clrMapOvr>
+    <a:masterClrMapping/>
+  </p:clrMapOvr>
+</p:sld>
+</file>
+
+<file path=ppt/slides/slide10.xml><?xml version="1.0" encoding="utf-8"?>
+<p:sld xmlns:a="http://schemas.openxmlformats.org/drawingml/2006/main" xmlns:r="http://schemas.openxmlformats.org/officeDocument/2006/relationships" xmlns:p="http://schemas.openxmlformats.org/presentationml/2006/main">
+  <p:cSld>
+    <p:spTree>
+      <p:nvGrpSpPr>
+        <p:cNvPr id="1" name=""/>
+        <p:cNvGrpSpPr/>
+        <p:nvPr/>
+      </p:nvGrpSpPr>
+      <p:grpSpPr>
+        <a:xfrm>
+          <a:off x="0" y="0"/>
+          <a:ext cx="0" cy="0"/>
+          <a:chOff x="0" y="0"/>
+          <a:chExt cx="0" cy="0"/>
+        </a:xfrm>
+      </p:grpSpPr>
+      <p:sp>
+        <p:nvSpPr>
+          <p:cNvPr id="2" name="Title 1">
+            <a:extLst>
+              <a:ext uri="{FF2B5EF4-FFF2-40B4-BE49-F238E27FC236}">
+                <a16:creationId xmlns:a16="http://schemas.microsoft.com/office/drawing/2014/main" id="{67B987A3-AE05-4DD4-B92A-5BB153BF5168}"/>
+              </a:ext>
+            </a:extLst>
+          </p:cNvPr>
+          <p:cNvSpPr>
+            <a:spLocks noGrp="1"/>
+          </p:cNvSpPr>
+          <p:nvPr>
+            <p:ph type="ctrTitle"/>
+          </p:nvPr>
+        </p:nvSpPr>
+        <p:spPr>
+          <a:xfrm>
+            <a:off x="1212574" y="236954"/>
+            <a:ext cx="9780104" cy="806235"/>
+          </a:xfrm>
+        </p:spPr>
+        <p:txBody>
+          <a:bodyPr>
+            <a:normAutofit fontScale="90000"/>
+          </a:bodyPr>
+          <a:lstStyle/>
+          <a:p>
+            <a:r>
+              <a:rPr lang="en-US" dirty="0">
+                <a:effectLst/>
+              </a:rPr>
+              <a:t>WIL </a:t>
+            </a:r>
+            <a:r>
+              <a:rPr lang="en-US" dirty="0" err="1">
+                <a:effectLst/>
+              </a:rPr>
+              <a:t>resource.h</a:t>
+            </a:r>
+            <a:endParaRPr lang="en-US" dirty="0">
+              <a:effectLst/>
+            </a:endParaRPr>
+          </a:p>
+        </p:txBody>
+      </p:sp>
+      <p:sp>
+        <p:nvSpPr>
+          <p:cNvPr id="3" name="Subtitle 2">
+            <a:extLst>
+              <a:ext uri="{FF2B5EF4-FFF2-40B4-BE49-F238E27FC236}">
+                <a16:creationId xmlns:a16="http://schemas.microsoft.com/office/drawing/2014/main" id="{2F840F1F-E23F-4334-943C-3F1A7A2E80AA}"/>
+              </a:ext>
+            </a:extLst>
+          </p:cNvPr>
+          <p:cNvSpPr>
+            <a:spLocks noGrp="1"/>
+          </p:cNvSpPr>
+          <p:nvPr>
+            <p:ph type="subTitle" idx="1"/>
+          </p:nvPr>
+        </p:nvSpPr>
+        <p:spPr>
+          <a:xfrm>
+            <a:off x="0" y="1043189"/>
+            <a:ext cx="12191999" cy="5412695"/>
+          </a:xfrm>
+        </p:spPr>
+        <p:txBody>
+          <a:bodyPr>
+            <a:normAutofit/>
+          </a:bodyPr>
+          <a:lstStyle/>
+          <a:p>
+            <a:pPr marL="342900" indent="-342900" algn="l">
+              <a:spcBef>
+                <a:spcPts val="0"/>
+              </a:spcBef>
+              <a:spcAft>
+                <a:spcPts val="300"/>
+              </a:spcAft>
+              <a:buFont typeface="Arial" panose="020B0604020202020204" pitchFamily="34" charset="0"/>
+              <a:buChar char="•"/>
+            </a:pPr>
+            <a:r>
+              <a:rPr lang="en-US" altLang="zh-TW" dirty="0">
+                <a:effectLst/>
+                <a:latin typeface="Courier New" panose="02070309020205020404" pitchFamily="49" charset="0"/>
+                <a:cs typeface="Courier New" panose="02070309020205020404" pitchFamily="49" charset="0"/>
+              </a:rPr>
+              <a:t>HLOCAL – resources allocated with ‘</a:t>
+            </a:r>
+            <a:r>
+              <a:rPr lang="en-US" altLang="zh-TW" dirty="0" err="1">
+                <a:effectLst/>
+                <a:latin typeface="Courier New" panose="02070309020205020404" pitchFamily="49" charset="0"/>
+                <a:cs typeface="Courier New" panose="02070309020205020404" pitchFamily="49" charset="0"/>
+              </a:rPr>
+              <a:t>LocalAlloc</a:t>
+            </a:r>
+            <a:r>
+              <a:rPr lang="en-US" altLang="zh-TW" dirty="0">
+                <a:effectLst/>
+                <a:latin typeface="Courier New" panose="02070309020205020404" pitchFamily="49" charset="0"/>
+                <a:cs typeface="Courier New" panose="02070309020205020404" pitchFamily="49" charset="0"/>
+              </a:rPr>
+              <a:t>()’</a:t>
+            </a:r>
+            <a:br>
+              <a:rPr lang="en-US" altLang="zh-TW" dirty="0">
+                <a:effectLst/>
+                <a:latin typeface="Courier New" panose="02070309020205020404" pitchFamily="49" charset="0"/>
+                <a:cs typeface="Courier New" panose="02070309020205020404" pitchFamily="49" charset="0"/>
+              </a:rPr>
+            </a:br>
+            <a:br>
+              <a:rPr lang="en-US" altLang="zh-TW" dirty="0">
+                <a:effectLst/>
+                <a:latin typeface="Courier New" panose="02070309020205020404" pitchFamily="49" charset="0"/>
+                <a:cs typeface="Courier New" panose="02070309020205020404" pitchFamily="49" charset="0"/>
+              </a:rPr>
+            </a:br>
+            <a:r>
+              <a:rPr lang="en-US" altLang="zh-TW" dirty="0">
+                <a:effectLst/>
+                <a:latin typeface="Courier New" panose="02070309020205020404" pitchFamily="49" charset="0"/>
+                <a:cs typeface="Courier New" panose="02070309020205020404" pitchFamily="49" charset="0"/>
+              </a:rPr>
+              <a:t>using </a:t>
+            </a:r>
+            <a:r>
+              <a:rPr lang="en-US" altLang="zh-TW" dirty="0" err="1">
+                <a:effectLst/>
+                <a:latin typeface="Courier New" panose="02070309020205020404" pitchFamily="49" charset="0"/>
+                <a:cs typeface="Courier New" panose="02070309020205020404" pitchFamily="49" charset="0"/>
+              </a:rPr>
+              <a:t>hlocal_deleter</a:t>
+            </a:r>
+            <a:r>
+              <a:rPr lang="en-US" altLang="zh-TW" dirty="0">
+                <a:effectLst/>
+                <a:latin typeface="Courier New" panose="02070309020205020404" pitchFamily="49" charset="0"/>
+                <a:cs typeface="Courier New" panose="02070309020205020404" pitchFamily="49" charset="0"/>
+              </a:rPr>
+              <a:t> = </a:t>
+            </a:r>
+            <a:r>
+              <a:rPr lang="en-US" altLang="zh-TW" dirty="0" err="1">
+                <a:effectLst/>
+                <a:latin typeface="Courier New" panose="02070309020205020404" pitchFamily="49" charset="0"/>
+                <a:cs typeface="Courier New" panose="02070309020205020404" pitchFamily="49" charset="0"/>
+              </a:rPr>
+              <a:t>function_deleter</a:t>
+            </a:r>
+            <a:r>
+              <a:rPr lang="en-US" altLang="zh-TW" dirty="0">
+                <a:effectLst/>
+                <a:latin typeface="Courier New" panose="02070309020205020404" pitchFamily="49" charset="0"/>
+                <a:cs typeface="Courier New" panose="02070309020205020404" pitchFamily="49" charset="0"/>
+              </a:rPr>
+              <a:t>&lt;</a:t>
+            </a:r>
+            <a:r>
+              <a:rPr lang="en-US" altLang="zh-TW" dirty="0" err="1">
+                <a:effectLst/>
+                <a:latin typeface="Courier New" panose="02070309020205020404" pitchFamily="49" charset="0"/>
+                <a:cs typeface="Courier New" panose="02070309020205020404" pitchFamily="49" charset="0"/>
+              </a:rPr>
+              <a:t>decltype</a:t>
+            </a:r>
+            <a:r>
+              <a:rPr lang="en-US" altLang="zh-TW" dirty="0">
+                <a:effectLst/>
+                <a:latin typeface="Courier New" panose="02070309020205020404" pitchFamily="49" charset="0"/>
+                <a:cs typeface="Courier New" panose="02070309020205020404" pitchFamily="49" charset="0"/>
+              </a:rPr>
+              <a:t>(&amp;::</a:t>
+            </a:r>
+            <a:r>
+              <a:rPr lang="en-US" altLang="zh-TW" dirty="0" err="1">
+                <a:effectLst/>
+                <a:latin typeface="Courier New" panose="02070309020205020404" pitchFamily="49" charset="0"/>
+                <a:cs typeface="Courier New" panose="02070309020205020404" pitchFamily="49" charset="0"/>
+              </a:rPr>
+              <a:t>LocalFree</a:t>
+            </a:r>
+            <a:r>
+              <a:rPr lang="en-US" altLang="zh-TW" dirty="0">
+                <a:effectLst/>
+                <a:latin typeface="Courier New" panose="02070309020205020404" pitchFamily="49" charset="0"/>
+                <a:cs typeface="Courier New" panose="02070309020205020404" pitchFamily="49" charset="0"/>
+              </a:rPr>
+              <a:t>), </a:t>
+            </a:r>
+            <a:r>
+              <a:rPr lang="en-US" altLang="zh-TW" dirty="0" err="1">
+                <a:effectLst/>
+                <a:latin typeface="Courier New" panose="02070309020205020404" pitchFamily="49" charset="0"/>
+                <a:cs typeface="Courier New" panose="02070309020205020404" pitchFamily="49" charset="0"/>
+              </a:rPr>
+              <a:t>LocalFree</a:t>
+            </a:r>
+            <a:r>
+              <a:rPr lang="en-US" altLang="zh-TW" dirty="0">
+                <a:effectLst/>
+                <a:latin typeface="Courier New" panose="02070309020205020404" pitchFamily="49" charset="0"/>
+                <a:cs typeface="Courier New" panose="02070309020205020404" pitchFamily="49" charset="0"/>
+              </a:rPr>
+              <a:t>&gt;;</a:t>
+            </a:r>
+            <a:br>
+              <a:rPr lang="en-US" altLang="zh-TW" dirty="0">
+                <a:effectLst/>
+                <a:latin typeface="Courier New" panose="02070309020205020404" pitchFamily="49" charset="0"/>
+                <a:cs typeface="Courier New" panose="02070309020205020404" pitchFamily="49" charset="0"/>
+              </a:rPr>
+            </a:br>
+            <a:r>
+              <a:rPr lang="en-US" altLang="zh-TW" dirty="0">
+                <a:effectLst/>
+                <a:latin typeface="Courier New" panose="02070309020205020404" pitchFamily="49" charset="0"/>
+                <a:cs typeface="Courier New" panose="02070309020205020404" pitchFamily="49" charset="0"/>
+              </a:rPr>
+              <a:t>template &lt;</a:t>
+            </a:r>
+            <a:r>
+              <a:rPr lang="en-US" altLang="zh-TW" dirty="0" err="1">
+                <a:effectLst/>
+                <a:latin typeface="Courier New" panose="02070309020205020404" pitchFamily="49" charset="0"/>
+                <a:cs typeface="Courier New" panose="02070309020205020404" pitchFamily="49" charset="0"/>
+              </a:rPr>
+              <a:t>typename</a:t>
+            </a:r>
+            <a:r>
+              <a:rPr lang="en-US" altLang="zh-TW" dirty="0">
+                <a:effectLst/>
+                <a:latin typeface="Courier New" panose="02070309020205020404" pitchFamily="49" charset="0"/>
+                <a:cs typeface="Courier New" panose="02070309020205020404" pitchFamily="49" charset="0"/>
+              </a:rPr>
+              <a:t> T = void&gt;</a:t>
+            </a:r>
+            <a:br>
+              <a:rPr lang="en-US" altLang="zh-TW" dirty="0">
+                <a:effectLst/>
+                <a:latin typeface="Courier New" panose="02070309020205020404" pitchFamily="49" charset="0"/>
+                <a:cs typeface="Courier New" panose="02070309020205020404" pitchFamily="49" charset="0"/>
+              </a:rPr>
+            </a:br>
+            <a:r>
+              <a:rPr lang="en-US" altLang="zh-TW" dirty="0" err="1">
+                <a:effectLst/>
+                <a:latin typeface="Courier New" panose="02070309020205020404" pitchFamily="49" charset="0"/>
+                <a:cs typeface="Courier New" panose="02070309020205020404" pitchFamily="49" charset="0"/>
+              </a:rPr>
+              <a:t>unique_hlocal_ptr</a:t>
+            </a:r>
+            <a:r>
+              <a:rPr lang="en-US" altLang="zh-TW" dirty="0">
+                <a:effectLst/>
+                <a:latin typeface="Courier New" panose="02070309020205020404" pitchFamily="49" charset="0"/>
+                <a:cs typeface="Courier New" panose="02070309020205020404" pitchFamily="49" charset="0"/>
+              </a:rPr>
+              <a:t> = </a:t>
+            </a:r>
+            <a:r>
+              <a:rPr lang="en-US" altLang="zh-TW" dirty="0" err="1">
+                <a:effectLst/>
+                <a:latin typeface="Courier New" panose="02070309020205020404" pitchFamily="49" charset="0"/>
+                <a:cs typeface="Courier New" panose="02070309020205020404" pitchFamily="49" charset="0"/>
+              </a:rPr>
+              <a:t>wistd</a:t>
+            </a:r>
+            <a:r>
+              <a:rPr lang="en-US" altLang="zh-TW" dirty="0">
+                <a:effectLst/>
+                <a:latin typeface="Courier New" panose="02070309020205020404" pitchFamily="49" charset="0"/>
+                <a:cs typeface="Courier New" panose="02070309020205020404" pitchFamily="49" charset="0"/>
+              </a:rPr>
+              <a:t>::</a:t>
+            </a:r>
+            <a:r>
+              <a:rPr lang="en-US" altLang="zh-TW" dirty="0" err="1">
+                <a:effectLst/>
+                <a:latin typeface="Courier New" panose="02070309020205020404" pitchFamily="49" charset="0"/>
+                <a:cs typeface="Courier New" panose="02070309020205020404" pitchFamily="49" charset="0"/>
+              </a:rPr>
+              <a:t>unique_ptr</a:t>
+            </a:r>
+            <a:r>
+              <a:rPr lang="en-US" altLang="zh-TW" dirty="0">
+                <a:effectLst/>
+                <a:latin typeface="Courier New" panose="02070309020205020404" pitchFamily="49" charset="0"/>
+                <a:cs typeface="Courier New" panose="02070309020205020404" pitchFamily="49" charset="0"/>
+              </a:rPr>
+              <a:t>&lt;T, </a:t>
+            </a:r>
+            <a:r>
+              <a:rPr lang="en-US" altLang="zh-TW" dirty="0" err="1">
+                <a:effectLst/>
+                <a:latin typeface="Courier New" panose="02070309020205020404" pitchFamily="49" charset="0"/>
+                <a:cs typeface="Courier New" panose="02070309020205020404" pitchFamily="49" charset="0"/>
+              </a:rPr>
+              <a:t>hlocal_deleter</a:t>
+            </a:r>
+            <a:r>
+              <a:rPr lang="en-US" altLang="zh-TW" dirty="0">
+                <a:effectLst/>
+                <a:latin typeface="Courier New" panose="02070309020205020404" pitchFamily="49" charset="0"/>
+                <a:cs typeface="Courier New" panose="02070309020205020404" pitchFamily="49" charset="0"/>
+              </a:rPr>
+              <a:t>&gt;;</a:t>
+            </a:r>
+            <a:br>
+              <a:rPr lang="en-US" altLang="zh-TW" dirty="0">
+                <a:effectLst/>
+                <a:latin typeface="Courier New" panose="02070309020205020404" pitchFamily="49" charset="0"/>
+                <a:cs typeface="Courier New" panose="02070309020205020404" pitchFamily="49" charset="0"/>
+              </a:rPr>
+            </a:br>
+            <a:br>
+              <a:rPr lang="en-US" altLang="zh-TW" dirty="0">
+                <a:effectLst/>
+                <a:latin typeface="Courier New" panose="02070309020205020404" pitchFamily="49" charset="0"/>
+                <a:cs typeface="Courier New" panose="02070309020205020404" pitchFamily="49" charset="0"/>
+              </a:rPr>
+            </a:br>
+            <a:r>
+              <a:rPr lang="en-US" altLang="zh-TW" dirty="0">
+                <a:effectLst/>
+                <a:latin typeface="Courier New" panose="02070309020205020404" pitchFamily="49" charset="0"/>
+                <a:cs typeface="Courier New" panose="02070309020205020404" pitchFamily="49" charset="0"/>
+              </a:rPr>
+              <a:t>auto foo = </a:t>
+            </a:r>
+            <a:r>
+              <a:rPr lang="en-US" altLang="zh-TW" dirty="0" err="1">
+                <a:effectLst/>
+                <a:latin typeface="Courier New" panose="02070309020205020404" pitchFamily="49" charset="0"/>
+                <a:cs typeface="Courier New" panose="02070309020205020404" pitchFamily="49" charset="0"/>
+              </a:rPr>
+              <a:t>wil</a:t>
+            </a:r>
+            <a:r>
+              <a:rPr lang="en-US" altLang="zh-TW" dirty="0">
+                <a:effectLst/>
+                <a:latin typeface="Courier New" panose="02070309020205020404" pitchFamily="49" charset="0"/>
+                <a:cs typeface="Courier New" panose="02070309020205020404" pitchFamily="49" charset="0"/>
+              </a:rPr>
+              <a:t>::</a:t>
+            </a:r>
+            <a:r>
+              <a:rPr lang="en-US" altLang="zh-TW" dirty="0" err="1">
+                <a:effectLst/>
+                <a:latin typeface="Courier New" panose="02070309020205020404" pitchFamily="49" charset="0"/>
+                <a:cs typeface="Courier New" panose="02070309020205020404" pitchFamily="49" charset="0"/>
+              </a:rPr>
+              <a:t>make_unique_hlocal</a:t>
+            </a:r>
+            <a:r>
+              <a:rPr lang="en-US" altLang="zh-TW" dirty="0">
+                <a:effectLst/>
+                <a:latin typeface="Courier New" panose="02070309020205020404" pitchFamily="49" charset="0"/>
+                <a:cs typeface="Courier New" panose="02070309020205020404" pitchFamily="49" charset="0"/>
+              </a:rPr>
+              <a:t>&lt;Foo&gt;(…);</a:t>
+            </a:r>
+            <a:br>
+              <a:rPr lang="en-US" altLang="zh-TW" dirty="0">
+                <a:effectLst/>
+                <a:latin typeface="Courier New" panose="02070309020205020404" pitchFamily="49" charset="0"/>
+                <a:cs typeface="Courier New" panose="02070309020205020404" pitchFamily="49" charset="0"/>
+              </a:rPr>
+            </a:br>
+            <a:r>
+              <a:rPr lang="en-US" altLang="zh-TW" dirty="0">
+                <a:effectLst/>
+                <a:latin typeface="Courier New" panose="02070309020205020404" pitchFamily="49" charset="0"/>
+                <a:cs typeface="Courier New" panose="02070309020205020404" pitchFamily="49" charset="0"/>
+              </a:rPr>
+              <a:t>auto </a:t>
+            </a:r>
+            <a:r>
+              <a:rPr lang="en-US" altLang="zh-TW" dirty="0" err="1">
+                <a:effectLst/>
+                <a:latin typeface="Courier New" panose="02070309020205020404" pitchFamily="49" charset="0"/>
+                <a:cs typeface="Courier New" panose="02070309020205020404" pitchFamily="49" charset="0"/>
+              </a:rPr>
+              <a:t>foos</a:t>
+            </a:r>
+            <a:r>
+              <a:rPr lang="en-US" altLang="zh-TW" dirty="0">
+                <a:effectLst/>
+                <a:latin typeface="Courier New" panose="02070309020205020404" pitchFamily="49" charset="0"/>
+                <a:cs typeface="Courier New" panose="02070309020205020404" pitchFamily="49" charset="0"/>
+              </a:rPr>
+              <a:t> = </a:t>
+            </a:r>
+            <a:r>
+              <a:rPr lang="en-US" altLang="zh-TW" dirty="0" err="1">
+                <a:effectLst/>
+                <a:latin typeface="Courier New" panose="02070309020205020404" pitchFamily="49" charset="0"/>
+                <a:cs typeface="Courier New" panose="02070309020205020404" pitchFamily="49" charset="0"/>
+              </a:rPr>
+              <a:t>wil</a:t>
+            </a:r>
+            <a:r>
+              <a:rPr lang="en-US" altLang="zh-TW" dirty="0">
+                <a:effectLst/>
+                <a:latin typeface="Courier New" panose="02070309020205020404" pitchFamily="49" charset="0"/>
+                <a:cs typeface="Courier New" panose="02070309020205020404" pitchFamily="49" charset="0"/>
+              </a:rPr>
+              <a:t>::</a:t>
+            </a:r>
+            <a:r>
+              <a:rPr lang="en-US" altLang="zh-TW" dirty="0" err="1">
+                <a:effectLst/>
+                <a:latin typeface="Courier New" panose="02070309020205020404" pitchFamily="49" charset="0"/>
+                <a:cs typeface="Courier New" panose="02070309020205020404" pitchFamily="49" charset="0"/>
+              </a:rPr>
+              <a:t>make_unique_hlocal</a:t>
+            </a:r>
+            <a:r>
+              <a:rPr lang="en-US" altLang="zh-TW" dirty="0">
+                <a:effectLst/>
+                <a:latin typeface="Courier New" panose="02070309020205020404" pitchFamily="49" charset="0"/>
+                <a:cs typeface="Courier New" panose="02070309020205020404" pitchFamily="49" charset="0"/>
+              </a:rPr>
+              <a:t>&lt;Foo[]&gt;(</a:t>
+            </a:r>
+            <a:r>
+              <a:rPr lang="en-US" altLang="zh-TW" dirty="0" err="1">
+                <a:effectLst/>
+                <a:latin typeface="Courier New" panose="02070309020205020404" pitchFamily="49" charset="0"/>
+                <a:cs typeface="Courier New" panose="02070309020205020404" pitchFamily="49" charset="0"/>
+              </a:rPr>
+              <a:t>array_size</a:t>
+            </a:r>
+            <a:r>
+              <a:rPr lang="en-US" altLang="zh-TW" dirty="0">
+                <a:effectLst/>
+                <a:latin typeface="Courier New" panose="02070309020205020404" pitchFamily="49" charset="0"/>
+                <a:cs typeface="Courier New" panose="02070309020205020404" pitchFamily="49" charset="0"/>
+              </a:rPr>
+              <a:t>);</a:t>
+            </a:r>
+          </a:p>
+          <a:p>
+            <a:pPr marL="342900" indent="-342900" algn="l">
+              <a:spcBef>
+                <a:spcPts val="0"/>
+              </a:spcBef>
+              <a:spcAft>
+                <a:spcPts val="300"/>
+              </a:spcAft>
+              <a:buFont typeface="Arial" panose="020B0604020202020204" pitchFamily="34" charset="0"/>
+              <a:buChar char="•"/>
+            </a:pPr>
+            <a:r>
+              <a:rPr lang="en-US" altLang="zh-TW" dirty="0">
+                <a:effectLst/>
+                <a:latin typeface="Courier New" panose="02070309020205020404" pitchFamily="49" charset="0"/>
+                <a:cs typeface="Courier New" panose="02070309020205020404" pitchFamily="49" charset="0"/>
+              </a:rPr>
+              <a:t>LPVOID - resources allocated with ‘</a:t>
+            </a:r>
+            <a:r>
+              <a:rPr lang="en-US" altLang="zh-TW" dirty="0" err="1">
+                <a:effectLst/>
+                <a:latin typeface="Courier New" panose="02070309020205020404" pitchFamily="49" charset="0"/>
+                <a:cs typeface="Courier New" panose="02070309020205020404" pitchFamily="49" charset="0"/>
+              </a:rPr>
+              <a:t>CoTaskMemAlloc</a:t>
+            </a:r>
+            <a:r>
+              <a:rPr lang="en-US" altLang="zh-TW" dirty="0">
+                <a:effectLst/>
+                <a:latin typeface="Courier New" panose="02070309020205020404" pitchFamily="49" charset="0"/>
+                <a:cs typeface="Courier New" panose="02070309020205020404" pitchFamily="49" charset="0"/>
+              </a:rPr>
+              <a:t>()’</a:t>
+            </a:r>
+            <a:br>
+              <a:rPr lang="en-US" altLang="zh-TW" dirty="0">
+                <a:effectLst/>
+                <a:latin typeface="Courier New" panose="02070309020205020404" pitchFamily="49" charset="0"/>
+                <a:cs typeface="Courier New" panose="02070309020205020404" pitchFamily="49" charset="0"/>
+              </a:rPr>
+            </a:br>
+            <a:br>
+              <a:rPr lang="en-US" altLang="zh-TW" dirty="0">
+                <a:effectLst/>
+                <a:latin typeface="Courier New" panose="02070309020205020404" pitchFamily="49" charset="0"/>
+                <a:cs typeface="Courier New" panose="02070309020205020404" pitchFamily="49" charset="0"/>
+              </a:rPr>
+            </a:br>
+            <a:r>
+              <a:rPr lang="en-US" altLang="zh-TW" dirty="0">
+                <a:effectLst/>
+                <a:latin typeface="Courier New" panose="02070309020205020404" pitchFamily="49" charset="0"/>
+                <a:cs typeface="Courier New" panose="02070309020205020404" pitchFamily="49" charset="0"/>
+              </a:rPr>
+              <a:t>using </a:t>
+            </a:r>
+            <a:r>
+              <a:rPr lang="en-US" altLang="zh-TW" dirty="0" err="1">
+                <a:effectLst/>
+                <a:latin typeface="Courier New" panose="02070309020205020404" pitchFamily="49" charset="0"/>
+                <a:cs typeface="Courier New" panose="02070309020205020404" pitchFamily="49" charset="0"/>
+              </a:rPr>
+              <a:t>cotaskmem_deleter</a:t>
+            </a:r>
+            <a:r>
+              <a:rPr lang="en-US" altLang="zh-TW" dirty="0">
+                <a:effectLst/>
+                <a:latin typeface="Courier New" panose="02070309020205020404" pitchFamily="49" charset="0"/>
+                <a:cs typeface="Courier New" panose="02070309020205020404" pitchFamily="49" charset="0"/>
+              </a:rPr>
+              <a:t> =</a:t>
+            </a:r>
+            <a:r>
+              <a:rPr lang="zh-TW" altLang="en-US" dirty="0">
+                <a:effectLst/>
+                <a:latin typeface="Courier New" panose="02070309020205020404" pitchFamily="49" charset="0"/>
+                <a:cs typeface="Courier New" panose="02070309020205020404" pitchFamily="49" charset="0"/>
+              </a:rPr>
+              <a:t> </a:t>
+            </a:r>
+            <a:r>
+              <a:rPr lang="en-US" altLang="zh-TW" dirty="0" err="1">
+                <a:effectLst/>
+                <a:latin typeface="Courier New" panose="02070309020205020404" pitchFamily="49" charset="0"/>
+                <a:cs typeface="Courier New" panose="02070309020205020404" pitchFamily="49" charset="0"/>
+              </a:rPr>
+              <a:t>function_deleter</a:t>
+            </a:r>
+            <a:r>
+              <a:rPr lang="en-US" altLang="zh-TW" dirty="0">
+                <a:effectLst/>
+                <a:latin typeface="Courier New" panose="02070309020205020404" pitchFamily="49" charset="0"/>
+                <a:cs typeface="Courier New" panose="02070309020205020404" pitchFamily="49" charset="0"/>
+              </a:rPr>
+              <a:t>&lt;</a:t>
+            </a:r>
+            <a:r>
+              <a:rPr lang="en-US" altLang="zh-TW" dirty="0" err="1">
+                <a:effectLst/>
+                <a:latin typeface="Courier New" panose="02070309020205020404" pitchFamily="49" charset="0"/>
+                <a:cs typeface="Courier New" panose="02070309020205020404" pitchFamily="49" charset="0"/>
+              </a:rPr>
+              <a:t>decltype</a:t>
+            </a:r>
+            <a:r>
+              <a:rPr lang="en-US" altLang="zh-TW" dirty="0">
+                <a:effectLst/>
+                <a:latin typeface="Courier New" panose="02070309020205020404" pitchFamily="49" charset="0"/>
+                <a:cs typeface="Courier New" panose="02070309020205020404" pitchFamily="49" charset="0"/>
+              </a:rPr>
+              <a:t>(&amp;::</a:t>
+            </a:r>
+            <a:r>
+              <a:rPr lang="en-US" altLang="zh-TW" dirty="0" err="1">
+                <a:effectLst/>
+                <a:latin typeface="Courier New" panose="02070309020205020404" pitchFamily="49" charset="0"/>
+                <a:cs typeface="Courier New" panose="02070309020205020404" pitchFamily="49" charset="0"/>
+              </a:rPr>
+              <a:t>CoTaskMemFree</a:t>
+            </a:r>
+            <a:r>
+              <a:rPr lang="en-US" altLang="zh-TW" dirty="0">
+                <a:effectLst/>
+                <a:latin typeface="Courier New" panose="02070309020205020404" pitchFamily="49" charset="0"/>
+                <a:cs typeface="Courier New" panose="02070309020205020404" pitchFamily="49" charset="0"/>
+              </a:rPr>
+              <a:t>), ::</a:t>
+            </a:r>
+            <a:r>
+              <a:rPr lang="en-US" altLang="zh-TW" dirty="0" err="1">
+                <a:effectLst/>
+                <a:latin typeface="Courier New" panose="02070309020205020404" pitchFamily="49" charset="0"/>
+                <a:cs typeface="Courier New" panose="02070309020205020404" pitchFamily="49" charset="0"/>
+              </a:rPr>
+              <a:t>CoTaskMemFree</a:t>
+            </a:r>
+            <a:r>
+              <a:rPr lang="en-US" altLang="zh-TW" dirty="0">
+                <a:effectLst/>
+                <a:latin typeface="Courier New" panose="02070309020205020404" pitchFamily="49" charset="0"/>
+                <a:cs typeface="Courier New" panose="02070309020205020404" pitchFamily="49" charset="0"/>
+              </a:rPr>
+              <a:t>&gt;;</a:t>
+            </a:r>
+            <a:br>
+              <a:rPr lang="en-US" altLang="zh-TW" dirty="0">
+                <a:effectLst/>
+                <a:latin typeface="Courier New" panose="02070309020205020404" pitchFamily="49" charset="0"/>
+                <a:cs typeface="Courier New" panose="02070309020205020404" pitchFamily="49" charset="0"/>
+              </a:rPr>
+            </a:br>
+            <a:r>
+              <a:rPr lang="en-US" altLang="zh-TW" dirty="0">
+                <a:effectLst/>
+                <a:latin typeface="Courier New" panose="02070309020205020404" pitchFamily="49" charset="0"/>
+                <a:cs typeface="Courier New" panose="02070309020205020404" pitchFamily="49" charset="0"/>
+              </a:rPr>
+              <a:t>template &lt;</a:t>
+            </a:r>
+            <a:r>
+              <a:rPr lang="en-US" altLang="zh-TW" dirty="0" err="1">
+                <a:effectLst/>
+                <a:latin typeface="Courier New" panose="02070309020205020404" pitchFamily="49" charset="0"/>
+                <a:cs typeface="Courier New" panose="02070309020205020404" pitchFamily="49" charset="0"/>
+              </a:rPr>
+              <a:t>typename</a:t>
+            </a:r>
+            <a:r>
+              <a:rPr lang="en-US" altLang="zh-TW" dirty="0">
+                <a:effectLst/>
+                <a:latin typeface="Courier New" panose="02070309020205020404" pitchFamily="49" charset="0"/>
+                <a:cs typeface="Courier New" panose="02070309020205020404" pitchFamily="49" charset="0"/>
+              </a:rPr>
+              <a:t> T = void&gt;</a:t>
+            </a:r>
+            <a:br>
+              <a:rPr lang="en-US" altLang="zh-TW" dirty="0">
+                <a:effectLst/>
+                <a:latin typeface="Courier New" panose="02070309020205020404" pitchFamily="49" charset="0"/>
+                <a:cs typeface="Courier New" panose="02070309020205020404" pitchFamily="49" charset="0"/>
+              </a:rPr>
+            </a:br>
+            <a:r>
+              <a:rPr lang="en-US" altLang="zh-TW" dirty="0">
+                <a:effectLst/>
+                <a:latin typeface="Courier New" panose="02070309020205020404" pitchFamily="49" charset="0"/>
+                <a:cs typeface="Courier New" panose="02070309020205020404" pitchFamily="49" charset="0"/>
+              </a:rPr>
+              <a:t>using </a:t>
+            </a:r>
+            <a:r>
+              <a:rPr lang="en-US" altLang="zh-TW" dirty="0" err="1">
+                <a:effectLst/>
+                <a:latin typeface="Courier New" panose="02070309020205020404" pitchFamily="49" charset="0"/>
+                <a:cs typeface="Courier New" panose="02070309020205020404" pitchFamily="49" charset="0"/>
+              </a:rPr>
+              <a:t>unique_cotaskmem_ptr</a:t>
+            </a:r>
+            <a:r>
+              <a:rPr lang="en-US" altLang="zh-TW" dirty="0">
+                <a:effectLst/>
+                <a:latin typeface="Courier New" panose="02070309020205020404" pitchFamily="49" charset="0"/>
+                <a:cs typeface="Courier New" panose="02070309020205020404" pitchFamily="49" charset="0"/>
+              </a:rPr>
+              <a:t> = </a:t>
+            </a:r>
+            <a:r>
+              <a:rPr lang="en-US" altLang="zh-TW" dirty="0" err="1">
+                <a:effectLst/>
+                <a:latin typeface="Courier New" panose="02070309020205020404" pitchFamily="49" charset="0"/>
+                <a:cs typeface="Courier New" panose="02070309020205020404" pitchFamily="49" charset="0"/>
+              </a:rPr>
+              <a:t>wistd</a:t>
+            </a:r>
+            <a:r>
+              <a:rPr lang="en-US" altLang="zh-TW" dirty="0">
+                <a:effectLst/>
+                <a:latin typeface="Courier New" panose="02070309020205020404" pitchFamily="49" charset="0"/>
+                <a:cs typeface="Courier New" panose="02070309020205020404" pitchFamily="49" charset="0"/>
+              </a:rPr>
+              <a:t>::</a:t>
+            </a:r>
+            <a:r>
+              <a:rPr lang="en-US" altLang="zh-TW" dirty="0" err="1">
+                <a:effectLst/>
+                <a:latin typeface="Courier New" panose="02070309020205020404" pitchFamily="49" charset="0"/>
+                <a:cs typeface="Courier New" panose="02070309020205020404" pitchFamily="49" charset="0"/>
+              </a:rPr>
+              <a:t>unique_ptr</a:t>
+            </a:r>
+            <a:r>
+              <a:rPr lang="en-US" altLang="zh-TW" dirty="0">
+                <a:effectLst/>
+                <a:latin typeface="Courier New" panose="02070309020205020404" pitchFamily="49" charset="0"/>
+                <a:cs typeface="Courier New" panose="02070309020205020404" pitchFamily="49" charset="0"/>
+              </a:rPr>
+              <a:t>&lt;T, </a:t>
+            </a:r>
+            <a:r>
+              <a:rPr lang="en-US" altLang="zh-TW" dirty="0" err="1">
+                <a:effectLst/>
+                <a:latin typeface="Courier New" panose="02070309020205020404" pitchFamily="49" charset="0"/>
+                <a:cs typeface="Courier New" panose="02070309020205020404" pitchFamily="49" charset="0"/>
+              </a:rPr>
+              <a:t>cotaskmem_deleter</a:t>
+            </a:r>
+            <a:r>
+              <a:rPr lang="en-US" altLang="zh-TW" dirty="0">
+                <a:effectLst/>
+                <a:latin typeface="Courier New" panose="02070309020205020404" pitchFamily="49" charset="0"/>
+                <a:cs typeface="Courier New" panose="02070309020205020404" pitchFamily="49" charset="0"/>
+              </a:rPr>
+              <a:t>&gt;;</a:t>
+            </a:r>
+            <a:br>
+              <a:rPr lang="en-US" altLang="zh-TW" dirty="0">
+                <a:effectLst/>
+                <a:latin typeface="Courier New" panose="02070309020205020404" pitchFamily="49" charset="0"/>
+                <a:cs typeface="Courier New" panose="02070309020205020404" pitchFamily="49" charset="0"/>
+              </a:rPr>
+            </a:br>
+            <a:br>
+              <a:rPr lang="en-US" altLang="zh-TW" dirty="0">
+                <a:effectLst/>
+                <a:latin typeface="Courier New" panose="02070309020205020404" pitchFamily="49" charset="0"/>
+                <a:cs typeface="Courier New" panose="02070309020205020404" pitchFamily="49" charset="0"/>
+              </a:rPr>
+            </a:br>
+            <a:r>
+              <a:rPr lang="en-US" altLang="zh-TW" dirty="0">
+                <a:effectLst/>
+                <a:latin typeface="Courier New" panose="02070309020205020404" pitchFamily="49" charset="0"/>
+                <a:cs typeface="Courier New" panose="02070309020205020404" pitchFamily="49" charset="0"/>
+              </a:rPr>
+              <a:t>auto foo = </a:t>
+            </a:r>
+            <a:r>
+              <a:rPr lang="en-US" altLang="zh-TW" dirty="0" err="1">
+                <a:effectLst/>
+                <a:latin typeface="Courier New" panose="02070309020205020404" pitchFamily="49" charset="0"/>
+                <a:cs typeface="Courier New" panose="02070309020205020404" pitchFamily="49" charset="0"/>
+              </a:rPr>
+              <a:t>wil</a:t>
+            </a:r>
+            <a:r>
+              <a:rPr lang="en-US" altLang="zh-TW" dirty="0">
+                <a:effectLst/>
+                <a:latin typeface="Courier New" panose="02070309020205020404" pitchFamily="49" charset="0"/>
+                <a:cs typeface="Courier New" panose="02070309020205020404" pitchFamily="49" charset="0"/>
+              </a:rPr>
+              <a:t>::</a:t>
+            </a:r>
+            <a:r>
+              <a:rPr lang="en-US" altLang="zh-TW" dirty="0" err="1">
+                <a:effectLst/>
+                <a:latin typeface="Courier New" panose="02070309020205020404" pitchFamily="49" charset="0"/>
+                <a:cs typeface="Courier New" panose="02070309020205020404" pitchFamily="49" charset="0"/>
+              </a:rPr>
+              <a:t>make_unique_cotaskmem</a:t>
+            </a:r>
+            <a:r>
+              <a:rPr lang="en-US" altLang="zh-TW" dirty="0">
+                <a:effectLst/>
+                <a:latin typeface="Courier New" panose="02070309020205020404" pitchFamily="49" charset="0"/>
+                <a:cs typeface="Courier New" panose="02070309020205020404" pitchFamily="49" charset="0"/>
+              </a:rPr>
+              <a:t>&lt;Foo&gt;(…);</a:t>
+            </a:r>
+            <a:br>
+              <a:rPr lang="en-US" altLang="zh-TW" dirty="0">
+                <a:effectLst/>
+                <a:latin typeface="Courier New" panose="02070309020205020404" pitchFamily="49" charset="0"/>
+                <a:cs typeface="Courier New" panose="02070309020205020404" pitchFamily="49" charset="0"/>
+              </a:rPr>
+            </a:br>
+            <a:r>
+              <a:rPr lang="en-US" altLang="zh-TW" dirty="0">
+                <a:effectLst/>
+                <a:latin typeface="Courier New" panose="02070309020205020404" pitchFamily="49" charset="0"/>
+                <a:cs typeface="Courier New" panose="02070309020205020404" pitchFamily="49" charset="0"/>
+              </a:rPr>
+              <a:t>auto </a:t>
+            </a:r>
+            <a:r>
+              <a:rPr lang="en-US" altLang="zh-TW" dirty="0" err="1">
+                <a:effectLst/>
+                <a:latin typeface="Courier New" panose="02070309020205020404" pitchFamily="49" charset="0"/>
+                <a:cs typeface="Courier New" panose="02070309020205020404" pitchFamily="49" charset="0"/>
+              </a:rPr>
+              <a:t>foos</a:t>
+            </a:r>
+            <a:r>
+              <a:rPr lang="en-US" altLang="zh-TW" dirty="0">
+                <a:effectLst/>
+                <a:latin typeface="Courier New" panose="02070309020205020404" pitchFamily="49" charset="0"/>
+                <a:cs typeface="Courier New" panose="02070309020205020404" pitchFamily="49" charset="0"/>
+              </a:rPr>
+              <a:t> = </a:t>
+            </a:r>
+            <a:r>
+              <a:rPr lang="en-US" altLang="zh-TW" dirty="0" err="1">
+                <a:effectLst/>
+                <a:latin typeface="Courier New" panose="02070309020205020404" pitchFamily="49" charset="0"/>
+                <a:cs typeface="Courier New" panose="02070309020205020404" pitchFamily="49" charset="0"/>
+              </a:rPr>
+              <a:t>wil</a:t>
+            </a:r>
+            <a:r>
+              <a:rPr lang="en-US" altLang="zh-TW" dirty="0">
+                <a:effectLst/>
+                <a:latin typeface="Courier New" panose="02070309020205020404" pitchFamily="49" charset="0"/>
+                <a:cs typeface="Courier New" panose="02070309020205020404" pitchFamily="49" charset="0"/>
+              </a:rPr>
+              <a:t>::</a:t>
+            </a:r>
+            <a:r>
+              <a:rPr lang="en-US" altLang="zh-TW" dirty="0" err="1">
+                <a:effectLst/>
+                <a:latin typeface="Courier New" panose="02070309020205020404" pitchFamily="49" charset="0"/>
+                <a:cs typeface="Courier New" panose="02070309020205020404" pitchFamily="49" charset="0"/>
+              </a:rPr>
+              <a:t>make_unique_cotaskmem</a:t>
+            </a:r>
+            <a:r>
+              <a:rPr lang="en-US" altLang="zh-TW" dirty="0">
+                <a:effectLst/>
+                <a:latin typeface="Courier New" panose="02070309020205020404" pitchFamily="49" charset="0"/>
+                <a:cs typeface="Courier New" panose="02070309020205020404" pitchFamily="49" charset="0"/>
+              </a:rPr>
+              <a:t>&lt;Foo[]&gt;(</a:t>
+            </a:r>
+            <a:r>
+              <a:rPr lang="en-US" altLang="zh-TW" dirty="0" err="1">
+                <a:effectLst/>
+                <a:latin typeface="Courier New" panose="02070309020205020404" pitchFamily="49" charset="0"/>
+                <a:cs typeface="Courier New" panose="02070309020205020404" pitchFamily="49" charset="0"/>
+              </a:rPr>
+              <a:t>array_size</a:t>
+            </a:r>
+            <a:r>
+              <a:rPr lang="en-US" altLang="zh-TW" dirty="0">
+                <a:effectLst/>
+                <a:latin typeface="Courier New" panose="02070309020205020404" pitchFamily="49" charset="0"/>
+                <a:cs typeface="Courier New" panose="02070309020205020404" pitchFamily="49" charset="0"/>
+              </a:rPr>
+              <a:t>);</a:t>
+            </a:r>
+          </a:p>
+        </p:txBody>
+      </p:sp>
+    </p:spTree>
+    <p:extLst>
+      <p:ext uri="{BB962C8B-B14F-4D97-AF65-F5344CB8AC3E}">
+        <p14:creationId xmlns:p14="http://schemas.microsoft.com/office/powerpoint/2010/main" val="4010335658"/>
+      </p:ext>
+    </p:extLst>
+  </p:cSld>
+  <p:clrMapOvr>
+    <a:masterClrMapping/>
+  </p:clrMapOvr>
+</p:sld>
+</file>
+
+<file path=ppt/slides/slide11.xml><?xml version="1.0" encoding="utf-8"?>
+<p:sld xmlns:a="http://schemas.openxmlformats.org/drawingml/2006/main" xmlns:r="http://schemas.openxmlformats.org/officeDocument/2006/relationships" xmlns:p="http://schemas.openxmlformats.org/presentationml/2006/main">
+  <p:cSld>
+    <p:spTree>
+      <p:nvGrpSpPr>
+        <p:cNvPr id="1" name=""/>
+        <p:cNvGrpSpPr/>
+        <p:nvPr/>
+      </p:nvGrpSpPr>
+      <p:grpSpPr>
+        <a:xfrm>
+          <a:off x="0" y="0"/>
+          <a:ext cx="0" cy="0"/>
+          <a:chOff x="0" y="0"/>
+          <a:chExt cx="0" cy="0"/>
+        </a:xfrm>
+      </p:grpSpPr>
+      <p:sp>
+        <p:nvSpPr>
+          <p:cNvPr id="2" name="Title 1">
+            <a:extLst>
+              <a:ext uri="{FF2B5EF4-FFF2-40B4-BE49-F238E27FC236}">
+                <a16:creationId xmlns:a16="http://schemas.microsoft.com/office/drawing/2014/main" id="{67B987A3-AE05-4DD4-B92A-5BB153BF5168}"/>
+              </a:ext>
+            </a:extLst>
+          </p:cNvPr>
+          <p:cNvSpPr>
+            <a:spLocks noGrp="1"/>
+          </p:cNvSpPr>
+          <p:nvPr>
+            <p:ph type="ctrTitle"/>
+          </p:nvPr>
+        </p:nvSpPr>
+        <p:spPr>
+          <a:xfrm>
+            <a:off x="1212574" y="236954"/>
+            <a:ext cx="9780104" cy="806235"/>
+          </a:xfrm>
+        </p:spPr>
+        <p:txBody>
+          <a:bodyPr>
+            <a:normAutofit fontScale="90000"/>
+          </a:bodyPr>
+          <a:lstStyle/>
+          <a:p>
+            <a:r>
+              <a:rPr lang="en-US" dirty="0">
+                <a:effectLst/>
+              </a:rPr>
+              <a:t>WIL </a:t>
+            </a:r>
+            <a:r>
+              <a:rPr lang="en-US" dirty="0" err="1">
+                <a:effectLst/>
+              </a:rPr>
+              <a:t>resource.h</a:t>
+            </a:r>
+            <a:endParaRPr lang="en-US" dirty="0">
+              <a:effectLst/>
+            </a:endParaRPr>
+          </a:p>
+        </p:txBody>
+      </p:sp>
+      <p:sp>
+        <p:nvSpPr>
+          <p:cNvPr id="3" name="Subtitle 2">
+            <a:extLst>
+              <a:ext uri="{FF2B5EF4-FFF2-40B4-BE49-F238E27FC236}">
+                <a16:creationId xmlns:a16="http://schemas.microsoft.com/office/drawing/2014/main" id="{2F840F1F-E23F-4334-943C-3F1A7A2E80AA}"/>
+              </a:ext>
+            </a:extLst>
+          </p:cNvPr>
+          <p:cNvSpPr>
+            <a:spLocks noGrp="1"/>
+          </p:cNvSpPr>
+          <p:nvPr>
+            <p:ph type="subTitle" idx="1"/>
+          </p:nvPr>
+        </p:nvSpPr>
+        <p:spPr>
+          <a:xfrm>
+            <a:off x="520228" y="1043189"/>
+            <a:ext cx="11140964" cy="5412695"/>
+          </a:xfrm>
+        </p:spPr>
+        <p:txBody>
+          <a:bodyPr>
+            <a:normAutofit fontScale="25000" lnSpcReduction="20000"/>
+          </a:bodyPr>
+          <a:lstStyle/>
+          <a:p>
+            <a:pPr marL="342900" indent="-342900" algn="l">
+              <a:spcBef>
+                <a:spcPts val="0"/>
+              </a:spcBef>
+              <a:spcAft>
+                <a:spcPts val="300"/>
+              </a:spcAft>
+              <a:buFont typeface="Arial" panose="020B0604020202020204" pitchFamily="34" charset="0"/>
+              <a:buChar char="•"/>
+            </a:pPr>
+            <a:r>
+              <a:rPr lang="en-US" altLang="zh-TW" sz="8000" dirty="0">
+                <a:effectLst/>
+                <a:latin typeface="Courier New" panose="02070309020205020404" pitchFamily="49" charset="0"/>
+                <a:cs typeface="Courier New" panose="02070309020205020404" pitchFamily="49" charset="0"/>
+              </a:rPr>
+              <a:t>PWSTR - resources allocated with ‘</a:t>
+            </a:r>
+            <a:r>
+              <a:rPr lang="en-US" altLang="zh-TW" sz="8000" dirty="0" err="1">
+                <a:effectLst/>
+                <a:latin typeface="Courier New" panose="02070309020205020404" pitchFamily="49" charset="0"/>
+                <a:cs typeface="Courier New" panose="02070309020205020404" pitchFamily="49" charset="0"/>
+              </a:rPr>
+              <a:t>CoTaskMemAlloc</a:t>
+            </a:r>
+            <a:r>
+              <a:rPr lang="en-US" altLang="zh-TW" sz="8000" dirty="0">
+                <a:effectLst/>
+                <a:latin typeface="Courier New" panose="02070309020205020404" pitchFamily="49" charset="0"/>
+                <a:cs typeface="Courier New" panose="02070309020205020404" pitchFamily="49" charset="0"/>
+              </a:rPr>
+              <a:t>()’</a:t>
+            </a:r>
+            <a:br>
+              <a:rPr lang="en-US" altLang="zh-TW" sz="8000" dirty="0">
+                <a:effectLst/>
+                <a:latin typeface="Courier New" panose="02070309020205020404" pitchFamily="49" charset="0"/>
+                <a:cs typeface="Courier New" panose="02070309020205020404" pitchFamily="49" charset="0"/>
+              </a:rPr>
+            </a:br>
+            <a:br>
+              <a:rPr lang="en-US" altLang="zh-TW" sz="8000" dirty="0">
+                <a:effectLst/>
+                <a:latin typeface="Courier New" panose="02070309020205020404" pitchFamily="49" charset="0"/>
+                <a:cs typeface="Courier New" panose="02070309020205020404" pitchFamily="49" charset="0"/>
+              </a:rPr>
+            </a:br>
+            <a:r>
+              <a:rPr lang="en-US" altLang="zh-TW" sz="8000" dirty="0">
+                <a:effectLst/>
+                <a:latin typeface="Courier New" panose="02070309020205020404" pitchFamily="49" charset="0"/>
+                <a:cs typeface="Courier New" panose="02070309020205020404" pitchFamily="49" charset="0"/>
+              </a:rPr>
+              <a:t>typedef </a:t>
+            </a:r>
+            <a:r>
+              <a:rPr lang="en-US" altLang="zh-TW" sz="8000" dirty="0" err="1">
+                <a:effectLst/>
+                <a:latin typeface="Courier New" panose="02070309020205020404" pitchFamily="49" charset="0"/>
+                <a:cs typeface="Courier New" panose="02070309020205020404" pitchFamily="49" charset="0"/>
+              </a:rPr>
+              <a:t>unique_any</a:t>
+            </a:r>
+            <a:r>
+              <a:rPr lang="en-US" altLang="zh-TW" sz="8000" dirty="0">
+                <a:effectLst/>
+                <a:latin typeface="Courier New" panose="02070309020205020404" pitchFamily="49" charset="0"/>
+                <a:cs typeface="Courier New" panose="02070309020205020404" pitchFamily="49" charset="0"/>
+              </a:rPr>
+              <a:t>&lt;PWSTR, </a:t>
+            </a:r>
+            <a:r>
+              <a:rPr lang="en-US" altLang="zh-TW" sz="8000" dirty="0" err="1">
+                <a:effectLst/>
+                <a:latin typeface="Courier New" panose="02070309020205020404" pitchFamily="49" charset="0"/>
+                <a:cs typeface="Courier New" panose="02070309020205020404" pitchFamily="49" charset="0"/>
+              </a:rPr>
+              <a:t>decltype</a:t>
+            </a:r>
+            <a:r>
+              <a:rPr lang="en-US" altLang="zh-TW" sz="8000" dirty="0">
+                <a:effectLst/>
+                <a:latin typeface="Courier New" panose="02070309020205020404" pitchFamily="49" charset="0"/>
+                <a:cs typeface="Courier New" panose="02070309020205020404" pitchFamily="49" charset="0"/>
+              </a:rPr>
+              <a:t>(&amp;::</a:t>
+            </a:r>
+            <a:r>
+              <a:rPr lang="en-US" altLang="zh-TW" sz="8000" dirty="0" err="1">
+                <a:effectLst/>
+                <a:latin typeface="Courier New" panose="02070309020205020404" pitchFamily="49" charset="0"/>
+                <a:cs typeface="Courier New" panose="02070309020205020404" pitchFamily="49" charset="0"/>
+              </a:rPr>
+              <a:t>CoTaskMemFree</a:t>
+            </a:r>
+            <a:r>
+              <a:rPr lang="en-US" altLang="zh-TW" sz="8000" dirty="0">
+                <a:effectLst/>
+                <a:latin typeface="Courier New" panose="02070309020205020404" pitchFamily="49" charset="0"/>
+                <a:cs typeface="Courier New" panose="02070309020205020404" pitchFamily="49" charset="0"/>
+              </a:rPr>
+              <a:t>), ::</a:t>
+            </a:r>
+            <a:r>
+              <a:rPr lang="en-US" altLang="zh-TW" sz="8000" dirty="0" err="1">
+                <a:effectLst/>
+                <a:latin typeface="Courier New" panose="02070309020205020404" pitchFamily="49" charset="0"/>
+                <a:cs typeface="Courier New" panose="02070309020205020404" pitchFamily="49" charset="0"/>
+              </a:rPr>
+              <a:t>CoTaskMemFree</a:t>
+            </a:r>
+            <a:r>
+              <a:rPr lang="en-US" altLang="zh-TW" sz="8000" dirty="0">
+                <a:effectLst/>
+                <a:latin typeface="Courier New" panose="02070309020205020404" pitchFamily="49" charset="0"/>
+                <a:cs typeface="Courier New" panose="02070309020205020404" pitchFamily="49" charset="0"/>
+              </a:rPr>
+              <a:t>&gt; </a:t>
+            </a:r>
+            <a:r>
+              <a:rPr lang="en-US" altLang="zh-TW" sz="8000" dirty="0" err="1">
+                <a:effectLst/>
+                <a:latin typeface="Courier New" panose="02070309020205020404" pitchFamily="49" charset="0"/>
+                <a:cs typeface="Courier New" panose="02070309020205020404" pitchFamily="49" charset="0"/>
+              </a:rPr>
+              <a:t>unique_cotaskmem_string</a:t>
+            </a:r>
+            <a:r>
+              <a:rPr lang="en-US" altLang="zh-TW" sz="8000" dirty="0">
+                <a:effectLst/>
+                <a:latin typeface="Courier New" panose="02070309020205020404" pitchFamily="49" charset="0"/>
+                <a:cs typeface="Courier New" panose="02070309020205020404" pitchFamily="49" charset="0"/>
+              </a:rPr>
+              <a:t>;</a:t>
+            </a:r>
+            <a:br>
+              <a:rPr lang="en-US" altLang="zh-TW" sz="8000" dirty="0">
+                <a:effectLst/>
+                <a:latin typeface="Courier New" panose="02070309020205020404" pitchFamily="49" charset="0"/>
+                <a:cs typeface="Courier New" panose="02070309020205020404" pitchFamily="49" charset="0"/>
+              </a:rPr>
+            </a:br>
+            <a:br>
+              <a:rPr lang="en-US" altLang="zh-TW" sz="8000" dirty="0">
+                <a:effectLst/>
+                <a:latin typeface="Courier New" panose="02070309020205020404" pitchFamily="49" charset="0"/>
+                <a:cs typeface="Courier New" panose="02070309020205020404" pitchFamily="49" charset="0"/>
+              </a:rPr>
+            </a:br>
+            <a:r>
+              <a:rPr lang="en-US" altLang="zh-TW" sz="8000" dirty="0">
+                <a:effectLst/>
+                <a:latin typeface="Courier New" panose="02070309020205020404" pitchFamily="49" charset="0"/>
+                <a:cs typeface="Courier New" panose="02070309020205020404" pitchFamily="49" charset="0"/>
+              </a:rPr>
+              <a:t>auto str = </a:t>
+            </a:r>
+            <a:r>
+              <a:rPr lang="en-US" altLang="zh-TW" sz="8000" dirty="0" err="1">
+                <a:effectLst/>
+                <a:latin typeface="Courier New" panose="02070309020205020404" pitchFamily="49" charset="0"/>
+                <a:cs typeface="Courier New" panose="02070309020205020404" pitchFamily="49" charset="0"/>
+              </a:rPr>
+              <a:t>wil</a:t>
+            </a:r>
+            <a:r>
+              <a:rPr lang="en-US" altLang="zh-TW" sz="8000" dirty="0">
+                <a:effectLst/>
+                <a:latin typeface="Courier New" panose="02070309020205020404" pitchFamily="49" charset="0"/>
+                <a:cs typeface="Courier New" panose="02070309020205020404" pitchFamily="49" charset="0"/>
+              </a:rPr>
+              <a:t>::</a:t>
+            </a:r>
+            <a:r>
+              <a:rPr lang="en-US" altLang="zh-TW" sz="8000" dirty="0" err="1">
+                <a:effectLst/>
+                <a:latin typeface="Courier New" panose="02070309020205020404" pitchFamily="49" charset="0"/>
+                <a:cs typeface="Courier New" panose="02070309020205020404" pitchFamily="49" charset="0"/>
+              </a:rPr>
+              <a:t>make_cotaskmem_string</a:t>
+            </a:r>
+            <a:r>
+              <a:rPr lang="en-US" altLang="zh-TW" sz="8000" dirty="0">
+                <a:effectLst/>
+                <a:latin typeface="Courier New" panose="02070309020205020404" pitchFamily="49" charset="0"/>
+                <a:cs typeface="Courier New" panose="02070309020205020404" pitchFamily="49" charset="0"/>
+              </a:rPr>
+              <a:t>(“a string”);</a:t>
+            </a:r>
+          </a:p>
+          <a:p>
+            <a:pPr marL="342900" indent="-342900" algn="l">
+              <a:spcBef>
+                <a:spcPts val="0"/>
+              </a:spcBef>
+              <a:spcAft>
+                <a:spcPts val="300"/>
+              </a:spcAft>
+              <a:buFont typeface="Arial" panose="020B0604020202020204" pitchFamily="34" charset="0"/>
+              <a:buChar char="•"/>
+            </a:pPr>
+            <a:r>
+              <a:rPr lang="en-US" altLang="zh-TW" sz="8000" dirty="0" err="1">
+                <a:effectLst/>
+                <a:latin typeface="Courier New" panose="02070309020205020404" pitchFamily="49" charset="0"/>
+                <a:cs typeface="Courier New" panose="02070309020205020404" pitchFamily="49" charset="0"/>
+              </a:rPr>
+              <a:t>GlobalFree</a:t>
+            </a:r>
+            <a:r>
+              <a:rPr lang="en-US" altLang="zh-TW" sz="8000" dirty="0">
+                <a:effectLst/>
+                <a:latin typeface="Courier New" panose="02070309020205020404" pitchFamily="49" charset="0"/>
+                <a:cs typeface="Courier New" panose="02070309020205020404" pitchFamily="49" charset="0"/>
+              </a:rPr>
+              <a:t>, </a:t>
+            </a:r>
+            <a:r>
+              <a:rPr lang="en-US" altLang="zh-TW" sz="8000" dirty="0" err="1">
+                <a:effectLst/>
+                <a:latin typeface="Courier New" panose="02070309020205020404" pitchFamily="49" charset="0"/>
+                <a:cs typeface="Courier New" panose="02070309020205020404" pitchFamily="49" charset="0"/>
+              </a:rPr>
+              <a:t>HeapFree</a:t>
+            </a:r>
+            <a:r>
+              <a:rPr lang="en-US" altLang="zh-TW" sz="8000" dirty="0">
+                <a:effectLst/>
+                <a:latin typeface="Courier New" panose="02070309020205020404" pitchFamily="49" charset="0"/>
+                <a:cs typeface="Courier New" panose="02070309020205020404" pitchFamily="49" charset="0"/>
+              </a:rPr>
+              <a:t>, </a:t>
+            </a:r>
+            <a:r>
+              <a:rPr lang="en-US" altLang="zh-TW" sz="8000" dirty="0" err="1">
+                <a:effectLst/>
+                <a:latin typeface="Courier New" panose="02070309020205020404" pitchFamily="49" charset="0"/>
+                <a:cs typeface="Courier New" panose="02070309020205020404" pitchFamily="49" charset="0"/>
+              </a:rPr>
+              <a:t>VirtualFree</a:t>
+            </a:r>
+            <a:r>
+              <a:rPr lang="en-US" altLang="zh-TW" sz="8000" dirty="0">
+                <a:effectLst/>
+                <a:latin typeface="Courier New" panose="02070309020205020404" pitchFamily="49" charset="0"/>
+                <a:cs typeface="Courier New" panose="02070309020205020404" pitchFamily="49" charset="0"/>
+              </a:rPr>
+              <a:t>, </a:t>
+            </a:r>
+            <a:r>
+              <a:rPr lang="en-US" altLang="zh-TW" sz="8000" dirty="0" err="1">
+                <a:effectLst/>
+                <a:latin typeface="Courier New" panose="02070309020205020404" pitchFamily="49" charset="0"/>
+                <a:cs typeface="Courier New" panose="02070309020205020404" pitchFamily="49" charset="0"/>
+              </a:rPr>
+              <a:t>WTSFreeMemory</a:t>
+            </a:r>
+            <a:r>
+              <a:rPr lang="en-US" altLang="zh-TW" sz="8000" dirty="0">
+                <a:effectLst/>
+                <a:latin typeface="Courier New" panose="02070309020205020404" pitchFamily="49" charset="0"/>
+                <a:cs typeface="Courier New" panose="02070309020205020404" pitchFamily="49" charset="0"/>
+              </a:rPr>
+              <a:t>, </a:t>
+            </a:r>
+            <a:r>
+              <a:rPr lang="en-US" altLang="zh-TW" sz="8000" dirty="0" err="1">
+                <a:effectLst/>
+                <a:latin typeface="Courier New" panose="02070309020205020404" pitchFamily="49" charset="0"/>
+                <a:cs typeface="Courier New" panose="02070309020205020404" pitchFamily="49" charset="0"/>
+              </a:rPr>
+              <a:t>NCryptFreeBuffer</a:t>
+            </a:r>
+            <a:r>
+              <a:rPr lang="en-US" altLang="zh-TW" sz="8000" dirty="0">
+                <a:effectLst/>
+                <a:latin typeface="Courier New" panose="02070309020205020404" pitchFamily="49" charset="0"/>
+                <a:cs typeface="Courier New" panose="02070309020205020404" pitchFamily="49" charset="0"/>
+              </a:rPr>
+              <a:t>, </a:t>
+            </a:r>
+            <a:r>
+              <a:rPr lang="en-US" altLang="zh-TW" sz="8000" dirty="0" err="1">
+                <a:effectLst/>
+                <a:latin typeface="Courier New" panose="02070309020205020404" pitchFamily="49" charset="0"/>
+                <a:cs typeface="Courier New" panose="02070309020205020404" pitchFamily="49" charset="0"/>
+              </a:rPr>
+              <a:t>BCryptFreeBuffer</a:t>
+            </a:r>
+            <a:r>
+              <a:rPr lang="en-US" altLang="zh-TW" sz="8000" dirty="0">
+                <a:effectLst/>
+                <a:latin typeface="Courier New" panose="02070309020205020404" pitchFamily="49" charset="0"/>
+                <a:cs typeface="Courier New" panose="02070309020205020404" pitchFamily="49" charset="0"/>
+              </a:rPr>
+              <a:t>, </a:t>
+            </a:r>
+            <a:r>
+              <a:rPr lang="en-US" altLang="zh-TW" sz="8000" dirty="0" err="1">
+                <a:effectLst/>
+                <a:latin typeface="Courier New" panose="02070309020205020404" pitchFamily="49" charset="0"/>
+                <a:cs typeface="Courier New" panose="02070309020205020404" pitchFamily="49" charset="0"/>
+              </a:rPr>
+              <a:t>LsaFreeReturnBuffer</a:t>
+            </a:r>
+            <a:r>
+              <a:rPr lang="en-US" altLang="zh-TW" sz="8000" dirty="0">
+                <a:effectLst/>
+                <a:latin typeface="Courier New" panose="02070309020205020404" pitchFamily="49" charset="0"/>
+                <a:cs typeface="Courier New" panose="02070309020205020404" pitchFamily="49" charset="0"/>
+              </a:rPr>
+              <a:t>, </a:t>
+            </a:r>
+            <a:r>
+              <a:rPr lang="en-US" altLang="zh-TW" sz="8000" dirty="0" err="1">
+                <a:effectLst/>
+                <a:latin typeface="Courier New" panose="02070309020205020404" pitchFamily="49" charset="0"/>
+                <a:cs typeface="Courier New" panose="02070309020205020404" pitchFamily="49" charset="0"/>
+              </a:rPr>
+              <a:t>LsaFreeMemory</a:t>
+            </a:r>
+            <a:r>
+              <a:rPr lang="en-US" altLang="zh-TW" sz="8000" dirty="0">
+                <a:effectLst/>
+                <a:latin typeface="Courier New" panose="02070309020205020404" pitchFamily="49" charset="0"/>
+                <a:cs typeface="Courier New" panose="02070309020205020404" pitchFamily="49" charset="0"/>
+              </a:rPr>
+              <a:t>, </a:t>
+            </a:r>
+            <a:r>
+              <a:rPr lang="en-US" altLang="zh-TW" sz="8000" dirty="0" err="1">
+                <a:effectLst/>
+                <a:latin typeface="Courier New" panose="02070309020205020404" pitchFamily="49" charset="0"/>
+                <a:cs typeface="Courier New" panose="02070309020205020404" pitchFamily="49" charset="0"/>
+              </a:rPr>
+              <a:t>LsaLookupFreeMemory</a:t>
+            </a:r>
+            <a:r>
+              <a:rPr lang="en-US" altLang="zh-TW" sz="8000" dirty="0">
+                <a:effectLst/>
+                <a:latin typeface="Courier New" panose="02070309020205020404" pitchFamily="49" charset="0"/>
+                <a:cs typeface="Courier New" panose="02070309020205020404" pitchFamily="49" charset="0"/>
+              </a:rPr>
+              <a:t>, </a:t>
+            </a:r>
+            <a:r>
+              <a:rPr lang="en-US" altLang="zh-TW" sz="8000" dirty="0" err="1">
+                <a:effectLst/>
+                <a:latin typeface="Courier New" panose="02070309020205020404" pitchFamily="49" charset="0"/>
+                <a:cs typeface="Courier New" panose="02070309020205020404" pitchFamily="49" charset="0"/>
+              </a:rPr>
+              <a:t>WcmFreeMemory</a:t>
+            </a:r>
+            <a:r>
+              <a:rPr lang="en-US" altLang="zh-TW" sz="8000" dirty="0">
+                <a:effectLst/>
+                <a:latin typeface="Courier New" panose="02070309020205020404" pitchFamily="49" charset="0"/>
+                <a:cs typeface="Courier New" panose="02070309020205020404" pitchFamily="49" charset="0"/>
+              </a:rPr>
+              <a:t>, </a:t>
+            </a:r>
+            <a:r>
+              <a:rPr lang="en-US" altLang="zh-TW" sz="8000" dirty="0" err="1">
+                <a:effectLst/>
+                <a:latin typeface="Courier New" panose="02070309020205020404" pitchFamily="49" charset="0"/>
+                <a:cs typeface="Courier New" panose="02070309020205020404" pitchFamily="49" charset="0"/>
+              </a:rPr>
+              <a:t>WlanFreeMemory</a:t>
+            </a:r>
+            <a:endParaRPr lang="en-US" altLang="zh-TW" sz="8000" dirty="0">
+              <a:effectLst/>
+              <a:latin typeface="Courier New" panose="02070309020205020404" pitchFamily="49" charset="0"/>
+              <a:cs typeface="Courier New" panose="02070309020205020404" pitchFamily="49" charset="0"/>
+            </a:endParaRPr>
+          </a:p>
+          <a:p>
+            <a:pPr marL="342900" indent="-342900" algn="l">
+              <a:spcBef>
+                <a:spcPts val="0"/>
+              </a:spcBef>
+              <a:spcAft>
+                <a:spcPts val="300"/>
+              </a:spcAft>
+              <a:buFont typeface="Arial" panose="020B0604020202020204" pitchFamily="34" charset="0"/>
+              <a:buChar char="•"/>
+            </a:pPr>
+            <a:r>
+              <a:rPr lang="en-US" altLang="zh-TW" sz="8000" dirty="0" err="1">
+                <a:effectLst/>
+                <a:latin typeface="Courier New" panose="02070309020205020404" pitchFamily="49" charset="0"/>
+                <a:cs typeface="Courier New" panose="02070309020205020404" pitchFamily="49" charset="0"/>
+              </a:rPr>
+              <a:t>BCryptCloseAlgorithmProvider</a:t>
+            </a:r>
+            <a:r>
+              <a:rPr lang="en-US" altLang="zh-TW" sz="8000" dirty="0">
+                <a:effectLst/>
+                <a:latin typeface="Courier New" panose="02070309020205020404" pitchFamily="49" charset="0"/>
+                <a:cs typeface="Courier New" panose="02070309020205020404" pitchFamily="49" charset="0"/>
+              </a:rPr>
+              <a:t>, </a:t>
+            </a:r>
+            <a:r>
+              <a:rPr lang="en-US" altLang="zh-TW" sz="8000" dirty="0" err="1">
+                <a:effectLst/>
+                <a:latin typeface="Courier New" panose="02070309020205020404" pitchFamily="49" charset="0"/>
+                <a:cs typeface="Courier New" panose="02070309020205020404" pitchFamily="49" charset="0"/>
+              </a:rPr>
+              <a:t>BCryptDestroyHash</a:t>
+            </a:r>
+            <a:r>
+              <a:rPr lang="en-US" altLang="zh-TW" sz="8000" dirty="0">
+                <a:effectLst/>
+                <a:latin typeface="Courier New" panose="02070309020205020404" pitchFamily="49" charset="0"/>
+                <a:cs typeface="Courier New" panose="02070309020205020404" pitchFamily="49" charset="0"/>
+              </a:rPr>
+              <a:t>, </a:t>
+            </a:r>
+            <a:r>
+              <a:rPr lang="en-US" altLang="zh-TW" sz="8000" dirty="0" err="1">
+                <a:effectLst/>
+                <a:latin typeface="Courier New" panose="02070309020205020404" pitchFamily="49" charset="0"/>
+                <a:cs typeface="Courier New" panose="02070309020205020404" pitchFamily="49" charset="0"/>
+              </a:rPr>
+              <a:t>BCryptDestroyKey</a:t>
+            </a:r>
+            <a:r>
+              <a:rPr lang="en-US" altLang="zh-TW" sz="8000" dirty="0">
+                <a:effectLst/>
+                <a:latin typeface="Courier New" panose="02070309020205020404" pitchFamily="49" charset="0"/>
+                <a:cs typeface="Courier New" panose="02070309020205020404" pitchFamily="49" charset="0"/>
+              </a:rPr>
+              <a:t>, </a:t>
+            </a:r>
+            <a:r>
+              <a:rPr lang="en-US" altLang="zh-TW" sz="8000" dirty="0" err="1">
+                <a:effectLst/>
+                <a:latin typeface="Courier New" panose="02070309020205020404" pitchFamily="49" charset="0"/>
+                <a:cs typeface="Courier New" panose="02070309020205020404" pitchFamily="49" charset="0"/>
+              </a:rPr>
+              <a:t>BCryptDestroySecret</a:t>
+            </a:r>
+            <a:r>
+              <a:rPr lang="en-US" altLang="zh-TW" sz="8000" dirty="0">
+                <a:effectLst/>
+                <a:latin typeface="Courier New" panose="02070309020205020404" pitchFamily="49" charset="0"/>
+                <a:cs typeface="Courier New" panose="02070309020205020404" pitchFamily="49" charset="0"/>
+              </a:rPr>
+              <a:t>, </a:t>
+            </a:r>
+            <a:r>
+              <a:rPr lang="en-US" altLang="zh-TW" sz="8000" dirty="0" err="1">
+                <a:effectLst/>
+                <a:latin typeface="Courier New" panose="02070309020205020404" pitchFamily="49" charset="0"/>
+                <a:cs typeface="Courier New" panose="02070309020205020404" pitchFamily="49" charset="0"/>
+              </a:rPr>
+              <a:t>SysFreeString</a:t>
+            </a:r>
+            <a:r>
+              <a:rPr lang="en-US" altLang="zh-TW" sz="8000" dirty="0">
+                <a:effectLst/>
+                <a:latin typeface="Courier New" panose="02070309020205020404" pitchFamily="49" charset="0"/>
+                <a:cs typeface="Courier New" panose="02070309020205020404" pitchFamily="49" charset="0"/>
+              </a:rPr>
+              <a:t>, </a:t>
+            </a:r>
+            <a:r>
+              <a:rPr lang="en-US" altLang="zh-TW" sz="8000" dirty="0" err="1">
+                <a:effectLst/>
+                <a:latin typeface="Courier New" panose="02070309020205020404" pitchFamily="49" charset="0"/>
+                <a:cs typeface="Courier New" panose="02070309020205020404" pitchFamily="49" charset="0"/>
+              </a:rPr>
+              <a:t>CertFreeCertificateChain</a:t>
+            </a:r>
+            <a:r>
+              <a:rPr lang="en-US" altLang="zh-TW" sz="8000" dirty="0">
+                <a:effectLst/>
+                <a:latin typeface="Courier New" panose="02070309020205020404" pitchFamily="49" charset="0"/>
+                <a:cs typeface="Courier New" panose="02070309020205020404" pitchFamily="49" charset="0"/>
+              </a:rPr>
+              <a:t>, </a:t>
+            </a:r>
+            <a:r>
+              <a:rPr lang="en-US" altLang="zh-TW" sz="8000" dirty="0" err="1">
+                <a:effectLst/>
+                <a:latin typeface="Courier New" panose="02070309020205020404" pitchFamily="49" charset="0"/>
+                <a:cs typeface="Courier New" panose="02070309020205020404" pitchFamily="49" charset="0"/>
+              </a:rPr>
+              <a:t>CertFreeCertificateContext</a:t>
+            </a:r>
+            <a:r>
+              <a:rPr lang="en-US" altLang="zh-TW" sz="8000" dirty="0">
+                <a:effectLst/>
+                <a:latin typeface="Courier New" panose="02070309020205020404" pitchFamily="49" charset="0"/>
+                <a:cs typeface="Courier New" panose="02070309020205020404" pitchFamily="49" charset="0"/>
+              </a:rPr>
+              <a:t>, </a:t>
+            </a:r>
+            <a:r>
+              <a:rPr lang="en-US" altLang="zh-TW" sz="8000" dirty="0" err="1">
+                <a:effectLst/>
+                <a:latin typeface="Courier New" panose="02070309020205020404" pitchFamily="49" charset="0"/>
+                <a:cs typeface="Courier New" panose="02070309020205020404" pitchFamily="49" charset="0"/>
+              </a:rPr>
+              <a:t>CoRevokeClassObject</a:t>
+            </a:r>
+            <a:r>
+              <a:rPr lang="en-US" altLang="zh-TW" sz="8000" dirty="0">
+                <a:effectLst/>
+                <a:latin typeface="Courier New" panose="02070309020205020404" pitchFamily="49" charset="0"/>
+                <a:cs typeface="Courier New" panose="02070309020205020404" pitchFamily="49" charset="0"/>
+              </a:rPr>
+              <a:t>, </a:t>
+            </a:r>
+            <a:r>
+              <a:rPr lang="en-US" altLang="zh-TW" sz="8000" dirty="0" err="1">
+                <a:effectLst/>
+                <a:latin typeface="Courier New" panose="02070309020205020404" pitchFamily="49" charset="0"/>
+                <a:cs typeface="Courier New" panose="02070309020205020404" pitchFamily="49" charset="0"/>
+              </a:rPr>
+              <a:t>fclose</a:t>
+            </a:r>
+            <a:r>
+              <a:rPr lang="en-US" altLang="zh-TW" sz="8000" dirty="0">
+                <a:effectLst/>
+                <a:latin typeface="Courier New" panose="02070309020205020404" pitchFamily="49" charset="0"/>
+                <a:cs typeface="Courier New" panose="02070309020205020404" pitchFamily="49" charset="0"/>
+              </a:rPr>
+              <a:t>, </a:t>
+            </a:r>
+            <a:r>
+              <a:rPr lang="en-US" altLang="zh-TW" sz="8000" dirty="0" err="1">
+                <a:effectLst/>
+                <a:latin typeface="Courier New" panose="02070309020205020404" pitchFamily="49" charset="0"/>
+                <a:cs typeface="Courier New" panose="02070309020205020404" pitchFamily="49" charset="0"/>
+              </a:rPr>
+              <a:t>MIDL_user_free</a:t>
+            </a:r>
+            <a:r>
+              <a:rPr lang="en-US" altLang="zh-TW" sz="8000" dirty="0">
+                <a:effectLst/>
+                <a:latin typeface="Courier New" panose="02070309020205020404" pitchFamily="49" charset="0"/>
+                <a:cs typeface="Courier New" panose="02070309020205020404" pitchFamily="49" charset="0"/>
+              </a:rPr>
+              <a:t>, </a:t>
+            </a:r>
+            <a:r>
+              <a:rPr lang="en-US" altLang="zh-TW" sz="8000" dirty="0" err="1">
+                <a:effectLst/>
+                <a:latin typeface="Courier New" panose="02070309020205020404" pitchFamily="49" charset="0"/>
+                <a:cs typeface="Courier New" panose="02070309020205020404" pitchFamily="49" charset="0"/>
+              </a:rPr>
+              <a:t>DestroyAccelerator</a:t>
+            </a:r>
+            <a:r>
+              <a:rPr lang="en-US" altLang="zh-TW" sz="8000" dirty="0">
+                <a:effectLst/>
+                <a:latin typeface="Courier New" panose="02070309020205020404" pitchFamily="49" charset="0"/>
+                <a:cs typeface="Courier New" panose="02070309020205020404" pitchFamily="49" charset="0"/>
+              </a:rPr>
+              <a:t>, </a:t>
+            </a:r>
+            <a:r>
+              <a:rPr lang="en-US" altLang="zh-TW" sz="8000" dirty="0" err="1">
+                <a:effectLst/>
+                <a:latin typeface="Courier New" panose="02070309020205020404" pitchFamily="49" charset="0"/>
+                <a:cs typeface="Courier New" panose="02070309020205020404" pitchFamily="49" charset="0"/>
+              </a:rPr>
+              <a:t>CloseHandle</a:t>
+            </a:r>
+            <a:r>
+              <a:rPr lang="en-US" altLang="zh-TW" sz="8000" dirty="0">
+                <a:effectLst/>
+                <a:latin typeface="Courier New" panose="02070309020205020404" pitchFamily="49" charset="0"/>
+                <a:cs typeface="Courier New" panose="02070309020205020404" pitchFamily="49" charset="0"/>
+              </a:rPr>
+              <a:t>, </a:t>
+            </a:r>
+            <a:r>
+              <a:rPr lang="en-US" altLang="zh-TW" sz="8000" dirty="0" err="1">
+                <a:effectLst/>
+                <a:latin typeface="Courier New" panose="02070309020205020404" pitchFamily="49" charset="0"/>
+                <a:cs typeface="Courier New" panose="02070309020205020404" pitchFamily="49" charset="0"/>
+              </a:rPr>
+              <a:t>DeleteObject</a:t>
+            </a:r>
+            <a:r>
+              <a:rPr lang="en-US" altLang="zh-TW" sz="8000" dirty="0">
+                <a:effectLst/>
+                <a:latin typeface="Courier New" panose="02070309020205020404" pitchFamily="49" charset="0"/>
+                <a:cs typeface="Courier New" panose="02070309020205020404" pitchFamily="49" charset="0"/>
+              </a:rPr>
+              <a:t>, </a:t>
+            </a:r>
+            <a:r>
+              <a:rPr lang="en-US" altLang="zh-TW" sz="8000" dirty="0" err="1">
+                <a:effectLst/>
+                <a:latin typeface="Courier New" panose="02070309020205020404" pitchFamily="49" charset="0"/>
+                <a:cs typeface="Courier New" panose="02070309020205020404" pitchFamily="49" charset="0"/>
+              </a:rPr>
+              <a:t>CertCloseStore</a:t>
+            </a:r>
+            <a:r>
+              <a:rPr lang="en-US" altLang="zh-TW" sz="8000" dirty="0">
+                <a:effectLst/>
+                <a:latin typeface="Courier New" panose="02070309020205020404" pitchFamily="49" charset="0"/>
+                <a:cs typeface="Courier New" panose="02070309020205020404" pitchFamily="49" charset="0"/>
+              </a:rPr>
+              <a:t>, </a:t>
+            </a:r>
+            <a:r>
+              <a:rPr lang="en-US" altLang="zh-TW" sz="8000" dirty="0" err="1">
+                <a:effectLst/>
+                <a:latin typeface="Courier New" panose="02070309020205020404" pitchFamily="49" charset="0"/>
+                <a:cs typeface="Courier New" panose="02070309020205020404" pitchFamily="49" charset="0"/>
+              </a:rPr>
+              <a:t>CM_Unregister_Notification</a:t>
+            </a:r>
+            <a:r>
+              <a:rPr lang="en-US" altLang="zh-TW" sz="8000" dirty="0">
+                <a:effectLst/>
+                <a:latin typeface="Courier New" panose="02070309020205020404" pitchFamily="49" charset="0"/>
+                <a:cs typeface="Courier New" panose="02070309020205020404" pitchFamily="49" charset="0"/>
+              </a:rPr>
+              <a:t>, </a:t>
+            </a:r>
+            <a:r>
+              <a:rPr lang="en-US" altLang="zh-TW" sz="8000" dirty="0" err="1">
+                <a:effectLst/>
+                <a:latin typeface="Courier New" panose="02070309020205020404" pitchFamily="49" charset="0"/>
+                <a:cs typeface="Courier New" panose="02070309020205020404" pitchFamily="49" charset="0"/>
+              </a:rPr>
+              <a:t>CryptDestroyHash</a:t>
+            </a:r>
+            <a:r>
+              <a:rPr lang="en-US" altLang="zh-TW" sz="8000" dirty="0">
+                <a:effectLst/>
+                <a:latin typeface="Courier New" panose="02070309020205020404" pitchFamily="49" charset="0"/>
+                <a:cs typeface="Courier New" panose="02070309020205020404" pitchFamily="49" charset="0"/>
+              </a:rPr>
+              <a:t>, </a:t>
+            </a:r>
+            <a:r>
+              <a:rPr lang="en-US" altLang="zh-TW" sz="8000" dirty="0" err="1">
+                <a:effectLst/>
+                <a:latin typeface="Courier New" panose="02070309020205020404" pitchFamily="49" charset="0"/>
+                <a:cs typeface="Courier New" panose="02070309020205020404" pitchFamily="49" charset="0"/>
+              </a:rPr>
+              <a:t>CryptDestroyKey</a:t>
+            </a:r>
+            <a:r>
+              <a:rPr lang="en-US" altLang="zh-TW" sz="8000" dirty="0">
+                <a:effectLst/>
+                <a:latin typeface="Courier New" panose="02070309020205020404" pitchFamily="49" charset="0"/>
+                <a:cs typeface="Courier New" panose="02070309020205020404" pitchFamily="49" charset="0"/>
+              </a:rPr>
+              <a:t>, </a:t>
+            </a:r>
+            <a:r>
+              <a:rPr lang="en-US" altLang="zh-TW" sz="8000" dirty="0" err="1">
+                <a:effectLst/>
+                <a:latin typeface="Courier New" panose="02070309020205020404" pitchFamily="49" charset="0"/>
+                <a:cs typeface="Courier New" panose="02070309020205020404" pitchFamily="49" charset="0"/>
+              </a:rPr>
+              <a:t>CryptReleaseContext</a:t>
+            </a:r>
+            <a:r>
+              <a:rPr lang="en-US" altLang="zh-TW" sz="8000" dirty="0">
+                <a:effectLst/>
+                <a:latin typeface="Courier New" panose="02070309020205020404" pitchFamily="49" charset="0"/>
+                <a:cs typeface="Courier New" panose="02070309020205020404" pitchFamily="49" charset="0"/>
+              </a:rPr>
+              <a:t>, </a:t>
+            </a:r>
+            <a:r>
+              <a:rPr lang="en-US" altLang="zh-TW" sz="8000" dirty="0" err="1">
+                <a:effectLst/>
+                <a:latin typeface="Courier New" panose="02070309020205020404" pitchFamily="49" charset="0"/>
+                <a:cs typeface="Courier New" panose="02070309020205020404" pitchFamily="49" charset="0"/>
+              </a:rPr>
+              <a:t>DestroyCursor</a:t>
+            </a:r>
+            <a:r>
+              <a:rPr lang="en-US" altLang="zh-TW" sz="8000" dirty="0">
+                <a:effectLst/>
+                <a:latin typeface="Courier New" panose="02070309020205020404" pitchFamily="49" charset="0"/>
+                <a:cs typeface="Courier New" panose="02070309020205020404" pitchFamily="49" charset="0"/>
+              </a:rPr>
+              <a:t>, </a:t>
+            </a:r>
+            <a:r>
+              <a:rPr lang="en-US" altLang="zh-TW" sz="8000" dirty="0" err="1">
+                <a:effectLst/>
+                <a:latin typeface="Courier New" panose="02070309020205020404" pitchFamily="49" charset="0"/>
+                <a:cs typeface="Courier New" panose="02070309020205020404" pitchFamily="49" charset="0"/>
+              </a:rPr>
+              <a:t>DeleteDC</a:t>
+            </a:r>
+            <a:r>
+              <a:rPr lang="en-US" altLang="zh-TW" sz="8000" dirty="0">
+                <a:effectLst/>
+                <a:latin typeface="Courier New" panose="02070309020205020404" pitchFamily="49" charset="0"/>
+                <a:cs typeface="Courier New" panose="02070309020205020404" pitchFamily="49" charset="0"/>
+              </a:rPr>
+              <a:t>, </a:t>
+            </a:r>
+            <a:r>
+              <a:rPr lang="en-US" altLang="zh-TW" sz="8000" dirty="0" err="1">
+                <a:effectLst/>
+                <a:latin typeface="Courier New" panose="02070309020205020404" pitchFamily="49" charset="0"/>
+                <a:cs typeface="Courier New" panose="02070309020205020404" pitchFamily="49" charset="0"/>
+              </a:rPr>
+              <a:t>EndPaint</a:t>
+            </a:r>
+            <a:r>
+              <a:rPr lang="en-US" altLang="zh-TW" sz="8000" dirty="0">
+                <a:effectLst/>
+                <a:latin typeface="Courier New" panose="02070309020205020404" pitchFamily="49" charset="0"/>
+                <a:cs typeface="Courier New" panose="02070309020205020404" pitchFamily="49" charset="0"/>
+              </a:rPr>
+              <a:t>, </a:t>
+            </a:r>
+            <a:r>
+              <a:rPr lang="en-US" altLang="zh-TW" sz="8000" dirty="0" err="1">
+                <a:effectLst/>
+                <a:latin typeface="Courier New" panose="02070309020205020404" pitchFamily="49" charset="0"/>
+                <a:cs typeface="Courier New" panose="02070309020205020404" pitchFamily="49" charset="0"/>
+              </a:rPr>
+              <a:t>ReleaseDC</a:t>
+            </a:r>
+            <a:r>
+              <a:rPr lang="en-US" altLang="zh-TW" sz="8000" dirty="0">
+                <a:effectLst/>
+                <a:latin typeface="Courier New" panose="02070309020205020404" pitchFamily="49" charset="0"/>
+                <a:cs typeface="Courier New" panose="02070309020205020404" pitchFamily="49" charset="0"/>
+              </a:rPr>
+              <a:t>, </a:t>
+            </a:r>
+            <a:r>
+              <a:rPr lang="en-US" altLang="zh-TW" sz="8000" dirty="0" err="1">
+                <a:effectLst/>
+                <a:latin typeface="Courier New" panose="02070309020205020404" pitchFamily="49" charset="0"/>
+                <a:cs typeface="Courier New" panose="02070309020205020404" pitchFamily="49" charset="0"/>
+              </a:rPr>
+              <a:t>CloseDesktop</a:t>
+            </a:r>
+            <a:r>
+              <a:rPr lang="en-US" altLang="zh-TW" sz="8000" dirty="0">
+                <a:effectLst/>
+                <a:latin typeface="Courier New" panose="02070309020205020404" pitchFamily="49" charset="0"/>
+                <a:cs typeface="Courier New" panose="02070309020205020404" pitchFamily="49" charset="0"/>
+              </a:rPr>
+              <a:t>, </a:t>
+            </a:r>
+            <a:r>
+              <a:rPr lang="en-US" altLang="zh-TW" sz="8000" dirty="0" err="1">
+                <a:effectLst/>
+                <a:latin typeface="Courier New" panose="02070309020205020404" pitchFamily="49" charset="0"/>
+                <a:cs typeface="Courier New" panose="02070309020205020404" pitchFamily="49" charset="0"/>
+              </a:rPr>
+              <a:t>FindClose</a:t>
+            </a:r>
+            <a:r>
+              <a:rPr lang="en-US" altLang="zh-TW" sz="8000" dirty="0">
+                <a:effectLst/>
+                <a:latin typeface="Courier New" panose="02070309020205020404" pitchFamily="49" charset="0"/>
+                <a:cs typeface="Courier New" panose="02070309020205020404" pitchFamily="49" charset="0"/>
+              </a:rPr>
+              <a:t>, </a:t>
+            </a:r>
+            <a:r>
+              <a:rPr lang="en-US" altLang="zh-TW" sz="8000" dirty="0" err="1">
+                <a:effectLst/>
+                <a:latin typeface="Courier New" panose="02070309020205020404" pitchFamily="49" charset="0"/>
+                <a:cs typeface="Courier New" panose="02070309020205020404" pitchFamily="49" charset="0"/>
+              </a:rPr>
+              <a:t>FindCloseChangeNotification</a:t>
+            </a:r>
+            <a:r>
+              <a:rPr lang="en-US" altLang="zh-TW" sz="8000" dirty="0">
+                <a:effectLst/>
+                <a:latin typeface="Courier New" panose="02070309020205020404" pitchFamily="49" charset="0"/>
+                <a:cs typeface="Courier New" panose="02070309020205020404" pitchFamily="49" charset="0"/>
+              </a:rPr>
+              <a:t>, </a:t>
+            </a:r>
+            <a:r>
+              <a:rPr lang="en-US" altLang="zh-TW" sz="8000" dirty="0" err="1">
+                <a:effectLst/>
+                <a:latin typeface="Courier New" panose="02070309020205020404" pitchFamily="49" charset="0"/>
+                <a:cs typeface="Courier New" panose="02070309020205020404" pitchFamily="49" charset="0"/>
+              </a:rPr>
+              <a:t>GlobalFree</a:t>
+            </a:r>
+            <a:r>
+              <a:rPr lang="en-US" altLang="zh-TW" sz="8000" dirty="0">
+                <a:effectLst/>
+                <a:latin typeface="Courier New" panose="02070309020205020404" pitchFamily="49" charset="0"/>
+                <a:cs typeface="Courier New" panose="02070309020205020404" pitchFamily="49" charset="0"/>
+              </a:rPr>
+              <a:t>, </a:t>
+            </a:r>
+            <a:r>
+              <a:rPr lang="en-US" altLang="zh-TW" sz="8000" dirty="0" err="1">
+                <a:effectLst/>
+                <a:latin typeface="Courier New" panose="02070309020205020404" pitchFamily="49" charset="0"/>
+                <a:cs typeface="Courier New" panose="02070309020205020404" pitchFamily="49" charset="0"/>
+              </a:rPr>
+              <a:t>GlobalUnlock</a:t>
+            </a:r>
+            <a:r>
+              <a:rPr lang="en-US" altLang="zh-TW" sz="8000" dirty="0">
+                <a:effectLst/>
+                <a:latin typeface="Courier New" panose="02070309020205020404" pitchFamily="49" charset="0"/>
+                <a:cs typeface="Courier New" panose="02070309020205020404" pitchFamily="49" charset="0"/>
+              </a:rPr>
+              <a:t>, </a:t>
+            </a:r>
+            <a:r>
+              <a:rPr lang="en-US" altLang="zh-TW" sz="8000" dirty="0" err="1">
+                <a:effectLst/>
+                <a:latin typeface="Courier New" panose="02070309020205020404" pitchFamily="49" charset="0"/>
+                <a:cs typeface="Courier New" panose="02070309020205020404" pitchFamily="49" charset="0"/>
+              </a:rPr>
+              <a:t>HeapDestroy</a:t>
+            </a:r>
+            <a:r>
+              <a:rPr lang="en-US" altLang="zh-TW" sz="8000" dirty="0">
+                <a:effectLst/>
+                <a:latin typeface="Courier New" panose="02070309020205020404" pitchFamily="49" charset="0"/>
+                <a:cs typeface="Courier New" panose="02070309020205020404" pitchFamily="49" charset="0"/>
+              </a:rPr>
+              <a:t>, </a:t>
+            </a:r>
+            <a:r>
+              <a:rPr lang="en-US" altLang="zh-TW" sz="8000" dirty="0" err="1">
+                <a:effectLst/>
+                <a:latin typeface="Courier New" panose="02070309020205020404" pitchFamily="49" charset="0"/>
+                <a:cs typeface="Courier New" panose="02070309020205020404" pitchFamily="49" charset="0"/>
+              </a:rPr>
+              <a:t>UnhookWindowsHookEx</a:t>
+            </a:r>
+            <a:r>
+              <a:rPr lang="en-US" altLang="zh-TW" sz="8000" dirty="0">
+                <a:effectLst/>
+                <a:latin typeface="Courier New" panose="02070309020205020404" pitchFamily="49" charset="0"/>
+                <a:cs typeface="Courier New" panose="02070309020205020404" pitchFamily="49" charset="0"/>
+              </a:rPr>
+              <a:t>, </a:t>
+            </a:r>
+            <a:r>
+              <a:rPr lang="en-US" altLang="zh-TW" sz="8000" dirty="0" err="1">
+                <a:effectLst/>
+                <a:latin typeface="Courier New" panose="02070309020205020404" pitchFamily="49" charset="0"/>
+                <a:cs typeface="Courier New" panose="02070309020205020404" pitchFamily="49" charset="0"/>
+              </a:rPr>
+              <a:t>DestroyIcon</a:t>
+            </a:r>
+            <a:r>
+              <a:rPr lang="en-US" altLang="zh-TW" sz="8000" dirty="0">
+                <a:effectLst/>
+                <a:latin typeface="Courier New" panose="02070309020205020404" pitchFamily="49" charset="0"/>
+                <a:cs typeface="Courier New" panose="02070309020205020404" pitchFamily="49" charset="0"/>
+              </a:rPr>
+              <a:t>, </a:t>
+            </a:r>
+            <a:r>
+              <a:rPr lang="en-US" altLang="zh-TW" sz="8000" dirty="0" err="1">
+                <a:effectLst/>
+                <a:latin typeface="Courier New" panose="02070309020205020404" pitchFamily="49" charset="0"/>
+                <a:cs typeface="Courier New" panose="02070309020205020404" pitchFamily="49" charset="0"/>
+              </a:rPr>
+              <a:t>ImageList_Destroy</a:t>
+            </a:r>
+            <a:r>
+              <a:rPr lang="en-US" altLang="zh-TW" sz="8000" dirty="0">
+                <a:effectLst/>
+                <a:latin typeface="Courier New" panose="02070309020205020404" pitchFamily="49" charset="0"/>
+                <a:cs typeface="Courier New" panose="02070309020205020404" pitchFamily="49" charset="0"/>
+              </a:rPr>
+              <a:t>, </a:t>
+            </a:r>
+            <a:r>
+              <a:rPr lang="en-US" altLang="zh-TW" sz="8000" dirty="0" err="1">
+                <a:effectLst/>
+                <a:latin typeface="Courier New" panose="02070309020205020404" pitchFamily="49" charset="0"/>
+                <a:cs typeface="Courier New" panose="02070309020205020404" pitchFamily="49" charset="0"/>
+              </a:rPr>
+              <a:t>InternetCloseHandle</a:t>
+            </a:r>
+            <a:r>
+              <a:rPr lang="en-US" altLang="zh-TW" sz="8000" dirty="0">
+                <a:effectLst/>
+                <a:latin typeface="Courier New" panose="02070309020205020404" pitchFamily="49" charset="0"/>
+                <a:cs typeface="Courier New" panose="02070309020205020404" pitchFamily="49" charset="0"/>
+              </a:rPr>
+              <a:t>, </a:t>
+            </a:r>
+            <a:r>
+              <a:rPr lang="en-US" altLang="zh-TW" sz="8000" dirty="0" err="1">
+                <a:effectLst/>
+                <a:latin typeface="Courier New" panose="02070309020205020404" pitchFamily="49" charset="0"/>
+                <a:cs typeface="Courier New" panose="02070309020205020404" pitchFamily="49" charset="0"/>
+              </a:rPr>
+              <a:t>RegCloseKey</a:t>
+            </a:r>
+            <a:r>
+              <a:rPr lang="en-US" altLang="zh-TW" sz="8000" dirty="0">
+                <a:effectLst/>
+                <a:latin typeface="Courier New" panose="02070309020205020404" pitchFamily="49" charset="0"/>
+                <a:cs typeface="Courier New" panose="02070309020205020404" pitchFamily="49" charset="0"/>
+              </a:rPr>
+              <a:t>, </a:t>
+            </a:r>
+            <a:r>
+              <a:rPr lang="en-US" altLang="zh-TW" sz="8000" dirty="0" err="1">
+                <a:effectLst/>
+                <a:latin typeface="Courier New" panose="02070309020205020404" pitchFamily="49" charset="0"/>
+                <a:cs typeface="Courier New" panose="02070309020205020404" pitchFamily="49" charset="0"/>
+              </a:rPr>
+              <a:t>LsaClose</a:t>
+            </a:r>
+            <a:r>
+              <a:rPr lang="en-US" altLang="zh-TW" sz="8000" dirty="0">
+                <a:effectLst/>
+                <a:latin typeface="Courier New" panose="02070309020205020404" pitchFamily="49" charset="0"/>
+                <a:cs typeface="Courier New" panose="02070309020205020404" pitchFamily="49" charset="0"/>
+              </a:rPr>
+              <a:t>, </a:t>
+            </a:r>
+            <a:r>
+              <a:rPr lang="en-US" altLang="zh-TW" sz="8000" dirty="0" err="1">
+                <a:effectLst/>
+                <a:latin typeface="Courier New" panose="02070309020205020404" pitchFamily="49" charset="0"/>
+                <a:cs typeface="Courier New" panose="02070309020205020404" pitchFamily="49" charset="0"/>
+              </a:rPr>
+              <a:t>LsaLookupClose</a:t>
+            </a:r>
+            <a:r>
+              <a:rPr lang="en-US" altLang="zh-TW" sz="8000" dirty="0">
+                <a:effectLst/>
+                <a:latin typeface="Courier New" panose="02070309020205020404" pitchFamily="49" charset="0"/>
+                <a:cs typeface="Courier New" panose="02070309020205020404" pitchFamily="49" charset="0"/>
+              </a:rPr>
+              <a:t>, </a:t>
+            </a:r>
+            <a:r>
+              <a:rPr lang="en-US" altLang="zh-TW" sz="8000" dirty="0" err="1">
+                <a:effectLst/>
+                <a:latin typeface="Courier New" panose="02070309020205020404" pitchFamily="49" charset="0"/>
+                <a:cs typeface="Courier New" panose="02070309020205020404" pitchFamily="49" charset="0"/>
+              </a:rPr>
+              <a:t>DestroyMenu</a:t>
+            </a:r>
+            <a:r>
+              <a:rPr lang="en-US" altLang="zh-TW" sz="8000" dirty="0">
+                <a:effectLst/>
+                <a:latin typeface="Courier New" panose="02070309020205020404" pitchFamily="49" charset="0"/>
+                <a:cs typeface="Courier New" panose="02070309020205020404" pitchFamily="49" charset="0"/>
+              </a:rPr>
+              <a:t>, </a:t>
+            </a:r>
+            <a:r>
+              <a:rPr lang="en-US" altLang="zh-TW" sz="8000" dirty="0" err="1">
+                <a:effectLst/>
+                <a:latin typeface="Courier New" panose="02070309020205020404" pitchFamily="49" charset="0"/>
+                <a:cs typeface="Courier New" panose="02070309020205020404" pitchFamily="49" charset="0"/>
+              </a:rPr>
+              <a:t>FreeLibrary</a:t>
+            </a:r>
+            <a:r>
+              <a:rPr lang="en-US" altLang="zh-TW" sz="8000" dirty="0">
+                <a:effectLst/>
+                <a:latin typeface="Courier New" panose="02070309020205020404" pitchFamily="49" charset="0"/>
+                <a:cs typeface="Courier New" panose="02070309020205020404" pitchFamily="49" charset="0"/>
+              </a:rPr>
+              <a:t>, </a:t>
+            </a:r>
+            <a:r>
+              <a:rPr lang="en-US" altLang="zh-TW" sz="8000" dirty="0" err="1">
+                <a:effectLst/>
+                <a:latin typeface="Courier New" panose="02070309020205020404" pitchFamily="49" charset="0"/>
+                <a:cs typeface="Courier New" panose="02070309020205020404" pitchFamily="49" charset="0"/>
+              </a:rPr>
+              <a:t>UnregisterPowerSettingNotification</a:t>
+            </a:r>
+            <a:r>
+              <a:rPr lang="en-US" altLang="zh-TW" sz="8000" dirty="0">
+                <a:effectLst/>
+                <a:latin typeface="Courier New" panose="02070309020205020404" pitchFamily="49" charset="0"/>
+                <a:cs typeface="Courier New" panose="02070309020205020404" pitchFamily="49" charset="0"/>
+              </a:rPr>
+              <a:t>, </a:t>
+            </a:r>
+            <a:r>
+              <a:rPr lang="en-US" altLang="zh-TW" sz="8000" dirty="0" err="1">
+                <a:effectLst/>
+                <a:latin typeface="Courier New" panose="02070309020205020404" pitchFamily="49" charset="0"/>
+                <a:cs typeface="Courier New" panose="02070309020205020404" pitchFamily="49" charset="0"/>
+              </a:rPr>
+              <a:t>WindowsDeleteString</a:t>
+            </a:r>
+            <a:r>
+              <a:rPr lang="en-US" altLang="zh-TW" sz="8000" dirty="0">
+                <a:effectLst/>
+                <a:latin typeface="Courier New" panose="02070309020205020404" pitchFamily="49" charset="0"/>
+                <a:cs typeface="Courier New" panose="02070309020205020404" pitchFamily="49" charset="0"/>
+              </a:rPr>
+              <a:t>, </a:t>
+            </a:r>
+            <a:r>
+              <a:rPr lang="en-US" altLang="zh-TW" sz="8000" dirty="0" err="1">
+                <a:effectLst/>
+                <a:latin typeface="Courier New" panose="02070309020205020404" pitchFamily="49" charset="0"/>
+                <a:cs typeface="Courier New" panose="02070309020205020404" pitchFamily="49" charset="0"/>
+              </a:rPr>
+              <a:t>WindowsDeleteStringBuffer</a:t>
+            </a:r>
+            <a:r>
+              <a:rPr lang="en-US" altLang="zh-TW" sz="8000" dirty="0">
+                <a:effectLst/>
+                <a:latin typeface="Courier New" panose="02070309020205020404" pitchFamily="49" charset="0"/>
+                <a:cs typeface="Courier New" panose="02070309020205020404" pitchFamily="49" charset="0"/>
+              </a:rPr>
+              <a:t>, </a:t>
+            </a:r>
+            <a:r>
+              <a:rPr lang="en-US" altLang="zh-TW" sz="8000" dirty="0" err="1">
+                <a:effectLst/>
+                <a:latin typeface="Courier New" panose="02070309020205020404" pitchFamily="49" charset="0"/>
+                <a:cs typeface="Courier New" panose="02070309020205020404" pitchFamily="49" charset="0"/>
+              </a:rPr>
+              <a:t>CloseThemeData</a:t>
+            </a:r>
+            <a:r>
+              <a:rPr lang="en-US" altLang="zh-TW" sz="8000" dirty="0">
+                <a:effectLst/>
+                <a:latin typeface="Courier New" panose="02070309020205020404" pitchFamily="49" charset="0"/>
+                <a:cs typeface="Courier New" panose="02070309020205020404" pitchFamily="49" charset="0"/>
+              </a:rPr>
+              <a:t>, …</a:t>
+            </a:r>
+          </a:p>
+        </p:txBody>
+      </p:sp>
+    </p:spTree>
+    <p:extLst>
+      <p:ext uri="{BB962C8B-B14F-4D97-AF65-F5344CB8AC3E}">
+        <p14:creationId xmlns:p14="http://schemas.microsoft.com/office/powerpoint/2010/main" val="1651448664"/>
+      </p:ext>
+    </p:extLst>
+  </p:cSld>
+  <p:clrMapOvr>
+    <a:masterClrMapping/>
+  </p:clrMapOvr>
+</p:sld>
+</file>
+
+<file path=ppt/slides/slide12.xml><?xml version="1.0" encoding="utf-8"?>
+<p:sld xmlns:a="http://schemas.openxmlformats.org/drawingml/2006/main" xmlns:r="http://schemas.openxmlformats.org/officeDocument/2006/relationships" xmlns:p="http://schemas.openxmlformats.org/presentationml/2006/main">
+  <p:cSld>
+    <p:spTree>
+      <p:nvGrpSpPr>
+        <p:cNvPr id="1" name=""/>
+        <p:cNvGrpSpPr/>
+        <p:nvPr/>
+      </p:nvGrpSpPr>
+      <p:grpSpPr>
+        <a:xfrm>
+          <a:off x="0" y="0"/>
+          <a:ext cx="0" cy="0"/>
+          <a:chOff x="0" y="0"/>
+          <a:chExt cx="0" cy="0"/>
+        </a:xfrm>
+      </p:grpSpPr>
+      <p:sp>
+        <p:nvSpPr>
+          <p:cNvPr id="2" name="Title 1">
+            <a:extLst>
+              <a:ext uri="{FF2B5EF4-FFF2-40B4-BE49-F238E27FC236}">
+                <a16:creationId xmlns:a16="http://schemas.microsoft.com/office/drawing/2014/main" id="{67B987A3-AE05-4DD4-B92A-5BB153BF5168}"/>
+              </a:ext>
+            </a:extLst>
+          </p:cNvPr>
+          <p:cNvSpPr>
+            <a:spLocks noGrp="1"/>
+          </p:cNvSpPr>
+          <p:nvPr>
+            <p:ph type="ctrTitle"/>
+          </p:nvPr>
+        </p:nvSpPr>
+        <p:spPr>
+          <a:xfrm>
+            <a:off x="1212574" y="236954"/>
+            <a:ext cx="9780104" cy="806235"/>
+          </a:xfrm>
+        </p:spPr>
+        <p:txBody>
+          <a:bodyPr>
+            <a:normAutofit fontScale="90000"/>
+          </a:bodyPr>
+          <a:lstStyle/>
+          <a:p>
+            <a:r>
+              <a:rPr lang="en-US" dirty="0">
+                <a:effectLst/>
+              </a:rPr>
+              <a:t>WIL </a:t>
+            </a:r>
+            <a:r>
+              <a:rPr lang="en-US" dirty="0" err="1">
+                <a:effectLst/>
+              </a:rPr>
+              <a:t>resource.h</a:t>
+            </a:r>
+            <a:endParaRPr lang="en-US" dirty="0">
+              <a:effectLst/>
+            </a:endParaRPr>
+          </a:p>
+        </p:txBody>
+      </p:sp>
+      <p:sp>
+        <p:nvSpPr>
+          <p:cNvPr id="3" name="Subtitle 2">
+            <a:extLst>
+              <a:ext uri="{FF2B5EF4-FFF2-40B4-BE49-F238E27FC236}">
+                <a16:creationId xmlns:a16="http://schemas.microsoft.com/office/drawing/2014/main" id="{2F840F1F-E23F-4334-943C-3F1A7A2E80AA}"/>
+              </a:ext>
+            </a:extLst>
+          </p:cNvPr>
+          <p:cNvSpPr>
+            <a:spLocks noGrp="1"/>
+          </p:cNvSpPr>
+          <p:nvPr>
+            <p:ph type="subTitle" idx="1"/>
+          </p:nvPr>
+        </p:nvSpPr>
+        <p:spPr>
+          <a:xfrm>
+            <a:off x="520228" y="1043189"/>
+            <a:ext cx="11140964" cy="5412695"/>
+          </a:xfrm>
+        </p:spPr>
+        <p:txBody>
+          <a:bodyPr>
+            <a:normAutofit/>
+          </a:bodyPr>
+          <a:lstStyle/>
+          <a:p>
+            <a:pPr marL="342900" indent="-342900" algn="l">
+              <a:spcBef>
+                <a:spcPts val="0"/>
+              </a:spcBef>
+              <a:spcAft>
+                <a:spcPts val="300"/>
+              </a:spcAft>
+              <a:buFont typeface="Arial" panose="020B0604020202020204" pitchFamily="34" charset="0"/>
+              <a:buChar char="•"/>
+            </a:pPr>
+            <a:r>
+              <a:rPr lang="en-US" altLang="zh-TW" dirty="0" err="1">
+                <a:effectLst/>
+                <a:latin typeface="Courier New" panose="02070309020205020404" pitchFamily="49" charset="0"/>
+                <a:cs typeface="Courier New" panose="02070309020205020404" pitchFamily="49" charset="0"/>
+              </a:rPr>
+              <a:t>UnhookWinEvent</a:t>
+            </a:r>
+            <a:r>
+              <a:rPr lang="en-US" altLang="zh-TW" dirty="0">
+                <a:effectLst/>
+                <a:latin typeface="Courier New" panose="02070309020205020404" pitchFamily="49" charset="0"/>
+                <a:cs typeface="Courier New" panose="02070309020205020404" pitchFamily="49" charset="0"/>
+              </a:rPr>
+              <a:t>, </a:t>
+            </a:r>
+            <a:r>
+              <a:rPr lang="en-US" altLang="zh-TW" dirty="0" err="1">
+                <a:effectLst/>
+                <a:latin typeface="Courier New" panose="02070309020205020404" pitchFamily="49" charset="0"/>
+                <a:cs typeface="Courier New" panose="02070309020205020404" pitchFamily="49" charset="0"/>
+              </a:rPr>
+              <a:t>CloseWindowStation</a:t>
+            </a:r>
+            <a:r>
+              <a:rPr lang="en-US" altLang="zh-TW" dirty="0">
+                <a:effectLst/>
+                <a:latin typeface="Courier New" panose="02070309020205020404" pitchFamily="49" charset="0"/>
+                <a:cs typeface="Courier New" panose="02070309020205020404" pitchFamily="49" charset="0"/>
+              </a:rPr>
+              <a:t>, </a:t>
+            </a:r>
+            <a:r>
+              <a:rPr lang="en-US" altLang="zh-TW" dirty="0" err="1">
+                <a:effectLst/>
+                <a:latin typeface="Courier New" panose="02070309020205020404" pitchFamily="49" charset="0"/>
+                <a:cs typeface="Courier New" panose="02070309020205020404" pitchFamily="49" charset="0"/>
+              </a:rPr>
+              <a:t>DestroyWindow</a:t>
+            </a:r>
+            <a:r>
+              <a:rPr lang="en-US" altLang="zh-TW" dirty="0">
+                <a:effectLst/>
+                <a:latin typeface="Courier New" panose="02070309020205020404" pitchFamily="49" charset="0"/>
+                <a:cs typeface="Courier New" panose="02070309020205020404" pitchFamily="49" charset="0"/>
+              </a:rPr>
+              <a:t>, </a:t>
+            </a:r>
+            <a:r>
+              <a:rPr lang="en-US" altLang="zh-TW" dirty="0" err="1">
+                <a:effectLst/>
+                <a:latin typeface="Courier New" panose="02070309020205020404" pitchFamily="49" charset="0"/>
+                <a:cs typeface="Courier New" panose="02070309020205020404" pitchFamily="49" charset="0"/>
+              </a:rPr>
+              <a:t>FreeMibTable</a:t>
+            </a:r>
+            <a:r>
+              <a:rPr lang="en-US" altLang="zh-TW" dirty="0">
+                <a:effectLst/>
+                <a:latin typeface="Courier New" panose="02070309020205020404" pitchFamily="49" charset="0"/>
+                <a:cs typeface="Courier New" panose="02070309020205020404" pitchFamily="49" charset="0"/>
+              </a:rPr>
+              <a:t>, </a:t>
+            </a:r>
+            <a:r>
+              <a:rPr lang="en-US" altLang="zh-TW" dirty="0" err="1">
+                <a:effectLst/>
+                <a:latin typeface="Courier New" panose="02070309020205020404" pitchFamily="49" charset="0"/>
+                <a:cs typeface="Courier New" panose="02070309020205020404" pitchFamily="49" charset="0"/>
+              </a:rPr>
+              <a:t>NCryptFreeObject</a:t>
+            </a:r>
+            <a:r>
+              <a:rPr lang="en-US" altLang="zh-TW" dirty="0">
+                <a:effectLst/>
+                <a:latin typeface="Courier New" panose="02070309020205020404" pitchFamily="49" charset="0"/>
+                <a:cs typeface="Courier New" panose="02070309020205020404" pitchFamily="49" charset="0"/>
+              </a:rPr>
+              <a:t>, </a:t>
+            </a:r>
+            <a:r>
+              <a:rPr lang="en-US" altLang="zh-TW" dirty="0" err="1">
+                <a:effectLst/>
+                <a:latin typeface="Courier New" panose="02070309020205020404" pitchFamily="49" charset="0"/>
+                <a:cs typeface="Courier New" panose="02070309020205020404" pitchFamily="49" charset="0"/>
+              </a:rPr>
+              <a:t>ClosePackageInfo</a:t>
+            </a:r>
+            <a:r>
+              <a:rPr lang="en-US" altLang="zh-TW" dirty="0">
+                <a:effectLst/>
+                <a:latin typeface="Courier New" panose="02070309020205020404" pitchFamily="49" charset="0"/>
+                <a:cs typeface="Courier New" panose="02070309020205020404" pitchFamily="49" charset="0"/>
+              </a:rPr>
+              <a:t>, _</a:t>
+            </a:r>
+            <a:r>
+              <a:rPr lang="en-US" altLang="zh-TW" dirty="0" err="1">
+                <a:effectLst/>
+                <a:latin typeface="Courier New" panose="02070309020205020404" pitchFamily="49" charset="0"/>
+                <a:cs typeface="Courier New" panose="02070309020205020404" pitchFamily="49" charset="0"/>
+              </a:rPr>
+              <a:t>pclose</a:t>
+            </a:r>
+            <a:r>
+              <a:rPr lang="en-US" altLang="zh-TW" dirty="0">
+                <a:effectLst/>
+                <a:latin typeface="Courier New" panose="02070309020205020404" pitchFamily="49" charset="0"/>
+                <a:cs typeface="Courier New" panose="02070309020205020404" pitchFamily="49" charset="0"/>
+              </a:rPr>
+              <a:t>, </a:t>
+            </a:r>
+            <a:r>
+              <a:rPr lang="en-US" altLang="zh-TW" dirty="0" err="1">
+                <a:effectLst/>
+                <a:latin typeface="Courier New" panose="02070309020205020404" pitchFamily="49" charset="0"/>
+                <a:cs typeface="Courier New" panose="02070309020205020404" pitchFamily="49" charset="0"/>
+              </a:rPr>
+              <a:t>DestroyPrivateObjectSecurity</a:t>
+            </a:r>
+            <a:r>
+              <a:rPr lang="en-US" altLang="zh-TW" dirty="0">
+                <a:effectLst/>
+                <a:latin typeface="Courier New" panose="02070309020205020404" pitchFamily="49" charset="0"/>
+                <a:cs typeface="Courier New" panose="02070309020205020404" pitchFamily="49" charset="0"/>
+              </a:rPr>
+              <a:t>, </a:t>
+            </a:r>
+            <a:r>
+              <a:rPr lang="en-US" altLang="zh-TW" dirty="0" err="1">
+                <a:effectLst/>
+                <a:latin typeface="Courier New" panose="02070309020205020404" pitchFamily="49" charset="0"/>
+                <a:cs typeface="Courier New" panose="02070309020205020404" pitchFamily="49" charset="0"/>
+              </a:rPr>
+              <a:t>RpcBindingFree</a:t>
+            </a:r>
+            <a:r>
+              <a:rPr lang="en-US" altLang="zh-TW" dirty="0">
+                <a:effectLst/>
+                <a:latin typeface="Courier New" panose="02070309020205020404" pitchFamily="49" charset="0"/>
+                <a:cs typeface="Courier New" panose="02070309020205020404" pitchFamily="49" charset="0"/>
+              </a:rPr>
+              <a:t>, </a:t>
+            </a:r>
+            <a:r>
+              <a:rPr lang="en-US" altLang="zh-TW" dirty="0" err="1">
+                <a:effectLst/>
+                <a:latin typeface="Courier New" panose="02070309020205020404" pitchFamily="49" charset="0"/>
+                <a:cs typeface="Courier New" panose="02070309020205020404" pitchFamily="49" charset="0"/>
+              </a:rPr>
+              <a:t>RpcBindingVectorFree</a:t>
+            </a:r>
+            <a:r>
+              <a:rPr lang="en-US" altLang="zh-TW" dirty="0">
+                <a:effectLst/>
+                <a:latin typeface="Courier New" panose="02070309020205020404" pitchFamily="49" charset="0"/>
+                <a:cs typeface="Courier New" panose="02070309020205020404" pitchFamily="49" charset="0"/>
+              </a:rPr>
+              <a:t>, </a:t>
+            </a:r>
+            <a:r>
+              <a:rPr lang="en-US" altLang="zh-TW" dirty="0" err="1">
+                <a:effectLst/>
+                <a:latin typeface="Courier New" panose="02070309020205020404" pitchFamily="49" charset="0"/>
+                <a:cs typeface="Courier New" panose="02070309020205020404" pitchFamily="49" charset="0"/>
+              </a:rPr>
+              <a:t>MesHandleFree</a:t>
+            </a:r>
+            <a:r>
+              <a:rPr lang="en-US" altLang="zh-TW" dirty="0">
+                <a:effectLst/>
+                <a:latin typeface="Courier New" panose="02070309020205020404" pitchFamily="49" charset="0"/>
+                <a:cs typeface="Courier New" panose="02070309020205020404" pitchFamily="49" charset="0"/>
+              </a:rPr>
+              <a:t>, </a:t>
+            </a:r>
+            <a:r>
+              <a:rPr lang="en-US" altLang="zh-TW" dirty="0" err="1">
+                <a:effectLst/>
+                <a:latin typeface="Courier New" panose="02070309020205020404" pitchFamily="49" charset="0"/>
+                <a:cs typeface="Courier New" panose="02070309020205020404" pitchFamily="49" charset="0"/>
+              </a:rPr>
+              <a:t>RpcStringFreeW</a:t>
+            </a:r>
+            <a:r>
+              <a:rPr lang="en-US" altLang="zh-TW" dirty="0">
+                <a:effectLst/>
+                <a:latin typeface="Courier New" panose="02070309020205020404" pitchFamily="49" charset="0"/>
+                <a:cs typeface="Courier New" panose="02070309020205020404" pitchFamily="49" charset="0"/>
+              </a:rPr>
+              <a:t>, </a:t>
+            </a:r>
+            <a:r>
+              <a:rPr lang="en-US" altLang="zh-TW" dirty="0" err="1">
+                <a:effectLst/>
+                <a:latin typeface="Courier New" panose="02070309020205020404" pitchFamily="49" charset="0"/>
+                <a:cs typeface="Courier New" panose="02070309020205020404" pitchFamily="49" charset="0"/>
+              </a:rPr>
+              <a:t>SCardReleaseContext</a:t>
+            </a:r>
+            <a:r>
+              <a:rPr lang="en-US" altLang="zh-TW" dirty="0">
+                <a:effectLst/>
+                <a:latin typeface="Courier New" panose="02070309020205020404" pitchFamily="49" charset="0"/>
+                <a:cs typeface="Courier New" panose="02070309020205020404" pitchFamily="49" charset="0"/>
+              </a:rPr>
+              <a:t>, </a:t>
+            </a:r>
+            <a:r>
+              <a:rPr lang="en-US" altLang="zh-TW" dirty="0" err="1">
+                <a:effectLst/>
+                <a:latin typeface="Courier New" panose="02070309020205020404" pitchFamily="49" charset="0"/>
+                <a:cs typeface="Courier New" panose="02070309020205020404" pitchFamily="49" charset="0"/>
+              </a:rPr>
+              <a:t>CloseServiceHandle</a:t>
+            </a:r>
+            <a:r>
+              <a:rPr lang="en-US" altLang="zh-TW" dirty="0">
+                <a:effectLst/>
+                <a:latin typeface="Courier New" panose="02070309020205020404" pitchFamily="49" charset="0"/>
+                <a:cs typeface="Courier New" panose="02070309020205020404" pitchFamily="49" charset="0"/>
+              </a:rPr>
+              <a:t>, </a:t>
+            </a:r>
+            <a:r>
+              <a:rPr lang="en-US" altLang="zh-TW" dirty="0" err="1">
+                <a:effectLst/>
+                <a:latin typeface="Courier New" panose="02070309020205020404" pitchFamily="49" charset="0"/>
+                <a:cs typeface="Courier New" panose="02070309020205020404" pitchFamily="49" charset="0"/>
+              </a:rPr>
+              <a:t>SelectObject</a:t>
+            </a:r>
+            <a:r>
+              <a:rPr lang="en-US" altLang="zh-TW" dirty="0">
+                <a:effectLst/>
+                <a:latin typeface="Courier New" panose="02070309020205020404" pitchFamily="49" charset="0"/>
+                <a:cs typeface="Courier New" panose="02070309020205020404" pitchFamily="49" charset="0"/>
+              </a:rPr>
+              <a:t>, </a:t>
+            </a:r>
+            <a:r>
+              <a:rPr lang="en-US" altLang="zh-TW" dirty="0" err="1">
+                <a:effectLst/>
+                <a:latin typeface="Courier New" panose="02070309020205020404" pitchFamily="49" charset="0"/>
+                <a:cs typeface="Courier New" panose="02070309020205020404" pitchFamily="49" charset="0"/>
+              </a:rPr>
+              <a:t>FreeSid</a:t>
+            </a:r>
+            <a:r>
+              <a:rPr lang="en-US" altLang="zh-TW" dirty="0">
+                <a:effectLst/>
+                <a:latin typeface="Courier New" panose="02070309020205020404" pitchFamily="49" charset="0"/>
+                <a:cs typeface="Courier New" panose="02070309020205020404" pitchFamily="49" charset="0"/>
+              </a:rPr>
+              <a:t>, </a:t>
+            </a:r>
+            <a:r>
+              <a:rPr lang="en-US" altLang="zh-TW" dirty="0" err="1">
+                <a:effectLst/>
+                <a:latin typeface="Courier New" panose="02070309020205020404" pitchFamily="49" charset="0"/>
+                <a:cs typeface="Courier New" panose="02070309020205020404" pitchFamily="49" charset="0"/>
+              </a:rPr>
+              <a:t>closesocket</a:t>
+            </a:r>
+            <a:r>
+              <a:rPr lang="en-US" altLang="zh-TW" dirty="0">
+                <a:effectLst/>
+                <a:latin typeface="Courier New" panose="02070309020205020404" pitchFamily="49" charset="0"/>
+                <a:cs typeface="Courier New" panose="02070309020205020404" pitchFamily="49" charset="0"/>
+              </a:rPr>
+              <a:t>, </a:t>
+            </a:r>
+            <a:r>
+              <a:rPr lang="en-US" altLang="zh-TW" dirty="0" err="1">
+                <a:effectLst/>
+                <a:latin typeface="Courier New" panose="02070309020205020404" pitchFamily="49" charset="0"/>
+                <a:cs typeface="Courier New" panose="02070309020205020404" pitchFamily="49" charset="0"/>
+              </a:rPr>
+              <a:t>CloseThreadpoolIo</a:t>
+            </a:r>
+            <a:r>
+              <a:rPr lang="en-US" altLang="zh-TW" dirty="0">
+                <a:effectLst/>
+                <a:latin typeface="Courier New" panose="02070309020205020404" pitchFamily="49" charset="0"/>
+                <a:cs typeface="Courier New" panose="02070309020205020404" pitchFamily="49" charset="0"/>
+              </a:rPr>
+              <a:t>, </a:t>
+            </a:r>
+            <a:r>
+              <a:rPr lang="en-US" altLang="zh-TW" dirty="0" err="1">
+                <a:effectLst/>
+                <a:latin typeface="Courier New" panose="02070309020205020404" pitchFamily="49" charset="0"/>
+                <a:cs typeface="Courier New" panose="02070309020205020404" pitchFamily="49" charset="0"/>
+              </a:rPr>
+              <a:t>CloseThreadpoolTimer</a:t>
+            </a:r>
+            <a:r>
+              <a:rPr lang="en-US" altLang="zh-TW" dirty="0">
+                <a:effectLst/>
+                <a:latin typeface="Courier New" panose="02070309020205020404" pitchFamily="49" charset="0"/>
+                <a:cs typeface="Courier New" panose="02070309020205020404" pitchFamily="49" charset="0"/>
+              </a:rPr>
+              <a:t>, </a:t>
+            </a:r>
+            <a:r>
+              <a:rPr lang="en-US" altLang="zh-TW" dirty="0" err="1">
+                <a:effectLst/>
+                <a:latin typeface="Courier New" panose="02070309020205020404" pitchFamily="49" charset="0"/>
+                <a:cs typeface="Courier New" panose="02070309020205020404" pitchFamily="49" charset="0"/>
+              </a:rPr>
+              <a:t>CloseThreadpoolWait</a:t>
+            </a:r>
+            <a:r>
+              <a:rPr lang="en-US" altLang="zh-TW" dirty="0">
+                <a:effectLst/>
+                <a:latin typeface="Courier New" panose="02070309020205020404" pitchFamily="49" charset="0"/>
+                <a:cs typeface="Courier New" panose="02070309020205020404" pitchFamily="49" charset="0"/>
+              </a:rPr>
+              <a:t>, </a:t>
+            </a:r>
+            <a:r>
+              <a:rPr lang="en-US" altLang="zh-TW" dirty="0" err="1">
+                <a:effectLst/>
+                <a:latin typeface="Courier New" panose="02070309020205020404" pitchFamily="49" charset="0"/>
+                <a:cs typeface="Courier New" panose="02070309020205020404" pitchFamily="49" charset="0"/>
+              </a:rPr>
+              <a:t>CloseThreadpoolWork</a:t>
+            </a:r>
+            <a:r>
+              <a:rPr lang="en-US" altLang="zh-TW" dirty="0">
+                <a:effectLst/>
+                <a:latin typeface="Courier New" panose="02070309020205020404" pitchFamily="49" charset="0"/>
+                <a:cs typeface="Courier New" panose="02070309020205020404" pitchFamily="49" charset="0"/>
+              </a:rPr>
+              <a:t>, </a:t>
+            </a:r>
+            <a:r>
+              <a:rPr lang="en-US" altLang="zh-TW" dirty="0" err="1">
+                <a:effectLst/>
+                <a:latin typeface="Courier New" panose="02070309020205020404" pitchFamily="49" charset="0"/>
+                <a:cs typeface="Courier New" panose="02070309020205020404" pitchFamily="49" charset="0"/>
+              </a:rPr>
+              <a:t>TlsFree</a:t>
+            </a:r>
+            <a:r>
+              <a:rPr lang="en-US" altLang="zh-TW" dirty="0">
+                <a:effectLst/>
+                <a:latin typeface="Courier New" panose="02070309020205020404" pitchFamily="49" charset="0"/>
+                <a:cs typeface="Courier New" panose="02070309020205020404" pitchFamily="49" charset="0"/>
+              </a:rPr>
+              <a:t>, </a:t>
+            </a:r>
+            <a:r>
+              <a:rPr lang="en-US" altLang="zh-TW" dirty="0" err="1">
+                <a:effectLst/>
+                <a:latin typeface="Courier New" panose="02070309020205020404" pitchFamily="49" charset="0"/>
+                <a:cs typeface="Courier New" panose="02070309020205020404" pitchFamily="49" charset="0"/>
+              </a:rPr>
+              <a:t>WdfObjectDelete</a:t>
+            </a:r>
+            <a:r>
+              <a:rPr lang="en-US" altLang="zh-TW" dirty="0">
+                <a:effectLst/>
+                <a:latin typeface="Courier New" panose="02070309020205020404" pitchFamily="49" charset="0"/>
+                <a:cs typeface="Courier New" panose="02070309020205020404" pitchFamily="49" charset="0"/>
+              </a:rPr>
+              <a:t>, </a:t>
+            </a:r>
+            <a:r>
+              <a:rPr lang="en-US" altLang="zh-TW" dirty="0" err="1">
+                <a:effectLst/>
+                <a:latin typeface="Courier New" panose="02070309020205020404" pitchFamily="49" charset="0"/>
+                <a:cs typeface="Courier New" panose="02070309020205020404" pitchFamily="49" charset="0"/>
+              </a:rPr>
+              <a:t>WdfObjectDereferenceWithTag</a:t>
+            </a:r>
+            <a:r>
+              <a:rPr lang="en-US" altLang="zh-TW" dirty="0">
+                <a:effectLst/>
+                <a:latin typeface="Courier New" panose="02070309020205020404" pitchFamily="49" charset="0"/>
+                <a:cs typeface="Courier New" panose="02070309020205020404" pitchFamily="49" charset="0"/>
+              </a:rPr>
+              <a:t>, </a:t>
+            </a:r>
+            <a:r>
+              <a:rPr lang="en-US" altLang="zh-TW" dirty="0" err="1">
+                <a:effectLst/>
+                <a:latin typeface="Courier New" panose="02070309020205020404" pitchFamily="49" charset="0"/>
+                <a:cs typeface="Courier New" panose="02070309020205020404" pitchFamily="49" charset="0"/>
+              </a:rPr>
+              <a:t>WerReportCloseHandle</a:t>
+            </a:r>
+            <a:r>
+              <a:rPr lang="en-US" altLang="zh-TW" dirty="0">
+                <a:effectLst/>
+                <a:latin typeface="Courier New" panose="02070309020205020404" pitchFamily="49" charset="0"/>
+                <a:cs typeface="Courier New" panose="02070309020205020404" pitchFamily="49" charset="0"/>
+              </a:rPr>
+              <a:t>, </a:t>
+            </a:r>
+            <a:r>
+              <a:rPr lang="en-US" altLang="zh-TW" dirty="0" err="1">
+                <a:effectLst/>
+                <a:latin typeface="Courier New" panose="02070309020205020404" pitchFamily="49" charset="0"/>
+                <a:cs typeface="Courier New" panose="02070309020205020404" pitchFamily="49" charset="0"/>
+              </a:rPr>
+              <a:t>WinHttpCloseHandle</a:t>
+            </a:r>
+            <a:r>
+              <a:rPr lang="en-US" altLang="zh-TW" dirty="0">
+                <a:effectLst/>
+                <a:latin typeface="Courier New" panose="02070309020205020404" pitchFamily="49" charset="0"/>
+                <a:cs typeface="Courier New" panose="02070309020205020404" pitchFamily="49" charset="0"/>
+              </a:rPr>
+              <a:t>, </a:t>
+            </a:r>
+            <a:r>
+              <a:rPr lang="en-US" altLang="zh-TW" dirty="0" err="1">
+                <a:effectLst/>
+                <a:latin typeface="Courier New" panose="02070309020205020404" pitchFamily="49" charset="0"/>
+                <a:cs typeface="Courier New" panose="02070309020205020404" pitchFamily="49" charset="0"/>
+              </a:rPr>
+              <a:t>CloseWlanHandle</a:t>
+            </a:r>
+            <a:r>
+              <a:rPr lang="en-US" altLang="zh-TW" dirty="0">
+                <a:effectLst/>
+                <a:latin typeface="Courier New" panose="02070309020205020404" pitchFamily="49" charset="0"/>
+                <a:cs typeface="Courier New" panose="02070309020205020404" pitchFamily="49" charset="0"/>
+              </a:rPr>
+              <a:t>, </a:t>
+            </a:r>
+            <a:r>
+              <a:rPr lang="en-US" altLang="zh-TW" dirty="0" err="1">
+                <a:effectLst/>
+                <a:latin typeface="Courier New" panose="02070309020205020404" pitchFamily="49" charset="0"/>
+                <a:cs typeface="Courier New" panose="02070309020205020404" pitchFamily="49" charset="0"/>
+              </a:rPr>
+              <a:t>IoFreeIrp</a:t>
+            </a:r>
+            <a:r>
+              <a:rPr lang="en-US" altLang="zh-TW" dirty="0">
+                <a:effectLst/>
+                <a:latin typeface="Courier New" panose="02070309020205020404" pitchFamily="49" charset="0"/>
+                <a:cs typeface="Courier New" panose="02070309020205020404" pitchFamily="49" charset="0"/>
+              </a:rPr>
+              <a:t>, </a:t>
+            </a:r>
+            <a:r>
+              <a:rPr lang="en-US" altLang="zh-TW" dirty="0" err="1">
+                <a:effectLst/>
+                <a:latin typeface="Courier New" panose="02070309020205020404" pitchFamily="49" charset="0"/>
+                <a:cs typeface="Courier New" panose="02070309020205020404" pitchFamily="49" charset="0"/>
+              </a:rPr>
+              <a:t>IoFreeWorkItem</a:t>
+            </a:r>
+            <a:r>
+              <a:rPr lang="en-US" altLang="zh-TW" dirty="0">
+                <a:effectLst/>
+                <a:latin typeface="Courier New" panose="02070309020205020404" pitchFamily="49" charset="0"/>
+                <a:cs typeface="Courier New" panose="02070309020205020404" pitchFamily="49" charset="0"/>
+              </a:rPr>
+              <a:t>, </a:t>
+            </a:r>
+            <a:r>
+              <a:rPr lang="en-US" altLang="zh-TW" dirty="0" err="1">
+                <a:effectLst/>
+                <a:latin typeface="Courier New" panose="02070309020205020404" pitchFamily="49" charset="0"/>
+                <a:cs typeface="Courier New" panose="02070309020205020404" pitchFamily="49" charset="0"/>
+              </a:rPr>
+              <a:t>ZwClose</a:t>
+            </a:r>
+            <a:endParaRPr lang="en-US" altLang="zh-TW" dirty="0">
+              <a:effectLst/>
+              <a:latin typeface="Courier New" panose="02070309020205020404" pitchFamily="49" charset="0"/>
+              <a:cs typeface="Courier New" panose="02070309020205020404" pitchFamily="49" charset="0"/>
+            </a:endParaRPr>
+          </a:p>
+          <a:p>
+            <a:pPr marL="342900" indent="-342900" algn="l">
+              <a:spcBef>
+                <a:spcPts val="0"/>
+              </a:spcBef>
+              <a:spcAft>
+                <a:spcPts val="300"/>
+              </a:spcAft>
+              <a:buFont typeface="Arial" panose="020B0604020202020204" pitchFamily="34" charset="0"/>
+              <a:buChar char="•"/>
+            </a:pPr>
+            <a:r>
+              <a:rPr lang="en-US" altLang="zh-TW" dirty="0">
+                <a:effectLst/>
+                <a:latin typeface="Courier New" panose="02070309020205020404" pitchFamily="49" charset="0"/>
+                <a:cs typeface="Courier New" panose="02070309020205020404" pitchFamily="49" charset="0"/>
+              </a:rPr>
+              <a:t>Please refer to </a:t>
+            </a:r>
+            <a:r>
+              <a:rPr lang="en-US" altLang="zh-TW" dirty="0">
+                <a:latin typeface="Courier New" panose="02070309020205020404" pitchFamily="49" charset="0"/>
+                <a:cs typeface="Courier New" panose="02070309020205020404" pitchFamily="49" charset="0"/>
+                <a:hlinkClick r:id="rId2"/>
+              </a:rPr>
+              <a:t>https://github.com/Microsoft/wil/wiki/RAII-resource-wrappers</a:t>
+            </a:r>
+            <a:endParaRPr lang="en-US" altLang="zh-TW" sz="5600" dirty="0">
+              <a:latin typeface="Courier New" panose="02070309020205020404" pitchFamily="49" charset="0"/>
+              <a:cs typeface="Courier New" panose="02070309020205020404" pitchFamily="49" charset="0"/>
+            </a:endParaRPr>
+          </a:p>
+        </p:txBody>
+      </p:sp>
+    </p:spTree>
+    <p:extLst>
+      <p:ext uri="{BB962C8B-B14F-4D97-AF65-F5344CB8AC3E}">
+        <p14:creationId xmlns:p14="http://schemas.microsoft.com/office/powerpoint/2010/main" val="3099635082"/>
+      </p:ext>
+    </p:extLst>
+  </p:cSld>
+  <p:clrMapOvr>
+    <a:masterClrMapping/>
+  </p:clrMapOvr>
+</p:sld>
+</file>
+
+<file path=ppt/slides/slide13.xml><?xml version="1.0" encoding="utf-8"?>
+<p:sld xmlns:a="http://schemas.openxmlformats.org/drawingml/2006/main" xmlns:r="http://schemas.openxmlformats.org/officeDocument/2006/relationships" xmlns:p="http://schemas.openxmlformats.org/presentationml/2006/main">
+  <p:cSld>
+    <p:spTree>
+      <p:nvGrpSpPr>
+        <p:cNvPr id="1" name=""/>
+        <p:cNvGrpSpPr/>
+        <p:nvPr/>
+      </p:nvGrpSpPr>
+      <p:grpSpPr>
+        <a:xfrm>
+          <a:off x="0" y="0"/>
+          <a:ext cx="0" cy="0"/>
+          <a:chOff x="0" y="0"/>
+          <a:chExt cx="0" cy="0"/>
+        </a:xfrm>
+      </p:grpSpPr>
+      <p:sp>
+        <p:nvSpPr>
+          <p:cNvPr id="2" name="Title 1">
+            <a:extLst>
+              <a:ext uri="{FF2B5EF4-FFF2-40B4-BE49-F238E27FC236}">
+                <a16:creationId xmlns:a16="http://schemas.microsoft.com/office/drawing/2014/main" id="{67B987A3-AE05-4DD4-B92A-5BB153BF5168}"/>
+              </a:ext>
+            </a:extLst>
+          </p:cNvPr>
+          <p:cNvSpPr>
+            <a:spLocks noGrp="1"/>
+          </p:cNvSpPr>
+          <p:nvPr>
+            <p:ph type="ctrTitle"/>
+          </p:nvPr>
+        </p:nvSpPr>
+        <p:spPr>
+          <a:xfrm>
+            <a:off x="1212574" y="236954"/>
+            <a:ext cx="9780104" cy="806235"/>
+          </a:xfrm>
+        </p:spPr>
+        <p:txBody>
+          <a:bodyPr>
+            <a:normAutofit fontScale="90000"/>
+          </a:bodyPr>
+          <a:lstStyle/>
+          <a:p>
+            <a:r>
+              <a:rPr lang="en-US" dirty="0">
+                <a:effectLst/>
+              </a:rPr>
+              <a:t>WIL </a:t>
+            </a:r>
+            <a:r>
+              <a:rPr lang="en-US" dirty="0" err="1">
+                <a:effectLst/>
+              </a:rPr>
+              <a:t>resource.h</a:t>
+            </a:r>
+            <a:r>
+              <a:rPr lang="en-US" dirty="0">
+                <a:effectLst/>
+              </a:rPr>
+              <a:t> h (</a:t>
+            </a:r>
+            <a:r>
+              <a:rPr lang="zh-TW" altLang="en-US" dirty="0">
+                <a:effectLst/>
+              </a:rPr>
+              <a:t>簡化</a:t>
+            </a:r>
+            <a:r>
+              <a:rPr lang="en-US" dirty="0">
+                <a:effectLst/>
+              </a:rPr>
+              <a:t>)</a:t>
+            </a:r>
+          </a:p>
+        </p:txBody>
+      </p:sp>
+      <p:sp>
+        <p:nvSpPr>
+          <p:cNvPr id="3" name="Subtitle 2">
+            <a:extLst>
+              <a:ext uri="{FF2B5EF4-FFF2-40B4-BE49-F238E27FC236}">
+                <a16:creationId xmlns:a16="http://schemas.microsoft.com/office/drawing/2014/main" id="{2F840F1F-E23F-4334-943C-3F1A7A2E80AA}"/>
+              </a:ext>
+            </a:extLst>
+          </p:cNvPr>
+          <p:cNvSpPr>
+            <a:spLocks noGrp="1"/>
+          </p:cNvSpPr>
+          <p:nvPr>
+            <p:ph type="subTitle" idx="1"/>
+          </p:nvPr>
+        </p:nvSpPr>
+        <p:spPr>
+          <a:xfrm>
+            <a:off x="520228" y="1043189"/>
+            <a:ext cx="11140964" cy="5412695"/>
+          </a:xfrm>
+        </p:spPr>
+        <p:txBody>
+          <a:bodyPr>
+            <a:normAutofit/>
+          </a:bodyPr>
+          <a:lstStyle/>
+          <a:p>
+            <a:pPr marL="342900" indent="-342900" algn="l">
+              <a:spcBef>
+                <a:spcPts val="0"/>
+              </a:spcBef>
+              <a:spcAft>
+                <a:spcPts val="300"/>
+              </a:spcAft>
+              <a:buFont typeface="Arial" panose="020B0604020202020204" pitchFamily="34" charset="0"/>
+              <a:buChar char="•"/>
+            </a:pPr>
+            <a:r>
+              <a:rPr lang="en-US" altLang="zh-TW" sz="2000" dirty="0" err="1">
+                <a:effectLst/>
+                <a:latin typeface="Courier New" panose="02070309020205020404" pitchFamily="49" charset="0"/>
+                <a:cs typeface="Courier New" panose="02070309020205020404" pitchFamily="49" charset="0"/>
+              </a:rPr>
+              <a:t>shared_storage</a:t>
+            </a:r>
+            <a:r>
+              <a:rPr lang="zh-TW" altLang="en-US" sz="2000" dirty="0">
+                <a:effectLst/>
+                <a:latin typeface="Courier New" panose="02070309020205020404" pitchFamily="49" charset="0"/>
+                <a:cs typeface="Courier New" panose="02070309020205020404" pitchFamily="49" charset="0"/>
+              </a:rPr>
+              <a:t>就是</a:t>
+            </a:r>
+            <a:r>
+              <a:rPr lang="en-US" altLang="zh-TW" sz="2000" dirty="0" err="1">
+                <a:effectLst/>
+                <a:latin typeface="Courier New" panose="02070309020205020404" pitchFamily="49" charset="0"/>
+                <a:cs typeface="Courier New" panose="02070309020205020404" pitchFamily="49" charset="0"/>
+              </a:rPr>
+              <a:t>wil</a:t>
+            </a:r>
+            <a:r>
+              <a:rPr lang="en-US" altLang="zh-TW" sz="2000" dirty="0">
+                <a:effectLst/>
+                <a:latin typeface="Courier New" panose="02070309020205020404" pitchFamily="49" charset="0"/>
+                <a:cs typeface="Courier New" panose="02070309020205020404" pitchFamily="49" charset="0"/>
+              </a:rPr>
+              <a:t>::</a:t>
+            </a:r>
+            <a:r>
+              <a:rPr lang="en-US" altLang="zh-TW" sz="2000" dirty="0" err="1">
+                <a:effectLst/>
+                <a:latin typeface="Courier New" panose="02070309020205020404" pitchFamily="49" charset="0"/>
+                <a:cs typeface="Courier New" panose="02070309020205020404" pitchFamily="49" charset="0"/>
+              </a:rPr>
+              <a:t>shared_any_t</a:t>
+            </a:r>
+            <a:r>
+              <a:rPr lang="en-US" altLang="zh-TW" sz="2000" dirty="0">
+                <a:effectLst/>
+                <a:latin typeface="Courier New" panose="02070309020205020404" pitchFamily="49" charset="0"/>
+                <a:cs typeface="Courier New" panose="02070309020205020404" pitchFamily="49" charset="0"/>
+              </a:rPr>
+              <a:t>&lt;&gt;</a:t>
+            </a:r>
+            <a:r>
+              <a:rPr lang="zh-TW" altLang="en-US" sz="2000" dirty="0">
+                <a:effectLst/>
+                <a:latin typeface="Courier New" panose="02070309020205020404" pitchFamily="49" charset="0"/>
+                <a:cs typeface="Courier New" panose="02070309020205020404" pitchFamily="49" charset="0"/>
+              </a:rPr>
+              <a:t>裡存</a:t>
+            </a:r>
+            <a:r>
+              <a:rPr lang="en-US" altLang="zh-TW" sz="2000" dirty="0">
+                <a:effectLst/>
+                <a:latin typeface="Courier New" panose="02070309020205020404" pitchFamily="49" charset="0"/>
+                <a:cs typeface="Courier New" panose="02070309020205020404" pitchFamily="49" charset="0"/>
+              </a:rPr>
+              <a:t>resource</a:t>
+            </a:r>
+            <a:r>
+              <a:rPr lang="zh-TW" altLang="en-US" sz="2000" dirty="0">
+                <a:effectLst/>
+                <a:latin typeface="Courier New" panose="02070309020205020404" pitchFamily="49" charset="0"/>
+                <a:cs typeface="Courier New" panose="02070309020205020404" pitchFamily="49" charset="0"/>
+              </a:rPr>
+              <a:t>的地方。而其存放的方式是以</a:t>
+            </a:r>
+            <a:r>
+              <a:rPr lang="en-US" altLang="zh-TW" sz="2000" b="1" dirty="0">
+                <a:solidFill>
+                  <a:srgbClr val="00B0F0"/>
+                </a:solidFill>
+                <a:effectLst/>
+                <a:latin typeface="Courier New" panose="02070309020205020404" pitchFamily="49" charset="0"/>
+                <a:cs typeface="Courier New" panose="02070309020205020404" pitchFamily="49" charset="0"/>
+              </a:rPr>
+              <a:t>std::</a:t>
+            </a:r>
+            <a:r>
+              <a:rPr lang="en-US" altLang="zh-TW" sz="2000" b="1" dirty="0" err="1">
+                <a:solidFill>
+                  <a:srgbClr val="00B0F0"/>
+                </a:solidFill>
+                <a:effectLst/>
+                <a:latin typeface="Courier New" panose="02070309020205020404" pitchFamily="49" charset="0"/>
+                <a:cs typeface="Courier New" panose="02070309020205020404" pitchFamily="49" charset="0"/>
+              </a:rPr>
+              <a:t>shared_ptr</a:t>
+            </a:r>
+            <a:r>
+              <a:rPr lang="zh-TW" altLang="en-US" sz="2000" dirty="0">
+                <a:effectLst/>
+                <a:latin typeface="Courier New" panose="02070309020205020404" pitchFamily="49" charset="0"/>
+                <a:cs typeface="Courier New" panose="02070309020205020404" pitchFamily="49" charset="0"/>
+              </a:rPr>
+              <a:t>的方式存放的。</a:t>
+            </a:r>
+            <a:br>
+              <a:rPr lang="en-US" altLang="zh-TW" sz="2000" dirty="0">
+                <a:effectLst/>
+                <a:latin typeface="Courier New" panose="02070309020205020404" pitchFamily="49" charset="0"/>
+                <a:cs typeface="Courier New" panose="02070309020205020404" pitchFamily="49" charset="0"/>
+              </a:rPr>
+            </a:br>
+            <a:r>
+              <a:rPr lang="en-US" altLang="zh-TW" sz="2000" dirty="0">
+                <a:effectLst/>
+                <a:latin typeface="Courier New" panose="02070309020205020404" pitchFamily="49" charset="0"/>
+                <a:cs typeface="Courier New" panose="02070309020205020404" pitchFamily="49" charset="0"/>
+              </a:rPr>
+              <a:t>template &lt;</a:t>
+            </a:r>
+            <a:r>
+              <a:rPr lang="en-US" altLang="zh-TW" sz="2000" dirty="0" err="1">
+                <a:effectLst/>
+                <a:latin typeface="Courier New" panose="02070309020205020404" pitchFamily="49" charset="0"/>
+                <a:cs typeface="Courier New" panose="02070309020205020404" pitchFamily="49" charset="0"/>
+              </a:rPr>
+              <a:t>typename</a:t>
+            </a:r>
+            <a:r>
+              <a:rPr lang="en-US" altLang="zh-TW" sz="2000" dirty="0">
+                <a:effectLst/>
+                <a:latin typeface="Courier New" panose="02070309020205020404" pitchFamily="49" charset="0"/>
+                <a:cs typeface="Courier New" panose="02070309020205020404" pitchFamily="49" charset="0"/>
+              </a:rPr>
+              <a:t> </a:t>
+            </a:r>
+            <a:r>
+              <a:rPr lang="en-US" altLang="zh-TW" sz="2000" dirty="0" err="1">
+                <a:effectLst/>
+                <a:latin typeface="Courier New" panose="02070309020205020404" pitchFamily="49" charset="0"/>
+                <a:cs typeface="Courier New" panose="02070309020205020404" pitchFamily="49" charset="0"/>
+              </a:rPr>
+              <a:t>storage_t</a:t>
+            </a:r>
+            <a:r>
+              <a:rPr lang="en-US" altLang="zh-TW" sz="2000" dirty="0">
+                <a:effectLst/>
+                <a:latin typeface="Courier New" panose="02070309020205020404" pitchFamily="49" charset="0"/>
+                <a:cs typeface="Courier New" panose="02070309020205020404" pitchFamily="49" charset="0"/>
+              </a:rPr>
+              <a:t>&gt;</a:t>
+            </a:r>
+            <a:r>
+              <a:rPr lang="zh-TW" altLang="en-US" sz="2000" dirty="0">
+                <a:effectLst/>
+                <a:latin typeface="Courier New" panose="02070309020205020404" pitchFamily="49" charset="0"/>
+                <a:cs typeface="Courier New" panose="02070309020205020404" pitchFamily="49" charset="0"/>
+              </a:rPr>
+              <a:t> </a:t>
+            </a:r>
+            <a:r>
+              <a:rPr lang="en-US" altLang="zh-TW" sz="2000" dirty="0">
+                <a:effectLst/>
+                <a:latin typeface="Courier New" panose="02070309020205020404" pitchFamily="49" charset="0"/>
+                <a:cs typeface="Courier New" panose="02070309020205020404" pitchFamily="49" charset="0"/>
+              </a:rPr>
+              <a:t>class </a:t>
+            </a:r>
+            <a:r>
+              <a:rPr lang="en-US" altLang="zh-TW" sz="2000" dirty="0" err="1">
+                <a:effectLst/>
+                <a:latin typeface="Courier New" panose="02070309020205020404" pitchFamily="49" charset="0"/>
+                <a:cs typeface="Courier New" panose="02070309020205020404" pitchFamily="49" charset="0"/>
+              </a:rPr>
+              <a:t>shared_any_t</a:t>
+            </a:r>
+            <a:r>
+              <a:rPr lang="en-US" altLang="zh-TW" sz="2000" dirty="0">
+                <a:effectLst/>
+                <a:latin typeface="Courier New" panose="02070309020205020404" pitchFamily="49" charset="0"/>
+                <a:cs typeface="Courier New" panose="02070309020205020404" pitchFamily="49" charset="0"/>
+              </a:rPr>
+              <a:t> : pubic </a:t>
+            </a:r>
+            <a:r>
+              <a:rPr lang="en-US" altLang="zh-TW" sz="2000" dirty="0" err="1">
+                <a:effectLst/>
+                <a:latin typeface="Courier New" panose="02070309020205020404" pitchFamily="49" charset="0"/>
+                <a:cs typeface="Courier New" panose="02070309020205020404" pitchFamily="49" charset="0"/>
+              </a:rPr>
+              <a:t>storage_t</a:t>
+            </a:r>
+            <a:r>
+              <a:rPr lang="en-US" altLang="zh-TW" sz="2000" dirty="0">
+                <a:effectLst/>
+                <a:latin typeface="Courier New" panose="02070309020205020404" pitchFamily="49" charset="0"/>
+                <a:cs typeface="Courier New" panose="02070309020205020404" pitchFamily="49" charset="0"/>
+              </a:rPr>
+              <a:t>;</a:t>
+            </a:r>
+            <a:br>
+              <a:rPr lang="en-US" altLang="zh-TW" sz="2000" dirty="0">
+                <a:effectLst/>
+                <a:latin typeface="Courier New" panose="02070309020205020404" pitchFamily="49" charset="0"/>
+                <a:cs typeface="Courier New" panose="02070309020205020404" pitchFamily="49" charset="0"/>
+              </a:rPr>
+            </a:br>
+            <a:r>
+              <a:rPr lang="zh-TW" altLang="en-US" sz="2000" dirty="0">
+                <a:effectLst/>
+                <a:latin typeface="Courier New" panose="02070309020205020404" pitchFamily="49" charset="0"/>
+                <a:cs typeface="Courier New" panose="02070309020205020404" pitchFamily="49" charset="0"/>
+              </a:rPr>
+              <a:t>所以</a:t>
+            </a:r>
+            <a:r>
+              <a:rPr lang="en-US" altLang="zh-TW" sz="2000" dirty="0" err="1">
+                <a:effectLst/>
+                <a:latin typeface="Courier New" panose="02070309020205020404" pitchFamily="49" charset="0"/>
+                <a:cs typeface="Courier New" panose="02070309020205020404" pitchFamily="49" charset="0"/>
+              </a:rPr>
+              <a:t>shared_storage</a:t>
+            </a:r>
+            <a:r>
+              <a:rPr lang="zh-TW" altLang="en-US" sz="2000" dirty="0">
+                <a:effectLst/>
+                <a:latin typeface="Courier New" panose="02070309020205020404" pitchFamily="49" charset="0"/>
+                <a:cs typeface="Courier New" panose="02070309020205020404" pitchFamily="49" charset="0"/>
+              </a:rPr>
+              <a:t>就是</a:t>
+            </a:r>
+            <a:r>
+              <a:rPr lang="en-US" altLang="zh-TW" sz="2000" dirty="0" err="1">
+                <a:effectLst/>
+                <a:latin typeface="Courier New" panose="02070309020205020404" pitchFamily="49" charset="0"/>
+                <a:cs typeface="Courier New" panose="02070309020205020404" pitchFamily="49" charset="0"/>
+              </a:rPr>
+              <a:t>shared_any_t</a:t>
+            </a:r>
+            <a:r>
+              <a:rPr lang="zh-TW" altLang="en-US" sz="2000" dirty="0">
+                <a:effectLst/>
+                <a:latin typeface="Courier New" panose="02070309020205020404" pitchFamily="49" charset="0"/>
+                <a:cs typeface="Courier New" panose="02070309020205020404" pitchFamily="49" charset="0"/>
+              </a:rPr>
+              <a:t>的一個</a:t>
+            </a:r>
+            <a:r>
+              <a:rPr lang="en-US" altLang="zh-TW" sz="2000" dirty="0">
+                <a:effectLst/>
+                <a:latin typeface="Courier New" panose="02070309020205020404" pitchFamily="49" charset="0"/>
+                <a:cs typeface="Courier New" panose="02070309020205020404" pitchFamily="49" charset="0"/>
+              </a:rPr>
+              <a:t>template parameter</a:t>
+            </a:r>
+            <a:r>
+              <a:rPr lang="zh-TW" altLang="en-US" sz="2000" dirty="0">
+                <a:effectLst/>
+                <a:latin typeface="Courier New" panose="02070309020205020404" pitchFamily="49" charset="0"/>
+                <a:cs typeface="Courier New" panose="02070309020205020404" pitchFamily="49" charset="0"/>
+              </a:rPr>
+              <a:t>。</a:t>
+            </a:r>
+            <a:endParaRPr lang="en-US" altLang="zh-TW" sz="2000" dirty="0">
+              <a:effectLst/>
+              <a:latin typeface="Courier New" panose="02070309020205020404" pitchFamily="49" charset="0"/>
+              <a:cs typeface="Courier New" panose="02070309020205020404" pitchFamily="49" charset="0"/>
+            </a:endParaRPr>
+          </a:p>
+          <a:p>
+            <a:pPr marL="342900" indent="-342900" algn="l">
+              <a:spcBef>
+                <a:spcPts val="0"/>
+              </a:spcBef>
+              <a:spcAft>
+                <a:spcPts val="300"/>
+              </a:spcAft>
+              <a:buFont typeface="Arial" panose="020B0604020202020204" pitchFamily="34" charset="0"/>
+              <a:buChar char="•"/>
+            </a:pPr>
+            <a:r>
+              <a:rPr lang="en-US" altLang="zh-TW" sz="2000" dirty="0" err="1">
+                <a:effectLst/>
+                <a:latin typeface="Courier New" panose="02070309020205020404" pitchFamily="49" charset="0"/>
+                <a:cs typeface="Courier New" panose="02070309020205020404" pitchFamily="49" charset="0"/>
+              </a:rPr>
+              <a:t>shared_any_t</a:t>
+            </a:r>
+            <a:r>
+              <a:rPr lang="zh-TW" altLang="en-US" sz="2000" dirty="0">
+                <a:effectLst/>
+                <a:latin typeface="Courier New" panose="02070309020205020404" pitchFamily="49" charset="0"/>
+                <a:cs typeface="Courier New" panose="02070309020205020404" pitchFamily="49" charset="0"/>
+              </a:rPr>
+              <a:t>是一個</a:t>
+            </a:r>
+            <a:r>
+              <a:rPr lang="zh-TW" altLang="en-US" dirty="0">
+                <a:effectLst/>
+                <a:latin typeface="Courier New" panose="02070309020205020404" pitchFamily="49" charset="0"/>
+                <a:cs typeface="Courier New" panose="02070309020205020404" pitchFamily="49" charset="0"/>
+              </a:rPr>
+              <a:t>可以</a:t>
+            </a:r>
+            <a:r>
+              <a:rPr lang="en-US" altLang="zh-TW" dirty="0">
+                <a:effectLst/>
+                <a:latin typeface="Courier New" panose="02070309020205020404" pitchFamily="49" charset="0"/>
+                <a:cs typeface="Courier New" panose="02070309020205020404" pitchFamily="49" charset="0"/>
+              </a:rPr>
+              <a:t>shared</a:t>
+            </a:r>
+            <a:r>
+              <a:rPr lang="zh-TW" altLang="en-US" sz="2000" dirty="0">
+                <a:effectLst/>
+                <a:latin typeface="Courier New" panose="02070309020205020404" pitchFamily="49" charset="0"/>
+                <a:cs typeface="Courier New" panose="02070309020205020404" pitchFamily="49" charset="0"/>
+              </a:rPr>
+              <a:t>的</a:t>
+            </a:r>
+            <a:r>
+              <a:rPr lang="en-US" altLang="zh-TW" sz="2000" dirty="0">
+                <a:effectLst/>
+                <a:latin typeface="Courier New" panose="02070309020205020404" pitchFamily="49" charset="0"/>
+                <a:cs typeface="Courier New" panose="02070309020205020404" pitchFamily="49" charset="0"/>
+              </a:rPr>
+              <a:t>resource</a:t>
+            </a:r>
+            <a:r>
+              <a:rPr lang="zh-TW" altLang="en-US" sz="2000" dirty="0">
+                <a:effectLst/>
+                <a:latin typeface="Courier New" panose="02070309020205020404" pitchFamily="49" charset="0"/>
+                <a:cs typeface="Courier New" panose="02070309020205020404" pitchFamily="49" charset="0"/>
+              </a:rPr>
+              <a:t>。</a:t>
+            </a:r>
+            <a:r>
+              <a:rPr lang="en-US" altLang="zh-TW" sz="2000" dirty="0">
+                <a:effectLst/>
+                <a:latin typeface="Courier New" panose="02070309020205020404" pitchFamily="49" charset="0"/>
+                <a:cs typeface="Courier New" panose="02070309020205020404" pitchFamily="49" charset="0"/>
+              </a:rPr>
+              <a:t>Both copy constructor and copy assignment are enabled.</a:t>
+            </a:r>
+            <a:r>
+              <a:rPr lang="zh-TW" altLang="en-US" sz="2000" dirty="0">
+                <a:effectLst/>
+                <a:latin typeface="Courier New" panose="02070309020205020404" pitchFamily="49" charset="0"/>
+                <a:cs typeface="Courier New" panose="02070309020205020404" pitchFamily="49" charset="0"/>
+              </a:rPr>
+              <a:t>它也被設計可以</a:t>
+            </a:r>
+            <a:r>
+              <a:rPr lang="en-US" altLang="zh-TW" sz="2000" dirty="0">
+                <a:effectLst/>
+                <a:latin typeface="Courier New" panose="02070309020205020404" pitchFamily="49" charset="0"/>
+                <a:cs typeface="Courier New" panose="02070309020205020404" pitchFamily="49" charset="0"/>
+              </a:rPr>
+              <a:t>move(</a:t>
+            </a:r>
+            <a:r>
+              <a:rPr lang="zh-TW" altLang="en-US" sz="2000" dirty="0">
+                <a:effectLst/>
+                <a:latin typeface="Courier New" panose="02070309020205020404" pitchFamily="49" charset="0"/>
+                <a:cs typeface="Courier New" panose="02070309020205020404" pitchFamily="49" charset="0"/>
+              </a:rPr>
+              <a:t>可以偷無名的小孩</a:t>
+            </a:r>
+            <a:r>
+              <a:rPr lang="en-US" altLang="zh-TW" sz="2000" dirty="0">
+                <a:effectLst/>
+                <a:latin typeface="Courier New" panose="02070309020205020404" pitchFamily="49" charset="0"/>
+                <a:cs typeface="Courier New" panose="02070309020205020404" pitchFamily="49" charset="0"/>
+              </a:rPr>
+              <a:t>),Both move constructor and move assignment are enabled</a:t>
+            </a:r>
+            <a:r>
+              <a:rPr lang="zh-TW" altLang="en-US" sz="2000" dirty="0">
+                <a:effectLst/>
+                <a:latin typeface="Courier New" panose="02070309020205020404" pitchFamily="49" charset="0"/>
+                <a:cs typeface="Courier New" panose="02070309020205020404" pitchFamily="49" charset="0"/>
+              </a:rPr>
+              <a:t>。</a:t>
+            </a:r>
+            <a:endParaRPr lang="en-US" altLang="zh-TW" sz="2000" dirty="0">
+              <a:effectLst/>
+              <a:latin typeface="Courier New" panose="02070309020205020404" pitchFamily="49" charset="0"/>
+              <a:cs typeface="Courier New" panose="02070309020205020404" pitchFamily="49" charset="0"/>
+            </a:endParaRPr>
+          </a:p>
+          <a:p>
+            <a:pPr marL="342900" indent="-342900" algn="l">
+              <a:spcBef>
+                <a:spcPts val="0"/>
+              </a:spcBef>
+              <a:spcAft>
+                <a:spcPts val="300"/>
+              </a:spcAft>
+              <a:buFont typeface="Arial" panose="020B0604020202020204" pitchFamily="34" charset="0"/>
+              <a:buChar char="•"/>
+            </a:pPr>
+            <a:r>
+              <a:rPr lang="en-US" altLang="zh-TW" dirty="0">
+                <a:latin typeface="Courier New" panose="02070309020205020404" pitchFamily="49" charset="0"/>
+                <a:cs typeface="Courier New" panose="02070309020205020404" pitchFamily="49" charset="0"/>
+              </a:rPr>
+              <a:t>template &lt;</a:t>
+            </a:r>
+            <a:r>
+              <a:rPr lang="en-US" altLang="zh-TW" dirty="0" err="1">
+                <a:latin typeface="Courier New" panose="02070309020205020404" pitchFamily="49" charset="0"/>
+                <a:cs typeface="Courier New" panose="02070309020205020404" pitchFamily="49" charset="0"/>
+              </a:rPr>
+              <a:t>typename</a:t>
+            </a:r>
+            <a:r>
+              <a:rPr lang="en-US" altLang="zh-TW" dirty="0">
+                <a:latin typeface="Courier New" panose="02070309020205020404" pitchFamily="49" charset="0"/>
+                <a:cs typeface="Courier New" panose="02070309020205020404" pitchFamily="49" charset="0"/>
+              </a:rPr>
+              <a:t> </a:t>
+            </a:r>
+            <a:r>
+              <a:rPr lang="en-US" altLang="zh-TW" dirty="0" err="1">
+                <a:latin typeface="Courier New" panose="02070309020205020404" pitchFamily="49" charset="0"/>
+                <a:cs typeface="Courier New" panose="02070309020205020404" pitchFamily="49" charset="0"/>
+              </a:rPr>
+              <a:t>unique_t</a:t>
+            </a:r>
+            <a:r>
+              <a:rPr lang="en-US" altLang="zh-TW" dirty="0">
+                <a:latin typeface="Courier New" panose="02070309020205020404" pitchFamily="49" charset="0"/>
+                <a:cs typeface="Courier New" panose="02070309020205020404" pitchFamily="49" charset="0"/>
+              </a:rPr>
+              <a:t>&gt;</a:t>
+            </a:r>
+            <a:br>
+              <a:rPr lang="en-US" altLang="zh-TW" dirty="0">
+                <a:latin typeface="Courier New" panose="02070309020205020404" pitchFamily="49" charset="0"/>
+                <a:cs typeface="Courier New" panose="02070309020205020404" pitchFamily="49" charset="0"/>
+              </a:rPr>
+            </a:br>
+            <a:r>
+              <a:rPr lang="en-US" altLang="zh-TW" dirty="0">
+                <a:latin typeface="Courier New" panose="02070309020205020404" pitchFamily="49" charset="0"/>
+                <a:cs typeface="Courier New" panose="02070309020205020404" pitchFamily="49" charset="0"/>
+              </a:rPr>
+              <a:t>using </a:t>
+            </a:r>
+            <a:r>
+              <a:rPr lang="en-US" altLang="zh-TW" dirty="0" err="1">
+                <a:latin typeface="Courier New" panose="02070309020205020404" pitchFamily="49" charset="0"/>
+                <a:cs typeface="Courier New" panose="02070309020205020404" pitchFamily="49" charset="0"/>
+              </a:rPr>
+              <a:t>shared_any</a:t>
+            </a:r>
+            <a:r>
+              <a:rPr lang="en-US" altLang="zh-TW" dirty="0">
+                <a:latin typeface="Courier New" panose="02070309020205020404" pitchFamily="49" charset="0"/>
+                <a:cs typeface="Courier New" panose="02070309020205020404" pitchFamily="49" charset="0"/>
+              </a:rPr>
+              <a:t> = </a:t>
+            </a:r>
+            <a:r>
+              <a:rPr lang="en-US" altLang="zh-TW" dirty="0" err="1">
+                <a:latin typeface="Courier New" panose="02070309020205020404" pitchFamily="49" charset="0"/>
+                <a:cs typeface="Courier New" panose="02070309020205020404" pitchFamily="49" charset="0"/>
+              </a:rPr>
+              <a:t>shared_any_t</a:t>
+            </a:r>
+            <a:r>
+              <a:rPr lang="en-US" altLang="zh-TW" dirty="0">
+                <a:latin typeface="Courier New" panose="02070309020205020404" pitchFamily="49" charset="0"/>
+                <a:cs typeface="Courier New" panose="02070309020205020404" pitchFamily="49" charset="0"/>
+              </a:rPr>
+              <a:t>&lt;</a:t>
+            </a:r>
+            <a:r>
+              <a:rPr lang="en-US" altLang="zh-TW" dirty="0" err="1">
+                <a:latin typeface="Courier New" panose="02070309020205020404" pitchFamily="49" charset="0"/>
+                <a:cs typeface="Courier New" panose="02070309020205020404" pitchFamily="49" charset="0"/>
+              </a:rPr>
+              <a:t>shared_storage</a:t>
+            </a:r>
+            <a:r>
+              <a:rPr lang="en-US" altLang="zh-TW" dirty="0">
+                <a:latin typeface="Courier New" panose="02070309020205020404" pitchFamily="49" charset="0"/>
+                <a:cs typeface="Courier New" panose="02070309020205020404" pitchFamily="49" charset="0"/>
+              </a:rPr>
+              <a:t>&lt;</a:t>
+            </a:r>
+            <a:r>
+              <a:rPr lang="en-US" altLang="zh-TW" dirty="0" err="1">
+                <a:latin typeface="Courier New" panose="02070309020205020404" pitchFamily="49" charset="0"/>
+                <a:cs typeface="Courier New" panose="02070309020205020404" pitchFamily="49" charset="0"/>
+              </a:rPr>
+              <a:t>unique_t</a:t>
+            </a:r>
+            <a:r>
+              <a:rPr lang="en-US" altLang="zh-TW" dirty="0">
+                <a:latin typeface="Courier New" panose="02070309020205020404" pitchFamily="49" charset="0"/>
+                <a:cs typeface="Courier New" panose="02070309020205020404" pitchFamily="49" charset="0"/>
+              </a:rPr>
+              <a:t>&gt;&gt;;</a:t>
+            </a:r>
+          </a:p>
+          <a:p>
+            <a:pPr marL="342900" indent="-342900" algn="l">
+              <a:spcBef>
+                <a:spcPts val="0"/>
+              </a:spcBef>
+              <a:spcAft>
+                <a:spcPts val="300"/>
+              </a:spcAft>
+              <a:buFont typeface="Arial" panose="020B0604020202020204" pitchFamily="34" charset="0"/>
+              <a:buChar char="•"/>
+            </a:pPr>
+            <a:r>
+              <a:rPr lang="en-US" altLang="zh-TW" dirty="0">
+                <a:latin typeface="Courier New" panose="02070309020205020404" pitchFamily="49" charset="0"/>
+                <a:cs typeface="Courier New" panose="02070309020205020404" pitchFamily="49" charset="0"/>
+              </a:rPr>
+              <a:t>typedef </a:t>
+            </a:r>
+            <a:r>
+              <a:rPr lang="en-US" altLang="zh-TW" dirty="0" err="1">
+                <a:latin typeface="Courier New" panose="02070309020205020404" pitchFamily="49" charset="0"/>
+                <a:cs typeface="Courier New" panose="02070309020205020404" pitchFamily="49" charset="0"/>
+              </a:rPr>
+              <a:t>shared_any</a:t>
+            </a:r>
+            <a:r>
+              <a:rPr lang="en-US" altLang="zh-TW" dirty="0">
+                <a:latin typeface="Courier New" panose="02070309020205020404" pitchFamily="49" charset="0"/>
+                <a:cs typeface="Courier New" panose="02070309020205020404" pitchFamily="49" charset="0"/>
+              </a:rPr>
+              <a:t>&lt;</a:t>
+            </a:r>
+            <a:r>
+              <a:rPr lang="en-US" altLang="zh-TW" dirty="0" err="1">
+                <a:latin typeface="Courier New" panose="02070309020205020404" pitchFamily="49" charset="0"/>
+                <a:cs typeface="Courier New" panose="02070309020205020404" pitchFamily="49" charset="0"/>
+              </a:rPr>
+              <a:t>unique_hfile</a:t>
+            </a:r>
+            <a:r>
+              <a:rPr lang="en-US" altLang="zh-TW" dirty="0">
+                <a:latin typeface="Courier New" panose="02070309020205020404" pitchFamily="49" charset="0"/>
+                <a:cs typeface="Courier New" panose="02070309020205020404" pitchFamily="49" charset="0"/>
+              </a:rPr>
+              <a:t>&gt; </a:t>
+            </a:r>
+            <a:r>
+              <a:rPr lang="en-US" altLang="zh-TW" b="1" dirty="0" err="1">
+                <a:solidFill>
+                  <a:srgbClr val="FFC000"/>
+                </a:solidFill>
+                <a:latin typeface="Courier New" panose="02070309020205020404" pitchFamily="49" charset="0"/>
+                <a:cs typeface="Courier New" panose="02070309020205020404" pitchFamily="49" charset="0"/>
+              </a:rPr>
+              <a:t>shared_hfile</a:t>
+            </a:r>
+            <a:r>
+              <a:rPr lang="en-US" altLang="zh-TW" dirty="0">
+                <a:latin typeface="Courier New" panose="02070309020205020404" pitchFamily="49" charset="0"/>
+                <a:cs typeface="Courier New" panose="02070309020205020404" pitchFamily="49" charset="0"/>
+              </a:rPr>
+              <a:t>;</a:t>
+            </a:r>
+          </a:p>
+        </p:txBody>
+      </p:sp>
+    </p:spTree>
+    <p:extLst>
+      <p:ext uri="{BB962C8B-B14F-4D97-AF65-F5344CB8AC3E}">
+        <p14:creationId xmlns:p14="http://schemas.microsoft.com/office/powerpoint/2010/main" val="1942527895"/>
       </p:ext>
     </p:extLst>
   </p:cSld>
@@ -6403,7 +9757,9 @@
           <a:lstStyle/>
           <a:p>
             <a:r>
-              <a:rPr lang="en-US" dirty="0"/>
+              <a:rPr lang="en-US" dirty="0">
+                <a:effectLst/>
+              </a:rPr>
               <a:t>Design</a:t>
             </a:r>
           </a:p>
@@ -6447,6 +9803,7 @@
             </a:pPr>
             <a:r>
               <a:rPr lang="en-US" altLang="zh-TW" dirty="0">
+                <a:effectLst/>
                 <a:latin typeface="Courier New" panose="02070309020205020404" pitchFamily="49" charset="0"/>
                 <a:cs typeface="Courier New" panose="02070309020205020404" pitchFamily="49" charset="0"/>
               </a:rPr>
@@ -6454,6 +9811,7 @@
             </a:r>
             <a:r>
               <a:rPr lang="en-US" altLang="zh-TW" dirty="0" err="1">
+                <a:effectLst/>
                 <a:latin typeface="Courier New" panose="02070309020205020404" pitchFamily="49" charset="0"/>
                 <a:cs typeface="Courier New" panose="02070309020205020404" pitchFamily="49" charset="0"/>
               </a:rPr>
@@ -6461,6 +9819,7 @@
             </a:r>
             <a:r>
               <a:rPr lang="zh-TW" altLang="en-US" dirty="0">
+                <a:effectLst/>
                 <a:latin typeface="Courier New" panose="02070309020205020404" pitchFamily="49" charset="0"/>
                 <a:cs typeface="Courier New" panose="02070309020205020404" pitchFamily="49" charset="0"/>
               </a:rPr>
@@ -6468,6 +9827,7 @@
             </a:r>
             <a:r>
               <a:rPr lang="en-US" altLang="zh-TW" dirty="0">
+                <a:effectLst/>
                 <a:latin typeface="Courier New" panose="02070309020205020404" pitchFamily="49" charset="0"/>
                 <a:cs typeface="Courier New" panose="02070309020205020404" pitchFamily="49" charset="0"/>
               </a:rPr>
@@ -6475,6 +9835,7 @@
             </a:r>
             <a:r>
               <a:rPr lang="zh-TW" altLang="en-US" dirty="0">
+                <a:effectLst/>
                 <a:latin typeface="Courier New" panose="02070309020205020404" pitchFamily="49" charset="0"/>
                 <a:cs typeface="Courier New" panose="02070309020205020404" pitchFamily="49" charset="0"/>
               </a:rPr>
@@ -6482,6 +9843,7 @@
             </a:r>
             <a:r>
               <a:rPr lang="en-US" altLang="zh-TW" dirty="0">
+                <a:effectLst/>
                 <a:latin typeface="Courier New" panose="02070309020205020404" pitchFamily="49" charset="0"/>
                 <a:cs typeface="Courier New" panose="02070309020205020404" pitchFamily="49" charset="0"/>
               </a:rPr>
@@ -6489,6 +9851,7 @@
             </a:r>
             <a:r>
               <a:rPr lang="zh-TW" altLang="en-US" dirty="0">
+                <a:effectLst/>
                 <a:latin typeface="Courier New" panose="02070309020205020404" pitchFamily="49" charset="0"/>
                 <a:cs typeface="Courier New" panose="02070309020205020404" pitchFamily="49" charset="0"/>
               </a:rPr>
@@ -6496,6 +9859,7 @@
             </a:r>
             <a:r>
               <a:rPr lang="en-US" altLang="zh-TW" dirty="0">
+                <a:effectLst/>
                 <a:latin typeface="Courier New" panose="02070309020205020404" pitchFamily="49" charset="0"/>
                 <a:cs typeface="Courier New" panose="02070309020205020404" pitchFamily="49" charset="0"/>
               </a:rPr>
@@ -6503,12 +9867,14 @@
             </a:r>
             <a:r>
               <a:rPr lang="zh-TW" altLang="en-US" dirty="0">
+                <a:effectLst/>
                 <a:latin typeface="Courier New" panose="02070309020205020404" pitchFamily="49" charset="0"/>
                 <a:cs typeface="Courier New" panose="02070309020205020404" pitchFamily="49" charset="0"/>
               </a:rPr>
               <a:t>才把資源釋放。</a:t>
             </a:r>
             <a:endParaRPr lang="en-US" altLang="zh-TW" dirty="0">
+              <a:effectLst/>
               <a:latin typeface="Courier New" panose="02070309020205020404" pitchFamily="49" charset="0"/>
               <a:cs typeface="Courier New" panose="02070309020205020404" pitchFamily="49" charset="0"/>
             </a:endParaRPr>
@@ -6526,6 +9892,7 @@
             </a:pPr>
             <a:r>
               <a:rPr lang="en-US" altLang="zh-TW" dirty="0">
+                <a:effectLst/>
                 <a:latin typeface="Courier New" panose="02070309020205020404" pitchFamily="49" charset="0"/>
                 <a:cs typeface="Courier New" panose="02070309020205020404" pitchFamily="49" charset="0"/>
               </a:rPr>
@@ -6533,6 +9900,7 @@
             </a:r>
             <a:r>
               <a:rPr lang="en-US" altLang="zh-TW" dirty="0" err="1">
+                <a:effectLst/>
                 <a:latin typeface="Courier New" panose="02070309020205020404" pitchFamily="49" charset="0"/>
                 <a:cs typeface="Courier New" panose="02070309020205020404" pitchFamily="49" charset="0"/>
               </a:rPr>
@@ -6540,6 +9908,7 @@
             </a:r>
             <a:r>
               <a:rPr lang="zh-TW" altLang="en-US" dirty="0">
+                <a:effectLst/>
                 <a:latin typeface="Courier New" panose="02070309020205020404" pitchFamily="49" charset="0"/>
                 <a:cs typeface="Courier New" panose="02070309020205020404" pitchFamily="49" charset="0"/>
               </a:rPr>
@@ -6547,6 +9916,7 @@
             </a:r>
             <a:r>
               <a:rPr lang="en-US" altLang="zh-TW" dirty="0">
+                <a:effectLst/>
                 <a:latin typeface="Courier New" panose="02070309020205020404" pitchFamily="49" charset="0"/>
                 <a:cs typeface="Courier New" panose="02070309020205020404" pitchFamily="49" charset="0"/>
               </a:rPr>
@@ -6554,12 +9924,14 @@
             </a:r>
             <a:r>
               <a:rPr lang="zh-TW" altLang="en-US" dirty="0">
+                <a:effectLst/>
                 <a:latin typeface="Courier New" panose="02070309020205020404" pitchFamily="49" charset="0"/>
                 <a:cs typeface="Courier New" panose="02070309020205020404" pitchFamily="49" charset="0"/>
               </a:rPr>
               <a:t>讓計數器跟受管理的資源一起配置。但是思考時通常不用特別在意這一優化。</a:t>
             </a:r>
             <a:endParaRPr lang="en-US" altLang="zh-TW" dirty="0">
+              <a:effectLst/>
               <a:latin typeface="Courier New" panose="02070309020205020404" pitchFamily="49" charset="0"/>
               <a:cs typeface="Courier New" panose="02070309020205020404" pitchFamily="49" charset="0"/>
             </a:endParaRPr>
@@ -6577,6 +9949,7 @@
             </a:pPr>
             <a:r>
               <a:rPr lang="en-US" altLang="zh-TW" dirty="0" err="1">
+                <a:effectLst/>
                 <a:latin typeface="Courier New" panose="02070309020205020404" pitchFamily="49" charset="0"/>
                 <a:cs typeface="Courier New" panose="02070309020205020404" pitchFamily="49" charset="0"/>
               </a:rPr>
@@ -6584,6 +9957,7 @@
             </a:r>
             <a:r>
               <a:rPr lang="zh-TW" altLang="en-US" dirty="0">
+                <a:effectLst/>
                 <a:latin typeface="Courier New" panose="02070309020205020404" pitchFamily="49" charset="0"/>
                 <a:cs typeface="Courier New" panose="02070309020205020404" pitchFamily="49" charset="0"/>
               </a:rPr>
@@ -6591,6 +9965,7 @@
             </a:r>
             <a:r>
               <a:rPr lang="en-US" altLang="zh-TW" dirty="0" err="1">
+                <a:effectLst/>
                 <a:latin typeface="Courier New" panose="02070309020205020404" pitchFamily="49" charset="0"/>
                 <a:cs typeface="Courier New" panose="02070309020205020404" pitchFamily="49" charset="0"/>
               </a:rPr>
@@ -6598,6 +9973,7 @@
             </a:r>
             <a:r>
               <a:rPr lang="en-US" altLang="zh-TW" dirty="0">
+                <a:effectLst/>
                 <a:latin typeface="Courier New" panose="02070309020205020404" pitchFamily="49" charset="0"/>
                 <a:cs typeface="Courier New" panose="02070309020205020404" pitchFamily="49" charset="0"/>
               </a:rPr>
@@ -6605,6 +9981,7 @@
             </a:r>
             <a:r>
               <a:rPr lang="zh-TW" altLang="en-US" dirty="0">
+                <a:effectLst/>
                 <a:latin typeface="Courier New" panose="02070309020205020404" pitchFamily="49" charset="0"/>
                 <a:cs typeface="Courier New" panose="02070309020205020404" pitchFamily="49" charset="0"/>
               </a:rPr>
@@ -6612,6 +9989,7 @@
             </a:r>
             <a:r>
               <a:rPr lang="en-US" altLang="zh-TW" dirty="0" err="1">
+                <a:effectLst/>
                 <a:latin typeface="Courier New" panose="02070309020205020404" pitchFamily="49" charset="0"/>
                 <a:cs typeface="Courier New" panose="02070309020205020404" pitchFamily="49" charset="0"/>
               </a:rPr>
@@ -6619,6 +9997,7 @@
             </a:r>
             <a:r>
               <a:rPr lang="zh-TW" altLang="en-US" dirty="0">
+                <a:effectLst/>
                 <a:latin typeface="Courier New" panose="02070309020205020404" pitchFamily="49" charset="0"/>
                 <a:cs typeface="Courier New" panose="02070309020205020404" pitchFamily="49" charset="0"/>
               </a:rPr>
@@ -6626,6 +10005,7 @@
             </a:r>
             <a:r>
               <a:rPr lang="en-US" altLang="zh-TW" dirty="0" err="1">
+                <a:effectLst/>
                 <a:latin typeface="Courier New" panose="02070309020205020404" pitchFamily="49" charset="0"/>
                 <a:cs typeface="Courier New" panose="02070309020205020404" pitchFamily="49" charset="0"/>
               </a:rPr>
@@ -6633,6 +10013,7 @@
             </a:r>
             <a:r>
               <a:rPr lang="en-US" altLang="zh-TW" dirty="0">
+                <a:effectLst/>
                 <a:latin typeface="Courier New" panose="02070309020205020404" pitchFamily="49" charset="0"/>
                 <a:cs typeface="Courier New" panose="02070309020205020404" pitchFamily="49" charset="0"/>
               </a:rPr>
@@ -6640,6 +10021,7 @@
             </a:r>
             <a:r>
               <a:rPr lang="zh-TW" altLang="en-US" dirty="0">
+                <a:effectLst/>
                 <a:latin typeface="Courier New" panose="02070309020205020404" pitchFamily="49" charset="0"/>
                 <a:cs typeface="Courier New" panose="02070309020205020404" pitchFamily="49" charset="0"/>
               </a:rPr>
@@ -6647,6 +10029,7 @@
             </a:r>
             <a:r>
               <a:rPr lang="en-US" altLang="zh-TW" dirty="0">
+                <a:effectLst/>
                 <a:latin typeface="Courier New" panose="02070309020205020404" pitchFamily="49" charset="0"/>
                 <a:cs typeface="Courier New" panose="02070309020205020404" pitchFamily="49" charset="0"/>
               </a:rPr>
@@ -6654,6 +10037,7 @@
             </a:r>
             <a:r>
               <a:rPr lang="zh-TW" altLang="en-US" dirty="0">
+                <a:effectLst/>
                 <a:latin typeface="Courier New" panose="02070309020205020404" pitchFamily="49" charset="0"/>
                 <a:cs typeface="Courier New" panose="02070309020205020404" pitchFamily="49" charset="0"/>
               </a:rPr>
@@ -6661,6 +10045,7 @@
             </a:r>
             <a:r>
               <a:rPr lang="en-US" altLang="zh-TW" dirty="0">
+                <a:effectLst/>
                 <a:latin typeface="Courier New" panose="02070309020205020404" pitchFamily="49" charset="0"/>
                 <a:cs typeface="Courier New" panose="02070309020205020404" pitchFamily="49" charset="0"/>
               </a:rPr>
@@ -6668,6 +10053,7 @@
             </a:r>
             <a:r>
               <a:rPr lang="zh-TW" altLang="en-US" dirty="0">
+                <a:effectLst/>
                 <a:latin typeface="Courier New" panose="02070309020205020404" pitchFamily="49" charset="0"/>
                 <a:cs typeface="Courier New" panose="02070309020205020404" pitchFamily="49" charset="0"/>
               </a:rPr>
@@ -6678,6 +10064,7 @@
                 <a:solidFill>
                   <a:srgbClr val="00B0F0"/>
                 </a:solidFill>
+                <a:effectLst/>
                 <a:latin typeface="Courier New" panose="02070309020205020404" pitchFamily="49" charset="0"/>
                 <a:cs typeface="Courier New" panose="02070309020205020404" pitchFamily="49" charset="0"/>
               </a:rPr>
@@ -6685,6 +10072,7 @@
             </a:r>
             <a:r>
               <a:rPr lang="en-US" altLang="zh-TW" dirty="0">
+                <a:effectLst/>
                 <a:latin typeface="Courier New" panose="02070309020205020404" pitchFamily="49" charset="0"/>
                 <a:cs typeface="Courier New" panose="02070309020205020404" pitchFamily="49" charset="0"/>
               </a:rPr>
@@ -6692,6 +10080,7 @@
             </a:r>
             <a:r>
               <a:rPr lang="en-US" altLang="zh-TW" dirty="0" err="1">
+                <a:effectLst/>
                 <a:latin typeface="Courier New" panose="02070309020205020404" pitchFamily="49" charset="0"/>
                 <a:cs typeface="Courier New" panose="02070309020205020404" pitchFamily="49" charset="0"/>
               </a:rPr>
@@ -6699,12 +10088,14 @@
             </a:r>
             <a:r>
               <a:rPr lang="zh-TW" altLang="en-US" dirty="0">
+                <a:effectLst/>
                 <a:latin typeface="Courier New" panose="02070309020205020404" pitchFamily="49" charset="0"/>
                 <a:cs typeface="Courier New" panose="02070309020205020404" pitchFamily="49" charset="0"/>
               </a:rPr>
               <a:t>。</a:t>
             </a:r>
             <a:endParaRPr lang="en-US" altLang="zh-TW" dirty="0">
+              <a:effectLst/>
               <a:latin typeface="Courier New" panose="02070309020205020404" pitchFamily="49" charset="0"/>
               <a:cs typeface="Courier New" panose="02070309020205020404" pitchFamily="49" charset="0"/>
             </a:endParaRPr>
@@ -6722,6 +10113,7 @@
             </a:pPr>
             <a:r>
               <a:rPr lang="en-US" altLang="zh-TW" dirty="0">
+                <a:effectLst/>
                 <a:latin typeface="Courier New" panose="02070309020205020404" pitchFamily="49" charset="0"/>
                 <a:cs typeface="Courier New" panose="02070309020205020404" pitchFamily="49" charset="0"/>
               </a:rPr>
@@ -6729,6 +10121,7 @@
             </a:r>
             <a:r>
               <a:rPr lang="en-US" altLang="zh-TW" dirty="0" err="1">
+                <a:effectLst/>
                 <a:latin typeface="Courier New" panose="02070309020205020404" pitchFamily="49" charset="0"/>
                 <a:cs typeface="Courier New" panose="02070309020205020404" pitchFamily="49" charset="0"/>
               </a:rPr>
@@ -6736,6 +10129,7 @@
             </a:r>
             <a:r>
               <a:rPr lang="zh-TW" altLang="en-US" dirty="0">
+                <a:effectLst/>
                 <a:latin typeface="Courier New" panose="02070309020205020404" pitchFamily="49" charset="0"/>
                 <a:cs typeface="Courier New" panose="02070309020205020404" pitchFamily="49" charset="0"/>
               </a:rPr>
@@ -6743,6 +10137,7 @@
             </a:r>
             <a:r>
               <a:rPr lang="en-US" altLang="zh-TW" dirty="0">
+                <a:effectLst/>
                 <a:latin typeface="Courier New" panose="02070309020205020404" pitchFamily="49" charset="0"/>
                 <a:cs typeface="Courier New" panose="02070309020205020404" pitchFamily="49" charset="0"/>
               </a:rPr>
@@ -6750,6 +10145,7 @@
             </a:r>
             <a:r>
               <a:rPr lang="zh-TW" altLang="en-US" dirty="0">
+                <a:effectLst/>
                 <a:latin typeface="Courier New" panose="02070309020205020404" pitchFamily="49" charset="0"/>
                 <a:cs typeface="Courier New" panose="02070309020205020404" pitchFamily="49" charset="0"/>
               </a:rPr>
@@ -6757,6 +10153,7 @@
             </a:r>
             <a:r>
               <a:rPr lang="en-US" altLang="zh-TW" dirty="0">
+                <a:effectLst/>
                 <a:latin typeface="Courier New" panose="02070309020205020404" pitchFamily="49" charset="0"/>
                 <a:cs typeface="Courier New" panose="02070309020205020404" pitchFamily="49" charset="0"/>
               </a:rPr>
@@ -6764,12 +10161,14 @@
             </a:r>
             <a:br>
               <a:rPr lang="en-US" altLang="zh-TW" dirty="0">
+                <a:effectLst/>
                 <a:latin typeface="Courier New" panose="02070309020205020404" pitchFamily="49" charset="0"/>
                 <a:cs typeface="Courier New" panose="02070309020205020404" pitchFamily="49" charset="0"/>
               </a:rPr>
             </a:br>
             <a:r>
               <a:rPr lang="zh-TW" altLang="en-US" dirty="0">
+                <a:effectLst/>
                 <a:latin typeface="Courier New" panose="02070309020205020404" pitchFamily="49" charset="0"/>
                 <a:cs typeface="Courier New" panose="02070309020205020404" pitchFamily="49" charset="0"/>
               </a:rPr>
@@ -6777,6 +10176,7 @@
             </a:r>
             <a:r>
               <a:rPr lang="en-US" altLang="zh-TW" dirty="0">
+                <a:effectLst/>
                 <a:latin typeface="Courier New" panose="02070309020205020404" pitchFamily="49" charset="0"/>
                 <a:cs typeface="Courier New" panose="02070309020205020404" pitchFamily="49" charset="0"/>
               </a:rPr>
@@ -6784,6 +10184,7 @@
             </a:r>
             <a:r>
               <a:rPr lang="zh-TW" altLang="en-US" dirty="0">
+                <a:effectLst/>
                 <a:latin typeface="Courier New" panose="02070309020205020404" pitchFamily="49" charset="0"/>
                 <a:cs typeface="Courier New" panose="02070309020205020404" pitchFamily="49" charset="0"/>
               </a:rPr>
@@ -6791,6 +10192,7 @@
             </a:r>
             <a:r>
               <a:rPr lang="en-US" altLang="zh-TW" dirty="0">
+                <a:effectLst/>
                 <a:latin typeface="Courier New" panose="02070309020205020404" pitchFamily="49" charset="0"/>
                 <a:cs typeface="Courier New" panose="02070309020205020404" pitchFamily="49" charset="0"/>
               </a:rPr>
@@ -6798,6 +10200,7 @@
             </a:r>
             <a:r>
               <a:rPr lang="zh-TW" altLang="en-US" dirty="0">
+                <a:effectLst/>
                 <a:latin typeface="Courier New" panose="02070309020205020404" pitchFamily="49" charset="0"/>
                 <a:cs typeface="Courier New" panose="02070309020205020404" pitchFamily="49" charset="0"/>
               </a:rPr>
@@ -6805,6 +10208,7 @@
             </a:r>
             <a:r>
               <a:rPr lang="en-US" altLang="zh-TW" dirty="0">
+                <a:effectLst/>
                 <a:latin typeface="Courier New" panose="02070309020205020404" pitchFamily="49" charset="0"/>
                 <a:cs typeface="Courier New" panose="02070309020205020404" pitchFamily="49" charset="0"/>
               </a:rPr>
@@ -6812,6 +10216,7 @@
             </a:r>
             <a:r>
               <a:rPr lang="zh-TW" altLang="en-US" dirty="0">
+                <a:effectLst/>
                 <a:latin typeface="Courier New" panose="02070309020205020404" pitchFamily="49" charset="0"/>
                 <a:cs typeface="Courier New" panose="02070309020205020404" pitchFamily="49" charset="0"/>
               </a:rPr>
@@ -6819,12 +10224,14 @@
             </a:r>
             <a:br>
               <a:rPr lang="en-US" altLang="zh-TW" dirty="0">
+                <a:effectLst/>
                 <a:latin typeface="Courier New" panose="02070309020205020404" pitchFamily="49" charset="0"/>
                 <a:cs typeface="Courier New" panose="02070309020205020404" pitchFamily="49" charset="0"/>
               </a:rPr>
             </a:br>
             <a:r>
               <a:rPr lang="en-US" altLang="zh-TW" dirty="0">
+                <a:effectLst/>
                 <a:latin typeface="Courier New" panose="02070309020205020404" pitchFamily="49" charset="0"/>
                 <a:cs typeface="Courier New" panose="02070309020205020404" pitchFamily="49" charset="0"/>
               </a:rPr>
@@ -6832,6 +10239,7 @@
             </a:r>
             <a:r>
               <a:rPr lang="en-US" altLang="zh-TW" dirty="0" err="1">
+                <a:effectLst/>
                 <a:latin typeface="Courier New" panose="02070309020205020404" pitchFamily="49" charset="0"/>
                 <a:cs typeface="Courier New" panose="02070309020205020404" pitchFamily="49" charset="0"/>
               </a:rPr>
@@ -6839,6 +10247,7 @@
             </a:r>
             <a:r>
               <a:rPr lang="en-US" altLang="zh-TW" dirty="0">
+                <a:effectLst/>
                 <a:latin typeface="Courier New" panose="02070309020205020404" pitchFamily="49" charset="0"/>
                 <a:cs typeface="Courier New" panose="02070309020205020404" pitchFamily="49" charset="0"/>
               </a:rPr>
@@ -6846,12 +10255,14 @@
             </a:r>
             <a:br>
               <a:rPr lang="en-US" altLang="zh-TW" dirty="0">
+                <a:effectLst/>
                 <a:latin typeface="Courier New" panose="02070309020205020404" pitchFamily="49" charset="0"/>
                 <a:cs typeface="Courier New" panose="02070309020205020404" pitchFamily="49" charset="0"/>
               </a:rPr>
             </a:br>
             <a:r>
               <a:rPr lang="en-US" altLang="zh-TW" dirty="0">
+                <a:effectLst/>
                 <a:latin typeface="Courier New" panose="02070309020205020404" pitchFamily="49" charset="0"/>
                 <a:cs typeface="Courier New" panose="02070309020205020404" pitchFamily="49" charset="0"/>
               </a:rPr>
@@ -6859,12 +10270,14 @@
             </a:r>
             <a:br>
               <a:rPr lang="en-US" altLang="zh-TW" dirty="0">
+                <a:effectLst/>
                 <a:latin typeface="Courier New" panose="02070309020205020404" pitchFamily="49" charset="0"/>
                 <a:cs typeface="Courier New" panose="02070309020205020404" pitchFamily="49" charset="0"/>
               </a:rPr>
             </a:br>
             <a:r>
               <a:rPr lang="en-US" altLang="zh-TW" dirty="0">
+                <a:effectLst/>
                 <a:latin typeface="Courier New" panose="02070309020205020404" pitchFamily="49" charset="0"/>
                 <a:cs typeface="Courier New" panose="02070309020205020404" pitchFamily="49" charset="0"/>
               </a:rPr>
@@ -6872,6 +10285,7 @@
             </a:r>
             <a:r>
               <a:rPr lang="en-US" altLang="zh-TW" dirty="0" err="1">
+                <a:effectLst/>
                 <a:latin typeface="Courier New" panose="02070309020205020404" pitchFamily="49" charset="0"/>
                 <a:cs typeface="Courier New" panose="02070309020205020404" pitchFamily="49" charset="0"/>
               </a:rPr>
@@ -6879,6 +10293,7 @@
             </a:r>
             <a:r>
               <a:rPr lang="en-US" altLang="zh-TW" dirty="0">
+                <a:effectLst/>
                 <a:latin typeface="Courier New" panose="02070309020205020404" pitchFamily="49" charset="0"/>
                 <a:cs typeface="Courier New" panose="02070309020205020404" pitchFamily="49" charset="0"/>
               </a:rPr>
@@ -6886,12 +10301,14 @@
             </a:r>
             <a:br>
               <a:rPr lang="en-US" altLang="zh-TW" dirty="0">
+                <a:effectLst/>
                 <a:latin typeface="Courier New" panose="02070309020205020404" pitchFamily="49" charset="0"/>
                 <a:cs typeface="Courier New" panose="02070309020205020404" pitchFamily="49" charset="0"/>
               </a:rPr>
             </a:br>
             <a:r>
               <a:rPr lang="en-US" altLang="zh-TW" dirty="0">
+                <a:effectLst/>
                 <a:latin typeface="Courier New" panose="02070309020205020404" pitchFamily="49" charset="0"/>
                 <a:cs typeface="Courier New" panose="02070309020205020404" pitchFamily="49" charset="0"/>
               </a:rPr>
@@ -6899,12 +10316,14 @@
             </a:r>
             <a:br>
               <a:rPr lang="en-US" altLang="zh-TW" dirty="0">
+                <a:effectLst/>
                 <a:latin typeface="Courier New" panose="02070309020205020404" pitchFamily="49" charset="0"/>
                 <a:cs typeface="Courier New" panose="02070309020205020404" pitchFamily="49" charset="0"/>
               </a:rPr>
             </a:br>
             <a:r>
               <a:rPr lang="en-US" altLang="zh-TW" dirty="0">
+                <a:effectLst/>
                 <a:latin typeface="Courier New" panose="02070309020205020404" pitchFamily="49" charset="0"/>
                 <a:cs typeface="Courier New" panose="02070309020205020404" pitchFamily="49" charset="0"/>
               </a:rPr>
@@ -6912,6 +10331,7 @@
             </a:r>
             <a:r>
               <a:rPr lang="en-US" altLang="zh-TW" dirty="0" err="1">
+                <a:effectLst/>
                 <a:latin typeface="Courier New" panose="02070309020205020404" pitchFamily="49" charset="0"/>
                 <a:cs typeface="Courier New" panose="02070309020205020404" pitchFamily="49" charset="0"/>
               </a:rPr>
@@ -6919,6 +10339,7 @@
             </a:r>
             <a:r>
               <a:rPr lang="en-US" altLang="zh-TW" dirty="0">
+                <a:effectLst/>
                 <a:latin typeface="Courier New" panose="02070309020205020404" pitchFamily="49" charset="0"/>
                 <a:cs typeface="Courier New" panose="02070309020205020404" pitchFamily="49" charset="0"/>
               </a:rPr>
@@ -6926,6 +10347,7 @@
             </a:r>
             <a:r>
               <a:rPr lang="en-US" altLang="zh-TW" dirty="0" err="1">
+                <a:effectLst/>
                 <a:latin typeface="Courier New" panose="02070309020205020404" pitchFamily="49" charset="0"/>
                 <a:cs typeface="Courier New" panose="02070309020205020404" pitchFamily="49" charset="0"/>
               </a:rPr>
@@ -6933,6 +10355,7 @@
             </a:r>
             <a:r>
               <a:rPr lang="en-US" altLang="zh-TW" dirty="0">
+                <a:effectLst/>
                 <a:latin typeface="Courier New" panose="02070309020205020404" pitchFamily="49" charset="0"/>
                 <a:cs typeface="Courier New" panose="02070309020205020404" pitchFamily="49" charset="0"/>
               </a:rPr>
@@ -7000,10 +10423,14 @@
           <a:lstStyle/>
           <a:p>
             <a:r>
-              <a:rPr lang="zh-TW" altLang="en-US" dirty="0"/>
-              <a:t>用法</a:t>
-            </a:r>
-            <a:endParaRPr lang="en-US" dirty="0"/>
+              <a:rPr lang="zh-TW" altLang="en-US" dirty="0">
+                <a:effectLst/>
+              </a:rPr>
+              <a:t>使用時的概念</a:t>
+            </a:r>
+            <a:endParaRPr lang="en-US" dirty="0">
+              <a:effectLst/>
+            </a:endParaRPr>
           </a:p>
         </p:txBody>
       </p:sp>
@@ -7047,6 +10474,7 @@
             </a:pPr>
             <a:r>
               <a:rPr lang="zh-TW" altLang="en-US" dirty="0">
+                <a:effectLst/>
                 <a:latin typeface="Courier New" panose="02070309020205020404" pitchFamily="49" charset="0"/>
                 <a:cs typeface="Courier New" panose="02070309020205020404" pitchFamily="49" charset="0"/>
               </a:rPr>
@@ -7054,6 +10482,7 @@
             </a:r>
             <a:r>
               <a:rPr lang="en-US" altLang="zh-TW" dirty="0">
+                <a:effectLst/>
                 <a:latin typeface="Courier New" panose="02070309020205020404" pitchFamily="49" charset="0"/>
                 <a:cs typeface="Courier New" panose="02070309020205020404" pitchFamily="49" charset="0"/>
               </a:rPr>
@@ -7061,6 +10490,7 @@
             </a:r>
             <a:r>
               <a:rPr lang="en-US" altLang="zh-TW" dirty="0" err="1">
+                <a:effectLst/>
                 <a:latin typeface="Courier New" panose="02070309020205020404" pitchFamily="49" charset="0"/>
                 <a:cs typeface="Courier New" panose="02070309020205020404" pitchFamily="49" charset="0"/>
               </a:rPr>
@@ -7068,6 +10498,7 @@
             </a:r>
             <a:r>
               <a:rPr lang="en-US" altLang="zh-TW" dirty="0">
+                <a:effectLst/>
                 <a:latin typeface="Courier New" panose="02070309020205020404" pitchFamily="49" charset="0"/>
                 <a:cs typeface="Courier New" panose="02070309020205020404" pitchFamily="49" charset="0"/>
               </a:rPr>
@@ -7087,6 +10518,7 @@
             </a:pPr>
             <a:r>
               <a:rPr lang="zh-TW" altLang="en-US" dirty="0">
+                <a:effectLst/>
                 <a:latin typeface="Courier New" panose="02070309020205020404" pitchFamily="49" charset="0"/>
                 <a:cs typeface="Courier New" panose="02070309020205020404" pitchFamily="49" charset="0"/>
               </a:rPr>
@@ -7094,6 +10526,7 @@
             </a:r>
             <a:r>
               <a:rPr lang="en-US" altLang="zh-TW" dirty="0">
+                <a:effectLst/>
                 <a:latin typeface="Courier New" panose="02070309020205020404" pitchFamily="49" charset="0"/>
                 <a:cs typeface="Courier New" panose="02070309020205020404" pitchFamily="49" charset="0"/>
               </a:rPr>
@@ -7101,6 +10534,7 @@
             </a:r>
             <a:r>
               <a:rPr lang="zh-TW" altLang="en-US" dirty="0">
+                <a:effectLst/>
                 <a:latin typeface="Courier New" panose="02070309020205020404" pitchFamily="49" charset="0"/>
                 <a:cs typeface="Courier New" panose="02070309020205020404" pitchFamily="49" charset="0"/>
               </a:rPr>
@@ -7108,6 +10542,7 @@
             </a:r>
             <a:r>
               <a:rPr lang="en-US" altLang="zh-TW" dirty="0">
+                <a:effectLst/>
                 <a:latin typeface="Courier New" panose="02070309020205020404" pitchFamily="49" charset="0"/>
                 <a:cs typeface="Courier New" panose="02070309020205020404" pitchFamily="49" charset="0"/>
               </a:rPr>
@@ -7115,19 +10550,22 @@
             </a:r>
             <a:r>
               <a:rPr lang="zh-TW" altLang="en-US" dirty="0">
-                <a:latin typeface="Courier New" panose="02070309020205020404" pitchFamily="49" charset="0"/>
-                <a:cs typeface="Courier New" panose="02070309020205020404" pitchFamily="49" charset="0"/>
-              </a:rPr>
-              <a:t>平時可用</a:t>
+                <a:effectLst/>
+                <a:latin typeface="Courier New" panose="02070309020205020404" pitchFamily="49" charset="0"/>
+                <a:cs typeface="Courier New" panose="02070309020205020404" pitchFamily="49" charset="0"/>
+              </a:rPr>
+              <a:t>可用以下的方法</a:t>
             </a:r>
             <a:br>
               <a:rPr lang="en-US" altLang="zh-TW" dirty="0">
+                <a:effectLst/>
                 <a:latin typeface="Courier New" panose="02070309020205020404" pitchFamily="49" charset="0"/>
                 <a:cs typeface="Courier New" panose="02070309020205020404" pitchFamily="49" charset="0"/>
               </a:rPr>
             </a:br>
             <a:r>
               <a:rPr lang="en-US" altLang="zh-TW" dirty="0">
+                <a:effectLst/>
                 <a:latin typeface="Courier New" panose="02070309020205020404" pitchFamily="49" charset="0"/>
                 <a:cs typeface="Courier New" panose="02070309020205020404" pitchFamily="49" charset="0"/>
               </a:rPr>
@@ -7135,12 +10573,14 @@
             </a:r>
             <a:br>
               <a:rPr lang="en-US" altLang="zh-TW" dirty="0">
+                <a:effectLst/>
                 <a:latin typeface="Courier New" panose="02070309020205020404" pitchFamily="49" charset="0"/>
                 <a:cs typeface="Courier New" panose="02070309020205020404" pitchFamily="49" charset="0"/>
               </a:rPr>
             </a:br>
             <a:r>
               <a:rPr lang="en-US" altLang="zh-TW" dirty="0">
+                <a:effectLst/>
                 <a:latin typeface="Courier New" panose="02070309020205020404" pitchFamily="49" charset="0"/>
                 <a:cs typeface="Courier New" panose="02070309020205020404" pitchFamily="49" charset="0"/>
               </a:rPr>
@@ -7160,6 +10600,7 @@
             </a:pPr>
             <a:r>
               <a:rPr lang="en-US" altLang="zh-TW" dirty="0">
+                <a:effectLst/>
                 <a:latin typeface="Courier New" panose="02070309020205020404" pitchFamily="49" charset="0"/>
                 <a:cs typeface="Courier New" panose="02070309020205020404" pitchFamily="49" charset="0"/>
               </a:rPr>
@@ -7167,6 +10608,7 @@
             </a:r>
             <a:r>
               <a:rPr lang="en-US" altLang="zh-TW" dirty="0" err="1">
+                <a:effectLst/>
                 <a:latin typeface="Courier New" panose="02070309020205020404" pitchFamily="49" charset="0"/>
                 <a:cs typeface="Courier New" panose="02070309020205020404" pitchFamily="49" charset="0"/>
               </a:rPr>
@@ -7174,6 +10616,7 @@
             </a:r>
             <a:r>
               <a:rPr lang="en-US" altLang="zh-TW" dirty="0">
+                <a:effectLst/>
                 <a:latin typeface="Courier New" panose="02070309020205020404" pitchFamily="49" charset="0"/>
                 <a:cs typeface="Courier New" panose="02070309020205020404" pitchFamily="49" charset="0"/>
               </a:rPr>
@@ -7181,6 +10624,7 @@
             </a:r>
             <a:r>
               <a:rPr lang="zh-TW" altLang="en-US" dirty="0">
+                <a:effectLst/>
                 <a:latin typeface="Courier New" panose="02070309020205020404" pitchFamily="49" charset="0"/>
                 <a:cs typeface="Courier New" panose="02070309020205020404" pitchFamily="49" charset="0"/>
               </a:rPr>
@@ -7188,6 +10632,7 @@
             </a:r>
             <a:r>
               <a:rPr lang="en-US" altLang="zh-TW" dirty="0">
+                <a:effectLst/>
                 <a:latin typeface="Courier New" panose="02070309020205020404" pitchFamily="49" charset="0"/>
                 <a:cs typeface="Courier New" panose="02070309020205020404" pitchFamily="49" charset="0"/>
               </a:rPr>
@@ -7195,6 +10640,7 @@
             </a:r>
             <a:r>
               <a:rPr lang="zh-TW" altLang="en-US" dirty="0">
+                <a:effectLst/>
                 <a:latin typeface="Courier New" panose="02070309020205020404" pitchFamily="49" charset="0"/>
                 <a:cs typeface="Courier New" panose="02070309020205020404" pitchFamily="49" charset="0"/>
               </a:rPr>
@@ -7202,12 +10648,14 @@
             </a:r>
             <a:br>
               <a:rPr lang="en-US" altLang="zh-TW" dirty="0">
+                <a:effectLst/>
                 <a:latin typeface="Courier New" panose="02070309020205020404" pitchFamily="49" charset="0"/>
                 <a:cs typeface="Courier New" panose="02070309020205020404" pitchFamily="49" charset="0"/>
               </a:rPr>
             </a:br>
             <a:r>
               <a:rPr lang="en-US" altLang="zh-TW" dirty="0">
+                <a:effectLst/>
                 <a:latin typeface="Courier New" panose="02070309020205020404" pitchFamily="49" charset="0"/>
                 <a:cs typeface="Courier New" panose="02070309020205020404" pitchFamily="49" charset="0"/>
               </a:rPr>
@@ -7215,6 +10663,7 @@
             </a:r>
             <a:r>
               <a:rPr lang="en-US" altLang="zh-TW" dirty="0" err="1">
+                <a:effectLst/>
                 <a:latin typeface="Courier New" panose="02070309020205020404" pitchFamily="49" charset="0"/>
                 <a:cs typeface="Courier New" panose="02070309020205020404" pitchFamily="49" charset="0"/>
               </a:rPr>
@@ -7222,6 +10671,7 @@
             </a:r>
             <a:r>
               <a:rPr lang="en-US" altLang="zh-TW" dirty="0">
+                <a:effectLst/>
                 <a:latin typeface="Courier New" panose="02070309020205020404" pitchFamily="49" charset="0"/>
                 <a:cs typeface="Courier New" panose="02070309020205020404" pitchFamily="49" charset="0"/>
               </a:rPr>
@@ -7229,6 +10679,7 @@
             </a:r>
             <a:r>
               <a:rPr lang="zh-TW" altLang="en-US" dirty="0">
+                <a:effectLst/>
                 <a:latin typeface="Courier New" panose="02070309020205020404" pitchFamily="49" charset="0"/>
                 <a:cs typeface="Courier New" panose="02070309020205020404" pitchFamily="49" charset="0"/>
               </a:rPr>
@@ -7236,6 +10687,7 @@
             </a:r>
             <a:r>
               <a:rPr lang="en-US" altLang="zh-TW" dirty="0">
+                <a:effectLst/>
                 <a:latin typeface="Courier New" panose="02070309020205020404" pitchFamily="49" charset="0"/>
                 <a:cs typeface="Courier New" panose="02070309020205020404" pitchFamily="49" charset="0"/>
               </a:rPr>
@@ -7243,12 +10695,14 @@
             </a:r>
             <a:br>
               <a:rPr lang="en-US" altLang="zh-TW" dirty="0">
+                <a:effectLst/>
                 <a:latin typeface="Courier New" panose="02070309020205020404" pitchFamily="49" charset="0"/>
                 <a:cs typeface="Courier New" panose="02070309020205020404" pitchFamily="49" charset="0"/>
               </a:rPr>
             </a:br>
             <a:r>
               <a:rPr lang="en-US" altLang="zh-TW" strike="sngStrike" dirty="0">
+                <a:effectLst/>
                 <a:latin typeface="Courier New" panose="02070309020205020404" pitchFamily="49" charset="0"/>
                 <a:cs typeface="Courier New" panose="02070309020205020404" pitchFamily="49" charset="0"/>
               </a:rPr>
@@ -7256,6 +10710,7 @@
             </a:r>
             <a:r>
               <a:rPr lang="en-US" altLang="zh-TW" strike="sngStrike" dirty="0" err="1">
+                <a:effectLst/>
                 <a:latin typeface="Courier New" panose="02070309020205020404" pitchFamily="49" charset="0"/>
                 <a:cs typeface="Courier New" panose="02070309020205020404" pitchFamily="49" charset="0"/>
               </a:rPr>
@@ -7263,6 +10718,7 @@
             </a:r>
             <a:r>
               <a:rPr lang="en-US" altLang="zh-TW" strike="sngStrike" dirty="0">
+                <a:effectLst/>
                 <a:latin typeface="Courier New" panose="02070309020205020404" pitchFamily="49" charset="0"/>
                 <a:cs typeface="Courier New" panose="02070309020205020404" pitchFamily="49" charset="0"/>
               </a:rPr>
@@ -7270,6 +10726,7 @@
             </a:r>
             <a:r>
               <a:rPr lang="zh-TW" altLang="en-US" strike="sngStrike" dirty="0">
+                <a:effectLst/>
                 <a:latin typeface="Courier New" panose="02070309020205020404" pitchFamily="49" charset="0"/>
                 <a:cs typeface="Courier New" panose="02070309020205020404" pitchFamily="49" charset="0"/>
               </a:rPr>
@@ -7277,6 +10734,7 @@
             </a:r>
             <a:r>
               <a:rPr lang="en-US" altLang="zh-TW" strike="sngStrike" dirty="0">
+                <a:effectLst/>
                 <a:latin typeface="Courier New" panose="02070309020205020404" pitchFamily="49" charset="0"/>
                 <a:cs typeface="Courier New" panose="02070309020205020404" pitchFamily="49" charset="0"/>
               </a:rPr>
@@ -7284,12 +10742,14 @@
             </a:r>
             <a:r>
               <a:rPr lang="zh-TW" altLang="en-US" strike="sngStrike" dirty="0">
+                <a:effectLst/>
                 <a:latin typeface="Courier New" panose="02070309020205020404" pitchFamily="49" charset="0"/>
                 <a:cs typeface="Courier New" panose="02070309020205020404" pitchFamily="49" charset="0"/>
               </a:rPr>
               <a:t>的擁有權</a:t>
             </a:r>
             <a:endParaRPr lang="en-US" altLang="zh-TW" strike="sngStrike" dirty="0">
+              <a:effectLst/>
               <a:latin typeface="Courier New" panose="02070309020205020404" pitchFamily="49" charset="0"/>
               <a:cs typeface="Courier New" panose="02070309020205020404" pitchFamily="49" charset="0"/>
             </a:endParaRPr>
@@ -7307,6 +10767,7 @@
             </a:pPr>
             <a:r>
               <a:rPr lang="zh-TW" altLang="en-US" dirty="0">
+                <a:effectLst/>
                 <a:latin typeface="Courier New" panose="02070309020205020404" pitchFamily="49" charset="0"/>
                 <a:cs typeface="Courier New" panose="02070309020205020404" pitchFamily="49" charset="0"/>
               </a:rPr>
@@ -7314,6 +10775,7 @@
             </a:r>
             <a:r>
               <a:rPr lang="en-US" altLang="zh-TW" dirty="0">
+                <a:effectLst/>
                 <a:latin typeface="Courier New" panose="02070309020205020404" pitchFamily="49" charset="0"/>
                 <a:cs typeface="Courier New" panose="02070309020205020404" pitchFamily="49" charset="0"/>
               </a:rPr>
@@ -7321,6 +10783,7 @@
             </a:r>
             <a:r>
               <a:rPr lang="en-US" altLang="zh-TW" dirty="0" err="1">
+                <a:effectLst/>
                 <a:latin typeface="Courier New" panose="02070309020205020404" pitchFamily="49" charset="0"/>
                 <a:cs typeface="Courier New" panose="02070309020205020404" pitchFamily="49" charset="0"/>
               </a:rPr>
@@ -7328,6 +10791,7 @@
             </a:r>
             <a:r>
               <a:rPr lang="en-US" altLang="zh-TW" dirty="0">
+                <a:effectLst/>
                 <a:latin typeface="Courier New" panose="02070309020205020404" pitchFamily="49" charset="0"/>
                 <a:cs typeface="Courier New" panose="02070309020205020404" pitchFamily="49" charset="0"/>
               </a:rPr>
@@ -7335,12 +10799,14 @@
             </a:r>
             <a:br>
               <a:rPr lang="en-US" altLang="zh-TW" dirty="0">
+                <a:effectLst/>
                 <a:latin typeface="Courier New" panose="02070309020205020404" pitchFamily="49" charset="0"/>
                 <a:cs typeface="Courier New" panose="02070309020205020404" pitchFamily="49" charset="0"/>
               </a:rPr>
             </a:br>
             <a:r>
               <a:rPr lang="zh-TW" altLang="en-US" dirty="0">
+                <a:effectLst/>
                 <a:latin typeface="Courier New" panose="02070309020205020404" pitchFamily="49" charset="0"/>
                 <a:cs typeface="Courier New" panose="02070309020205020404" pitchFamily="49" charset="0"/>
               </a:rPr>
@@ -7348,6 +10814,7 @@
             </a:r>
             <a:r>
               <a:rPr lang="en-US" altLang="zh-TW" dirty="0">
+                <a:effectLst/>
                 <a:latin typeface="Courier New" panose="02070309020205020404" pitchFamily="49" charset="0"/>
                 <a:cs typeface="Courier New" panose="02070309020205020404" pitchFamily="49" charset="0"/>
               </a:rPr>
@@ -7355,16 +10822,18 @@
             </a:r>
             <a:r>
               <a:rPr lang="zh-TW" altLang="en-US" dirty="0">
-                <a:latin typeface="Courier New" panose="02070309020205020404" pitchFamily="49" charset="0"/>
-                <a:cs typeface="Courier New" panose="02070309020205020404" pitchFamily="49" charset="0"/>
-              </a:rPr>
-              <a:t>在</a:t>
+                <a:effectLst/>
+                <a:latin typeface="Courier New" panose="02070309020205020404" pitchFamily="49" charset="0"/>
+                <a:cs typeface="Courier New" panose="02070309020205020404" pitchFamily="49" charset="0"/>
+              </a:rPr>
+              <a:t>盡量在</a:t>
             </a:r>
             <a:r>
               <a:rPr lang="zh-TW" altLang="en-US" b="1" dirty="0">
                 <a:solidFill>
                   <a:srgbClr val="00B0F0"/>
                 </a:solidFill>
+                <a:effectLst/>
                 <a:latin typeface="Courier New" panose="02070309020205020404" pitchFamily="49" charset="0"/>
                 <a:cs typeface="Courier New" panose="02070309020205020404" pitchFamily="49" charset="0"/>
               </a:rPr>
@@ -7372,6 +10841,7 @@
             </a:r>
             <a:r>
               <a:rPr lang="zh-TW" altLang="en-US" dirty="0">
+                <a:effectLst/>
                 <a:latin typeface="Courier New" panose="02070309020205020404" pitchFamily="49" charset="0"/>
                 <a:cs typeface="Courier New" panose="02070309020205020404" pitchFamily="49" charset="0"/>
               </a:rPr>
@@ -7379,6 +10849,7 @@
             </a:r>
             <a:r>
               <a:rPr lang="en-US" altLang="zh-TW" dirty="0" err="1">
+                <a:effectLst/>
                 <a:latin typeface="Courier New" panose="02070309020205020404" pitchFamily="49" charset="0"/>
                 <a:cs typeface="Courier New" panose="02070309020205020404" pitchFamily="49" charset="0"/>
               </a:rPr>
@@ -7386,6 +10857,7 @@
             </a:r>
             <a:r>
               <a:rPr lang="zh-TW" altLang="en-US" dirty="0">
+                <a:effectLst/>
                 <a:latin typeface="Courier New" panose="02070309020205020404" pitchFamily="49" charset="0"/>
                 <a:cs typeface="Courier New" panose="02070309020205020404" pitchFamily="49" charset="0"/>
               </a:rPr>
@@ -7393,6 +10865,7 @@
             </a:r>
             <a:r>
               <a:rPr lang="en-US" altLang="zh-TW" dirty="0">
+                <a:effectLst/>
                 <a:latin typeface="Courier New" panose="02070309020205020404" pitchFamily="49" charset="0"/>
                 <a:cs typeface="Courier New" panose="02070309020205020404" pitchFamily="49" charset="0"/>
               </a:rPr>
@@ -7400,6 +10873,7 @@
             </a:r>
             <a:r>
               <a:rPr lang="zh-TW" altLang="en-US" dirty="0">
+                <a:effectLst/>
                 <a:latin typeface="Courier New" panose="02070309020205020404" pitchFamily="49" charset="0"/>
                 <a:cs typeface="Courier New" panose="02070309020205020404" pitchFamily="49" charset="0"/>
               </a:rPr>
@@ -7407,6 +10881,7 @@
             </a:r>
             <a:r>
               <a:rPr lang="en-US" altLang="zh-TW" dirty="0" err="1">
+                <a:effectLst/>
                 <a:latin typeface="Courier New" panose="02070309020205020404" pitchFamily="49" charset="0"/>
                 <a:cs typeface="Courier New" panose="02070309020205020404" pitchFamily="49" charset="0"/>
               </a:rPr>
@@ -7414,6 +10889,7 @@
             </a:r>
             <a:r>
               <a:rPr lang="zh-TW" altLang="en-US" dirty="0">
+                <a:effectLst/>
                 <a:latin typeface="Courier New" panose="02070309020205020404" pitchFamily="49" charset="0"/>
                 <a:cs typeface="Courier New" panose="02070309020205020404" pitchFamily="49" charset="0"/>
               </a:rPr>
@@ -7421,12 +10897,14 @@
             </a:r>
             <a:br>
               <a:rPr lang="en-US" altLang="zh-TW" dirty="0">
+                <a:effectLst/>
                 <a:latin typeface="Courier New" panose="02070309020205020404" pitchFamily="49" charset="0"/>
                 <a:cs typeface="Courier New" panose="02070309020205020404" pitchFamily="49" charset="0"/>
               </a:rPr>
             </a:br>
             <a:r>
               <a:rPr lang="zh-TW" altLang="en-US" dirty="0">
+                <a:effectLst/>
                 <a:latin typeface="Courier New" panose="02070309020205020404" pitchFamily="49" charset="0"/>
                 <a:cs typeface="Courier New" panose="02070309020205020404" pitchFamily="49" charset="0"/>
               </a:rPr>
@@ -7434,6 +10912,7 @@
             </a:r>
             <a:r>
               <a:rPr lang="en-US" altLang="zh-TW" dirty="0" err="1">
+                <a:effectLst/>
                 <a:latin typeface="Courier New" panose="02070309020205020404" pitchFamily="49" charset="0"/>
                 <a:cs typeface="Courier New" panose="02070309020205020404" pitchFamily="49" charset="0"/>
               </a:rPr>
@@ -7441,6 +10920,7 @@
             </a:r>
             <a:r>
               <a:rPr lang="zh-TW" altLang="en-US" dirty="0">
+                <a:effectLst/>
                 <a:latin typeface="Courier New" panose="02070309020205020404" pitchFamily="49" charset="0"/>
                 <a:cs typeface="Courier New" panose="02070309020205020404" pitchFamily="49" charset="0"/>
               </a:rPr>
@@ -7448,6 +10928,7 @@
             </a:r>
             <a:r>
               <a:rPr lang="en-US" altLang="zh-TW" dirty="0">
+                <a:effectLst/>
                 <a:latin typeface="Courier New" panose="02070309020205020404" pitchFamily="49" charset="0"/>
                 <a:cs typeface="Courier New" panose="02070309020205020404" pitchFamily="49" charset="0"/>
               </a:rPr>
@@ -7455,6 +10936,7 @@
             </a:r>
             <a:r>
               <a:rPr lang="zh-TW" altLang="en-US" dirty="0">
+                <a:effectLst/>
                 <a:latin typeface="Courier New" panose="02070309020205020404" pitchFamily="49" charset="0"/>
                 <a:cs typeface="Courier New" panose="02070309020205020404" pitchFamily="49" charset="0"/>
               </a:rPr>
@@ -7462,6 +10944,7 @@
             </a:r>
             <a:r>
               <a:rPr lang="en-US" altLang="zh-TW" dirty="0" err="1">
+                <a:effectLst/>
                 <a:latin typeface="Courier New" panose="02070309020205020404" pitchFamily="49" charset="0"/>
                 <a:cs typeface="Courier New" panose="02070309020205020404" pitchFamily="49" charset="0"/>
               </a:rPr>
@@ -7469,6 +10952,7 @@
             </a:r>
             <a:r>
               <a:rPr lang="zh-TW" altLang="en-US" dirty="0">
+                <a:effectLst/>
                 <a:latin typeface="Courier New" panose="02070309020205020404" pitchFamily="49" charset="0"/>
                 <a:cs typeface="Courier New" panose="02070309020205020404" pitchFamily="49" charset="0"/>
               </a:rPr>
@@ -7476,6 +10960,7 @@
             </a:r>
             <a:r>
               <a:rPr lang="en-US" altLang="zh-TW" dirty="0">
+                <a:effectLst/>
                 <a:latin typeface="Courier New" panose="02070309020205020404" pitchFamily="49" charset="0"/>
                 <a:cs typeface="Courier New" panose="02070309020205020404" pitchFamily="49" charset="0"/>
               </a:rPr>
@@ -7483,6 +10968,7 @@
             </a:r>
             <a:r>
               <a:rPr lang="zh-TW" altLang="en-US" dirty="0">
+                <a:effectLst/>
                 <a:latin typeface="Courier New" panose="02070309020205020404" pitchFamily="49" charset="0"/>
                 <a:cs typeface="Courier New" panose="02070309020205020404" pitchFamily="49" charset="0"/>
               </a:rPr>
@@ -7490,6 +10976,7 @@
             </a:r>
             <a:r>
               <a:rPr lang="en-US" altLang="zh-TW" dirty="0">
+                <a:effectLst/>
                 <a:latin typeface="Courier New" panose="02070309020205020404" pitchFamily="49" charset="0"/>
                 <a:cs typeface="Courier New" panose="02070309020205020404" pitchFamily="49" charset="0"/>
               </a:rPr>
@@ -7497,6 +10984,7 @@
             </a:r>
             <a:r>
               <a:rPr lang="zh-TW" altLang="en-US" dirty="0">
+                <a:effectLst/>
                 <a:latin typeface="Courier New" panose="02070309020205020404" pitchFamily="49" charset="0"/>
                 <a:cs typeface="Courier New" panose="02070309020205020404" pitchFamily="49" charset="0"/>
               </a:rPr>
@@ -7504,6 +10992,7 @@
             </a:r>
             <a:r>
               <a:rPr lang="en-US" altLang="zh-TW" dirty="0" err="1">
+                <a:effectLst/>
                 <a:latin typeface="Courier New" panose="02070309020205020404" pitchFamily="49" charset="0"/>
                 <a:cs typeface="Courier New" panose="02070309020205020404" pitchFamily="49" charset="0"/>
               </a:rPr>
@@ -7511,6 +11000,7 @@
             </a:r>
             <a:r>
               <a:rPr lang="zh-TW" altLang="en-US" dirty="0">
+                <a:effectLst/>
                 <a:latin typeface="Courier New" panose="02070309020205020404" pitchFamily="49" charset="0"/>
                 <a:cs typeface="Courier New" panose="02070309020205020404" pitchFamily="49" charset="0"/>
               </a:rPr>
@@ -7518,6 +11008,7 @@
             </a:r>
             <a:r>
               <a:rPr lang="en-US" altLang="zh-TW" dirty="0">
+                <a:effectLst/>
                 <a:latin typeface="Courier New" panose="02070309020205020404" pitchFamily="49" charset="0"/>
                 <a:cs typeface="Courier New" panose="02070309020205020404" pitchFamily="49" charset="0"/>
               </a:rPr>
@@ -7525,6 +11016,7 @@
             </a:r>
             <a:r>
               <a:rPr lang="zh-TW" altLang="en-US" dirty="0">
+                <a:effectLst/>
                 <a:latin typeface="Courier New" panose="02070309020205020404" pitchFamily="49" charset="0"/>
                 <a:cs typeface="Courier New" panose="02070309020205020404" pitchFamily="49" charset="0"/>
               </a:rPr>
@@ -7532,6 +11024,7 @@
             </a:r>
             <a:r>
               <a:rPr lang="en-US" altLang="zh-TW" dirty="0">
+                <a:effectLst/>
                 <a:latin typeface="Courier New" panose="02070309020205020404" pitchFamily="49" charset="0"/>
                 <a:cs typeface="Courier New" panose="02070309020205020404" pitchFamily="49" charset="0"/>
               </a:rPr>
@@ -7539,6 +11032,7 @@
             </a:r>
             <a:r>
               <a:rPr lang="zh-TW" altLang="en-US" dirty="0">
+                <a:effectLst/>
                 <a:latin typeface="Courier New" panose="02070309020205020404" pitchFamily="49" charset="0"/>
                 <a:cs typeface="Courier New" panose="02070309020205020404" pitchFamily="49" charset="0"/>
               </a:rPr>
@@ -7546,6 +11040,7 @@
             </a:r>
             <a:r>
               <a:rPr lang="en-US" altLang="zh-TW" dirty="0">
+                <a:effectLst/>
                 <a:latin typeface="Courier New" panose="02070309020205020404" pitchFamily="49" charset="0"/>
                 <a:cs typeface="Courier New" panose="02070309020205020404" pitchFamily="49" charset="0"/>
               </a:rPr>
@@ -7553,6 +11048,7 @@
             </a:r>
             <a:r>
               <a:rPr lang="zh-TW" altLang="en-US" dirty="0">
+                <a:effectLst/>
                 <a:latin typeface="Courier New" panose="02070309020205020404" pitchFamily="49" charset="0"/>
                 <a:cs typeface="Courier New" panose="02070309020205020404" pitchFamily="49" charset="0"/>
               </a:rPr>
@@ -7560,6 +11056,7 @@
             </a:r>
             <a:r>
               <a:rPr lang="en-US" altLang="zh-TW" dirty="0" err="1">
+                <a:effectLst/>
                 <a:latin typeface="Courier New" panose="02070309020205020404" pitchFamily="49" charset="0"/>
                 <a:cs typeface="Courier New" panose="02070309020205020404" pitchFamily="49" charset="0"/>
               </a:rPr>
@@ -7567,6 +11064,7 @@
             </a:r>
             <a:r>
               <a:rPr lang="zh-TW" altLang="en-US" dirty="0">
+                <a:effectLst/>
                 <a:latin typeface="Courier New" panose="02070309020205020404" pitchFamily="49" charset="0"/>
                 <a:cs typeface="Courier New" panose="02070309020205020404" pitchFamily="49" charset="0"/>
               </a:rPr>
@@ -7574,6 +11072,7 @@
             </a:r>
             <a:r>
               <a:rPr lang="en-US" altLang="zh-TW" dirty="0">
+                <a:effectLst/>
                 <a:latin typeface="Courier New" panose="02070309020205020404" pitchFamily="49" charset="0"/>
                 <a:cs typeface="Courier New" panose="02070309020205020404" pitchFamily="49" charset="0"/>
               </a:rPr>
@@ -7581,6 +11080,7 @@
             </a:r>
             <a:r>
               <a:rPr lang="zh-TW" altLang="en-US" dirty="0">
+                <a:effectLst/>
                 <a:latin typeface="Courier New" panose="02070309020205020404" pitchFamily="49" charset="0"/>
                 <a:cs typeface="Courier New" panose="02070309020205020404" pitchFamily="49" charset="0"/>
               </a:rPr>
@@ -7588,6 +11088,7 @@
             </a:r>
             <a:r>
               <a:rPr lang="en-US" altLang="zh-TW" dirty="0" err="1">
+                <a:effectLst/>
                 <a:latin typeface="Courier New" panose="02070309020205020404" pitchFamily="49" charset="0"/>
                 <a:cs typeface="Courier New" panose="02070309020205020404" pitchFamily="49" charset="0"/>
               </a:rPr>
@@ -7595,12 +11096,14 @@
             </a:r>
             <a:r>
               <a:rPr lang="zh-TW" altLang="en-US" dirty="0">
+                <a:effectLst/>
                 <a:latin typeface="Courier New" panose="02070309020205020404" pitchFamily="49" charset="0"/>
                 <a:cs typeface="Courier New" panose="02070309020205020404" pitchFamily="49" charset="0"/>
               </a:rPr>
               <a:t>了。</a:t>
             </a:r>
             <a:endParaRPr lang="en-US" altLang="zh-TW" dirty="0">
+              <a:effectLst/>
               <a:latin typeface="Courier New" panose="02070309020205020404" pitchFamily="49" charset="0"/>
               <a:cs typeface="Courier New" panose="02070309020205020404" pitchFamily="49" charset="0"/>
             </a:endParaRPr>
@@ -7618,6 +11121,7 @@
             </a:pPr>
             <a:r>
               <a:rPr lang="zh-TW" altLang="en-US" dirty="0">
+                <a:effectLst/>
                 <a:latin typeface="Courier New" panose="02070309020205020404" pitchFamily="49" charset="0"/>
                 <a:cs typeface="Courier New" panose="02070309020205020404" pitchFamily="49" charset="0"/>
               </a:rPr>
@@ -7625,6 +11129,7 @@
             </a:r>
             <a:r>
               <a:rPr lang="en-US" altLang="zh-TW" dirty="0">
+                <a:effectLst/>
                 <a:latin typeface="Courier New" panose="02070309020205020404" pitchFamily="49" charset="0"/>
                 <a:cs typeface="Courier New" panose="02070309020205020404" pitchFamily="49" charset="0"/>
               </a:rPr>
@@ -7632,6 +11137,7 @@
             </a:r>
             <a:r>
               <a:rPr lang="zh-TW" altLang="en-US" dirty="0">
+                <a:effectLst/>
                 <a:latin typeface="Courier New" panose="02070309020205020404" pitchFamily="49" charset="0"/>
                 <a:cs typeface="Courier New" panose="02070309020205020404" pitchFamily="49" charset="0"/>
               </a:rPr>
@@ -7639,6 +11145,7 @@
             </a:r>
             <a:r>
               <a:rPr lang="en-US" altLang="zh-TW" dirty="0">
+                <a:effectLst/>
                 <a:latin typeface="Courier New" panose="02070309020205020404" pitchFamily="49" charset="0"/>
                 <a:cs typeface="Courier New" panose="02070309020205020404" pitchFamily="49" charset="0"/>
               </a:rPr>
@@ -7646,6 +11153,7 @@
             </a:r>
             <a:r>
               <a:rPr lang="zh-TW" altLang="en-US" dirty="0">
+                <a:effectLst/>
                 <a:latin typeface="Courier New" panose="02070309020205020404" pitchFamily="49" charset="0"/>
                 <a:cs typeface="Courier New" panose="02070309020205020404" pitchFamily="49" charset="0"/>
               </a:rPr>
@@ -7653,6 +11161,7 @@
             </a:r>
             <a:r>
               <a:rPr lang="en-US" altLang="zh-TW" dirty="0">
+                <a:effectLst/>
                 <a:latin typeface="Courier New" panose="02070309020205020404" pitchFamily="49" charset="0"/>
                 <a:cs typeface="Courier New" panose="02070309020205020404" pitchFamily="49" charset="0"/>
               </a:rPr>
@@ -7660,6 +11169,7 @@
             </a:r>
             <a:r>
               <a:rPr lang="zh-TW" altLang="en-US" dirty="0">
+                <a:effectLst/>
                 <a:latin typeface="Courier New" panose="02070309020205020404" pitchFamily="49" charset="0"/>
                 <a:cs typeface="Courier New" panose="02070309020205020404" pitchFamily="49" charset="0"/>
               </a:rPr>
@@ -7667,6 +11177,7 @@
             </a:r>
             <a:r>
               <a:rPr lang="en-US" altLang="zh-TW" dirty="0">
+                <a:effectLst/>
                 <a:latin typeface="Courier New" panose="02070309020205020404" pitchFamily="49" charset="0"/>
                 <a:cs typeface="Courier New" panose="02070309020205020404" pitchFamily="49" charset="0"/>
               </a:rPr>
@@ -7674,6 +11185,7 @@
             </a:r>
             <a:r>
               <a:rPr lang="zh-TW" altLang="en-US" dirty="0">
+                <a:effectLst/>
                 <a:latin typeface="Courier New" panose="02070309020205020404" pitchFamily="49" charset="0"/>
                 <a:cs typeface="Courier New" panose="02070309020205020404" pitchFamily="49" charset="0"/>
               </a:rPr>
@@ -7681,6 +11193,7 @@
             </a:r>
             <a:r>
               <a:rPr lang="en-US" altLang="zh-TW" dirty="0">
+                <a:effectLst/>
                 <a:latin typeface="Courier New" panose="02070309020205020404" pitchFamily="49" charset="0"/>
                 <a:cs typeface="Courier New" panose="02070309020205020404" pitchFamily="49" charset="0"/>
               </a:rPr>
@@ -7688,6 +11201,7 @@
             </a:r>
             <a:r>
               <a:rPr lang="zh-TW" altLang="en-US" dirty="0">
+                <a:effectLst/>
                 <a:latin typeface="Courier New" panose="02070309020205020404" pitchFamily="49" charset="0"/>
                 <a:cs typeface="Courier New" panose="02070309020205020404" pitchFamily="49" charset="0"/>
               </a:rPr>
@@ -7695,6 +11209,7 @@
             </a:r>
             <a:r>
               <a:rPr lang="en-US" altLang="zh-TW" dirty="0" err="1">
+                <a:effectLst/>
                 <a:latin typeface="Courier New" panose="02070309020205020404" pitchFamily="49" charset="0"/>
                 <a:cs typeface="Courier New" panose="02070309020205020404" pitchFamily="49" charset="0"/>
               </a:rPr>
@@ -7702,6 +11217,7 @@
             </a:r>
             <a:r>
               <a:rPr lang="en-US" altLang="zh-TW" dirty="0">
+                <a:effectLst/>
                 <a:latin typeface="Courier New" panose="02070309020205020404" pitchFamily="49" charset="0"/>
                 <a:cs typeface="Courier New" panose="02070309020205020404" pitchFamily="49" charset="0"/>
               </a:rPr>
@@ -7709,6 +11225,7 @@
             </a:r>
             <a:r>
               <a:rPr lang="zh-TW" altLang="en-US" dirty="0">
+                <a:effectLst/>
                 <a:latin typeface="Courier New" panose="02070309020205020404" pitchFamily="49" charset="0"/>
                 <a:cs typeface="Courier New" panose="02070309020205020404" pitchFamily="49" charset="0"/>
               </a:rPr>
@@ -7716,6 +11233,7 @@
             </a:r>
             <a:r>
               <a:rPr lang="en-US" altLang="zh-TW" dirty="0">
+                <a:effectLst/>
                 <a:latin typeface="Courier New" panose="02070309020205020404" pitchFamily="49" charset="0"/>
                 <a:cs typeface="Courier New" panose="02070309020205020404" pitchFamily="49" charset="0"/>
               </a:rPr>
@@ -7723,6 +11241,7 @@
             </a:r>
             <a:r>
               <a:rPr lang="zh-TW" altLang="en-US" dirty="0">
+                <a:effectLst/>
                 <a:latin typeface="Courier New" panose="02070309020205020404" pitchFamily="49" charset="0"/>
                 <a:cs typeface="Courier New" panose="02070309020205020404" pitchFamily="49" charset="0"/>
               </a:rPr>
@@ -7730,6 +11249,7 @@
             </a:r>
             <a:r>
               <a:rPr lang="en-US" altLang="zh-TW" dirty="0" err="1">
+                <a:effectLst/>
                 <a:latin typeface="Courier New" panose="02070309020205020404" pitchFamily="49" charset="0"/>
                 <a:cs typeface="Courier New" panose="02070309020205020404" pitchFamily="49" charset="0"/>
               </a:rPr>
@@ -7737,6 +11257,7 @@
             </a:r>
             <a:r>
               <a:rPr lang="en-US" altLang="zh-TW" dirty="0">
+                <a:effectLst/>
                 <a:latin typeface="Courier New" panose="02070309020205020404" pitchFamily="49" charset="0"/>
                 <a:cs typeface="Courier New" panose="02070309020205020404" pitchFamily="49" charset="0"/>
               </a:rPr>
@@ -7744,12 +11265,14 @@
             </a:r>
             <a:r>
               <a:rPr lang="zh-TW" altLang="en-US" dirty="0">
+                <a:effectLst/>
                 <a:latin typeface="Courier New" panose="02070309020205020404" pitchFamily="49" charset="0"/>
                 <a:cs typeface="Courier New" panose="02070309020205020404" pitchFamily="49" charset="0"/>
               </a:rPr>
               <a:t>。</a:t>
             </a:r>
             <a:endParaRPr lang="en-US" altLang="zh-TW" dirty="0">
+              <a:effectLst/>
               <a:latin typeface="Courier New" panose="02070309020205020404" pitchFamily="49" charset="0"/>
               <a:cs typeface="Courier New" panose="02070309020205020404" pitchFamily="49" charset="0"/>
             </a:endParaRPr>
@@ -7815,10 +11338,14 @@
           <a:lstStyle/>
           <a:p>
             <a:r>
-              <a:rPr lang="zh-TW" altLang="en-US" dirty="0"/>
-              <a:t>用法</a:t>
-            </a:r>
-            <a:endParaRPr lang="en-US" dirty="0"/>
+              <a:rPr lang="zh-TW" altLang="en-US" dirty="0">
+                <a:effectLst/>
+              </a:rPr>
+              <a:t>稍好的用法</a:t>
+            </a:r>
+            <a:endParaRPr lang="en-US" dirty="0">
+              <a:effectLst/>
+            </a:endParaRPr>
           </a:p>
         </p:txBody>
       </p:sp>
@@ -7853,7 +11380,9 @@
             <a:pPr algn="l"/>
             <a:r>
               <a:rPr lang="en-US" sz="1800" dirty="0">
-                <a:latin typeface="Consolas" panose="020B0609020204030204" pitchFamily="49" charset="0"/>
+                <a:effectLst/>
+                <a:latin typeface="Courier New" panose="02070309020205020404" pitchFamily="49" charset="0"/>
+                <a:cs typeface="Courier New" panose="02070309020205020404" pitchFamily="49" charset="0"/>
               </a:rPr>
               <a:t>auto </a:t>
             </a:r>
@@ -7862,7 +11391,9 @@
                 <a:solidFill>
                   <a:srgbClr val="00B0F0"/>
                 </a:solidFill>
-                <a:latin typeface="Consolas" panose="020B0609020204030204" pitchFamily="49" charset="0"/>
+                <a:effectLst/>
+                <a:latin typeface="Courier New" panose="02070309020205020404" pitchFamily="49" charset="0"/>
+                <a:cs typeface="Courier New" panose="02070309020205020404" pitchFamily="49" charset="0"/>
               </a:rPr>
               <a:t>sptr</a:t>
             </a:r>
@@ -7871,7 +11402,9 @@
                 <a:solidFill>
                   <a:srgbClr val="00B0F0"/>
                 </a:solidFill>
-                <a:latin typeface="Consolas" panose="020B0609020204030204" pitchFamily="49" charset="0"/>
+                <a:effectLst/>
+                <a:latin typeface="Courier New" panose="02070309020205020404" pitchFamily="49" charset="0"/>
+                <a:cs typeface="Courier New" panose="02070309020205020404" pitchFamily="49" charset="0"/>
               </a:rPr>
               <a:t> = </a:t>
             </a:r>
@@ -7880,36 +11413,48 @@
                 <a:solidFill>
                   <a:srgbClr val="00B0F0"/>
                 </a:solidFill>
-                <a:latin typeface="Consolas" panose="020B0609020204030204" pitchFamily="49" charset="0"/>
+                <a:effectLst/>
+                <a:latin typeface="Courier New" panose="02070309020205020404" pitchFamily="49" charset="0"/>
+                <a:cs typeface="Courier New" panose="02070309020205020404" pitchFamily="49" charset="0"/>
               </a:rPr>
               <a:t>m_shared_ptr</a:t>
             </a:r>
             <a:r>
               <a:rPr lang="en-US" sz="1800" dirty="0">
-                <a:latin typeface="Consolas" panose="020B0609020204030204" pitchFamily="49" charset="0"/>
+                <a:effectLst/>
+                <a:latin typeface="Courier New" panose="02070309020205020404" pitchFamily="49" charset="0"/>
+                <a:cs typeface="Courier New" panose="02070309020205020404" pitchFamily="49" charset="0"/>
               </a:rPr>
               <a:t>; // </a:t>
             </a:r>
             <a:r>
               <a:rPr lang="en-US" sz="1800" dirty="0" err="1">
-                <a:latin typeface="Consolas" panose="020B0609020204030204" pitchFamily="49" charset="0"/>
+                <a:effectLst/>
+                <a:latin typeface="Courier New" panose="02070309020205020404" pitchFamily="49" charset="0"/>
+                <a:cs typeface="Courier New" panose="02070309020205020404" pitchFamily="49" charset="0"/>
               </a:rPr>
               <a:t>sptr</a:t>
             </a:r>
             <a:r>
               <a:rPr lang="en-US" sz="1800" dirty="0">
-                <a:latin typeface="Consolas" panose="020B0609020204030204" pitchFamily="49" charset="0"/>
+                <a:effectLst/>
+                <a:latin typeface="Courier New" panose="02070309020205020404" pitchFamily="49" charset="0"/>
+                <a:cs typeface="Courier New" panose="02070309020205020404" pitchFamily="49" charset="0"/>
               </a:rPr>
               <a:t> responsible for dispatch to diff threads</a:t>
             </a:r>
             <a:br>
               <a:rPr lang="en-US" sz="1800" dirty="0">
-                <a:latin typeface="Consolas" panose="020B0609020204030204" pitchFamily="49" charset="0"/>
+                <a:effectLst/>
+                <a:latin typeface="Courier New" panose="02070309020205020404" pitchFamily="49" charset="0"/>
+                <a:cs typeface="Courier New" panose="02070309020205020404" pitchFamily="49" charset="0"/>
               </a:rPr>
             </a:br>
             <a:r>
               <a:rPr lang="en-US" sz="1800" dirty="0">
-                <a:latin typeface="Consolas" panose="020B0609020204030204" pitchFamily="49" charset="0"/>
+                <a:effectLst/>
+                <a:latin typeface="Courier New" panose="02070309020205020404" pitchFamily="49" charset="0"/>
+                <a:cs typeface="Courier New" panose="02070309020205020404" pitchFamily="49" charset="0"/>
               </a:rPr>
               <a:t>std::vector&lt;std::thread&gt; threads;</a:t>
             </a:r>
@@ -7917,14 +11462,18 @@
           <a:p>
             <a:pPr algn="l"/>
             <a:endParaRPr lang="en-US" sz="1800" dirty="0">
-              <a:latin typeface="Consolas" panose="020B0609020204030204" pitchFamily="49" charset="0"/>
+              <a:effectLst/>
+              <a:latin typeface="Courier New" panose="02070309020205020404" pitchFamily="49" charset="0"/>
+              <a:cs typeface="Courier New" panose="02070309020205020404" pitchFamily="49" charset="0"/>
             </a:endParaRPr>
           </a:p>
           <a:p>
             <a:pPr algn="l"/>
             <a:r>
               <a:rPr lang="nn-NO" sz="1800" dirty="0">
-                <a:latin typeface="Consolas" panose="020B0609020204030204" pitchFamily="49" charset="0"/>
+                <a:effectLst/>
+                <a:latin typeface="Courier New" panose="02070309020205020404" pitchFamily="49" charset="0"/>
+                <a:cs typeface="Courier New" panose="02070309020205020404" pitchFamily="49" charset="0"/>
               </a:rPr>
               <a:t>for (int i = 0; i &lt; 4; ++i)</a:t>
             </a:r>
@@ -7933,7 +11482,9 @@
             <a:pPr algn="l"/>
             <a:r>
               <a:rPr lang="en-US" sz="1800" dirty="0">
-                <a:latin typeface="Consolas" panose="020B0609020204030204" pitchFamily="49" charset="0"/>
+                <a:effectLst/>
+                <a:latin typeface="Courier New" panose="02070309020205020404" pitchFamily="49" charset="0"/>
+                <a:cs typeface="Courier New" panose="02070309020205020404" pitchFamily="49" charset="0"/>
               </a:rPr>
               <a:t>{</a:t>
             </a:r>
@@ -7942,34 +11493,44 @@
             <a:pPr algn="l"/>
             <a:r>
               <a:rPr lang="en-US" sz="1800" dirty="0">
-                <a:latin typeface="Consolas" panose="020B0609020204030204" pitchFamily="49" charset="0"/>
+                <a:effectLst/>
+                <a:latin typeface="Courier New" panose="02070309020205020404" pitchFamily="49" charset="0"/>
+                <a:cs typeface="Courier New" panose="02070309020205020404" pitchFamily="49" charset="0"/>
               </a:rPr>
               <a:t>    </a:t>
             </a:r>
             <a:r>
               <a:rPr lang="en-US" sz="1800" dirty="0" err="1">
-                <a:latin typeface="Consolas" panose="020B0609020204030204" pitchFamily="49" charset="0"/>
+                <a:effectLst/>
+                <a:latin typeface="Courier New" panose="02070309020205020404" pitchFamily="49" charset="0"/>
+                <a:cs typeface="Courier New" panose="02070309020205020404" pitchFamily="49" charset="0"/>
               </a:rPr>
               <a:t>threads.push_back</a:t>
             </a:r>
             <a:r>
               <a:rPr lang="en-US" sz="1800" dirty="0">
-                <a:latin typeface="Consolas" panose="020B0609020204030204" pitchFamily="49" charset="0"/>
+                <a:effectLst/>
+                <a:latin typeface="Courier New" panose="02070309020205020404" pitchFamily="49" charset="0"/>
+                <a:cs typeface="Courier New" panose="02070309020205020404" pitchFamily="49" charset="0"/>
               </a:rPr>
               <a:t>(std::thread([</a:t>
             </a:r>
             <a:r>
-              <a:rPr lang="en-US" sz="1800" dirty="0" err="1">
+              <a:rPr lang="en-US" sz="1800" b="1" dirty="0" err="1">
                 <a:solidFill>
                   <a:srgbClr val="00B0F0"/>
                 </a:solidFill>
-                <a:latin typeface="Consolas" panose="020B0609020204030204" pitchFamily="49" charset="0"/>
+                <a:effectLst/>
+                <a:latin typeface="Courier New" panose="02070309020205020404" pitchFamily="49" charset="0"/>
+                <a:cs typeface="Courier New" panose="02070309020205020404" pitchFamily="49" charset="0"/>
               </a:rPr>
               <a:t>sptr</a:t>
             </a:r>
             <a:r>
               <a:rPr lang="en-US" sz="1800" dirty="0">
-                <a:latin typeface="Consolas" panose="020B0609020204030204" pitchFamily="49" charset="0"/>
+                <a:effectLst/>
+                <a:latin typeface="Courier New" panose="02070309020205020404" pitchFamily="49" charset="0"/>
+                <a:cs typeface="Courier New" panose="02070309020205020404" pitchFamily="49" charset="0"/>
               </a:rPr>
               <a:t>]() // copied to 4 threads</a:t>
             </a:r>
@@ -7978,7 +11539,9 @@
             <a:pPr algn="l"/>
             <a:r>
               <a:rPr lang="en-US" sz="1800" dirty="0">
-                <a:latin typeface="Consolas" panose="020B0609020204030204" pitchFamily="49" charset="0"/>
+                <a:effectLst/>
+                <a:latin typeface="Courier New" panose="02070309020205020404" pitchFamily="49" charset="0"/>
+                <a:cs typeface="Courier New" panose="02070309020205020404" pitchFamily="49" charset="0"/>
               </a:rPr>
               <a:t>        {</a:t>
             </a:r>
@@ -7987,19 +11550,25 @@
             <a:pPr algn="l"/>
             <a:r>
               <a:rPr lang="en-US" sz="1800" dirty="0">
-                <a:latin typeface="Consolas" panose="020B0609020204030204" pitchFamily="49" charset="0"/>
+                <a:effectLst/>
+                <a:latin typeface="Courier New" panose="02070309020205020404" pitchFamily="49" charset="0"/>
+                <a:cs typeface="Courier New" panose="02070309020205020404" pitchFamily="49" charset="0"/>
               </a:rPr>
               <a:t>            f(*</a:t>
             </a:r>
             <a:r>
               <a:rPr lang="en-US" sz="1800" dirty="0" err="1">
-                <a:latin typeface="Consolas" panose="020B0609020204030204" pitchFamily="49" charset="0"/>
+                <a:effectLst/>
+                <a:latin typeface="Courier New" panose="02070309020205020404" pitchFamily="49" charset="0"/>
+                <a:cs typeface="Courier New" panose="02070309020205020404" pitchFamily="49" charset="0"/>
               </a:rPr>
               <a:t>sptr.get</a:t>
             </a:r>
             <a:r>
               <a:rPr lang="en-US" sz="1800" dirty="0">
-                <a:latin typeface="Consolas" panose="020B0609020204030204" pitchFamily="49" charset="0"/>
+                <a:effectLst/>
+                <a:latin typeface="Courier New" panose="02070309020205020404" pitchFamily="49" charset="0"/>
+                <a:cs typeface="Courier New" panose="02070309020205020404" pitchFamily="49" charset="0"/>
               </a:rPr>
               <a:t>());</a:t>
             </a:r>
@@ -8008,7 +11577,9 @@
             <a:pPr algn="l"/>
             <a:r>
               <a:rPr lang="en-US" sz="1800" dirty="0">
-                <a:latin typeface="Consolas" panose="020B0609020204030204" pitchFamily="49" charset="0"/>
+                <a:effectLst/>
+                <a:latin typeface="Courier New" panose="02070309020205020404" pitchFamily="49" charset="0"/>
+                <a:cs typeface="Courier New" panose="02070309020205020404" pitchFamily="49" charset="0"/>
               </a:rPr>
               <a:t>        }));</a:t>
             </a:r>
@@ -8017,7 +11588,9 @@
             <a:pPr algn="l"/>
             <a:r>
               <a:rPr lang="en-US" sz="1800" dirty="0">
-                <a:latin typeface="Consolas" panose="020B0609020204030204" pitchFamily="49" charset="0"/>
+                <a:effectLst/>
+                <a:latin typeface="Courier New" panose="02070309020205020404" pitchFamily="49" charset="0"/>
+                <a:cs typeface="Courier New" panose="02070309020205020404" pitchFamily="49" charset="0"/>
               </a:rPr>
               <a:t>}</a:t>
             </a:r>
@@ -8025,14 +11598,18 @@
           <a:p>
             <a:pPr algn="l"/>
             <a:endParaRPr lang="en-US" sz="1800" dirty="0">
-              <a:latin typeface="Consolas" panose="020B0609020204030204" pitchFamily="49" charset="0"/>
+              <a:effectLst/>
+              <a:latin typeface="Courier New" panose="02070309020205020404" pitchFamily="49" charset="0"/>
+              <a:cs typeface="Courier New" panose="02070309020205020404" pitchFamily="49" charset="0"/>
             </a:endParaRPr>
           </a:p>
           <a:p>
             <a:pPr algn="l"/>
             <a:r>
               <a:rPr lang="nn-NO" sz="1800" dirty="0">
-                <a:latin typeface="Consolas" panose="020B0609020204030204" pitchFamily="49" charset="0"/>
+                <a:effectLst/>
+                <a:latin typeface="Courier New" panose="02070309020205020404" pitchFamily="49" charset="0"/>
+                <a:cs typeface="Courier New" panose="02070309020205020404" pitchFamily="49" charset="0"/>
               </a:rPr>
               <a:t>for (int i = 0; i &lt; 4; ++i)</a:t>
             </a:r>
@@ -8041,7 +11618,9 @@
             <a:pPr algn="l"/>
             <a:r>
               <a:rPr lang="en-US" sz="1800" dirty="0">
-                <a:latin typeface="Consolas" panose="020B0609020204030204" pitchFamily="49" charset="0"/>
+                <a:effectLst/>
+                <a:latin typeface="Courier New" panose="02070309020205020404" pitchFamily="49" charset="0"/>
+                <a:cs typeface="Courier New" panose="02070309020205020404" pitchFamily="49" charset="0"/>
               </a:rPr>
               <a:t>{</a:t>
             </a:r>
@@ -8050,19 +11629,25 @@
             <a:pPr algn="l"/>
             <a:r>
               <a:rPr lang="en-US" sz="1800" dirty="0">
-                <a:latin typeface="Consolas" panose="020B0609020204030204" pitchFamily="49" charset="0"/>
+                <a:effectLst/>
+                <a:latin typeface="Courier New" panose="02070309020205020404" pitchFamily="49" charset="0"/>
+                <a:cs typeface="Courier New" panose="02070309020205020404" pitchFamily="49" charset="0"/>
               </a:rPr>
               <a:t>    threads[</a:t>
             </a:r>
             <a:r>
               <a:rPr lang="en-US" sz="1800" dirty="0" err="1">
-                <a:latin typeface="Consolas" panose="020B0609020204030204" pitchFamily="49" charset="0"/>
+                <a:effectLst/>
+                <a:latin typeface="Courier New" panose="02070309020205020404" pitchFamily="49" charset="0"/>
+                <a:cs typeface="Courier New" panose="02070309020205020404" pitchFamily="49" charset="0"/>
               </a:rPr>
               <a:t>i</a:t>
             </a:r>
             <a:r>
               <a:rPr lang="en-US" sz="1800" dirty="0">
-                <a:latin typeface="Consolas" panose="020B0609020204030204" pitchFamily="49" charset="0"/>
+                <a:effectLst/>
+                <a:latin typeface="Courier New" panose="02070309020205020404" pitchFamily="49" charset="0"/>
+                <a:cs typeface="Courier New" panose="02070309020205020404" pitchFamily="49" charset="0"/>
               </a:rPr>
               <a:t>].join();</a:t>
             </a:r>
@@ -8071,11 +11656,14 @@
             <a:pPr algn="l"/>
             <a:r>
               <a:rPr lang="en-US" sz="1800" dirty="0">
-                <a:latin typeface="Consolas" panose="020B0609020204030204" pitchFamily="49" charset="0"/>
+                <a:effectLst/>
+                <a:latin typeface="Courier New" panose="02070309020205020404" pitchFamily="49" charset="0"/>
+                <a:cs typeface="Courier New" panose="02070309020205020404" pitchFamily="49" charset="0"/>
               </a:rPr>
               <a:t>}</a:t>
             </a:r>
             <a:endParaRPr lang="en-US" altLang="zh-TW" dirty="0">
+              <a:effectLst/>
               <a:latin typeface="Courier New" panose="02070309020205020404" pitchFamily="49" charset="0"/>
               <a:cs typeface="Courier New" panose="02070309020205020404" pitchFamily="49" charset="0"/>
             </a:endParaRPr>
@@ -8086,6 +11674,4659 @@
     <p:extLst>
       <p:ext uri="{BB962C8B-B14F-4D97-AF65-F5344CB8AC3E}">
         <p14:creationId xmlns:p14="http://schemas.microsoft.com/office/powerpoint/2010/main" val="4012152636"/>
+      </p:ext>
+    </p:extLst>
+  </p:cSld>
+  <p:clrMapOvr>
+    <a:masterClrMapping/>
+  </p:clrMapOvr>
+</p:sld>
+</file>
+
+<file path=ppt/slides/slide5.xml><?xml version="1.0" encoding="utf-8"?>
+<p:sld xmlns:a="http://schemas.openxmlformats.org/drawingml/2006/main" xmlns:r="http://schemas.openxmlformats.org/officeDocument/2006/relationships" xmlns:p="http://schemas.openxmlformats.org/presentationml/2006/main">
+  <p:cSld>
+    <p:spTree>
+      <p:nvGrpSpPr>
+        <p:cNvPr id="1" name=""/>
+        <p:cNvGrpSpPr/>
+        <p:nvPr/>
+      </p:nvGrpSpPr>
+      <p:grpSpPr>
+        <a:xfrm>
+          <a:off x="0" y="0"/>
+          <a:ext cx="0" cy="0"/>
+          <a:chOff x="0" y="0"/>
+          <a:chExt cx="0" cy="0"/>
+        </a:xfrm>
+      </p:grpSpPr>
+      <p:sp>
+        <p:nvSpPr>
+          <p:cNvPr id="2" name="Title 1">
+            <a:extLst>
+              <a:ext uri="{FF2B5EF4-FFF2-40B4-BE49-F238E27FC236}">
+                <a16:creationId xmlns:a16="http://schemas.microsoft.com/office/drawing/2014/main" id="{67B987A3-AE05-4DD4-B92A-5BB153BF5168}"/>
+              </a:ext>
+            </a:extLst>
+          </p:cNvPr>
+          <p:cNvSpPr>
+            <a:spLocks noGrp="1"/>
+          </p:cNvSpPr>
+          <p:nvPr>
+            <p:ph type="ctrTitle"/>
+          </p:nvPr>
+        </p:nvSpPr>
+        <p:spPr>
+          <a:xfrm>
+            <a:off x="1370693" y="236954"/>
+            <a:ext cx="9440034" cy="806235"/>
+          </a:xfrm>
+        </p:spPr>
+        <p:txBody>
+          <a:bodyPr>
+            <a:normAutofit fontScale="90000"/>
+          </a:bodyPr>
+          <a:lstStyle/>
+          <a:p>
+            <a:r>
+              <a:rPr lang="zh-TW" altLang="en-US" b="1" dirty="0">
+                <a:solidFill>
+                  <a:srgbClr val="FF0000"/>
+                </a:solidFill>
+                <a:effectLst/>
+              </a:rPr>
+              <a:t>不好的用法</a:t>
+            </a:r>
+            <a:endParaRPr lang="en-US" b="1" dirty="0">
+              <a:solidFill>
+                <a:srgbClr val="FF0000"/>
+              </a:solidFill>
+              <a:effectLst/>
+            </a:endParaRPr>
+          </a:p>
+        </p:txBody>
+      </p:sp>
+      <p:sp>
+        <p:nvSpPr>
+          <p:cNvPr id="3" name="Subtitle 2">
+            <a:extLst>
+              <a:ext uri="{FF2B5EF4-FFF2-40B4-BE49-F238E27FC236}">
+                <a16:creationId xmlns:a16="http://schemas.microsoft.com/office/drawing/2014/main" id="{2F840F1F-E23F-4334-943C-3F1A7A2E80AA}"/>
+              </a:ext>
+            </a:extLst>
+          </p:cNvPr>
+          <p:cNvSpPr>
+            <a:spLocks noGrp="1"/>
+          </p:cNvSpPr>
+          <p:nvPr>
+            <p:ph type="subTitle" idx="1"/>
+          </p:nvPr>
+        </p:nvSpPr>
+        <p:spPr>
+          <a:xfrm>
+            <a:off x="520228" y="1043189"/>
+            <a:ext cx="11140964" cy="5412695"/>
+          </a:xfrm>
+        </p:spPr>
+        <p:txBody>
+          <a:bodyPr>
+            <a:normAutofit/>
+          </a:bodyPr>
+          <a:lstStyle/>
+          <a:p>
+            <a:pPr algn="l"/>
+            <a:r>
+              <a:rPr lang="en-US" sz="1700" dirty="0">
+                <a:effectLst/>
+                <a:latin typeface="Courier New" panose="02070309020205020404" pitchFamily="49" charset="0"/>
+                <a:cs typeface="Courier New" panose="02070309020205020404" pitchFamily="49" charset="0"/>
+              </a:rPr>
+              <a:t>std::vector&lt;std::thread&gt; threads;</a:t>
+            </a:r>
+          </a:p>
+          <a:p>
+            <a:pPr algn="l"/>
+            <a:endParaRPr lang="en-US" sz="1700" dirty="0">
+              <a:effectLst/>
+              <a:latin typeface="Courier New" panose="02070309020205020404" pitchFamily="49" charset="0"/>
+              <a:cs typeface="Courier New" panose="02070309020205020404" pitchFamily="49" charset="0"/>
+            </a:endParaRPr>
+          </a:p>
+          <a:p>
+            <a:pPr algn="l"/>
+            <a:r>
+              <a:rPr lang="nn-NO" sz="1700" dirty="0">
+                <a:effectLst/>
+                <a:latin typeface="Courier New" panose="02070309020205020404" pitchFamily="49" charset="0"/>
+                <a:cs typeface="Courier New" panose="02070309020205020404" pitchFamily="49" charset="0"/>
+              </a:rPr>
+              <a:t>for (int i = 0; i &lt; 4; ++i)</a:t>
+            </a:r>
+          </a:p>
+          <a:p>
+            <a:pPr algn="l"/>
+            <a:r>
+              <a:rPr lang="en-US" sz="1700" dirty="0">
+                <a:effectLst/>
+                <a:latin typeface="Courier New" panose="02070309020205020404" pitchFamily="49" charset="0"/>
+                <a:cs typeface="Courier New" panose="02070309020205020404" pitchFamily="49" charset="0"/>
+              </a:rPr>
+              <a:t>{</a:t>
+            </a:r>
+          </a:p>
+          <a:p>
+            <a:pPr algn="l"/>
+            <a:r>
+              <a:rPr lang="en-US" sz="1700" dirty="0">
+                <a:effectLst/>
+                <a:latin typeface="Courier New" panose="02070309020205020404" pitchFamily="49" charset="0"/>
+                <a:cs typeface="Courier New" panose="02070309020205020404" pitchFamily="49" charset="0"/>
+              </a:rPr>
+              <a:t>    </a:t>
+            </a:r>
+            <a:r>
+              <a:rPr lang="en-US" sz="1700" dirty="0" err="1">
+                <a:effectLst/>
+                <a:latin typeface="Courier New" panose="02070309020205020404" pitchFamily="49" charset="0"/>
+                <a:cs typeface="Courier New" panose="02070309020205020404" pitchFamily="49" charset="0"/>
+              </a:rPr>
+              <a:t>threads.push_back</a:t>
+            </a:r>
+            <a:r>
+              <a:rPr lang="en-US" sz="1700" dirty="0">
+                <a:effectLst/>
+                <a:latin typeface="Courier New" panose="02070309020205020404" pitchFamily="49" charset="0"/>
+                <a:cs typeface="Courier New" panose="02070309020205020404" pitchFamily="49" charset="0"/>
+              </a:rPr>
+              <a:t>(std::thread([</a:t>
+            </a:r>
+            <a:r>
+              <a:rPr lang="en-US" sz="1700" b="1" dirty="0" err="1">
+                <a:solidFill>
+                  <a:srgbClr val="FF0000"/>
+                </a:solidFill>
+                <a:latin typeface="Courier New" panose="02070309020205020404" pitchFamily="49" charset="0"/>
+                <a:cs typeface="Courier New" panose="02070309020205020404" pitchFamily="49" charset="0"/>
+              </a:rPr>
+              <a:t>m_shared_ptr</a:t>
+            </a:r>
+            <a:r>
+              <a:rPr lang="en-US" sz="1700" dirty="0">
+                <a:effectLst/>
+                <a:latin typeface="Courier New" panose="02070309020205020404" pitchFamily="49" charset="0"/>
+                <a:cs typeface="Courier New" panose="02070309020205020404" pitchFamily="49" charset="0"/>
+              </a:rPr>
+              <a:t>]() // copied to 4 threads</a:t>
+            </a:r>
+          </a:p>
+          <a:p>
+            <a:pPr algn="l"/>
+            <a:r>
+              <a:rPr lang="en-US" sz="1700" dirty="0">
+                <a:effectLst/>
+                <a:latin typeface="Courier New" panose="02070309020205020404" pitchFamily="49" charset="0"/>
+                <a:cs typeface="Courier New" panose="02070309020205020404" pitchFamily="49" charset="0"/>
+              </a:rPr>
+              <a:t>        {</a:t>
+            </a:r>
+          </a:p>
+          <a:p>
+            <a:pPr algn="l"/>
+            <a:r>
+              <a:rPr lang="en-US" sz="1700" dirty="0">
+                <a:effectLst/>
+                <a:latin typeface="Courier New" panose="02070309020205020404" pitchFamily="49" charset="0"/>
+                <a:cs typeface="Courier New" panose="02070309020205020404" pitchFamily="49" charset="0"/>
+              </a:rPr>
+              <a:t>            f(*</a:t>
+            </a:r>
+            <a:r>
+              <a:rPr lang="en-US" sz="1700" b="1" dirty="0" err="1">
+                <a:solidFill>
+                  <a:srgbClr val="FF0000"/>
+                </a:solidFill>
+                <a:latin typeface="Courier New" panose="02070309020205020404" pitchFamily="49" charset="0"/>
+                <a:cs typeface="Courier New" panose="02070309020205020404" pitchFamily="49" charset="0"/>
+              </a:rPr>
+              <a:t>m_shared_ptr</a:t>
+            </a:r>
+            <a:r>
+              <a:rPr lang="en-US" sz="1700" dirty="0" err="1">
+                <a:effectLst/>
+                <a:latin typeface="Courier New" panose="02070309020205020404" pitchFamily="49" charset="0"/>
+                <a:cs typeface="Courier New" panose="02070309020205020404" pitchFamily="49" charset="0"/>
+              </a:rPr>
+              <a:t>.get</a:t>
+            </a:r>
+            <a:r>
+              <a:rPr lang="en-US" sz="1700" dirty="0">
+                <a:effectLst/>
+                <a:latin typeface="Courier New" panose="02070309020205020404" pitchFamily="49" charset="0"/>
+                <a:cs typeface="Courier New" panose="02070309020205020404" pitchFamily="49" charset="0"/>
+              </a:rPr>
+              <a:t>());</a:t>
+            </a:r>
+          </a:p>
+          <a:p>
+            <a:pPr algn="l"/>
+            <a:r>
+              <a:rPr lang="en-US" sz="1700" dirty="0">
+                <a:effectLst/>
+                <a:latin typeface="Courier New" panose="02070309020205020404" pitchFamily="49" charset="0"/>
+                <a:cs typeface="Courier New" panose="02070309020205020404" pitchFamily="49" charset="0"/>
+              </a:rPr>
+              <a:t>        }));</a:t>
+            </a:r>
+          </a:p>
+          <a:p>
+            <a:pPr algn="l"/>
+            <a:r>
+              <a:rPr lang="en-US" sz="1700" dirty="0">
+                <a:effectLst/>
+                <a:latin typeface="Courier New" panose="02070309020205020404" pitchFamily="49" charset="0"/>
+                <a:cs typeface="Courier New" panose="02070309020205020404" pitchFamily="49" charset="0"/>
+              </a:rPr>
+              <a:t>}</a:t>
+            </a:r>
+          </a:p>
+          <a:p>
+            <a:pPr algn="l"/>
+            <a:endParaRPr lang="en-US" sz="1700" dirty="0">
+              <a:effectLst/>
+              <a:latin typeface="Courier New" panose="02070309020205020404" pitchFamily="49" charset="0"/>
+              <a:cs typeface="Courier New" panose="02070309020205020404" pitchFamily="49" charset="0"/>
+            </a:endParaRPr>
+          </a:p>
+          <a:p>
+            <a:pPr algn="l"/>
+            <a:r>
+              <a:rPr lang="nn-NO" sz="1700" dirty="0">
+                <a:effectLst/>
+                <a:latin typeface="Courier New" panose="02070309020205020404" pitchFamily="49" charset="0"/>
+                <a:cs typeface="Courier New" panose="02070309020205020404" pitchFamily="49" charset="0"/>
+              </a:rPr>
+              <a:t>for (int i = 0; i &lt; 4; ++i)</a:t>
+            </a:r>
+          </a:p>
+          <a:p>
+            <a:pPr algn="l"/>
+            <a:r>
+              <a:rPr lang="en-US" sz="1700" dirty="0">
+                <a:effectLst/>
+                <a:latin typeface="Courier New" panose="02070309020205020404" pitchFamily="49" charset="0"/>
+                <a:cs typeface="Courier New" panose="02070309020205020404" pitchFamily="49" charset="0"/>
+              </a:rPr>
+              <a:t>{</a:t>
+            </a:r>
+          </a:p>
+          <a:p>
+            <a:pPr algn="l"/>
+            <a:r>
+              <a:rPr lang="en-US" sz="1700" dirty="0">
+                <a:effectLst/>
+                <a:latin typeface="Courier New" panose="02070309020205020404" pitchFamily="49" charset="0"/>
+                <a:cs typeface="Courier New" panose="02070309020205020404" pitchFamily="49" charset="0"/>
+              </a:rPr>
+              <a:t>    threads[</a:t>
+            </a:r>
+            <a:r>
+              <a:rPr lang="en-US" sz="1700" dirty="0" err="1">
+                <a:effectLst/>
+                <a:latin typeface="Courier New" panose="02070309020205020404" pitchFamily="49" charset="0"/>
+                <a:cs typeface="Courier New" panose="02070309020205020404" pitchFamily="49" charset="0"/>
+              </a:rPr>
+              <a:t>i</a:t>
+            </a:r>
+            <a:r>
+              <a:rPr lang="en-US" sz="1700" dirty="0">
+                <a:effectLst/>
+                <a:latin typeface="Courier New" panose="02070309020205020404" pitchFamily="49" charset="0"/>
+                <a:cs typeface="Courier New" panose="02070309020205020404" pitchFamily="49" charset="0"/>
+              </a:rPr>
+              <a:t>].join();</a:t>
+            </a:r>
+          </a:p>
+          <a:p>
+            <a:pPr algn="l"/>
+            <a:r>
+              <a:rPr lang="en-US" sz="1700" dirty="0">
+                <a:effectLst/>
+                <a:latin typeface="Courier New" panose="02070309020205020404" pitchFamily="49" charset="0"/>
+                <a:cs typeface="Courier New" panose="02070309020205020404" pitchFamily="49" charset="0"/>
+              </a:rPr>
+              <a:t>}</a:t>
+            </a:r>
+            <a:endParaRPr lang="en-US" altLang="zh-TW" sz="1700" dirty="0">
+              <a:effectLst/>
+              <a:latin typeface="Courier New" panose="02070309020205020404" pitchFamily="49" charset="0"/>
+              <a:cs typeface="Courier New" panose="02070309020205020404" pitchFamily="49" charset="0"/>
+            </a:endParaRPr>
+          </a:p>
+        </p:txBody>
+      </p:sp>
+    </p:spTree>
+    <p:extLst>
+      <p:ext uri="{BB962C8B-B14F-4D97-AF65-F5344CB8AC3E}">
+        <p14:creationId xmlns:p14="http://schemas.microsoft.com/office/powerpoint/2010/main" val="3001013357"/>
+      </p:ext>
+    </p:extLst>
+  </p:cSld>
+  <p:clrMapOvr>
+    <a:masterClrMapping/>
+  </p:clrMapOvr>
+</p:sld>
+</file>
+
+<file path=ppt/slides/slide6.xml><?xml version="1.0" encoding="utf-8"?>
+<p:sld xmlns:a="http://schemas.openxmlformats.org/drawingml/2006/main" xmlns:r="http://schemas.openxmlformats.org/officeDocument/2006/relationships" xmlns:p="http://schemas.openxmlformats.org/presentationml/2006/main">
+  <p:cSld>
+    <p:spTree>
+      <p:nvGrpSpPr>
+        <p:cNvPr id="1" name=""/>
+        <p:cNvGrpSpPr/>
+        <p:nvPr/>
+      </p:nvGrpSpPr>
+      <p:grpSpPr>
+        <a:xfrm>
+          <a:off x="0" y="0"/>
+          <a:ext cx="0" cy="0"/>
+          <a:chOff x="0" y="0"/>
+          <a:chExt cx="0" cy="0"/>
+        </a:xfrm>
+      </p:grpSpPr>
+      <p:sp>
+        <p:nvSpPr>
+          <p:cNvPr id="2" name="Title 1">
+            <a:extLst>
+              <a:ext uri="{FF2B5EF4-FFF2-40B4-BE49-F238E27FC236}">
+                <a16:creationId xmlns:a16="http://schemas.microsoft.com/office/drawing/2014/main" id="{67B987A3-AE05-4DD4-B92A-5BB153BF5168}"/>
+              </a:ext>
+            </a:extLst>
+          </p:cNvPr>
+          <p:cNvSpPr>
+            <a:spLocks noGrp="1"/>
+          </p:cNvSpPr>
+          <p:nvPr>
+            <p:ph type="ctrTitle"/>
+          </p:nvPr>
+        </p:nvSpPr>
+        <p:spPr>
+          <a:xfrm>
+            <a:off x="1370693" y="236954"/>
+            <a:ext cx="9440034" cy="806235"/>
+          </a:xfrm>
+        </p:spPr>
+        <p:txBody>
+          <a:bodyPr>
+            <a:normAutofit fontScale="90000"/>
+          </a:bodyPr>
+          <a:lstStyle/>
+          <a:p>
+            <a:r>
+              <a:rPr lang="zh-TW" altLang="en-US" dirty="0">
+                <a:solidFill>
+                  <a:schemeClr val="tx1"/>
+                </a:solidFill>
+                <a:effectLst/>
+              </a:rPr>
+              <a:t>再進一步</a:t>
+            </a:r>
+            <a:endParaRPr lang="en-US" dirty="0">
+              <a:effectLst/>
+            </a:endParaRPr>
+          </a:p>
+        </p:txBody>
+      </p:sp>
+      <p:sp>
+        <p:nvSpPr>
+          <p:cNvPr id="3" name="Subtitle 2">
+            <a:extLst>
+              <a:ext uri="{FF2B5EF4-FFF2-40B4-BE49-F238E27FC236}">
+                <a16:creationId xmlns:a16="http://schemas.microsoft.com/office/drawing/2014/main" id="{2F840F1F-E23F-4334-943C-3F1A7A2E80AA}"/>
+              </a:ext>
+            </a:extLst>
+          </p:cNvPr>
+          <p:cNvSpPr>
+            <a:spLocks noGrp="1"/>
+          </p:cNvSpPr>
+          <p:nvPr>
+            <p:ph type="subTitle" idx="1"/>
+          </p:nvPr>
+        </p:nvSpPr>
+        <p:spPr>
+          <a:xfrm>
+            <a:off x="520228" y="1043189"/>
+            <a:ext cx="11140964" cy="5412695"/>
+          </a:xfrm>
+        </p:spPr>
+        <p:txBody>
+          <a:bodyPr>
+            <a:normAutofit/>
+          </a:bodyPr>
+          <a:lstStyle/>
+          <a:p>
+            <a:pPr marL="342900" indent="-342900" algn="l">
+              <a:spcBef>
+                <a:spcPts val="0"/>
+              </a:spcBef>
+              <a:spcAft>
+                <a:spcPts val="300"/>
+              </a:spcAft>
+              <a:buFont typeface="Arial" panose="020B0604020202020204" pitchFamily="34" charset="0"/>
+              <a:buChar char="•"/>
+            </a:pPr>
+            <a:r>
+              <a:rPr lang="en-US" altLang="zh-TW" dirty="0" err="1">
+                <a:effectLst/>
+                <a:latin typeface="Courier New" panose="02070309020205020404" pitchFamily="49" charset="0"/>
+                <a:cs typeface="Courier New" panose="02070309020205020404" pitchFamily="49" charset="0"/>
+              </a:rPr>
+              <a:t>m_shared_ptr</a:t>
+            </a:r>
+            <a:r>
+              <a:rPr lang="zh-TW" altLang="en-US" dirty="0">
+                <a:effectLst/>
+                <a:latin typeface="Courier New" panose="02070309020205020404" pitchFamily="49" charset="0"/>
+                <a:cs typeface="Courier New" panose="02070309020205020404" pitchFamily="49" charset="0"/>
+              </a:rPr>
+              <a:t>有可能被修改</a:t>
+            </a:r>
+            <a:r>
+              <a:rPr lang="en-US" altLang="zh-TW" dirty="0">
+                <a:effectLst/>
+                <a:latin typeface="Courier New" panose="02070309020205020404" pitchFamily="49" charset="0"/>
+                <a:cs typeface="Courier New" panose="02070309020205020404" pitchFamily="49" charset="0"/>
+              </a:rPr>
+              <a:t>(write)</a:t>
+            </a:r>
+            <a:r>
+              <a:rPr lang="zh-TW" altLang="en-US" dirty="0">
+                <a:effectLst/>
+                <a:latin typeface="Courier New" panose="02070309020205020404" pitchFamily="49" charset="0"/>
+                <a:cs typeface="Courier New" panose="02070309020205020404" pitchFamily="49" charset="0"/>
+              </a:rPr>
+              <a:t>多次之後</a:t>
+            </a:r>
+            <a:r>
+              <a:rPr lang="en-US" altLang="zh-TW" dirty="0">
+                <a:effectLst/>
+                <a:latin typeface="Courier New" panose="02070309020205020404" pitchFamily="49" charset="0"/>
+                <a:cs typeface="Courier New" panose="02070309020205020404" pitchFamily="49" charset="0"/>
+              </a:rPr>
+              <a:t>,</a:t>
+            </a:r>
+            <a:r>
+              <a:rPr lang="zh-TW" altLang="en-US" dirty="0">
+                <a:effectLst/>
+                <a:latin typeface="Courier New" panose="02070309020205020404" pitchFamily="49" charset="0"/>
+                <a:cs typeface="Courier New" panose="02070309020205020404" pitchFamily="49" charset="0"/>
+              </a:rPr>
+              <a:t>才被讀取一次。這個問題有可能很重要</a:t>
+            </a:r>
+            <a:r>
+              <a:rPr lang="en-US" altLang="zh-TW" dirty="0">
+                <a:effectLst/>
+                <a:latin typeface="Courier New" panose="02070309020205020404" pitchFamily="49" charset="0"/>
+                <a:cs typeface="Courier New" panose="02070309020205020404" pitchFamily="49" charset="0"/>
+              </a:rPr>
+              <a:t>,</a:t>
+            </a:r>
+            <a:r>
+              <a:rPr lang="zh-TW" altLang="en-US" dirty="0">
+                <a:effectLst/>
+                <a:latin typeface="Courier New" panose="02070309020205020404" pitchFamily="49" charset="0"/>
+                <a:cs typeface="Courier New" panose="02070309020205020404" pitchFamily="49" charset="0"/>
+              </a:rPr>
+              <a:t>也有可能不重要。譬如進來的是</a:t>
+            </a:r>
+            <a:r>
+              <a:rPr lang="en-US" altLang="zh-TW" dirty="0">
+                <a:effectLst/>
+                <a:latin typeface="Courier New" panose="02070309020205020404" pitchFamily="49" charset="0"/>
+                <a:cs typeface="Courier New" panose="02070309020205020404" pitchFamily="49" charset="0"/>
+              </a:rPr>
+              <a:t>video frame,</a:t>
+            </a:r>
+            <a:r>
+              <a:rPr lang="zh-TW" altLang="en-US" dirty="0">
+                <a:effectLst/>
+                <a:latin typeface="Courier New" panose="02070309020205020404" pitchFamily="49" charset="0"/>
+                <a:cs typeface="Courier New" panose="02070309020205020404" pitchFamily="49" charset="0"/>
+              </a:rPr>
+              <a:t>而你允許掉幀</a:t>
+            </a:r>
+            <a:r>
+              <a:rPr lang="en-US" altLang="zh-TW" dirty="0">
+                <a:effectLst/>
+                <a:latin typeface="Courier New" panose="02070309020205020404" pitchFamily="49" charset="0"/>
+                <a:cs typeface="Courier New" panose="02070309020205020404" pitchFamily="49" charset="0"/>
+              </a:rPr>
+              <a:t>,</a:t>
+            </a:r>
+            <a:r>
+              <a:rPr lang="zh-TW" altLang="en-US" dirty="0">
+                <a:effectLst/>
+                <a:latin typeface="Courier New" panose="02070309020205020404" pitchFamily="49" charset="0"/>
+                <a:cs typeface="Courier New" panose="02070309020205020404" pitchFamily="49" charset="0"/>
+              </a:rPr>
+              <a:t>那問題就不大。但如果是</a:t>
+            </a:r>
+            <a:r>
+              <a:rPr lang="en-US" altLang="zh-TW" dirty="0">
+                <a:effectLst/>
+                <a:latin typeface="Courier New" panose="02070309020205020404" pitchFamily="49" charset="0"/>
+                <a:cs typeface="Courier New" panose="02070309020205020404" pitchFamily="49" charset="0"/>
+              </a:rPr>
+              <a:t>audio frame</a:t>
+            </a:r>
+            <a:r>
+              <a:rPr lang="zh-TW" altLang="en-US" dirty="0">
+                <a:effectLst/>
+                <a:latin typeface="Courier New" panose="02070309020205020404" pitchFamily="49" charset="0"/>
+                <a:cs typeface="Courier New" panose="02070309020205020404" pitchFamily="49" charset="0"/>
+              </a:rPr>
+              <a:t>的話</a:t>
+            </a:r>
+            <a:r>
+              <a:rPr lang="en-US" altLang="zh-TW" dirty="0">
+                <a:effectLst/>
+                <a:latin typeface="Courier New" panose="02070309020205020404" pitchFamily="49" charset="0"/>
+                <a:cs typeface="Courier New" panose="02070309020205020404" pitchFamily="49" charset="0"/>
+              </a:rPr>
+              <a:t>,</a:t>
+            </a:r>
+            <a:r>
+              <a:rPr lang="zh-TW" altLang="en-US" dirty="0">
+                <a:effectLst/>
+                <a:latin typeface="Courier New" panose="02070309020205020404" pitchFamily="49" charset="0"/>
+                <a:cs typeface="Courier New" panose="02070309020205020404" pitchFamily="49" charset="0"/>
+              </a:rPr>
+              <a:t>可能就慘了。</a:t>
+            </a:r>
+            <a:endParaRPr lang="en-US" altLang="zh-TW" dirty="0">
+              <a:effectLst/>
+              <a:latin typeface="Courier New" panose="02070309020205020404" pitchFamily="49" charset="0"/>
+              <a:cs typeface="Courier New" panose="02070309020205020404" pitchFamily="49" charset="0"/>
+            </a:endParaRPr>
+          </a:p>
+          <a:p>
+            <a:pPr marL="342900" indent="-342900" algn="l">
+              <a:spcBef>
+                <a:spcPts val="0"/>
+              </a:spcBef>
+              <a:spcAft>
+                <a:spcPts val="300"/>
+              </a:spcAft>
+              <a:buFont typeface="Arial" panose="020B0604020202020204" pitchFamily="34" charset="0"/>
+              <a:buChar char="•"/>
+            </a:pPr>
+            <a:r>
+              <a:rPr lang="zh-TW" altLang="en-US" dirty="0">
+                <a:effectLst/>
+                <a:latin typeface="Courier New" panose="02070309020205020404" pitchFamily="49" charset="0"/>
+                <a:cs typeface="Courier New" panose="02070309020205020404" pitchFamily="49" charset="0"/>
+              </a:rPr>
+              <a:t>有牽涉到</a:t>
+            </a:r>
+            <a:r>
+              <a:rPr lang="en-US" altLang="zh-TW" dirty="0">
+                <a:effectLst/>
+                <a:latin typeface="Courier New" panose="02070309020205020404" pitchFamily="49" charset="0"/>
+                <a:cs typeface="Courier New" panose="02070309020205020404" pitchFamily="49" charset="0"/>
+              </a:rPr>
+              <a:t>multiple thread</a:t>
+            </a:r>
+            <a:r>
+              <a:rPr lang="zh-TW" altLang="en-US" dirty="0">
+                <a:effectLst/>
+                <a:latin typeface="Courier New" panose="02070309020205020404" pitchFamily="49" charset="0"/>
+                <a:cs typeface="Courier New" panose="02070309020205020404" pitchFamily="49" charset="0"/>
+              </a:rPr>
+              <a:t>的</a:t>
+            </a:r>
+            <a:r>
+              <a:rPr lang="en-US" altLang="zh-TW" dirty="0">
+                <a:effectLst/>
+                <a:latin typeface="Courier New" panose="02070309020205020404" pitchFamily="49" charset="0"/>
+                <a:cs typeface="Courier New" panose="02070309020205020404" pitchFamily="49" charset="0"/>
+              </a:rPr>
+              <a:t>class,</a:t>
+            </a:r>
+            <a:r>
+              <a:rPr lang="zh-TW" altLang="en-US" dirty="0">
+                <a:effectLst/>
+                <a:latin typeface="Courier New" panose="02070309020205020404" pitchFamily="49" charset="0"/>
+                <a:cs typeface="Courier New" panose="02070309020205020404" pitchFamily="49" charset="0"/>
+              </a:rPr>
+              <a:t>首先要問</a:t>
+            </a:r>
+            <a:r>
+              <a:rPr lang="en-US" altLang="zh-TW" dirty="0">
+                <a:effectLst/>
+                <a:latin typeface="Courier New" panose="02070309020205020404" pitchFamily="49" charset="0"/>
+                <a:cs typeface="Courier New" panose="02070309020205020404" pitchFamily="49" charset="0"/>
+              </a:rPr>
+              <a:t>,</a:t>
+            </a:r>
+            <a:r>
+              <a:rPr lang="zh-TW" altLang="en-US" dirty="0">
+                <a:effectLst/>
+                <a:latin typeface="Courier New" panose="02070309020205020404" pitchFamily="49" charset="0"/>
+                <a:cs typeface="Courier New" panose="02070309020205020404" pitchFamily="49" charset="0"/>
+              </a:rPr>
+              <a:t>你用什麼機制來保障資料的可用性及一致性。你用了</a:t>
+            </a:r>
+            <a:r>
+              <a:rPr lang="en-US" altLang="zh-TW" dirty="0">
+                <a:effectLst/>
+                <a:latin typeface="Courier New" panose="02070309020205020404" pitchFamily="49" charset="0"/>
+                <a:cs typeface="Courier New" panose="02070309020205020404" pitchFamily="49" charset="0"/>
+              </a:rPr>
+              <a:t>mutex, critical section, concurrent container (queue, dictionary, …), …</a:t>
+            </a:r>
+          </a:p>
+          <a:p>
+            <a:pPr marL="342900" indent="-342900" algn="l">
+              <a:spcBef>
+                <a:spcPts val="0"/>
+              </a:spcBef>
+              <a:spcAft>
+                <a:spcPts val="300"/>
+              </a:spcAft>
+              <a:buFont typeface="Arial" panose="020B0604020202020204" pitchFamily="34" charset="0"/>
+              <a:buChar char="•"/>
+            </a:pPr>
+            <a:r>
+              <a:rPr lang="zh-TW" altLang="en-US" dirty="0">
+                <a:effectLst/>
+                <a:latin typeface="Courier New" panose="02070309020205020404" pitchFamily="49" charset="0"/>
+                <a:cs typeface="Courier New" panose="02070309020205020404" pitchFamily="49" charset="0"/>
+              </a:rPr>
+              <a:t>要使用</a:t>
+            </a:r>
+            <a:r>
+              <a:rPr lang="en-US" altLang="zh-TW" dirty="0">
+                <a:effectLst/>
+                <a:latin typeface="Courier New" panose="02070309020205020404" pitchFamily="49" charset="0"/>
+                <a:cs typeface="Courier New" panose="02070309020205020404" pitchFamily="49" charset="0"/>
+              </a:rPr>
+              <a:t>container</a:t>
+            </a:r>
+            <a:r>
+              <a:rPr lang="zh-TW" altLang="en-US" dirty="0">
+                <a:effectLst/>
+                <a:latin typeface="Courier New" panose="02070309020205020404" pitchFamily="49" charset="0"/>
+                <a:cs typeface="Courier New" panose="02070309020205020404" pitchFamily="49" charset="0"/>
+              </a:rPr>
+              <a:t>時</a:t>
+            </a:r>
+            <a:r>
+              <a:rPr lang="en-US" altLang="zh-TW" dirty="0">
+                <a:effectLst/>
+                <a:latin typeface="Courier New" panose="02070309020205020404" pitchFamily="49" charset="0"/>
+                <a:cs typeface="Courier New" panose="02070309020205020404" pitchFamily="49" charset="0"/>
+              </a:rPr>
+              <a:t>,</a:t>
+            </a:r>
+            <a:r>
+              <a:rPr lang="zh-TW" altLang="en-US" dirty="0">
+                <a:effectLst/>
+                <a:latin typeface="Courier New" panose="02070309020205020404" pitchFamily="49" charset="0"/>
+                <a:cs typeface="Courier New" panose="02070309020205020404" pitchFamily="49" charset="0"/>
+              </a:rPr>
+              <a:t>先釐清</a:t>
+            </a:r>
+            <a:r>
+              <a:rPr lang="en-US" altLang="zh-TW" dirty="0">
+                <a:effectLst/>
+                <a:latin typeface="Courier New" panose="02070309020205020404" pitchFamily="49" charset="0"/>
+                <a:cs typeface="Courier New" panose="02070309020205020404" pitchFamily="49" charset="0"/>
+              </a:rPr>
+              <a:t>read write</a:t>
+            </a:r>
+            <a:r>
+              <a:rPr lang="zh-TW" altLang="en-US" dirty="0">
+                <a:effectLst/>
+                <a:latin typeface="Courier New" panose="02070309020205020404" pitchFamily="49" charset="0"/>
+                <a:cs typeface="Courier New" panose="02070309020205020404" pitchFamily="49" charset="0"/>
+              </a:rPr>
+              <a:t>的</a:t>
+            </a:r>
+            <a:r>
+              <a:rPr lang="en-US" altLang="zh-TW" dirty="0">
+                <a:effectLst/>
+                <a:latin typeface="Courier New" panose="02070309020205020404" pitchFamily="49" charset="0"/>
+                <a:cs typeface="Courier New" panose="02070309020205020404" pitchFamily="49" charset="0"/>
+              </a:rPr>
+              <a:t>thread</a:t>
+            </a:r>
+            <a:r>
+              <a:rPr lang="zh-TW" altLang="en-US" dirty="0">
+                <a:effectLst/>
+                <a:latin typeface="Courier New" panose="02070309020205020404" pitchFamily="49" charset="0"/>
+                <a:cs typeface="Courier New" panose="02070309020205020404" pitchFamily="49" charset="0"/>
+              </a:rPr>
+              <a:t> </a:t>
+            </a:r>
+            <a:r>
+              <a:rPr lang="en-US" altLang="zh-TW" dirty="0">
+                <a:effectLst/>
+                <a:latin typeface="Courier New" panose="02070309020205020404" pitchFamily="49" charset="0"/>
+                <a:cs typeface="Courier New" panose="02070309020205020404" pitchFamily="49" charset="0"/>
+              </a:rPr>
+              <a:t>count</a:t>
+            </a:r>
+            <a:r>
+              <a:rPr lang="zh-TW" altLang="en-US" dirty="0">
+                <a:effectLst/>
+                <a:latin typeface="Courier New" panose="02070309020205020404" pitchFamily="49" charset="0"/>
+                <a:cs typeface="Courier New" panose="02070309020205020404" pitchFamily="49" charset="0"/>
+              </a:rPr>
+              <a:t>。有時</a:t>
+            </a:r>
+            <a:r>
+              <a:rPr lang="en-US" altLang="zh-TW" dirty="0">
+                <a:effectLst/>
+                <a:latin typeface="Courier New" panose="02070309020205020404" pitchFamily="49" charset="0"/>
+                <a:cs typeface="Courier New" panose="02070309020205020404" pitchFamily="49" charset="0"/>
+              </a:rPr>
+              <a:t>single writer single reader</a:t>
+            </a:r>
+            <a:r>
+              <a:rPr lang="zh-TW" altLang="en-US" dirty="0">
+                <a:effectLst/>
+                <a:latin typeface="Courier New" panose="02070309020205020404" pitchFamily="49" charset="0"/>
+                <a:cs typeface="Courier New" panose="02070309020205020404" pitchFamily="49" charset="0"/>
+              </a:rPr>
+              <a:t>的</a:t>
+            </a:r>
+            <a:r>
+              <a:rPr lang="en-US" altLang="zh-TW" dirty="0">
+                <a:effectLst/>
+                <a:latin typeface="Courier New" panose="02070309020205020404" pitchFamily="49" charset="0"/>
+                <a:cs typeface="Courier New" panose="02070309020205020404" pitchFamily="49" charset="0"/>
+              </a:rPr>
+              <a:t>container</a:t>
+            </a:r>
+            <a:r>
+              <a:rPr lang="zh-TW" altLang="en-US" dirty="0">
+                <a:effectLst/>
+                <a:latin typeface="Courier New" panose="02070309020205020404" pitchFamily="49" charset="0"/>
+                <a:cs typeface="Courier New" panose="02070309020205020404" pitchFamily="49" charset="0"/>
+              </a:rPr>
+              <a:t>即可</a:t>
+            </a:r>
+            <a:r>
+              <a:rPr lang="en-US" altLang="zh-TW" dirty="0">
+                <a:effectLst/>
+                <a:latin typeface="Courier New" panose="02070309020205020404" pitchFamily="49" charset="0"/>
+                <a:cs typeface="Courier New" panose="02070309020205020404" pitchFamily="49" charset="0"/>
+              </a:rPr>
+              <a:t>,</a:t>
+            </a:r>
+            <a:r>
+              <a:rPr lang="zh-TW" altLang="en-US" dirty="0">
+                <a:effectLst/>
+                <a:latin typeface="Courier New" panose="02070309020205020404" pitchFamily="49" charset="0"/>
+                <a:cs typeface="Courier New" panose="02070309020205020404" pitchFamily="49" charset="0"/>
+              </a:rPr>
+              <a:t>有時是</a:t>
+            </a:r>
+            <a:r>
+              <a:rPr lang="en-US" altLang="zh-TW" dirty="0">
+                <a:effectLst/>
+                <a:latin typeface="Courier New" panose="02070309020205020404" pitchFamily="49" charset="0"/>
+                <a:cs typeface="Courier New" panose="02070309020205020404" pitchFamily="49" charset="0"/>
+              </a:rPr>
+              <a:t>multiple writers single reader</a:t>
+            </a:r>
+            <a:r>
+              <a:rPr lang="zh-TW" altLang="en-US" dirty="0">
+                <a:effectLst/>
+                <a:latin typeface="Courier New" panose="02070309020205020404" pitchFamily="49" charset="0"/>
+                <a:cs typeface="Courier New" panose="02070309020205020404" pitchFamily="49" charset="0"/>
+              </a:rPr>
+              <a:t>才行。當然也有</a:t>
+            </a:r>
+            <a:r>
+              <a:rPr lang="en-US" altLang="zh-TW" dirty="0">
+                <a:effectLst/>
+                <a:latin typeface="Courier New" panose="02070309020205020404" pitchFamily="49" charset="0"/>
+                <a:cs typeface="Courier New" panose="02070309020205020404" pitchFamily="49" charset="0"/>
+              </a:rPr>
+              <a:t>single writer multiple readers,</a:t>
+            </a:r>
+            <a:r>
+              <a:rPr lang="zh-TW" altLang="en-US" dirty="0">
+                <a:effectLst/>
+                <a:latin typeface="Courier New" panose="02070309020205020404" pitchFamily="49" charset="0"/>
+                <a:cs typeface="Courier New" panose="02070309020205020404" pitchFamily="49" charset="0"/>
+              </a:rPr>
+              <a:t>甚至是</a:t>
+            </a:r>
+            <a:r>
+              <a:rPr lang="en-US" altLang="zh-TW" dirty="0">
+                <a:effectLst/>
+                <a:latin typeface="Courier New" panose="02070309020205020404" pitchFamily="49" charset="0"/>
+                <a:cs typeface="Courier New" panose="02070309020205020404" pitchFamily="49" charset="0"/>
+              </a:rPr>
+              <a:t>multiple writers multiple readers</a:t>
+            </a:r>
+            <a:r>
+              <a:rPr lang="zh-TW" altLang="en-US" dirty="0">
+                <a:effectLst/>
+                <a:latin typeface="Courier New" panose="02070309020205020404" pitchFamily="49" charset="0"/>
+                <a:cs typeface="Courier New" panose="02070309020205020404" pitchFamily="49" charset="0"/>
+              </a:rPr>
+              <a:t>。</a:t>
+            </a:r>
+            <a:endParaRPr lang="en-US" altLang="zh-TW" dirty="0">
+              <a:effectLst/>
+              <a:latin typeface="Courier New" panose="02070309020205020404" pitchFamily="49" charset="0"/>
+              <a:cs typeface="Courier New" panose="02070309020205020404" pitchFamily="49" charset="0"/>
+            </a:endParaRPr>
+          </a:p>
+          <a:p>
+            <a:pPr marL="342900" indent="-342900" algn="l">
+              <a:spcBef>
+                <a:spcPts val="0"/>
+              </a:spcBef>
+              <a:spcAft>
+                <a:spcPts val="300"/>
+              </a:spcAft>
+              <a:buFont typeface="Arial" panose="020B0604020202020204" pitchFamily="34" charset="0"/>
+              <a:buChar char="•"/>
+            </a:pPr>
+            <a:r>
+              <a:rPr lang="zh-TW" altLang="en-US" dirty="0">
+                <a:effectLst/>
+                <a:latin typeface="Courier New" panose="02070309020205020404" pitchFamily="49" charset="0"/>
+                <a:cs typeface="Courier New" panose="02070309020205020404" pitchFamily="49" charset="0"/>
+              </a:rPr>
+              <a:t>對</a:t>
+            </a:r>
+            <a:r>
+              <a:rPr lang="en-US" altLang="zh-TW" dirty="0">
+                <a:effectLst/>
+                <a:latin typeface="Courier New" panose="02070309020205020404" pitchFamily="49" charset="0"/>
+                <a:cs typeface="Courier New" panose="02070309020205020404" pitchFamily="49" charset="0"/>
+              </a:rPr>
+              <a:t>single writer single reader</a:t>
+            </a:r>
+            <a:r>
+              <a:rPr lang="zh-TW" altLang="en-US" dirty="0">
+                <a:effectLst/>
+                <a:latin typeface="Courier New" panose="02070309020205020404" pitchFamily="49" charset="0"/>
+                <a:cs typeface="Courier New" panose="02070309020205020404" pitchFamily="49" charset="0"/>
+              </a:rPr>
+              <a:t> </a:t>
+            </a:r>
+            <a:r>
+              <a:rPr lang="en-US" altLang="zh-TW" dirty="0">
+                <a:effectLst/>
+                <a:latin typeface="Courier New" panose="02070309020205020404" pitchFamily="49" charset="0"/>
+                <a:cs typeface="Courier New" panose="02070309020205020404" pitchFamily="49" charset="0"/>
+              </a:rPr>
+              <a:t>queue</a:t>
+            </a:r>
+            <a:r>
+              <a:rPr lang="zh-TW" altLang="en-US" dirty="0">
+                <a:effectLst/>
+                <a:latin typeface="Courier New" panose="02070309020205020404" pitchFamily="49" charset="0"/>
+                <a:cs typeface="Courier New" panose="02070309020205020404" pitchFamily="49" charset="0"/>
+              </a:rPr>
+              <a:t>而言</a:t>
+            </a:r>
+            <a:r>
+              <a:rPr lang="en-US" altLang="zh-TW" dirty="0">
+                <a:effectLst/>
+                <a:latin typeface="Courier New" panose="02070309020205020404" pitchFamily="49" charset="0"/>
+                <a:cs typeface="Courier New" panose="02070309020205020404" pitchFamily="49" charset="0"/>
+              </a:rPr>
+              <a:t>,</a:t>
+            </a:r>
+            <a:r>
+              <a:rPr lang="zh-TW" altLang="en-US" dirty="0">
+                <a:effectLst/>
+                <a:latin typeface="Courier New" panose="02070309020205020404" pitchFamily="49" charset="0"/>
+                <a:cs typeface="Courier New" panose="02070309020205020404" pitchFamily="49" charset="0"/>
+              </a:rPr>
+              <a:t>如果可以用</a:t>
+            </a:r>
+            <a:r>
+              <a:rPr lang="en-US" altLang="zh-TW" dirty="0">
+                <a:effectLst/>
+                <a:latin typeface="Courier New" panose="02070309020205020404" pitchFamily="49" charset="0"/>
+                <a:cs typeface="Courier New" panose="02070309020205020404" pitchFamily="49" charset="0"/>
+              </a:rPr>
+              <a:t>array</a:t>
+            </a:r>
+            <a:r>
+              <a:rPr lang="zh-TW" altLang="en-US" dirty="0">
+                <a:effectLst/>
+                <a:latin typeface="Courier New" panose="02070309020205020404" pitchFamily="49" charset="0"/>
+                <a:cs typeface="Courier New" panose="02070309020205020404" pitchFamily="49" charset="0"/>
+              </a:rPr>
+              <a:t>來</a:t>
+            </a:r>
+            <a:r>
+              <a:rPr lang="en-US" altLang="zh-TW" dirty="0" err="1">
+                <a:effectLst/>
+                <a:latin typeface="Courier New" panose="02070309020205020404" pitchFamily="49" charset="0"/>
+                <a:cs typeface="Courier New" panose="02070309020205020404" pitchFamily="49" charset="0"/>
+              </a:rPr>
+              <a:t>implemment</a:t>
+            </a:r>
+            <a:r>
+              <a:rPr lang="zh-TW" altLang="en-US" dirty="0">
+                <a:effectLst/>
+                <a:latin typeface="Courier New" panose="02070309020205020404" pitchFamily="49" charset="0"/>
+                <a:cs typeface="Courier New" panose="02070309020205020404" pitchFamily="49" charset="0"/>
+              </a:rPr>
+              <a:t>一個</a:t>
+            </a:r>
+            <a:r>
+              <a:rPr lang="en-US" altLang="zh-TW" dirty="0">
+                <a:effectLst/>
+                <a:latin typeface="Courier New" panose="02070309020205020404" pitchFamily="49" charset="0"/>
+                <a:cs typeface="Courier New" panose="02070309020205020404" pitchFamily="49" charset="0"/>
+              </a:rPr>
+              <a:t>circular queue,</a:t>
+            </a:r>
+            <a:r>
+              <a:rPr lang="zh-TW" altLang="en-US" dirty="0">
+                <a:effectLst/>
+                <a:latin typeface="Courier New" panose="02070309020205020404" pitchFamily="49" charset="0"/>
+                <a:cs typeface="Courier New" panose="02070309020205020404" pitchFamily="49" charset="0"/>
+              </a:rPr>
+              <a:t>效率是很高的</a:t>
+            </a:r>
+            <a:r>
+              <a:rPr lang="en-US" altLang="zh-TW" dirty="0">
+                <a:effectLst/>
+                <a:latin typeface="Courier New" panose="02070309020205020404" pitchFamily="49" charset="0"/>
+                <a:cs typeface="Courier New" panose="02070309020205020404" pitchFamily="49" charset="0"/>
+              </a:rPr>
+              <a:t>,</a:t>
+            </a:r>
+            <a:r>
+              <a:rPr lang="zh-TW" altLang="en-US" dirty="0">
+                <a:effectLst/>
+                <a:latin typeface="Courier New" panose="02070309020205020404" pitchFamily="49" charset="0"/>
+                <a:cs typeface="Courier New" panose="02070309020205020404" pitchFamily="49" charset="0"/>
+              </a:rPr>
+              <a:t>只不過會有</a:t>
+            </a:r>
+            <a:r>
+              <a:rPr lang="en-US" altLang="zh-TW" dirty="0">
+                <a:effectLst/>
+                <a:latin typeface="Courier New" panose="02070309020205020404" pitchFamily="49" charset="0"/>
+                <a:cs typeface="Courier New" panose="02070309020205020404" pitchFamily="49" charset="0"/>
+              </a:rPr>
+              <a:t>buffer</a:t>
+            </a:r>
+            <a:r>
+              <a:rPr lang="zh-TW" altLang="en-US" dirty="0">
+                <a:effectLst/>
+                <a:latin typeface="Courier New" panose="02070309020205020404" pitchFamily="49" charset="0"/>
+                <a:cs typeface="Courier New" panose="02070309020205020404" pitchFamily="49" charset="0"/>
+              </a:rPr>
+              <a:t> </a:t>
+            </a:r>
+            <a:r>
+              <a:rPr lang="en-US" altLang="zh-TW" dirty="0">
+                <a:effectLst/>
+                <a:latin typeface="Courier New" panose="02070309020205020404" pitchFamily="49" charset="0"/>
+                <a:cs typeface="Courier New" panose="02070309020205020404" pitchFamily="49" charset="0"/>
+              </a:rPr>
+              <a:t>overflow</a:t>
+            </a:r>
+            <a:r>
+              <a:rPr lang="zh-TW" altLang="en-US" dirty="0">
+                <a:effectLst/>
+                <a:latin typeface="Courier New" panose="02070309020205020404" pitchFamily="49" charset="0"/>
+                <a:cs typeface="Courier New" panose="02070309020205020404" pitchFamily="49" charset="0"/>
+              </a:rPr>
+              <a:t>的考量。我覺得對</a:t>
+            </a:r>
+            <a:r>
+              <a:rPr lang="en-US" altLang="zh-TW" dirty="0">
+                <a:effectLst/>
+                <a:latin typeface="Courier New" panose="02070309020205020404" pitchFamily="49" charset="0"/>
+                <a:cs typeface="Courier New" panose="02070309020205020404" pitchFamily="49" charset="0"/>
+              </a:rPr>
+              <a:t>audio</a:t>
+            </a:r>
+            <a:r>
+              <a:rPr lang="zh-TW" altLang="en-US" dirty="0">
+                <a:effectLst/>
+                <a:latin typeface="Courier New" panose="02070309020205020404" pitchFamily="49" charset="0"/>
+                <a:cs typeface="Courier New" panose="02070309020205020404" pitchFamily="49" charset="0"/>
+              </a:rPr>
+              <a:t> </a:t>
+            </a:r>
+            <a:r>
+              <a:rPr lang="en-US" altLang="zh-TW" dirty="0">
+                <a:effectLst/>
+                <a:latin typeface="Courier New" panose="02070309020205020404" pitchFamily="49" charset="0"/>
+                <a:cs typeface="Courier New" panose="02070309020205020404" pitchFamily="49" charset="0"/>
+              </a:rPr>
+              <a:t>frame</a:t>
+            </a:r>
+            <a:r>
+              <a:rPr lang="zh-TW" altLang="en-US" dirty="0">
+                <a:effectLst/>
+                <a:latin typeface="Courier New" panose="02070309020205020404" pitchFamily="49" charset="0"/>
+                <a:cs typeface="Courier New" panose="02070309020205020404" pitchFamily="49" charset="0"/>
+              </a:rPr>
+              <a:t>的壓縮來看</a:t>
+            </a:r>
+            <a:r>
+              <a:rPr lang="en-US" altLang="zh-TW" dirty="0">
+                <a:effectLst/>
+                <a:latin typeface="Courier New" panose="02070309020205020404" pitchFamily="49" charset="0"/>
+                <a:cs typeface="Courier New" panose="02070309020205020404" pitchFamily="49" charset="0"/>
+              </a:rPr>
+              <a:t>,</a:t>
+            </a:r>
+            <a:r>
+              <a:rPr lang="zh-TW" altLang="en-US" dirty="0">
+                <a:effectLst/>
+                <a:latin typeface="Courier New" panose="02070309020205020404" pitchFamily="49" charset="0"/>
+                <a:cs typeface="Courier New" panose="02070309020205020404" pitchFamily="49" charset="0"/>
+              </a:rPr>
+              <a:t>應該是不錯的選擇。如果選擇的</a:t>
+            </a:r>
+            <a:r>
+              <a:rPr lang="en-US" altLang="zh-TW" dirty="0">
+                <a:effectLst/>
+                <a:latin typeface="Courier New" panose="02070309020205020404" pitchFamily="49" charset="0"/>
+                <a:cs typeface="Courier New" panose="02070309020205020404" pitchFamily="49" charset="0"/>
+              </a:rPr>
+              <a:t>array size</a:t>
+            </a:r>
+            <a:r>
+              <a:rPr lang="zh-TW" altLang="en-US" dirty="0">
+                <a:effectLst/>
+                <a:latin typeface="Courier New" panose="02070309020205020404" pitchFamily="49" charset="0"/>
+                <a:cs typeface="Courier New" panose="02070309020205020404" pitchFamily="49" charset="0"/>
+              </a:rPr>
+              <a:t>足夠</a:t>
+            </a:r>
+            <a:r>
+              <a:rPr lang="en-US" altLang="zh-TW" dirty="0">
+                <a:effectLst/>
+                <a:latin typeface="Courier New" panose="02070309020205020404" pitchFamily="49" charset="0"/>
+                <a:cs typeface="Courier New" panose="02070309020205020404" pitchFamily="49" charset="0"/>
+              </a:rPr>
+              <a:t>,</a:t>
+            </a:r>
+            <a:r>
+              <a:rPr lang="zh-TW" altLang="en-US" dirty="0">
+                <a:effectLst/>
+                <a:latin typeface="Courier New" panose="02070309020205020404" pitchFamily="49" charset="0"/>
+                <a:cs typeface="Courier New" panose="02070309020205020404" pitchFamily="49" charset="0"/>
+              </a:rPr>
+              <a:t>應該不會有</a:t>
+            </a:r>
+            <a:r>
+              <a:rPr lang="en-US" altLang="zh-TW" dirty="0">
+                <a:effectLst/>
+                <a:latin typeface="Courier New" panose="02070309020205020404" pitchFamily="49" charset="0"/>
+                <a:cs typeface="Courier New" panose="02070309020205020404" pitchFamily="49" charset="0"/>
+              </a:rPr>
+              <a:t>buffer</a:t>
+            </a:r>
+            <a:r>
+              <a:rPr lang="zh-TW" altLang="en-US" dirty="0">
+                <a:effectLst/>
+                <a:latin typeface="Courier New" panose="02070309020205020404" pitchFamily="49" charset="0"/>
+                <a:cs typeface="Courier New" panose="02070309020205020404" pitchFamily="49" charset="0"/>
+              </a:rPr>
+              <a:t> </a:t>
+            </a:r>
+            <a:r>
+              <a:rPr lang="en-US" altLang="zh-TW" dirty="0">
+                <a:effectLst/>
+                <a:latin typeface="Courier New" panose="02070309020205020404" pitchFamily="49" charset="0"/>
+                <a:cs typeface="Courier New" panose="02070309020205020404" pitchFamily="49" charset="0"/>
+              </a:rPr>
+              <a:t>overflow</a:t>
+            </a:r>
+            <a:r>
+              <a:rPr lang="zh-TW" altLang="en-US" dirty="0">
+                <a:effectLst/>
+                <a:latin typeface="Courier New" panose="02070309020205020404" pitchFamily="49" charset="0"/>
+                <a:cs typeface="Courier New" panose="02070309020205020404" pitchFamily="49" charset="0"/>
+              </a:rPr>
+              <a:t>的問題</a:t>
+            </a:r>
+            <a:r>
+              <a:rPr lang="en-US" altLang="zh-TW" dirty="0">
+                <a:effectLst/>
+                <a:latin typeface="Courier New" panose="02070309020205020404" pitchFamily="49" charset="0"/>
+                <a:cs typeface="Courier New" panose="02070309020205020404" pitchFamily="49" charset="0"/>
+              </a:rPr>
+              <a:t>,</a:t>
+            </a:r>
+            <a:r>
+              <a:rPr lang="zh-TW" altLang="en-US" dirty="0">
+                <a:effectLst/>
+                <a:latin typeface="Courier New" panose="02070309020205020404" pitchFamily="49" charset="0"/>
+                <a:cs typeface="Courier New" panose="02070309020205020404" pitchFamily="49" charset="0"/>
+              </a:rPr>
+              <a:t>否則即是</a:t>
+            </a:r>
+            <a:r>
+              <a:rPr lang="en-US" altLang="zh-TW" dirty="0">
+                <a:effectLst/>
+                <a:latin typeface="Courier New" panose="02070309020205020404" pitchFamily="49" charset="0"/>
+                <a:cs typeface="Courier New" panose="02070309020205020404" pitchFamily="49" charset="0"/>
+              </a:rPr>
+              <a:t>CPU</a:t>
+            </a:r>
+            <a:r>
+              <a:rPr lang="zh-TW" altLang="en-US" dirty="0">
+                <a:effectLst/>
+                <a:latin typeface="Courier New" panose="02070309020205020404" pitchFamily="49" charset="0"/>
+                <a:cs typeface="Courier New" panose="02070309020205020404" pitchFamily="49" charset="0"/>
+              </a:rPr>
+              <a:t>不夠快。</a:t>
+            </a:r>
+            <a:endParaRPr lang="en-US" altLang="zh-TW" dirty="0">
+              <a:effectLst/>
+              <a:latin typeface="Courier New" panose="02070309020205020404" pitchFamily="49" charset="0"/>
+              <a:cs typeface="Courier New" panose="02070309020205020404" pitchFamily="49" charset="0"/>
+            </a:endParaRPr>
+          </a:p>
+        </p:txBody>
+      </p:sp>
+    </p:spTree>
+    <p:extLst>
+      <p:ext uri="{BB962C8B-B14F-4D97-AF65-F5344CB8AC3E}">
+        <p14:creationId xmlns:p14="http://schemas.microsoft.com/office/powerpoint/2010/main" val="332893192"/>
+      </p:ext>
+    </p:extLst>
+  </p:cSld>
+  <p:clrMapOvr>
+    <a:masterClrMapping/>
+  </p:clrMapOvr>
+</p:sld>
+</file>
+
+<file path=ppt/slides/slide7.xml><?xml version="1.0" encoding="utf-8"?>
+<p:sld xmlns:a="http://schemas.openxmlformats.org/drawingml/2006/main" xmlns:r="http://schemas.openxmlformats.org/officeDocument/2006/relationships" xmlns:p="http://schemas.openxmlformats.org/presentationml/2006/main">
+  <p:cSld>
+    <p:spTree>
+      <p:nvGrpSpPr>
+        <p:cNvPr id="1" name=""/>
+        <p:cNvGrpSpPr/>
+        <p:nvPr/>
+      </p:nvGrpSpPr>
+      <p:grpSpPr>
+        <a:xfrm>
+          <a:off x="0" y="0"/>
+          <a:ext cx="0" cy="0"/>
+          <a:chOff x="0" y="0"/>
+          <a:chExt cx="0" cy="0"/>
+        </a:xfrm>
+      </p:grpSpPr>
+      <p:sp>
+        <p:nvSpPr>
+          <p:cNvPr id="2" name="Title 1">
+            <a:extLst>
+              <a:ext uri="{FF2B5EF4-FFF2-40B4-BE49-F238E27FC236}">
+                <a16:creationId xmlns:a16="http://schemas.microsoft.com/office/drawing/2014/main" id="{67B987A3-AE05-4DD4-B92A-5BB153BF5168}"/>
+              </a:ext>
+            </a:extLst>
+          </p:cNvPr>
+          <p:cNvSpPr>
+            <a:spLocks noGrp="1"/>
+          </p:cNvSpPr>
+          <p:nvPr>
+            <p:ph type="ctrTitle"/>
+          </p:nvPr>
+        </p:nvSpPr>
+        <p:spPr>
+          <a:xfrm>
+            <a:off x="1212574" y="236954"/>
+            <a:ext cx="9780104" cy="806235"/>
+          </a:xfrm>
+        </p:spPr>
+        <p:txBody>
+          <a:bodyPr>
+            <a:normAutofit fontScale="90000"/>
+          </a:bodyPr>
+          <a:lstStyle/>
+          <a:p>
+            <a:r>
+              <a:rPr lang="en-US" dirty="0">
+                <a:effectLst/>
+              </a:rPr>
+              <a:t>WIL </a:t>
+            </a:r>
+            <a:r>
+              <a:rPr lang="en-US" dirty="0" err="1">
+                <a:effectLst/>
+              </a:rPr>
+              <a:t>resource.h</a:t>
+            </a:r>
+            <a:r>
+              <a:rPr lang="en-US" dirty="0">
+                <a:effectLst/>
+              </a:rPr>
+              <a:t> (</a:t>
+            </a:r>
+            <a:r>
+              <a:rPr lang="zh-TW" altLang="en-US" dirty="0">
+                <a:effectLst/>
+              </a:rPr>
+              <a:t>簡化</a:t>
+            </a:r>
+            <a:r>
+              <a:rPr lang="en-US" dirty="0">
+                <a:effectLst/>
+              </a:rPr>
+              <a:t>)</a:t>
+            </a:r>
+          </a:p>
+        </p:txBody>
+      </p:sp>
+      <p:sp>
+        <p:nvSpPr>
+          <p:cNvPr id="3" name="Subtitle 2">
+            <a:extLst>
+              <a:ext uri="{FF2B5EF4-FFF2-40B4-BE49-F238E27FC236}">
+                <a16:creationId xmlns:a16="http://schemas.microsoft.com/office/drawing/2014/main" id="{2F840F1F-E23F-4334-943C-3F1A7A2E80AA}"/>
+              </a:ext>
+            </a:extLst>
+          </p:cNvPr>
+          <p:cNvSpPr>
+            <a:spLocks noGrp="1"/>
+          </p:cNvSpPr>
+          <p:nvPr>
+            <p:ph type="subTitle" idx="1"/>
+          </p:nvPr>
+        </p:nvSpPr>
+        <p:spPr>
+          <a:xfrm>
+            <a:off x="520228" y="1043189"/>
+            <a:ext cx="11140964" cy="5412695"/>
+          </a:xfrm>
+        </p:spPr>
+        <p:txBody>
+          <a:bodyPr>
+            <a:normAutofit/>
+          </a:bodyPr>
+          <a:lstStyle/>
+          <a:p>
+            <a:pPr marL="342900" indent="-342900" algn="l">
+              <a:spcBef>
+                <a:spcPts val="0"/>
+              </a:spcBef>
+              <a:spcAft>
+                <a:spcPts val="300"/>
+              </a:spcAft>
+              <a:buFont typeface="Arial" panose="020B0604020202020204" pitchFamily="34" charset="0"/>
+              <a:buChar char="•"/>
+            </a:pPr>
+            <a:endParaRPr lang="en-US" dirty="0">
+              <a:latin typeface="Courier New" panose="02070309020205020404" pitchFamily="49" charset="0"/>
+              <a:cs typeface="Courier New" panose="02070309020205020404" pitchFamily="49" charset="0"/>
+              <a:hlinkClick r:id="rId2">
+                <a:extLst>
+                  <a:ext uri="{A12FA001-AC4F-418D-AE19-62706E023703}">
+                    <ahyp:hlinkClr xmlns:ahyp="http://schemas.microsoft.com/office/drawing/2018/hyperlinkcolor" val="tx"/>
+                  </a:ext>
+                </a:extLst>
+              </a:hlinkClick>
+            </a:endParaRPr>
+          </a:p>
+          <a:p>
+            <a:pPr marL="342900" indent="-342900" algn="l">
+              <a:spcBef>
+                <a:spcPts val="0"/>
+              </a:spcBef>
+              <a:spcAft>
+                <a:spcPts val="300"/>
+              </a:spcAft>
+              <a:buFont typeface="Arial" panose="020B0604020202020204" pitchFamily="34" charset="0"/>
+              <a:buChar char="•"/>
+            </a:pPr>
+            <a:r>
+              <a:rPr lang="en-US" altLang="zh-TW" dirty="0">
+                <a:effectLst/>
+                <a:latin typeface="Courier New" panose="02070309020205020404" pitchFamily="49" charset="0"/>
+                <a:cs typeface="Courier New" panose="02070309020205020404" pitchFamily="49" charset="0"/>
+              </a:rPr>
+              <a:t>Windows Implementation Libraries: </a:t>
+            </a:r>
+            <a:r>
+              <a:rPr lang="en-US" dirty="0">
+                <a:solidFill>
+                  <a:srgbClr val="E98052"/>
+                </a:solidFill>
+                <a:effectLst/>
+                <a:latin typeface="Courier New" panose="02070309020205020404" pitchFamily="49" charset="0"/>
+                <a:cs typeface="Courier New" panose="02070309020205020404" pitchFamily="49" charset="0"/>
+                <a:hlinkClick r:id="rId2">
+                  <a:extLst>
+                    <a:ext uri="{A12FA001-AC4F-418D-AE19-62706E023703}">
+                      <ahyp:hlinkClr xmlns:ahyp="http://schemas.microsoft.com/office/drawing/2018/hyperlinkcolor" val="tx"/>
+                    </a:ext>
+                  </a:extLst>
+                </a:hlinkClick>
+              </a:rPr>
+              <a:t>https://github.com/microsoft/wil</a:t>
+            </a:r>
+            <a:endParaRPr lang="en-US" dirty="0">
+              <a:solidFill>
+                <a:srgbClr val="E98052"/>
+              </a:solidFill>
+              <a:effectLst/>
+              <a:latin typeface="Courier New" panose="02070309020205020404" pitchFamily="49" charset="0"/>
+              <a:cs typeface="Courier New" panose="02070309020205020404" pitchFamily="49" charset="0"/>
+            </a:endParaRPr>
+          </a:p>
+          <a:p>
+            <a:pPr marL="342900" indent="-342900" algn="l">
+              <a:spcBef>
+                <a:spcPts val="0"/>
+              </a:spcBef>
+              <a:spcAft>
+                <a:spcPts val="300"/>
+              </a:spcAft>
+              <a:buFont typeface="Arial" panose="020B0604020202020204" pitchFamily="34" charset="0"/>
+              <a:buChar char="•"/>
+            </a:pPr>
+            <a:r>
+              <a:rPr lang="en-US" altLang="zh-TW" dirty="0" err="1">
+                <a:effectLst/>
+                <a:latin typeface="Courier New" panose="02070309020205020404" pitchFamily="49" charset="0"/>
+                <a:cs typeface="Courier New" panose="02070309020205020404" pitchFamily="49" charset="0"/>
+              </a:rPr>
+              <a:t>wil</a:t>
+            </a:r>
+            <a:r>
+              <a:rPr lang="en-US" altLang="zh-TW" dirty="0">
+                <a:effectLst/>
+                <a:latin typeface="Courier New" panose="02070309020205020404" pitchFamily="49" charset="0"/>
+                <a:cs typeface="Courier New" panose="02070309020205020404" pitchFamily="49" charset="0"/>
+              </a:rPr>
+              <a:t>::</a:t>
+            </a:r>
+            <a:r>
+              <a:rPr lang="en-US" altLang="zh-TW" dirty="0" err="1">
+                <a:effectLst/>
+                <a:latin typeface="Courier New" panose="02070309020205020404" pitchFamily="49" charset="0"/>
+                <a:cs typeface="Courier New" panose="02070309020205020404" pitchFamily="49" charset="0"/>
+              </a:rPr>
+              <a:t>unique_any</a:t>
+            </a:r>
+            <a:r>
+              <a:rPr lang="en-US" altLang="zh-TW" dirty="0">
+                <a:effectLst/>
+                <a:latin typeface="Courier New" panose="02070309020205020404" pitchFamily="49" charset="0"/>
+                <a:cs typeface="Courier New" panose="02070309020205020404" pitchFamily="49" charset="0"/>
+              </a:rPr>
+              <a:t> Manages a non-</a:t>
+            </a:r>
+            <a:r>
+              <a:rPr lang="en-US" altLang="zh-TW" dirty="0" err="1">
+                <a:effectLst/>
+                <a:latin typeface="Courier New" panose="02070309020205020404" pitchFamily="49" charset="0"/>
+                <a:cs typeface="Courier New" panose="02070309020205020404" pitchFamily="49" charset="0"/>
+              </a:rPr>
+              <a:t>copyable</a:t>
+            </a:r>
+            <a:r>
+              <a:rPr lang="en-US" altLang="zh-TW" dirty="0">
+                <a:effectLst/>
+                <a:latin typeface="Courier New" panose="02070309020205020404" pitchFamily="49" charset="0"/>
+                <a:cs typeface="Courier New" panose="02070309020205020404" pitchFamily="49" charset="0"/>
+              </a:rPr>
+              <a:t> opaque handle (HANDLE, HKEY, PSECURITY_DESCRIPTOR, …)</a:t>
+            </a:r>
+          </a:p>
+          <a:p>
+            <a:pPr marL="342900" indent="-342900" algn="l">
+              <a:spcBef>
+                <a:spcPts val="0"/>
+              </a:spcBef>
+              <a:spcAft>
+                <a:spcPts val="300"/>
+              </a:spcAft>
+              <a:buFont typeface="Arial" panose="020B0604020202020204" pitchFamily="34" charset="0"/>
+              <a:buChar char="•"/>
+            </a:pPr>
+            <a:r>
+              <a:rPr lang="en-US" altLang="zh-TW" dirty="0" err="1">
+                <a:effectLst/>
+                <a:latin typeface="Courier New" panose="02070309020205020404" pitchFamily="49" charset="0"/>
+                <a:cs typeface="Courier New" panose="02070309020205020404" pitchFamily="49" charset="0"/>
+              </a:rPr>
+              <a:t>resource.h</a:t>
+            </a:r>
+            <a:br>
+              <a:rPr lang="en-US" altLang="zh-TW" dirty="0">
+                <a:effectLst/>
+                <a:latin typeface="Courier New" panose="02070309020205020404" pitchFamily="49" charset="0"/>
+                <a:cs typeface="Courier New" panose="02070309020205020404" pitchFamily="49" charset="0"/>
+              </a:rPr>
+            </a:br>
+            <a:r>
+              <a:rPr lang="en-US" altLang="zh-TW" dirty="0">
+                <a:effectLst/>
+                <a:latin typeface="Courier New" panose="02070309020205020404" pitchFamily="49" charset="0"/>
+                <a:cs typeface="Courier New" panose="02070309020205020404" pitchFamily="49" charset="0"/>
+              </a:rPr>
+              <a:t>template &lt;</a:t>
+            </a:r>
+            <a:r>
+              <a:rPr lang="en-US" altLang="zh-TW" dirty="0" err="1">
+                <a:effectLst/>
+                <a:latin typeface="Courier New" panose="02070309020205020404" pitchFamily="49" charset="0"/>
+                <a:cs typeface="Courier New" panose="02070309020205020404" pitchFamily="49" charset="0"/>
+              </a:rPr>
+              <a:t>typename</a:t>
+            </a:r>
+            <a:r>
+              <a:rPr lang="en-US" altLang="zh-TW" dirty="0">
+                <a:effectLst/>
+                <a:latin typeface="Courier New" panose="02070309020205020404" pitchFamily="49" charset="0"/>
+                <a:cs typeface="Courier New" panose="02070309020205020404" pitchFamily="49" charset="0"/>
+              </a:rPr>
+              <a:t> </a:t>
+            </a:r>
+            <a:r>
+              <a:rPr lang="en-US" altLang="zh-TW" dirty="0" err="1">
+                <a:effectLst/>
+                <a:latin typeface="Courier New" panose="02070309020205020404" pitchFamily="49" charset="0"/>
+                <a:cs typeface="Courier New" panose="02070309020205020404" pitchFamily="49" charset="0"/>
+              </a:rPr>
+              <a:t>pointer_t</a:t>
+            </a:r>
+            <a:r>
+              <a:rPr lang="en-US" altLang="zh-TW" dirty="0">
+                <a:effectLst/>
+                <a:latin typeface="Courier New" panose="02070309020205020404" pitchFamily="49" charset="0"/>
+                <a:cs typeface="Courier New" panose="02070309020205020404" pitchFamily="49" charset="0"/>
+              </a:rPr>
+              <a:t>,</a:t>
+            </a:r>
+            <a:br>
+              <a:rPr lang="en-US" altLang="zh-TW" dirty="0">
+                <a:effectLst/>
+                <a:latin typeface="Courier New" panose="02070309020205020404" pitchFamily="49" charset="0"/>
+                <a:cs typeface="Courier New" panose="02070309020205020404" pitchFamily="49" charset="0"/>
+              </a:rPr>
+            </a:br>
+            <a:r>
+              <a:rPr lang="en-US" altLang="zh-TW" dirty="0">
+                <a:effectLst/>
+                <a:latin typeface="Courier New" panose="02070309020205020404" pitchFamily="49" charset="0"/>
+                <a:cs typeface="Courier New" panose="02070309020205020404" pitchFamily="49" charset="0"/>
+              </a:rPr>
+              <a:t>          </a:t>
+            </a:r>
+            <a:r>
+              <a:rPr lang="en-US" altLang="zh-TW" dirty="0" err="1">
+                <a:effectLst/>
+                <a:latin typeface="Courier New" panose="02070309020205020404" pitchFamily="49" charset="0"/>
+                <a:cs typeface="Courier New" panose="02070309020205020404" pitchFamily="49" charset="0"/>
+              </a:rPr>
+              <a:t>typename</a:t>
+            </a:r>
+            <a:r>
+              <a:rPr lang="en-US" altLang="zh-TW" dirty="0">
+                <a:effectLst/>
+                <a:latin typeface="Courier New" panose="02070309020205020404" pitchFamily="49" charset="0"/>
+                <a:cs typeface="Courier New" panose="02070309020205020404" pitchFamily="49" charset="0"/>
+              </a:rPr>
+              <a:t> </a:t>
+            </a:r>
+            <a:r>
+              <a:rPr lang="en-US" altLang="zh-TW" dirty="0" err="1">
+                <a:effectLst/>
+                <a:latin typeface="Courier New" panose="02070309020205020404" pitchFamily="49" charset="0"/>
+                <a:cs typeface="Courier New" panose="02070309020205020404" pitchFamily="49" charset="0"/>
+              </a:rPr>
+              <a:t>close_fn_t</a:t>
+            </a:r>
+            <a:r>
+              <a:rPr lang="en-US" altLang="zh-TW" dirty="0">
+                <a:effectLst/>
+                <a:latin typeface="Courier New" panose="02070309020205020404" pitchFamily="49" charset="0"/>
+                <a:cs typeface="Courier New" panose="02070309020205020404" pitchFamily="49" charset="0"/>
+              </a:rPr>
+              <a:t>,</a:t>
+            </a:r>
+            <a:br>
+              <a:rPr lang="en-US" altLang="zh-TW" dirty="0">
+                <a:effectLst/>
+                <a:latin typeface="Courier New" panose="02070309020205020404" pitchFamily="49" charset="0"/>
+                <a:cs typeface="Courier New" panose="02070309020205020404" pitchFamily="49" charset="0"/>
+              </a:rPr>
+            </a:br>
+            <a:r>
+              <a:rPr lang="en-US" altLang="zh-TW" dirty="0">
+                <a:effectLst/>
+                <a:latin typeface="Courier New" panose="02070309020205020404" pitchFamily="49" charset="0"/>
+                <a:cs typeface="Courier New" panose="02070309020205020404" pitchFamily="49" charset="0"/>
+              </a:rPr>
+              <a:t>          </a:t>
+            </a:r>
+            <a:r>
+              <a:rPr lang="en-US" altLang="zh-TW" dirty="0" err="1">
+                <a:effectLst/>
+                <a:latin typeface="Courier New" panose="02070309020205020404" pitchFamily="49" charset="0"/>
+                <a:cs typeface="Courier New" panose="02070309020205020404" pitchFamily="49" charset="0"/>
+              </a:rPr>
+              <a:t>close_fn_t</a:t>
+            </a:r>
+            <a:r>
+              <a:rPr lang="en-US" altLang="zh-TW" dirty="0">
+                <a:effectLst/>
+                <a:latin typeface="Courier New" panose="02070309020205020404" pitchFamily="49" charset="0"/>
+                <a:cs typeface="Courier New" panose="02070309020205020404" pitchFamily="49" charset="0"/>
+              </a:rPr>
+              <a:t> </a:t>
+            </a:r>
+            <a:r>
+              <a:rPr lang="en-US" altLang="zh-TW" dirty="0" err="1">
+                <a:effectLst/>
+                <a:latin typeface="Courier New" panose="02070309020205020404" pitchFamily="49" charset="0"/>
+                <a:cs typeface="Courier New" panose="02070309020205020404" pitchFamily="49" charset="0"/>
+              </a:rPr>
+              <a:t>close_fn</a:t>
+            </a:r>
+            <a:r>
+              <a:rPr lang="en-US" altLang="zh-TW" dirty="0">
+                <a:effectLst/>
+                <a:latin typeface="Courier New" panose="02070309020205020404" pitchFamily="49" charset="0"/>
+                <a:cs typeface="Courier New" panose="02070309020205020404" pitchFamily="49" charset="0"/>
+              </a:rPr>
+              <a:t>,</a:t>
+            </a:r>
+            <a:br>
+              <a:rPr lang="en-US" altLang="zh-TW" dirty="0">
+                <a:effectLst/>
+                <a:latin typeface="Courier New" panose="02070309020205020404" pitchFamily="49" charset="0"/>
+                <a:cs typeface="Courier New" panose="02070309020205020404" pitchFamily="49" charset="0"/>
+              </a:rPr>
+            </a:br>
+            <a:r>
+              <a:rPr lang="en-US" altLang="zh-TW" dirty="0">
+                <a:effectLst/>
+                <a:latin typeface="Courier New" panose="02070309020205020404" pitchFamily="49" charset="0"/>
+                <a:cs typeface="Courier New" panose="02070309020205020404" pitchFamily="49" charset="0"/>
+              </a:rPr>
+              <a:t>          </a:t>
+            </a:r>
+            <a:r>
+              <a:rPr lang="en-US" altLang="zh-TW" dirty="0" err="1">
+                <a:effectLst/>
+                <a:latin typeface="Courier New" panose="02070309020205020404" pitchFamily="49" charset="0"/>
+                <a:cs typeface="Courier New" panose="02070309020205020404" pitchFamily="49" charset="0"/>
+              </a:rPr>
+              <a:t>typename</a:t>
+            </a:r>
+            <a:r>
+              <a:rPr lang="en-US" altLang="zh-TW" dirty="0">
+                <a:effectLst/>
+                <a:latin typeface="Courier New" panose="02070309020205020404" pitchFamily="49" charset="0"/>
+                <a:cs typeface="Courier New" panose="02070309020205020404" pitchFamily="49" charset="0"/>
+              </a:rPr>
+              <a:t> </a:t>
+            </a:r>
+            <a:r>
+              <a:rPr lang="en-US" altLang="zh-TW" dirty="0" err="1">
+                <a:effectLst/>
+                <a:latin typeface="Courier New" panose="02070309020205020404" pitchFamily="49" charset="0"/>
+                <a:cs typeface="Courier New" panose="02070309020205020404" pitchFamily="49" charset="0"/>
+              </a:rPr>
+              <a:t>pointer_access_t</a:t>
+            </a:r>
+            <a:r>
+              <a:rPr lang="en-US" altLang="zh-TW" dirty="0">
+                <a:effectLst/>
+                <a:latin typeface="Courier New" panose="02070309020205020404" pitchFamily="49" charset="0"/>
+                <a:cs typeface="Courier New" panose="02070309020205020404" pitchFamily="49" charset="0"/>
+              </a:rPr>
+              <a:t> = </a:t>
+            </a:r>
+            <a:r>
+              <a:rPr lang="en-US" altLang="zh-TW" dirty="0" err="1">
+                <a:effectLst/>
+                <a:latin typeface="Courier New" panose="02070309020205020404" pitchFamily="49" charset="0"/>
+                <a:cs typeface="Courier New" panose="02070309020205020404" pitchFamily="49" charset="0"/>
+              </a:rPr>
+              <a:t>pointer_access_all</a:t>
+            </a:r>
+            <a:r>
+              <a:rPr lang="en-US" altLang="zh-TW" dirty="0">
+                <a:effectLst/>
+                <a:latin typeface="Courier New" panose="02070309020205020404" pitchFamily="49" charset="0"/>
+                <a:cs typeface="Courier New" panose="02070309020205020404" pitchFamily="49" charset="0"/>
+              </a:rPr>
+              <a:t>,</a:t>
+            </a:r>
+            <a:br>
+              <a:rPr lang="en-US" altLang="zh-TW" dirty="0">
+                <a:effectLst/>
+                <a:latin typeface="Courier New" panose="02070309020205020404" pitchFamily="49" charset="0"/>
+                <a:cs typeface="Courier New" panose="02070309020205020404" pitchFamily="49" charset="0"/>
+              </a:rPr>
+            </a:br>
+            <a:r>
+              <a:rPr lang="en-US" altLang="zh-TW" dirty="0">
+                <a:effectLst/>
+                <a:latin typeface="Courier New" panose="02070309020205020404" pitchFamily="49" charset="0"/>
+                <a:cs typeface="Courier New" panose="02070309020205020404" pitchFamily="49" charset="0"/>
+              </a:rPr>
+              <a:t>          </a:t>
+            </a:r>
+            <a:r>
+              <a:rPr lang="en-US" altLang="zh-TW" dirty="0" err="1">
+                <a:effectLst/>
+                <a:latin typeface="Courier New" panose="02070309020205020404" pitchFamily="49" charset="0"/>
+                <a:cs typeface="Courier New" panose="02070309020205020404" pitchFamily="49" charset="0"/>
+              </a:rPr>
+              <a:t>typename</a:t>
+            </a:r>
+            <a:r>
+              <a:rPr lang="en-US" altLang="zh-TW" dirty="0">
+                <a:effectLst/>
+                <a:latin typeface="Courier New" panose="02070309020205020404" pitchFamily="49" charset="0"/>
+                <a:cs typeface="Courier New" panose="02070309020205020404" pitchFamily="49" charset="0"/>
+              </a:rPr>
+              <a:t> </a:t>
+            </a:r>
+            <a:r>
+              <a:rPr lang="en-US" altLang="zh-TW" dirty="0" err="1">
+                <a:effectLst/>
+                <a:latin typeface="Courier New" panose="02070309020205020404" pitchFamily="49" charset="0"/>
+                <a:cs typeface="Courier New" panose="02070309020205020404" pitchFamily="49" charset="0"/>
+              </a:rPr>
+              <a:t>pointer_storage_t</a:t>
+            </a:r>
+            <a:r>
+              <a:rPr lang="en-US" altLang="zh-TW" dirty="0">
+                <a:effectLst/>
+                <a:latin typeface="Courier New" panose="02070309020205020404" pitchFamily="49" charset="0"/>
+                <a:cs typeface="Courier New" panose="02070309020205020404" pitchFamily="49" charset="0"/>
+              </a:rPr>
+              <a:t> = </a:t>
+            </a:r>
+            <a:r>
+              <a:rPr lang="en-US" altLang="zh-TW" dirty="0" err="1">
+                <a:effectLst/>
+                <a:latin typeface="Courier New" panose="02070309020205020404" pitchFamily="49" charset="0"/>
+                <a:cs typeface="Courier New" panose="02070309020205020404" pitchFamily="49" charset="0"/>
+              </a:rPr>
+              <a:t>pointer_t</a:t>
+            </a:r>
+            <a:r>
+              <a:rPr lang="en-US" altLang="zh-TW" dirty="0">
+                <a:effectLst/>
+                <a:latin typeface="Courier New" panose="02070309020205020404" pitchFamily="49" charset="0"/>
+                <a:cs typeface="Courier New" panose="02070309020205020404" pitchFamily="49" charset="0"/>
+              </a:rPr>
+              <a:t>,</a:t>
+            </a:r>
+            <a:br>
+              <a:rPr lang="en-US" altLang="zh-TW" dirty="0">
+                <a:effectLst/>
+                <a:latin typeface="Courier New" panose="02070309020205020404" pitchFamily="49" charset="0"/>
+                <a:cs typeface="Courier New" panose="02070309020205020404" pitchFamily="49" charset="0"/>
+              </a:rPr>
+            </a:br>
+            <a:r>
+              <a:rPr lang="en-US" altLang="zh-TW" dirty="0">
+                <a:effectLst/>
+                <a:latin typeface="Courier New" panose="02070309020205020404" pitchFamily="49" charset="0"/>
+                <a:cs typeface="Courier New" panose="02070309020205020404" pitchFamily="49" charset="0"/>
+              </a:rPr>
+              <a:t>          </a:t>
+            </a:r>
+            <a:r>
+              <a:rPr lang="en-US" altLang="zh-TW" dirty="0" err="1">
+                <a:effectLst/>
+                <a:latin typeface="Courier New" panose="02070309020205020404" pitchFamily="49" charset="0"/>
+                <a:cs typeface="Courier New" panose="02070309020205020404" pitchFamily="49" charset="0"/>
+              </a:rPr>
+              <a:t>typename</a:t>
+            </a:r>
+            <a:r>
+              <a:rPr lang="en-US" altLang="zh-TW" dirty="0">
+                <a:effectLst/>
+                <a:latin typeface="Courier New" panose="02070309020205020404" pitchFamily="49" charset="0"/>
+                <a:cs typeface="Courier New" panose="02070309020205020404" pitchFamily="49" charset="0"/>
+              </a:rPr>
+              <a:t> </a:t>
+            </a:r>
+            <a:r>
+              <a:rPr lang="en-US" altLang="zh-TW" dirty="0" err="1">
+                <a:effectLst/>
+                <a:latin typeface="Courier New" panose="02070309020205020404" pitchFamily="49" charset="0"/>
+                <a:cs typeface="Courier New" panose="02070309020205020404" pitchFamily="49" charset="0"/>
+              </a:rPr>
+              <a:t>invalid_t</a:t>
+            </a:r>
+            <a:r>
+              <a:rPr lang="en-US" altLang="zh-TW" dirty="0">
+                <a:effectLst/>
+                <a:latin typeface="Courier New" panose="02070309020205020404" pitchFamily="49" charset="0"/>
+                <a:cs typeface="Courier New" panose="02070309020205020404" pitchFamily="49" charset="0"/>
+              </a:rPr>
+              <a:t> = </a:t>
+            </a:r>
+            <a:r>
+              <a:rPr lang="en-US" altLang="zh-TW" dirty="0" err="1">
+                <a:effectLst/>
+                <a:latin typeface="Courier New" panose="02070309020205020404" pitchFamily="49" charset="0"/>
+                <a:cs typeface="Courier New" panose="02070309020205020404" pitchFamily="49" charset="0"/>
+              </a:rPr>
+              <a:t>pointer_t</a:t>
+            </a:r>
+            <a:r>
+              <a:rPr lang="en-US" altLang="zh-TW" dirty="0">
+                <a:effectLst/>
+                <a:latin typeface="Courier New" panose="02070309020205020404" pitchFamily="49" charset="0"/>
+                <a:cs typeface="Courier New" panose="02070309020205020404" pitchFamily="49" charset="0"/>
+              </a:rPr>
+              <a:t>,</a:t>
+            </a:r>
+            <a:br>
+              <a:rPr lang="en-US" altLang="zh-TW" dirty="0">
+                <a:effectLst/>
+                <a:latin typeface="Courier New" panose="02070309020205020404" pitchFamily="49" charset="0"/>
+                <a:cs typeface="Courier New" panose="02070309020205020404" pitchFamily="49" charset="0"/>
+              </a:rPr>
+            </a:br>
+            <a:r>
+              <a:rPr lang="en-US" altLang="zh-TW" dirty="0">
+                <a:effectLst/>
+                <a:latin typeface="Courier New" panose="02070309020205020404" pitchFamily="49" charset="0"/>
+                <a:cs typeface="Courier New" panose="02070309020205020404" pitchFamily="49" charset="0"/>
+              </a:rPr>
+              <a:t>          </a:t>
+            </a:r>
+            <a:r>
+              <a:rPr lang="en-US" altLang="zh-TW" dirty="0" err="1">
+                <a:effectLst/>
+                <a:latin typeface="Courier New" panose="02070309020205020404" pitchFamily="49" charset="0"/>
+                <a:cs typeface="Courier New" panose="02070309020205020404" pitchFamily="49" charset="0"/>
+              </a:rPr>
+              <a:t>invalid_t</a:t>
+            </a:r>
+            <a:r>
+              <a:rPr lang="en-US" altLang="zh-TW" dirty="0">
+                <a:effectLst/>
+                <a:latin typeface="Courier New" panose="02070309020205020404" pitchFamily="49" charset="0"/>
+                <a:cs typeface="Courier New" panose="02070309020205020404" pitchFamily="49" charset="0"/>
+              </a:rPr>
+              <a:t> invalid = </a:t>
+            </a:r>
+            <a:r>
+              <a:rPr lang="en-US" altLang="zh-TW" dirty="0" err="1">
+                <a:effectLst/>
+                <a:latin typeface="Courier New" panose="02070309020205020404" pitchFamily="49" charset="0"/>
+                <a:cs typeface="Courier New" panose="02070309020205020404" pitchFamily="49" charset="0"/>
+              </a:rPr>
+              <a:t>invalid_t</a:t>
+            </a:r>
+            <a:r>
+              <a:rPr lang="en-US" altLang="zh-TW" dirty="0">
+                <a:effectLst/>
+                <a:latin typeface="Courier New" panose="02070309020205020404" pitchFamily="49" charset="0"/>
+                <a:cs typeface="Courier New" panose="02070309020205020404" pitchFamily="49" charset="0"/>
+              </a:rPr>
+              <a:t>(),</a:t>
+            </a:r>
+            <a:br>
+              <a:rPr lang="en-US" altLang="zh-TW" dirty="0">
+                <a:effectLst/>
+                <a:latin typeface="Courier New" panose="02070309020205020404" pitchFamily="49" charset="0"/>
+                <a:cs typeface="Courier New" panose="02070309020205020404" pitchFamily="49" charset="0"/>
+              </a:rPr>
+            </a:br>
+            <a:r>
+              <a:rPr lang="en-US" altLang="zh-TW" dirty="0">
+                <a:effectLst/>
+                <a:latin typeface="Courier New" panose="02070309020205020404" pitchFamily="49" charset="0"/>
+                <a:cs typeface="Courier New" panose="02070309020205020404" pitchFamily="49" charset="0"/>
+              </a:rPr>
+              <a:t>          </a:t>
+            </a:r>
+            <a:r>
+              <a:rPr lang="en-US" altLang="zh-TW" dirty="0" err="1">
+                <a:effectLst/>
+                <a:latin typeface="Courier New" panose="02070309020205020404" pitchFamily="49" charset="0"/>
+                <a:cs typeface="Courier New" panose="02070309020205020404" pitchFamily="49" charset="0"/>
+              </a:rPr>
+              <a:t>typename</a:t>
+            </a:r>
+            <a:r>
+              <a:rPr lang="en-US" altLang="zh-TW" dirty="0">
+                <a:effectLst/>
+                <a:latin typeface="Courier New" panose="02070309020205020404" pitchFamily="49" charset="0"/>
+                <a:cs typeface="Courier New" panose="02070309020205020404" pitchFamily="49" charset="0"/>
+              </a:rPr>
+              <a:t> </a:t>
+            </a:r>
+            <a:r>
+              <a:rPr lang="en-US" altLang="zh-TW" dirty="0" err="1">
+                <a:effectLst/>
+                <a:latin typeface="Courier New" panose="02070309020205020404" pitchFamily="49" charset="0"/>
+                <a:cs typeface="Courier New" panose="02070309020205020404" pitchFamily="49" charset="0"/>
+              </a:rPr>
+              <a:t>pointer_invalid_t</a:t>
+            </a:r>
+            <a:r>
+              <a:rPr lang="en-US" altLang="zh-TW" dirty="0">
+                <a:effectLst/>
+                <a:latin typeface="Courier New" panose="02070309020205020404" pitchFamily="49" charset="0"/>
+                <a:cs typeface="Courier New" panose="02070309020205020404" pitchFamily="49" charset="0"/>
+              </a:rPr>
+              <a:t> = </a:t>
+            </a:r>
+            <a:r>
+              <a:rPr lang="en-US" altLang="zh-TW" dirty="0" err="1">
+                <a:effectLst/>
+                <a:latin typeface="Courier New" panose="02070309020205020404" pitchFamily="49" charset="0"/>
+                <a:cs typeface="Courier New" panose="02070309020205020404" pitchFamily="49" charset="0"/>
+              </a:rPr>
+              <a:t>wistd</a:t>
+            </a:r>
+            <a:r>
+              <a:rPr lang="en-US" altLang="zh-TW" dirty="0">
+                <a:effectLst/>
+                <a:latin typeface="Courier New" panose="02070309020205020404" pitchFamily="49" charset="0"/>
+                <a:cs typeface="Courier New" panose="02070309020205020404" pitchFamily="49" charset="0"/>
+              </a:rPr>
+              <a:t>::</a:t>
+            </a:r>
+            <a:r>
+              <a:rPr lang="en-US" altLang="zh-TW" dirty="0" err="1">
+                <a:effectLst/>
+                <a:latin typeface="Courier New" panose="02070309020205020404" pitchFamily="49" charset="0"/>
+                <a:cs typeface="Courier New" panose="02070309020205020404" pitchFamily="49" charset="0"/>
+              </a:rPr>
+              <a:t>nullptr_t</a:t>
+            </a:r>
+            <a:r>
+              <a:rPr lang="en-US" altLang="zh-TW" dirty="0">
+                <a:effectLst/>
+                <a:latin typeface="Courier New" panose="02070309020205020404" pitchFamily="49" charset="0"/>
+                <a:cs typeface="Courier New" panose="02070309020205020404" pitchFamily="49" charset="0"/>
+              </a:rPr>
+              <a:t>&gt;</a:t>
+            </a:r>
+            <a:br>
+              <a:rPr lang="en-US" altLang="zh-TW" dirty="0">
+                <a:effectLst/>
+                <a:latin typeface="Courier New" panose="02070309020205020404" pitchFamily="49" charset="0"/>
+                <a:cs typeface="Courier New" panose="02070309020205020404" pitchFamily="49" charset="0"/>
+              </a:rPr>
+            </a:br>
+            <a:r>
+              <a:rPr lang="en-US" altLang="zh-TW" dirty="0">
+                <a:effectLst/>
+                <a:latin typeface="Courier New" panose="02070309020205020404" pitchFamily="49" charset="0"/>
+                <a:cs typeface="Courier New" panose="02070309020205020404" pitchFamily="49" charset="0"/>
+              </a:rPr>
+              <a:t>struct </a:t>
+            </a:r>
+            <a:r>
+              <a:rPr lang="en-US" altLang="zh-TW" dirty="0" err="1">
+                <a:effectLst/>
+                <a:latin typeface="Courier New" panose="02070309020205020404" pitchFamily="49" charset="0"/>
+                <a:cs typeface="Courier New" panose="02070309020205020404" pitchFamily="49" charset="0"/>
+              </a:rPr>
+              <a:t>resource_policy</a:t>
+            </a:r>
+            <a:r>
+              <a:rPr lang="en-US" altLang="zh-TW" dirty="0">
+                <a:effectLst/>
+                <a:latin typeface="Courier New" panose="02070309020205020404" pitchFamily="49" charset="0"/>
+                <a:cs typeface="Courier New" panose="02070309020205020404" pitchFamily="49" charset="0"/>
+              </a:rPr>
+              <a:t>;</a:t>
+            </a:r>
+          </a:p>
+          <a:p>
+            <a:pPr marL="342900" indent="-342900" algn="l">
+              <a:spcBef>
+                <a:spcPts val="0"/>
+              </a:spcBef>
+              <a:spcAft>
+                <a:spcPts val="300"/>
+              </a:spcAft>
+              <a:buFont typeface="Arial" panose="020B0604020202020204" pitchFamily="34" charset="0"/>
+              <a:buChar char="•"/>
+            </a:pPr>
+            <a:r>
+              <a:rPr lang="en-US" altLang="zh-TW" dirty="0" err="1">
+                <a:effectLst/>
+                <a:latin typeface="Courier New" panose="02070309020205020404" pitchFamily="49" charset="0"/>
+                <a:cs typeface="Courier New" panose="02070309020205020404" pitchFamily="49" charset="0"/>
+              </a:rPr>
+              <a:t>reresource_policy</a:t>
+            </a:r>
+            <a:r>
+              <a:rPr lang="zh-TW" altLang="en-US" dirty="0">
+                <a:effectLst/>
+                <a:latin typeface="Courier New" panose="02070309020205020404" pitchFamily="49" charset="0"/>
+                <a:cs typeface="Courier New" panose="02070309020205020404" pitchFamily="49" charset="0"/>
+              </a:rPr>
+              <a:t>有定義</a:t>
+            </a:r>
+            <a:r>
+              <a:rPr lang="en-US" altLang="zh-TW" dirty="0">
+                <a:effectLst/>
+                <a:latin typeface="Courier New" panose="02070309020205020404" pitchFamily="49" charset="0"/>
+                <a:cs typeface="Courier New" panose="02070309020205020404" pitchFamily="49" charset="0"/>
+              </a:rPr>
+              <a:t>functions</a:t>
+            </a:r>
+            <a:r>
+              <a:rPr lang="zh-TW" altLang="en-US" dirty="0">
+                <a:effectLst/>
+                <a:latin typeface="Courier New" panose="02070309020205020404" pitchFamily="49" charset="0"/>
+                <a:cs typeface="Courier New" panose="02070309020205020404" pitchFamily="49" charset="0"/>
+              </a:rPr>
+              <a:t>執行</a:t>
+            </a:r>
+            <a:r>
+              <a:rPr lang="en-US" altLang="zh-TW" dirty="0" err="1">
+                <a:effectLst/>
+                <a:latin typeface="Courier New" panose="02070309020205020404" pitchFamily="49" charset="0"/>
+                <a:cs typeface="Courier New" panose="02070309020205020404" pitchFamily="49" charset="0"/>
+              </a:rPr>
+              <a:t>close_fn</a:t>
+            </a:r>
+            <a:r>
+              <a:rPr lang="en-US" altLang="zh-TW" dirty="0">
+                <a:effectLst/>
+                <a:latin typeface="Courier New" panose="02070309020205020404" pitchFamily="49" charset="0"/>
+                <a:cs typeface="Courier New" panose="02070309020205020404" pitchFamily="49" charset="0"/>
+              </a:rPr>
+              <a:t>,</a:t>
+            </a:r>
+            <a:r>
+              <a:rPr lang="zh-TW" altLang="en-US" dirty="0">
+                <a:effectLst/>
+                <a:latin typeface="Courier New" panose="02070309020205020404" pitchFamily="49" charset="0"/>
+                <a:cs typeface="Courier New" panose="02070309020205020404" pitchFamily="49" charset="0"/>
+              </a:rPr>
+              <a:t>也依據輸入的</a:t>
+            </a:r>
+            <a:r>
+              <a:rPr lang="en-US" altLang="zh-TW" dirty="0">
+                <a:effectLst/>
+                <a:latin typeface="Courier New" panose="02070309020205020404" pitchFamily="49" charset="0"/>
+                <a:cs typeface="Courier New" panose="02070309020205020404" pitchFamily="49" charset="0"/>
+              </a:rPr>
+              <a:t>invalid</a:t>
+            </a:r>
+            <a:r>
+              <a:rPr lang="zh-TW" altLang="en-US" dirty="0">
+                <a:effectLst/>
+                <a:latin typeface="Courier New" panose="02070309020205020404" pitchFamily="49" charset="0"/>
+                <a:cs typeface="Courier New" panose="02070309020205020404" pitchFamily="49" charset="0"/>
+              </a:rPr>
+              <a:t>值</a:t>
+            </a:r>
+            <a:r>
+              <a:rPr lang="en-US" altLang="zh-TW" dirty="0">
+                <a:effectLst/>
+                <a:latin typeface="Courier New" panose="02070309020205020404" pitchFamily="49" charset="0"/>
+                <a:cs typeface="Courier New" panose="02070309020205020404" pitchFamily="49" charset="0"/>
+              </a:rPr>
+              <a:t>,</a:t>
+            </a:r>
+            <a:r>
+              <a:rPr lang="zh-TW" altLang="en-US" dirty="0">
+                <a:effectLst/>
+                <a:latin typeface="Courier New" panose="02070309020205020404" pitchFamily="49" charset="0"/>
+                <a:cs typeface="Courier New" panose="02070309020205020404" pitchFamily="49" charset="0"/>
+              </a:rPr>
+              <a:t>來定義什麼值是</a:t>
+            </a:r>
+            <a:r>
+              <a:rPr lang="en-US" altLang="zh-TW" dirty="0">
+                <a:effectLst/>
+                <a:latin typeface="Courier New" panose="02070309020205020404" pitchFamily="49" charset="0"/>
+                <a:cs typeface="Courier New" panose="02070309020205020404" pitchFamily="49" charset="0"/>
+              </a:rPr>
+              <a:t>valid,</a:t>
+            </a:r>
+            <a:r>
+              <a:rPr lang="zh-TW" altLang="en-US" dirty="0">
+                <a:effectLst/>
+                <a:latin typeface="Courier New" panose="02070309020205020404" pitchFamily="49" charset="0"/>
+                <a:cs typeface="Courier New" panose="02070309020205020404" pitchFamily="49" charset="0"/>
+              </a:rPr>
+              <a:t>什麼值是</a:t>
+            </a:r>
+            <a:r>
+              <a:rPr lang="en-US" altLang="zh-TW" dirty="0">
+                <a:effectLst/>
+                <a:latin typeface="Courier New" panose="02070309020205020404" pitchFamily="49" charset="0"/>
+                <a:cs typeface="Courier New" panose="02070309020205020404" pitchFamily="49" charset="0"/>
+              </a:rPr>
+              <a:t>invalid</a:t>
+            </a:r>
+            <a:r>
+              <a:rPr lang="zh-TW" altLang="en-US" dirty="0">
+                <a:effectLst/>
+                <a:latin typeface="Courier New" panose="02070309020205020404" pitchFamily="49" charset="0"/>
+                <a:cs typeface="Courier New" panose="02070309020205020404" pitchFamily="49" charset="0"/>
+              </a:rPr>
+              <a:t>。</a:t>
+            </a:r>
+            <a:endParaRPr lang="en-US" altLang="zh-TW" dirty="0">
+              <a:effectLst/>
+              <a:latin typeface="Courier New" panose="02070309020205020404" pitchFamily="49" charset="0"/>
+              <a:cs typeface="Courier New" panose="02070309020205020404" pitchFamily="49" charset="0"/>
+            </a:endParaRPr>
+          </a:p>
+        </p:txBody>
+      </p:sp>
+    </p:spTree>
+    <p:extLst>
+      <p:ext uri="{BB962C8B-B14F-4D97-AF65-F5344CB8AC3E}">
+        <p14:creationId xmlns:p14="http://schemas.microsoft.com/office/powerpoint/2010/main" val="140231582"/>
+      </p:ext>
+    </p:extLst>
+  </p:cSld>
+  <p:clrMapOvr>
+    <a:masterClrMapping/>
+  </p:clrMapOvr>
+</p:sld>
+</file>
+
+<file path=ppt/slides/slide8.xml><?xml version="1.0" encoding="utf-8"?>
+<p:sld xmlns:a="http://schemas.openxmlformats.org/drawingml/2006/main" xmlns:r="http://schemas.openxmlformats.org/officeDocument/2006/relationships" xmlns:p="http://schemas.openxmlformats.org/presentationml/2006/main">
+  <p:cSld>
+    <p:spTree>
+      <p:nvGrpSpPr>
+        <p:cNvPr id="1" name=""/>
+        <p:cNvGrpSpPr/>
+        <p:nvPr/>
+      </p:nvGrpSpPr>
+      <p:grpSpPr>
+        <a:xfrm>
+          <a:off x="0" y="0"/>
+          <a:ext cx="0" cy="0"/>
+          <a:chOff x="0" y="0"/>
+          <a:chExt cx="0" cy="0"/>
+        </a:xfrm>
+      </p:grpSpPr>
+      <p:sp>
+        <p:nvSpPr>
+          <p:cNvPr id="2" name="Title 1">
+            <a:extLst>
+              <a:ext uri="{FF2B5EF4-FFF2-40B4-BE49-F238E27FC236}">
+                <a16:creationId xmlns:a16="http://schemas.microsoft.com/office/drawing/2014/main" id="{67B987A3-AE05-4DD4-B92A-5BB153BF5168}"/>
+              </a:ext>
+            </a:extLst>
+          </p:cNvPr>
+          <p:cNvSpPr>
+            <a:spLocks noGrp="1"/>
+          </p:cNvSpPr>
+          <p:nvPr>
+            <p:ph type="ctrTitle"/>
+          </p:nvPr>
+        </p:nvSpPr>
+        <p:spPr>
+          <a:xfrm>
+            <a:off x="1212574" y="236954"/>
+            <a:ext cx="9780104" cy="806235"/>
+          </a:xfrm>
+        </p:spPr>
+        <p:txBody>
+          <a:bodyPr>
+            <a:normAutofit fontScale="90000"/>
+          </a:bodyPr>
+          <a:lstStyle/>
+          <a:p>
+            <a:r>
+              <a:rPr lang="en-US" dirty="0">
+                <a:effectLst/>
+              </a:rPr>
+              <a:t>WIL </a:t>
+            </a:r>
+            <a:r>
+              <a:rPr lang="en-US" dirty="0" err="1">
+                <a:effectLst/>
+              </a:rPr>
+              <a:t>resource.h</a:t>
+            </a:r>
+            <a:r>
+              <a:rPr lang="en-US" dirty="0">
+                <a:effectLst/>
+              </a:rPr>
+              <a:t> (</a:t>
+            </a:r>
+            <a:r>
+              <a:rPr lang="zh-TW" altLang="en-US" dirty="0">
+                <a:effectLst/>
+              </a:rPr>
+              <a:t>簡化</a:t>
+            </a:r>
+            <a:r>
+              <a:rPr lang="en-US" dirty="0">
+                <a:effectLst/>
+              </a:rPr>
+              <a:t>)</a:t>
+            </a:r>
+          </a:p>
+        </p:txBody>
+      </p:sp>
+      <p:sp>
+        <p:nvSpPr>
+          <p:cNvPr id="3" name="Subtitle 2">
+            <a:extLst>
+              <a:ext uri="{FF2B5EF4-FFF2-40B4-BE49-F238E27FC236}">
+                <a16:creationId xmlns:a16="http://schemas.microsoft.com/office/drawing/2014/main" id="{2F840F1F-E23F-4334-943C-3F1A7A2E80AA}"/>
+              </a:ext>
+            </a:extLst>
+          </p:cNvPr>
+          <p:cNvSpPr>
+            <a:spLocks noGrp="1"/>
+          </p:cNvSpPr>
+          <p:nvPr>
+            <p:ph type="subTitle" idx="1"/>
+          </p:nvPr>
+        </p:nvSpPr>
+        <p:spPr>
+          <a:xfrm>
+            <a:off x="170822" y="1043189"/>
+            <a:ext cx="11786716" cy="5412695"/>
+          </a:xfrm>
+        </p:spPr>
+        <p:txBody>
+          <a:bodyPr>
+            <a:noAutofit/>
+          </a:bodyPr>
+          <a:lstStyle/>
+          <a:p>
+            <a:pPr marL="342900" indent="-342900" algn="l">
+              <a:spcBef>
+                <a:spcPts val="0"/>
+              </a:spcBef>
+              <a:spcAft>
+                <a:spcPts val="300"/>
+              </a:spcAft>
+              <a:buFont typeface="Arial" panose="020B0604020202020204" pitchFamily="34" charset="0"/>
+              <a:buChar char="•"/>
+            </a:pPr>
+            <a:r>
+              <a:rPr lang="en-US" altLang="zh-TW" sz="1900" dirty="0" err="1">
+                <a:effectLst/>
+                <a:latin typeface="Courier New" panose="02070309020205020404" pitchFamily="49" charset="0"/>
+                <a:cs typeface="Courier New" panose="02070309020205020404" pitchFamily="49" charset="0"/>
+              </a:rPr>
+              <a:t>unique_storage</a:t>
+            </a:r>
+            <a:r>
+              <a:rPr lang="zh-TW" altLang="en-US" sz="1900" dirty="0">
+                <a:effectLst/>
+                <a:latin typeface="Courier New" panose="02070309020205020404" pitchFamily="49" charset="0"/>
+                <a:cs typeface="Courier New" panose="02070309020205020404" pitchFamily="49" charset="0"/>
+              </a:rPr>
+              <a:t>就是</a:t>
+            </a:r>
+            <a:r>
+              <a:rPr lang="en-US" altLang="zh-TW" sz="1900" dirty="0" err="1">
+                <a:effectLst/>
+                <a:latin typeface="Courier New" panose="02070309020205020404" pitchFamily="49" charset="0"/>
+                <a:cs typeface="Courier New" panose="02070309020205020404" pitchFamily="49" charset="0"/>
+              </a:rPr>
+              <a:t>wil</a:t>
+            </a:r>
+            <a:r>
+              <a:rPr lang="en-US" altLang="zh-TW" sz="1900" dirty="0">
+                <a:effectLst/>
+                <a:latin typeface="Courier New" panose="02070309020205020404" pitchFamily="49" charset="0"/>
+                <a:cs typeface="Courier New" panose="02070309020205020404" pitchFamily="49" charset="0"/>
+              </a:rPr>
+              <a:t>::</a:t>
+            </a:r>
+            <a:r>
+              <a:rPr lang="en-US" altLang="zh-TW" sz="1900" dirty="0" err="1">
+                <a:effectLst/>
+                <a:latin typeface="Courier New" panose="02070309020205020404" pitchFamily="49" charset="0"/>
+                <a:cs typeface="Courier New" panose="02070309020205020404" pitchFamily="49" charset="0"/>
+              </a:rPr>
+              <a:t>unique_any_t</a:t>
+            </a:r>
+            <a:r>
+              <a:rPr lang="en-US" altLang="zh-TW" sz="1900" dirty="0">
+                <a:effectLst/>
+                <a:latin typeface="Courier New" panose="02070309020205020404" pitchFamily="49" charset="0"/>
+                <a:cs typeface="Courier New" panose="02070309020205020404" pitchFamily="49" charset="0"/>
+              </a:rPr>
+              <a:t>&lt;&gt;</a:t>
+            </a:r>
+            <a:r>
+              <a:rPr lang="zh-TW" altLang="en-US" sz="1900" dirty="0">
+                <a:effectLst/>
+                <a:latin typeface="Courier New" panose="02070309020205020404" pitchFamily="49" charset="0"/>
+                <a:cs typeface="Courier New" panose="02070309020205020404" pitchFamily="49" charset="0"/>
+              </a:rPr>
+              <a:t>裡存</a:t>
+            </a:r>
+            <a:r>
+              <a:rPr lang="en-US" altLang="zh-TW" sz="1900" dirty="0">
+                <a:effectLst/>
+                <a:latin typeface="Courier New" panose="02070309020205020404" pitchFamily="49" charset="0"/>
+                <a:cs typeface="Courier New" panose="02070309020205020404" pitchFamily="49" charset="0"/>
+              </a:rPr>
+              <a:t>resource</a:t>
+            </a:r>
+            <a:r>
+              <a:rPr lang="zh-TW" altLang="en-US" sz="1900" dirty="0">
+                <a:effectLst/>
+                <a:latin typeface="Courier New" panose="02070309020205020404" pitchFamily="49" charset="0"/>
+                <a:cs typeface="Courier New" panose="02070309020205020404" pitchFamily="49" charset="0"/>
+              </a:rPr>
+              <a:t>的地方。</a:t>
+            </a:r>
+            <a:br>
+              <a:rPr lang="en-US" altLang="zh-TW" sz="1900" dirty="0">
+                <a:effectLst/>
+                <a:latin typeface="Courier New" panose="02070309020205020404" pitchFamily="49" charset="0"/>
+                <a:cs typeface="Courier New" panose="02070309020205020404" pitchFamily="49" charset="0"/>
+              </a:rPr>
+            </a:br>
+            <a:r>
+              <a:rPr lang="en-US" altLang="zh-TW" sz="1900" dirty="0">
+                <a:effectLst/>
+                <a:latin typeface="Courier New" panose="02070309020205020404" pitchFamily="49" charset="0"/>
+                <a:cs typeface="Courier New" panose="02070309020205020404" pitchFamily="49" charset="0"/>
+              </a:rPr>
+              <a:t>template &lt;</a:t>
+            </a:r>
+            <a:r>
+              <a:rPr lang="en-US" altLang="zh-TW" sz="1900" dirty="0" err="1">
+                <a:effectLst/>
+                <a:latin typeface="Courier New" panose="02070309020205020404" pitchFamily="49" charset="0"/>
+                <a:cs typeface="Courier New" panose="02070309020205020404" pitchFamily="49" charset="0"/>
+              </a:rPr>
+              <a:t>typename</a:t>
+            </a:r>
+            <a:r>
+              <a:rPr lang="en-US" altLang="zh-TW" sz="1900" dirty="0">
+                <a:effectLst/>
+                <a:latin typeface="Courier New" panose="02070309020205020404" pitchFamily="49" charset="0"/>
+                <a:cs typeface="Courier New" panose="02070309020205020404" pitchFamily="49" charset="0"/>
+              </a:rPr>
+              <a:t> </a:t>
+            </a:r>
+            <a:r>
+              <a:rPr lang="en-US" altLang="zh-TW" sz="1900" dirty="0" err="1">
+                <a:effectLst/>
+                <a:latin typeface="Courier New" panose="02070309020205020404" pitchFamily="49" charset="0"/>
+                <a:cs typeface="Courier New" panose="02070309020205020404" pitchFamily="49" charset="0"/>
+              </a:rPr>
+              <a:t>storage_t</a:t>
+            </a:r>
+            <a:r>
+              <a:rPr lang="en-US" altLang="zh-TW" sz="1900" dirty="0">
+                <a:effectLst/>
+                <a:latin typeface="Courier New" panose="02070309020205020404" pitchFamily="49" charset="0"/>
+                <a:cs typeface="Courier New" panose="02070309020205020404" pitchFamily="49" charset="0"/>
+              </a:rPr>
+              <a:t>&gt;</a:t>
+            </a:r>
+            <a:r>
+              <a:rPr lang="zh-TW" altLang="en-US" sz="1900" dirty="0">
+                <a:effectLst/>
+                <a:latin typeface="Courier New" panose="02070309020205020404" pitchFamily="49" charset="0"/>
+                <a:cs typeface="Courier New" panose="02070309020205020404" pitchFamily="49" charset="0"/>
+              </a:rPr>
+              <a:t> </a:t>
+            </a:r>
+            <a:r>
+              <a:rPr lang="en-US" altLang="zh-TW" sz="1900" dirty="0">
+                <a:effectLst/>
+                <a:latin typeface="Courier New" panose="02070309020205020404" pitchFamily="49" charset="0"/>
+                <a:cs typeface="Courier New" panose="02070309020205020404" pitchFamily="49" charset="0"/>
+              </a:rPr>
+              <a:t>class </a:t>
+            </a:r>
+            <a:r>
+              <a:rPr lang="en-US" altLang="zh-TW" sz="1900" dirty="0" err="1">
+                <a:effectLst/>
+                <a:latin typeface="Courier New" panose="02070309020205020404" pitchFamily="49" charset="0"/>
+                <a:cs typeface="Courier New" panose="02070309020205020404" pitchFamily="49" charset="0"/>
+              </a:rPr>
+              <a:t>unique_any_t</a:t>
+            </a:r>
+            <a:r>
+              <a:rPr lang="en-US" altLang="zh-TW" sz="1900" dirty="0">
+                <a:effectLst/>
+                <a:latin typeface="Courier New" panose="02070309020205020404" pitchFamily="49" charset="0"/>
+                <a:cs typeface="Courier New" panose="02070309020205020404" pitchFamily="49" charset="0"/>
+              </a:rPr>
+              <a:t> : pubic </a:t>
+            </a:r>
+            <a:r>
+              <a:rPr lang="en-US" altLang="zh-TW" sz="1900" dirty="0" err="1">
+                <a:effectLst/>
+                <a:latin typeface="Courier New" panose="02070309020205020404" pitchFamily="49" charset="0"/>
+                <a:cs typeface="Courier New" panose="02070309020205020404" pitchFamily="49" charset="0"/>
+              </a:rPr>
+              <a:t>storage_t</a:t>
+            </a:r>
+            <a:r>
+              <a:rPr lang="en-US" altLang="zh-TW" sz="1900" dirty="0">
+                <a:effectLst/>
+                <a:latin typeface="Courier New" panose="02070309020205020404" pitchFamily="49" charset="0"/>
+                <a:cs typeface="Courier New" panose="02070309020205020404" pitchFamily="49" charset="0"/>
+              </a:rPr>
+              <a:t>;</a:t>
+            </a:r>
+            <a:br>
+              <a:rPr lang="en-US" altLang="zh-TW" sz="1900" dirty="0">
+                <a:effectLst/>
+                <a:latin typeface="Courier New" panose="02070309020205020404" pitchFamily="49" charset="0"/>
+                <a:cs typeface="Courier New" panose="02070309020205020404" pitchFamily="49" charset="0"/>
+              </a:rPr>
+            </a:br>
+            <a:r>
+              <a:rPr lang="zh-TW" altLang="en-US" sz="1900" dirty="0">
+                <a:effectLst/>
+                <a:latin typeface="Courier New" panose="02070309020205020404" pitchFamily="49" charset="0"/>
+                <a:cs typeface="Courier New" panose="02070309020205020404" pitchFamily="49" charset="0"/>
+              </a:rPr>
+              <a:t>所以</a:t>
+            </a:r>
+            <a:r>
+              <a:rPr lang="en-US" altLang="zh-TW" sz="1900" dirty="0" err="1">
+                <a:effectLst/>
+                <a:latin typeface="Courier New" panose="02070309020205020404" pitchFamily="49" charset="0"/>
+                <a:cs typeface="Courier New" panose="02070309020205020404" pitchFamily="49" charset="0"/>
+              </a:rPr>
+              <a:t>unique_storage</a:t>
+            </a:r>
+            <a:r>
+              <a:rPr lang="zh-TW" altLang="en-US" sz="1900" dirty="0">
+                <a:effectLst/>
+                <a:latin typeface="Courier New" panose="02070309020205020404" pitchFamily="49" charset="0"/>
+                <a:cs typeface="Courier New" panose="02070309020205020404" pitchFamily="49" charset="0"/>
+              </a:rPr>
+              <a:t>就是</a:t>
+            </a:r>
+            <a:r>
+              <a:rPr lang="en-US" altLang="zh-TW" sz="1900" dirty="0" err="1">
+                <a:effectLst/>
+                <a:latin typeface="Courier New" panose="02070309020205020404" pitchFamily="49" charset="0"/>
+                <a:cs typeface="Courier New" panose="02070309020205020404" pitchFamily="49" charset="0"/>
+              </a:rPr>
+              <a:t>unique_any_t</a:t>
+            </a:r>
+            <a:r>
+              <a:rPr lang="zh-TW" altLang="en-US" sz="1900" dirty="0">
+                <a:effectLst/>
+                <a:latin typeface="Courier New" panose="02070309020205020404" pitchFamily="49" charset="0"/>
+                <a:cs typeface="Courier New" panose="02070309020205020404" pitchFamily="49" charset="0"/>
+              </a:rPr>
+              <a:t>的一個</a:t>
+            </a:r>
+            <a:r>
+              <a:rPr lang="en-US" altLang="zh-TW" sz="1900" dirty="0">
+                <a:effectLst/>
+                <a:latin typeface="Courier New" panose="02070309020205020404" pitchFamily="49" charset="0"/>
+                <a:cs typeface="Courier New" panose="02070309020205020404" pitchFamily="49" charset="0"/>
+              </a:rPr>
+              <a:t>template parameter</a:t>
+            </a:r>
+            <a:r>
+              <a:rPr lang="zh-TW" altLang="en-US" sz="1900" dirty="0">
+                <a:effectLst/>
+                <a:latin typeface="Courier New" panose="02070309020205020404" pitchFamily="49" charset="0"/>
+                <a:cs typeface="Courier New" panose="02070309020205020404" pitchFamily="49" charset="0"/>
+              </a:rPr>
+              <a:t>。</a:t>
+            </a:r>
+            <a:br>
+              <a:rPr lang="en-US" altLang="zh-TW" sz="1900" dirty="0">
+                <a:effectLst/>
+                <a:latin typeface="Courier New" panose="02070309020205020404" pitchFamily="49" charset="0"/>
+                <a:cs typeface="Courier New" panose="02070309020205020404" pitchFamily="49" charset="0"/>
+              </a:rPr>
+            </a:br>
+            <a:r>
+              <a:rPr lang="en-US" altLang="zh-TW" sz="1900" dirty="0" err="1">
+                <a:effectLst/>
+                <a:latin typeface="Courier New" panose="02070309020205020404" pitchFamily="49" charset="0"/>
+                <a:cs typeface="Courier New" panose="02070309020205020404" pitchFamily="49" charset="0"/>
+              </a:rPr>
+              <a:t>unique_storage</a:t>
+            </a:r>
+            <a:r>
+              <a:rPr lang="zh-TW" altLang="en-US" sz="1900" dirty="0">
+                <a:effectLst/>
+                <a:latin typeface="Courier New" panose="02070309020205020404" pitchFamily="49" charset="0"/>
+                <a:cs typeface="Courier New" panose="02070309020205020404" pitchFamily="49" charset="0"/>
+              </a:rPr>
+              <a:t>會在適當的時機呼叫</a:t>
+            </a:r>
+            <a:r>
+              <a:rPr lang="en-US" altLang="zh-TW" sz="1900" dirty="0" err="1">
+                <a:effectLst/>
+                <a:latin typeface="Courier New" panose="02070309020205020404" pitchFamily="49" charset="0"/>
+                <a:cs typeface="Courier New" panose="02070309020205020404" pitchFamily="49" charset="0"/>
+              </a:rPr>
+              <a:t>close_fn</a:t>
+            </a:r>
+            <a:r>
+              <a:rPr lang="zh-TW" altLang="en-US" sz="1900" dirty="0">
+                <a:effectLst/>
+                <a:latin typeface="Courier New" panose="02070309020205020404" pitchFamily="49" charset="0"/>
+                <a:cs typeface="Courier New" panose="02070309020205020404" pitchFamily="49" charset="0"/>
+              </a:rPr>
+              <a:t> 。</a:t>
+            </a:r>
+            <a:endParaRPr lang="en-US" altLang="zh-TW" sz="1900" dirty="0">
+              <a:effectLst/>
+              <a:latin typeface="Courier New" panose="02070309020205020404" pitchFamily="49" charset="0"/>
+              <a:cs typeface="Courier New" panose="02070309020205020404" pitchFamily="49" charset="0"/>
+            </a:endParaRPr>
+          </a:p>
+          <a:p>
+            <a:pPr marL="342900" indent="-342900" algn="l">
+              <a:spcBef>
+                <a:spcPts val="0"/>
+              </a:spcBef>
+              <a:spcAft>
+                <a:spcPts val="300"/>
+              </a:spcAft>
+              <a:buFont typeface="Arial" panose="020B0604020202020204" pitchFamily="34" charset="0"/>
+              <a:buChar char="•"/>
+            </a:pPr>
+            <a:r>
+              <a:rPr lang="en-US" altLang="zh-TW" sz="1900" dirty="0" err="1">
+                <a:effectLst/>
+                <a:latin typeface="Courier New" panose="02070309020205020404" pitchFamily="49" charset="0"/>
+                <a:cs typeface="Courier New" panose="02070309020205020404" pitchFamily="49" charset="0"/>
+              </a:rPr>
+              <a:t>unique_any_t</a:t>
+            </a:r>
+            <a:r>
+              <a:rPr lang="zh-TW" altLang="en-US" sz="1900" dirty="0">
+                <a:effectLst/>
+                <a:latin typeface="Courier New" panose="02070309020205020404" pitchFamily="49" charset="0"/>
+                <a:cs typeface="Courier New" panose="02070309020205020404" pitchFamily="49" charset="0"/>
+              </a:rPr>
+              <a:t>是一個不能</a:t>
+            </a:r>
+            <a:r>
+              <a:rPr lang="en-US" altLang="zh-TW" sz="1900" dirty="0">
+                <a:effectLst/>
+                <a:latin typeface="Courier New" panose="02070309020205020404" pitchFamily="49" charset="0"/>
+                <a:cs typeface="Courier New" panose="02070309020205020404" pitchFamily="49" charset="0"/>
+              </a:rPr>
+              <a:t>copy</a:t>
+            </a:r>
+            <a:r>
+              <a:rPr lang="zh-TW" altLang="en-US" sz="1900" dirty="0">
+                <a:effectLst/>
+                <a:latin typeface="Courier New" panose="02070309020205020404" pitchFamily="49" charset="0"/>
+                <a:cs typeface="Courier New" panose="02070309020205020404" pitchFamily="49" charset="0"/>
+              </a:rPr>
+              <a:t>的</a:t>
+            </a:r>
+            <a:r>
+              <a:rPr lang="en-US" altLang="zh-TW" sz="1900" dirty="0">
+                <a:effectLst/>
+                <a:latin typeface="Courier New" panose="02070309020205020404" pitchFamily="49" charset="0"/>
+                <a:cs typeface="Courier New" panose="02070309020205020404" pitchFamily="49" charset="0"/>
+              </a:rPr>
+              <a:t>resource,</a:t>
+            </a:r>
+            <a:r>
+              <a:rPr lang="zh-TW" altLang="en-US" sz="1900" dirty="0">
+                <a:effectLst/>
+                <a:latin typeface="Courier New" panose="02070309020205020404" pitchFamily="49" charset="0"/>
+                <a:cs typeface="Courier New" panose="02070309020205020404" pitchFamily="49" charset="0"/>
+              </a:rPr>
+              <a:t>為什麼不能</a:t>
+            </a:r>
+            <a:r>
+              <a:rPr lang="en-US" altLang="zh-TW" sz="1900" dirty="0">
+                <a:effectLst/>
+                <a:latin typeface="Courier New" panose="02070309020205020404" pitchFamily="49" charset="0"/>
+                <a:cs typeface="Courier New" panose="02070309020205020404" pitchFamily="49" charset="0"/>
+              </a:rPr>
+              <a:t>copy?</a:t>
+            </a:r>
+            <a:r>
+              <a:rPr lang="zh-TW" altLang="en-US" sz="1900" dirty="0">
+                <a:effectLst/>
+                <a:latin typeface="Courier New" panose="02070309020205020404" pitchFamily="49" charset="0"/>
+                <a:cs typeface="Courier New" panose="02070309020205020404" pitchFamily="49" charset="0"/>
+              </a:rPr>
+              <a:t>因為這個</a:t>
+            </a:r>
+            <a:r>
+              <a:rPr lang="en-US" altLang="zh-TW" sz="1900" dirty="0">
+                <a:effectLst/>
+                <a:latin typeface="Courier New" panose="02070309020205020404" pitchFamily="49" charset="0"/>
+                <a:cs typeface="Courier New" panose="02070309020205020404" pitchFamily="49" charset="0"/>
+              </a:rPr>
+              <a:t>resource</a:t>
+            </a:r>
+            <a:r>
+              <a:rPr lang="zh-TW" altLang="en-US" sz="1900" dirty="0">
+                <a:effectLst/>
+                <a:latin typeface="Courier New" panose="02070309020205020404" pitchFamily="49" charset="0"/>
+                <a:cs typeface="Courier New" panose="02070309020205020404" pitchFamily="49" charset="0"/>
+              </a:rPr>
+              <a:t>帶有</a:t>
+            </a:r>
+            <a:r>
+              <a:rPr lang="en-US" altLang="zh-TW" sz="1900" dirty="0">
+                <a:effectLst/>
+                <a:latin typeface="Courier New" panose="02070309020205020404" pitchFamily="49" charset="0"/>
+                <a:cs typeface="Courier New" panose="02070309020205020404" pitchFamily="49" charset="0"/>
+              </a:rPr>
+              <a:t>close </a:t>
+            </a:r>
+            <a:r>
+              <a:rPr lang="en-US" altLang="zh-TW" sz="1900" dirty="0" err="1">
+                <a:effectLst/>
+                <a:latin typeface="Courier New" panose="02070309020205020404" pitchFamily="49" charset="0"/>
+                <a:cs typeface="Courier New" panose="02070309020205020404" pitchFamily="49" charset="0"/>
+              </a:rPr>
+              <a:t>fuction</a:t>
+            </a:r>
+            <a:r>
+              <a:rPr lang="en-US" altLang="zh-TW" sz="1900" dirty="0">
+                <a:effectLst/>
+                <a:latin typeface="Courier New" panose="02070309020205020404" pitchFamily="49" charset="0"/>
+                <a:cs typeface="Courier New" panose="02070309020205020404" pitchFamily="49" charset="0"/>
+              </a:rPr>
+              <a:t> : </a:t>
+            </a:r>
+            <a:r>
+              <a:rPr lang="en-US" altLang="zh-TW" sz="1900" dirty="0" err="1">
+                <a:effectLst/>
+                <a:latin typeface="Courier New" panose="02070309020205020404" pitchFamily="49" charset="0"/>
+                <a:cs typeface="Courier New" panose="02070309020205020404" pitchFamily="49" charset="0"/>
+              </a:rPr>
+              <a:t>close_fn</a:t>
+            </a:r>
+            <a:r>
+              <a:rPr lang="en-US" altLang="zh-TW" sz="1900" dirty="0">
+                <a:effectLst/>
+                <a:latin typeface="Courier New" panose="02070309020205020404" pitchFamily="49" charset="0"/>
+                <a:cs typeface="Courier New" panose="02070309020205020404" pitchFamily="49" charset="0"/>
+              </a:rPr>
+              <a:t>,</a:t>
+            </a:r>
+            <a:r>
+              <a:rPr lang="zh-TW" altLang="en-US" sz="1900" dirty="0">
+                <a:effectLst/>
+                <a:latin typeface="Courier New" panose="02070309020205020404" pitchFamily="49" charset="0"/>
+                <a:cs typeface="Courier New" panose="02070309020205020404" pitchFamily="49" charset="0"/>
+              </a:rPr>
+              <a:t>在</a:t>
+            </a:r>
+            <a:r>
+              <a:rPr lang="en-US" altLang="zh-TW" sz="1900" dirty="0">
+                <a:effectLst/>
+                <a:latin typeface="Courier New" panose="02070309020205020404" pitchFamily="49" charset="0"/>
+                <a:cs typeface="Courier New" panose="02070309020205020404" pitchFamily="49" charset="0"/>
+              </a:rPr>
+              <a:t>destruction</a:t>
+            </a:r>
+            <a:r>
+              <a:rPr lang="zh-TW" altLang="en-US" sz="1900" dirty="0">
+                <a:effectLst/>
+                <a:latin typeface="Courier New" panose="02070309020205020404" pitchFamily="49" charset="0"/>
+                <a:cs typeface="Courier New" panose="02070309020205020404" pitchFamily="49" charset="0"/>
+              </a:rPr>
+              <a:t>時會呼叫</a:t>
+            </a:r>
+            <a:r>
+              <a:rPr lang="en-US" altLang="zh-TW" sz="1900" dirty="0" err="1">
+                <a:effectLst/>
+                <a:latin typeface="Courier New" panose="02070309020205020404" pitchFamily="49" charset="0"/>
+                <a:cs typeface="Courier New" panose="02070309020205020404" pitchFamily="49" charset="0"/>
+              </a:rPr>
+              <a:t>close_fn</a:t>
+            </a:r>
+            <a:r>
+              <a:rPr lang="en-US" altLang="zh-TW" sz="1900" dirty="0">
+                <a:effectLst/>
+                <a:latin typeface="Courier New" panose="02070309020205020404" pitchFamily="49" charset="0"/>
+                <a:cs typeface="Courier New" panose="02070309020205020404" pitchFamily="49" charset="0"/>
+              </a:rPr>
+              <a:t> </a:t>
+            </a:r>
+            <a:r>
+              <a:rPr lang="zh-TW" altLang="en-US" sz="1900" dirty="0">
+                <a:effectLst/>
+                <a:latin typeface="Courier New" panose="02070309020205020404" pitchFamily="49" charset="0"/>
+                <a:cs typeface="Courier New" panose="02070309020205020404" pitchFamily="49" charset="0"/>
+              </a:rPr>
+              <a:t>。如果能</a:t>
+            </a:r>
+            <a:r>
+              <a:rPr lang="en-US" altLang="zh-TW" sz="1900" dirty="0">
+                <a:effectLst/>
+                <a:latin typeface="Courier New" panose="02070309020205020404" pitchFamily="49" charset="0"/>
+                <a:cs typeface="Courier New" panose="02070309020205020404" pitchFamily="49" charset="0"/>
+              </a:rPr>
+              <a:t>copy</a:t>
+            </a:r>
+            <a:r>
+              <a:rPr lang="zh-TW" altLang="en-US" sz="1900" dirty="0">
+                <a:effectLst/>
+                <a:latin typeface="Courier New" panose="02070309020205020404" pitchFamily="49" charset="0"/>
+                <a:cs typeface="Courier New" panose="02070309020205020404" pitchFamily="49" charset="0"/>
+              </a:rPr>
+              <a:t>的話</a:t>
+            </a:r>
+            <a:r>
+              <a:rPr lang="en-US" altLang="zh-TW" sz="1900" dirty="0">
+                <a:effectLst/>
+                <a:latin typeface="Courier New" panose="02070309020205020404" pitchFamily="49" charset="0"/>
+                <a:cs typeface="Courier New" panose="02070309020205020404" pitchFamily="49" charset="0"/>
+              </a:rPr>
+              <a:t>,</a:t>
+            </a:r>
+            <a:r>
+              <a:rPr lang="zh-TW" altLang="en-US" sz="1900" dirty="0">
+                <a:effectLst/>
+                <a:latin typeface="Courier New" panose="02070309020205020404" pitchFamily="49" charset="0"/>
+                <a:cs typeface="Courier New" panose="02070309020205020404" pitchFamily="49" charset="0"/>
+              </a:rPr>
+              <a:t>這個</a:t>
+            </a:r>
+            <a:r>
+              <a:rPr lang="en-US" altLang="zh-TW" sz="1900" dirty="0">
+                <a:effectLst/>
+                <a:latin typeface="Courier New" panose="02070309020205020404" pitchFamily="49" charset="0"/>
+                <a:cs typeface="Courier New" panose="02070309020205020404" pitchFamily="49" charset="0"/>
+              </a:rPr>
+              <a:t>resource</a:t>
+            </a:r>
+            <a:r>
+              <a:rPr lang="zh-TW" altLang="en-US" sz="1900" dirty="0">
+                <a:effectLst/>
+                <a:latin typeface="Courier New" panose="02070309020205020404" pitchFamily="49" charset="0"/>
+                <a:cs typeface="Courier New" panose="02070309020205020404" pitchFamily="49" charset="0"/>
+              </a:rPr>
+              <a:t>就會被</a:t>
+            </a:r>
+            <a:r>
+              <a:rPr lang="en-US" altLang="zh-TW" sz="1900" dirty="0">
+                <a:effectLst/>
+                <a:latin typeface="Courier New" panose="02070309020205020404" pitchFamily="49" charset="0"/>
+                <a:cs typeface="Courier New" panose="02070309020205020404" pitchFamily="49" charset="0"/>
+              </a:rPr>
+              <a:t>close</a:t>
+            </a:r>
+            <a:r>
+              <a:rPr lang="zh-TW" altLang="en-US" sz="1900" dirty="0">
+                <a:effectLst/>
+                <a:latin typeface="Courier New" panose="02070309020205020404" pitchFamily="49" charset="0"/>
+                <a:cs typeface="Courier New" panose="02070309020205020404" pitchFamily="49" charset="0"/>
+              </a:rPr>
+              <a:t>兩次。</a:t>
+            </a:r>
+            <a:r>
+              <a:rPr lang="en-US" altLang="zh-TW" sz="1900" dirty="0">
+                <a:effectLst/>
+                <a:latin typeface="Courier New" panose="02070309020205020404" pitchFamily="49" charset="0"/>
+                <a:cs typeface="Courier New" panose="02070309020205020404" pitchFamily="49" charset="0"/>
+              </a:rPr>
+              <a:t>So both copy constructor and copy assignment are deleted.</a:t>
+            </a:r>
+          </a:p>
+          <a:p>
+            <a:pPr marL="342900" indent="-342900" algn="l">
+              <a:spcBef>
+                <a:spcPts val="0"/>
+              </a:spcBef>
+              <a:spcAft>
+                <a:spcPts val="300"/>
+              </a:spcAft>
+              <a:buFont typeface="Arial" panose="020B0604020202020204" pitchFamily="34" charset="0"/>
+              <a:buChar char="•"/>
+            </a:pPr>
+            <a:r>
+              <a:rPr lang="en-US" altLang="zh-TW" sz="1900" dirty="0">
+                <a:effectLst/>
+                <a:latin typeface="Courier New" panose="02070309020205020404" pitchFamily="49" charset="0"/>
+                <a:cs typeface="Courier New" panose="02070309020205020404" pitchFamily="49" charset="0"/>
+              </a:rPr>
+              <a:t>template &lt;</a:t>
+            </a:r>
+            <a:r>
+              <a:rPr lang="en-US" altLang="zh-TW" sz="1900" dirty="0" err="1">
+                <a:effectLst/>
+                <a:latin typeface="Courier New" panose="02070309020205020404" pitchFamily="49" charset="0"/>
+                <a:cs typeface="Courier New" panose="02070309020205020404" pitchFamily="49" charset="0"/>
+              </a:rPr>
+              <a:t>typename</a:t>
+            </a:r>
+            <a:r>
+              <a:rPr lang="en-US" altLang="zh-TW" sz="1900" dirty="0">
+                <a:effectLst/>
+                <a:latin typeface="Courier New" panose="02070309020205020404" pitchFamily="49" charset="0"/>
+                <a:cs typeface="Courier New" panose="02070309020205020404" pitchFamily="49" charset="0"/>
+              </a:rPr>
+              <a:t> pointer,</a:t>
+            </a:r>
+            <a:br>
+              <a:rPr lang="en-US" altLang="zh-TW" sz="1900" dirty="0">
+                <a:effectLst/>
+                <a:latin typeface="Courier New" panose="02070309020205020404" pitchFamily="49" charset="0"/>
+                <a:cs typeface="Courier New" panose="02070309020205020404" pitchFamily="49" charset="0"/>
+              </a:rPr>
+            </a:br>
+            <a:r>
+              <a:rPr lang="en-US" altLang="zh-TW" sz="1900" dirty="0">
+                <a:effectLst/>
+                <a:latin typeface="Courier New" panose="02070309020205020404" pitchFamily="49" charset="0"/>
+                <a:cs typeface="Courier New" panose="02070309020205020404" pitchFamily="49" charset="0"/>
+              </a:rPr>
+              <a:t>          </a:t>
+            </a:r>
+            <a:r>
+              <a:rPr lang="en-US" altLang="zh-TW" sz="1900" dirty="0" err="1">
+                <a:effectLst/>
+                <a:latin typeface="Courier New" panose="02070309020205020404" pitchFamily="49" charset="0"/>
+                <a:cs typeface="Courier New" panose="02070309020205020404" pitchFamily="49" charset="0"/>
+              </a:rPr>
+              <a:t>typename</a:t>
+            </a:r>
+            <a:r>
+              <a:rPr lang="en-US" altLang="zh-TW" sz="1900" dirty="0">
+                <a:effectLst/>
+                <a:latin typeface="Courier New" panose="02070309020205020404" pitchFamily="49" charset="0"/>
+                <a:cs typeface="Courier New" panose="02070309020205020404" pitchFamily="49" charset="0"/>
+              </a:rPr>
+              <a:t> </a:t>
+            </a:r>
+            <a:r>
+              <a:rPr lang="en-US" altLang="zh-TW" sz="1900" dirty="0" err="1">
+                <a:effectLst/>
+                <a:latin typeface="Courier New" panose="02070309020205020404" pitchFamily="49" charset="0"/>
+                <a:cs typeface="Courier New" panose="02070309020205020404" pitchFamily="49" charset="0"/>
+              </a:rPr>
+              <a:t>close_fn_t</a:t>
+            </a:r>
+            <a:r>
+              <a:rPr lang="en-US" altLang="zh-TW" sz="1900" dirty="0">
+                <a:effectLst/>
+                <a:latin typeface="Courier New" panose="02070309020205020404" pitchFamily="49" charset="0"/>
+                <a:cs typeface="Courier New" panose="02070309020205020404" pitchFamily="49" charset="0"/>
+              </a:rPr>
+              <a:t>,</a:t>
+            </a:r>
+            <a:br>
+              <a:rPr lang="en-US" altLang="zh-TW" sz="1900" dirty="0">
+                <a:effectLst/>
+                <a:latin typeface="Courier New" panose="02070309020205020404" pitchFamily="49" charset="0"/>
+                <a:cs typeface="Courier New" panose="02070309020205020404" pitchFamily="49" charset="0"/>
+              </a:rPr>
+            </a:br>
+            <a:r>
+              <a:rPr lang="en-US" altLang="zh-TW" sz="1900" dirty="0">
+                <a:effectLst/>
+                <a:latin typeface="Courier New" panose="02070309020205020404" pitchFamily="49" charset="0"/>
+                <a:cs typeface="Courier New" panose="02070309020205020404" pitchFamily="49" charset="0"/>
+              </a:rPr>
+              <a:t>          </a:t>
+            </a:r>
+            <a:r>
+              <a:rPr lang="en-US" altLang="zh-TW" sz="1900" dirty="0" err="1">
+                <a:effectLst/>
+                <a:latin typeface="Courier New" panose="02070309020205020404" pitchFamily="49" charset="0"/>
+                <a:cs typeface="Courier New" panose="02070309020205020404" pitchFamily="49" charset="0"/>
+              </a:rPr>
+              <a:t>close_fn_t</a:t>
+            </a:r>
+            <a:r>
+              <a:rPr lang="en-US" altLang="zh-TW" sz="1900" dirty="0">
+                <a:effectLst/>
+                <a:latin typeface="Courier New" panose="02070309020205020404" pitchFamily="49" charset="0"/>
+                <a:cs typeface="Courier New" panose="02070309020205020404" pitchFamily="49" charset="0"/>
+              </a:rPr>
+              <a:t> </a:t>
+            </a:r>
+            <a:r>
+              <a:rPr lang="en-US" altLang="zh-TW" sz="1900" dirty="0" err="1">
+                <a:effectLst/>
+                <a:latin typeface="Courier New" panose="02070309020205020404" pitchFamily="49" charset="0"/>
+                <a:cs typeface="Courier New" panose="02070309020205020404" pitchFamily="49" charset="0"/>
+              </a:rPr>
+              <a:t>close_fn</a:t>
+            </a:r>
+            <a:r>
+              <a:rPr lang="en-US" altLang="zh-TW" sz="1900" dirty="0">
+                <a:effectLst/>
+                <a:latin typeface="Courier New" panose="02070309020205020404" pitchFamily="49" charset="0"/>
+                <a:cs typeface="Courier New" panose="02070309020205020404" pitchFamily="49" charset="0"/>
+              </a:rPr>
+              <a:t>,</a:t>
+            </a:r>
+            <a:br>
+              <a:rPr lang="en-US" altLang="zh-TW" sz="1900" dirty="0">
+                <a:effectLst/>
+                <a:latin typeface="Courier New" panose="02070309020205020404" pitchFamily="49" charset="0"/>
+                <a:cs typeface="Courier New" panose="02070309020205020404" pitchFamily="49" charset="0"/>
+              </a:rPr>
+            </a:br>
+            <a:r>
+              <a:rPr lang="en-US" altLang="zh-TW" sz="1900" dirty="0">
+                <a:effectLst/>
+                <a:latin typeface="Courier New" panose="02070309020205020404" pitchFamily="49" charset="0"/>
+                <a:cs typeface="Courier New" panose="02070309020205020404" pitchFamily="49" charset="0"/>
+              </a:rPr>
+              <a:t>          </a:t>
+            </a:r>
+            <a:r>
+              <a:rPr lang="en-US" altLang="zh-TW" sz="1900" dirty="0" err="1">
+                <a:effectLst/>
+                <a:latin typeface="Courier New" panose="02070309020205020404" pitchFamily="49" charset="0"/>
+                <a:cs typeface="Courier New" panose="02070309020205020404" pitchFamily="49" charset="0"/>
+              </a:rPr>
+              <a:t>typename</a:t>
+            </a:r>
+            <a:r>
+              <a:rPr lang="en-US" altLang="zh-TW" sz="1900" dirty="0">
+                <a:effectLst/>
+                <a:latin typeface="Courier New" panose="02070309020205020404" pitchFamily="49" charset="0"/>
+                <a:cs typeface="Courier New" panose="02070309020205020404" pitchFamily="49" charset="0"/>
+              </a:rPr>
+              <a:t> </a:t>
+            </a:r>
+            <a:r>
+              <a:rPr lang="en-US" altLang="zh-TW" sz="1900" dirty="0" err="1">
+                <a:effectLst/>
+                <a:latin typeface="Courier New" panose="02070309020205020404" pitchFamily="49" charset="0"/>
+                <a:cs typeface="Courier New" panose="02070309020205020404" pitchFamily="49" charset="0"/>
+              </a:rPr>
+              <a:t>pointer_access</a:t>
+            </a:r>
+            <a:r>
+              <a:rPr lang="en-US" altLang="zh-TW" sz="1900" dirty="0">
+                <a:effectLst/>
+                <a:latin typeface="Courier New" panose="02070309020205020404" pitchFamily="49" charset="0"/>
+                <a:cs typeface="Courier New" panose="02070309020205020404" pitchFamily="49" charset="0"/>
+              </a:rPr>
+              <a:t> = details::</a:t>
+            </a:r>
+            <a:r>
+              <a:rPr lang="en-US" altLang="zh-TW" sz="1900" dirty="0" err="1">
+                <a:effectLst/>
+                <a:latin typeface="Courier New" panose="02070309020205020404" pitchFamily="49" charset="0"/>
+                <a:cs typeface="Courier New" panose="02070309020205020404" pitchFamily="49" charset="0"/>
+              </a:rPr>
+              <a:t>pointer_access_all</a:t>
+            </a:r>
+            <a:r>
+              <a:rPr lang="en-US" altLang="zh-TW" sz="1900" dirty="0">
+                <a:effectLst/>
+                <a:latin typeface="Courier New" panose="02070309020205020404" pitchFamily="49" charset="0"/>
+                <a:cs typeface="Courier New" panose="02070309020205020404" pitchFamily="49" charset="0"/>
+              </a:rPr>
+              <a:t>,</a:t>
+            </a:r>
+            <a:br>
+              <a:rPr lang="en-US" altLang="zh-TW" sz="1900" dirty="0">
+                <a:effectLst/>
+                <a:latin typeface="Courier New" panose="02070309020205020404" pitchFamily="49" charset="0"/>
+                <a:cs typeface="Courier New" panose="02070309020205020404" pitchFamily="49" charset="0"/>
+              </a:rPr>
+            </a:br>
+            <a:r>
+              <a:rPr lang="en-US" altLang="zh-TW" sz="1900" dirty="0">
+                <a:effectLst/>
+                <a:latin typeface="Courier New" panose="02070309020205020404" pitchFamily="49" charset="0"/>
+                <a:cs typeface="Courier New" panose="02070309020205020404" pitchFamily="49" charset="0"/>
+              </a:rPr>
+              <a:t>          </a:t>
+            </a:r>
+            <a:r>
+              <a:rPr lang="en-US" altLang="zh-TW" sz="1900" dirty="0" err="1">
+                <a:effectLst/>
+                <a:latin typeface="Courier New" panose="02070309020205020404" pitchFamily="49" charset="0"/>
+                <a:cs typeface="Courier New" panose="02070309020205020404" pitchFamily="49" charset="0"/>
+              </a:rPr>
+              <a:t>typename</a:t>
+            </a:r>
+            <a:r>
+              <a:rPr lang="en-US" altLang="zh-TW" sz="1900" dirty="0">
+                <a:effectLst/>
+                <a:latin typeface="Courier New" panose="02070309020205020404" pitchFamily="49" charset="0"/>
+                <a:cs typeface="Courier New" panose="02070309020205020404" pitchFamily="49" charset="0"/>
+              </a:rPr>
+              <a:t> </a:t>
+            </a:r>
+            <a:r>
+              <a:rPr lang="en-US" altLang="zh-TW" sz="1900" dirty="0" err="1">
+                <a:effectLst/>
+                <a:latin typeface="Courier New" panose="02070309020205020404" pitchFamily="49" charset="0"/>
+                <a:cs typeface="Courier New" panose="02070309020205020404" pitchFamily="49" charset="0"/>
+              </a:rPr>
+              <a:t>pointer_storage</a:t>
+            </a:r>
+            <a:r>
+              <a:rPr lang="en-US" altLang="zh-TW" sz="1900" dirty="0">
+                <a:effectLst/>
+                <a:latin typeface="Courier New" panose="02070309020205020404" pitchFamily="49" charset="0"/>
+                <a:cs typeface="Courier New" panose="02070309020205020404" pitchFamily="49" charset="0"/>
+              </a:rPr>
+              <a:t> = pointer,</a:t>
+            </a:r>
+            <a:br>
+              <a:rPr lang="en-US" altLang="zh-TW" sz="1900" dirty="0">
+                <a:effectLst/>
+                <a:latin typeface="Courier New" panose="02070309020205020404" pitchFamily="49" charset="0"/>
+                <a:cs typeface="Courier New" panose="02070309020205020404" pitchFamily="49" charset="0"/>
+              </a:rPr>
+            </a:br>
+            <a:r>
+              <a:rPr lang="en-US" altLang="zh-TW" sz="1900" dirty="0">
+                <a:effectLst/>
+                <a:latin typeface="Courier New" panose="02070309020205020404" pitchFamily="49" charset="0"/>
+                <a:cs typeface="Courier New" panose="02070309020205020404" pitchFamily="49" charset="0"/>
+              </a:rPr>
+              <a:t>          </a:t>
+            </a:r>
+            <a:r>
+              <a:rPr lang="en-US" altLang="zh-TW" sz="1900" dirty="0" err="1">
+                <a:effectLst/>
+                <a:latin typeface="Courier New" panose="02070309020205020404" pitchFamily="49" charset="0"/>
+                <a:cs typeface="Courier New" panose="02070309020205020404" pitchFamily="49" charset="0"/>
+              </a:rPr>
+              <a:t>typename</a:t>
+            </a:r>
+            <a:r>
+              <a:rPr lang="en-US" altLang="zh-TW" sz="1900" dirty="0">
+                <a:effectLst/>
+                <a:latin typeface="Courier New" panose="02070309020205020404" pitchFamily="49" charset="0"/>
+                <a:cs typeface="Courier New" panose="02070309020205020404" pitchFamily="49" charset="0"/>
+              </a:rPr>
+              <a:t> </a:t>
+            </a:r>
+            <a:r>
+              <a:rPr lang="en-US" altLang="zh-TW" sz="1900" dirty="0" err="1">
+                <a:effectLst/>
+                <a:latin typeface="Courier New" panose="02070309020205020404" pitchFamily="49" charset="0"/>
+                <a:cs typeface="Courier New" panose="02070309020205020404" pitchFamily="49" charset="0"/>
+              </a:rPr>
+              <a:t>invalid_t</a:t>
+            </a:r>
+            <a:r>
+              <a:rPr lang="en-US" altLang="zh-TW" sz="1900" dirty="0">
+                <a:effectLst/>
+                <a:latin typeface="Courier New" panose="02070309020205020404" pitchFamily="49" charset="0"/>
+                <a:cs typeface="Courier New" panose="02070309020205020404" pitchFamily="49" charset="0"/>
+              </a:rPr>
+              <a:t> = pointer,</a:t>
+            </a:r>
+            <a:br>
+              <a:rPr lang="en-US" altLang="zh-TW" sz="1900" dirty="0">
+                <a:effectLst/>
+                <a:latin typeface="Courier New" panose="02070309020205020404" pitchFamily="49" charset="0"/>
+                <a:cs typeface="Courier New" panose="02070309020205020404" pitchFamily="49" charset="0"/>
+              </a:rPr>
+            </a:br>
+            <a:r>
+              <a:rPr lang="en-US" altLang="zh-TW" sz="1900" dirty="0">
+                <a:effectLst/>
+                <a:latin typeface="Courier New" panose="02070309020205020404" pitchFamily="49" charset="0"/>
+                <a:cs typeface="Courier New" panose="02070309020205020404" pitchFamily="49" charset="0"/>
+              </a:rPr>
+              <a:t>          </a:t>
+            </a:r>
+            <a:r>
+              <a:rPr lang="en-US" altLang="zh-TW" sz="1900" dirty="0" err="1">
+                <a:effectLst/>
+                <a:latin typeface="Courier New" panose="02070309020205020404" pitchFamily="49" charset="0"/>
+                <a:cs typeface="Courier New" panose="02070309020205020404" pitchFamily="49" charset="0"/>
+              </a:rPr>
+              <a:t>invalid_t</a:t>
+            </a:r>
+            <a:r>
+              <a:rPr lang="en-US" altLang="zh-TW" sz="1900" dirty="0">
+                <a:effectLst/>
+                <a:latin typeface="Courier New" panose="02070309020205020404" pitchFamily="49" charset="0"/>
+                <a:cs typeface="Courier New" panose="02070309020205020404" pitchFamily="49" charset="0"/>
+              </a:rPr>
+              <a:t> invalid = </a:t>
+            </a:r>
+            <a:r>
+              <a:rPr lang="en-US" altLang="zh-TW" sz="1900" dirty="0" err="1">
+                <a:effectLst/>
+                <a:latin typeface="Courier New" panose="02070309020205020404" pitchFamily="49" charset="0"/>
+                <a:cs typeface="Courier New" panose="02070309020205020404" pitchFamily="49" charset="0"/>
+              </a:rPr>
+              <a:t>invalid_t</a:t>
+            </a:r>
+            <a:r>
+              <a:rPr lang="en-US" altLang="zh-TW" sz="1900" dirty="0">
+                <a:effectLst/>
+                <a:latin typeface="Courier New" panose="02070309020205020404" pitchFamily="49" charset="0"/>
+                <a:cs typeface="Courier New" panose="02070309020205020404" pitchFamily="49" charset="0"/>
+              </a:rPr>
+              <a:t>(),</a:t>
+            </a:r>
+            <a:br>
+              <a:rPr lang="en-US" altLang="zh-TW" sz="1900" dirty="0">
+                <a:effectLst/>
+                <a:latin typeface="Courier New" panose="02070309020205020404" pitchFamily="49" charset="0"/>
+                <a:cs typeface="Courier New" panose="02070309020205020404" pitchFamily="49" charset="0"/>
+              </a:rPr>
+            </a:br>
+            <a:r>
+              <a:rPr lang="en-US" altLang="zh-TW" sz="1900" dirty="0">
+                <a:effectLst/>
+                <a:latin typeface="Courier New" panose="02070309020205020404" pitchFamily="49" charset="0"/>
+                <a:cs typeface="Courier New" panose="02070309020205020404" pitchFamily="49" charset="0"/>
+              </a:rPr>
+              <a:t>          </a:t>
+            </a:r>
+            <a:r>
+              <a:rPr lang="en-US" altLang="zh-TW" sz="1900" dirty="0" err="1">
+                <a:effectLst/>
+                <a:latin typeface="Courier New" panose="02070309020205020404" pitchFamily="49" charset="0"/>
+                <a:cs typeface="Courier New" panose="02070309020205020404" pitchFamily="49" charset="0"/>
+              </a:rPr>
+              <a:t>typename</a:t>
+            </a:r>
+            <a:r>
+              <a:rPr lang="en-US" altLang="zh-TW" sz="1900" dirty="0">
+                <a:effectLst/>
+                <a:latin typeface="Courier New" panose="02070309020205020404" pitchFamily="49" charset="0"/>
+                <a:cs typeface="Courier New" panose="02070309020205020404" pitchFamily="49" charset="0"/>
+              </a:rPr>
+              <a:t> </a:t>
+            </a:r>
+            <a:r>
+              <a:rPr lang="en-US" altLang="zh-TW" sz="1900" dirty="0" err="1">
+                <a:effectLst/>
+                <a:latin typeface="Courier New" panose="02070309020205020404" pitchFamily="49" charset="0"/>
+                <a:cs typeface="Courier New" panose="02070309020205020404" pitchFamily="49" charset="0"/>
+              </a:rPr>
+              <a:t>pointer_invalid</a:t>
+            </a:r>
+            <a:r>
+              <a:rPr lang="en-US" altLang="zh-TW" sz="1900" dirty="0">
+                <a:effectLst/>
+                <a:latin typeface="Courier New" panose="02070309020205020404" pitchFamily="49" charset="0"/>
+                <a:cs typeface="Courier New" panose="02070309020205020404" pitchFamily="49" charset="0"/>
+              </a:rPr>
+              <a:t> = </a:t>
+            </a:r>
+            <a:r>
+              <a:rPr lang="en-US" altLang="zh-TW" sz="1900" dirty="0" err="1">
+                <a:effectLst/>
+                <a:latin typeface="Courier New" panose="02070309020205020404" pitchFamily="49" charset="0"/>
+                <a:cs typeface="Courier New" panose="02070309020205020404" pitchFamily="49" charset="0"/>
+              </a:rPr>
+              <a:t>wistd</a:t>
+            </a:r>
+            <a:r>
+              <a:rPr lang="en-US" altLang="zh-TW" sz="1900" dirty="0">
+                <a:effectLst/>
+                <a:latin typeface="Courier New" panose="02070309020205020404" pitchFamily="49" charset="0"/>
+                <a:cs typeface="Courier New" panose="02070309020205020404" pitchFamily="49" charset="0"/>
+              </a:rPr>
+              <a:t>::</a:t>
+            </a:r>
+            <a:r>
+              <a:rPr lang="en-US" altLang="zh-TW" sz="1900" dirty="0" err="1">
+                <a:effectLst/>
+                <a:latin typeface="Courier New" panose="02070309020205020404" pitchFamily="49" charset="0"/>
+                <a:cs typeface="Courier New" panose="02070309020205020404" pitchFamily="49" charset="0"/>
+              </a:rPr>
+              <a:t>nullptr_t</a:t>
+            </a:r>
+            <a:r>
+              <a:rPr lang="en-US" altLang="zh-TW" sz="1900" dirty="0">
+                <a:effectLst/>
+                <a:latin typeface="Courier New" panose="02070309020205020404" pitchFamily="49" charset="0"/>
+                <a:cs typeface="Courier New" panose="02070309020205020404" pitchFamily="49" charset="0"/>
+              </a:rPr>
+              <a:t>&gt;</a:t>
+            </a:r>
+            <a:br>
+              <a:rPr lang="en-US" altLang="zh-TW" sz="1900" dirty="0">
+                <a:effectLst/>
+                <a:latin typeface="Courier New" panose="02070309020205020404" pitchFamily="49" charset="0"/>
+                <a:cs typeface="Courier New" panose="02070309020205020404" pitchFamily="49" charset="0"/>
+              </a:rPr>
+            </a:br>
+            <a:r>
+              <a:rPr lang="en-US" altLang="zh-TW" sz="1900" dirty="0">
+                <a:effectLst/>
+                <a:latin typeface="Courier New" panose="02070309020205020404" pitchFamily="49" charset="0"/>
+                <a:cs typeface="Courier New" panose="02070309020205020404" pitchFamily="49" charset="0"/>
+              </a:rPr>
+              <a:t>using </a:t>
+            </a:r>
+            <a:r>
+              <a:rPr lang="en-US" altLang="zh-TW" sz="1900" dirty="0" err="1">
+                <a:effectLst/>
+                <a:latin typeface="Courier New" panose="02070309020205020404" pitchFamily="49" charset="0"/>
+                <a:cs typeface="Courier New" panose="02070309020205020404" pitchFamily="49" charset="0"/>
+              </a:rPr>
+              <a:t>unique_any</a:t>
+            </a:r>
+            <a:r>
+              <a:rPr lang="en-US" altLang="zh-TW" sz="1900" dirty="0">
+                <a:effectLst/>
+                <a:latin typeface="Courier New" panose="02070309020205020404" pitchFamily="49" charset="0"/>
+                <a:cs typeface="Courier New" panose="02070309020205020404" pitchFamily="49" charset="0"/>
+              </a:rPr>
+              <a:t> = </a:t>
+            </a:r>
+            <a:r>
+              <a:rPr lang="en-US" altLang="zh-TW" sz="1900" dirty="0" err="1">
+                <a:effectLst/>
+                <a:latin typeface="Courier New" panose="02070309020205020404" pitchFamily="49" charset="0"/>
+                <a:cs typeface="Courier New" panose="02070309020205020404" pitchFamily="49" charset="0"/>
+              </a:rPr>
+              <a:t>unique_any_t</a:t>
+            </a:r>
+            <a:r>
+              <a:rPr lang="en-US" altLang="zh-TW" sz="1900" dirty="0">
+                <a:effectLst/>
+                <a:latin typeface="Courier New" panose="02070309020205020404" pitchFamily="49" charset="0"/>
+                <a:cs typeface="Courier New" panose="02070309020205020404" pitchFamily="49" charset="0"/>
+              </a:rPr>
+              <a:t>&lt;</a:t>
+            </a:r>
+            <a:r>
+              <a:rPr lang="en-US" altLang="zh-TW" sz="1900" dirty="0" err="1">
+                <a:effectLst/>
+                <a:latin typeface="Courier New" panose="02070309020205020404" pitchFamily="49" charset="0"/>
+                <a:cs typeface="Courier New" panose="02070309020205020404" pitchFamily="49" charset="0"/>
+              </a:rPr>
+              <a:t>unique_storage</a:t>
+            </a:r>
+            <a:r>
+              <a:rPr lang="en-US" altLang="zh-TW" sz="1900" dirty="0">
+                <a:effectLst/>
+                <a:latin typeface="Courier New" panose="02070309020205020404" pitchFamily="49" charset="0"/>
+                <a:cs typeface="Courier New" panose="02070309020205020404" pitchFamily="49" charset="0"/>
+              </a:rPr>
+              <a:t>&lt;</a:t>
+            </a:r>
+            <a:r>
+              <a:rPr lang="en-US" altLang="zh-TW" sz="1900" dirty="0" err="1">
+                <a:effectLst/>
+                <a:latin typeface="Courier New" panose="02070309020205020404" pitchFamily="49" charset="0"/>
+                <a:cs typeface="Courier New" panose="02070309020205020404" pitchFamily="49" charset="0"/>
+              </a:rPr>
+              <a:t>resource_policy</a:t>
+            </a:r>
+            <a:r>
+              <a:rPr lang="en-US" altLang="zh-TW" sz="1900" dirty="0">
+                <a:effectLst/>
+                <a:latin typeface="Courier New" panose="02070309020205020404" pitchFamily="49" charset="0"/>
+                <a:cs typeface="Courier New" panose="02070309020205020404" pitchFamily="49" charset="0"/>
+              </a:rPr>
+              <a:t>&lt;pointer, </a:t>
+            </a:r>
+            <a:r>
+              <a:rPr lang="en-US" altLang="zh-TW" sz="1900" dirty="0" err="1">
+                <a:effectLst/>
+                <a:latin typeface="Courier New" panose="02070309020205020404" pitchFamily="49" charset="0"/>
+                <a:cs typeface="Courier New" panose="02070309020205020404" pitchFamily="49" charset="0"/>
+              </a:rPr>
+              <a:t>close_fn_t</a:t>
+            </a:r>
+            <a:r>
+              <a:rPr lang="en-US" altLang="zh-TW" sz="1900" dirty="0">
+                <a:effectLst/>
+                <a:latin typeface="Courier New" panose="02070309020205020404" pitchFamily="49" charset="0"/>
+                <a:cs typeface="Courier New" panose="02070309020205020404" pitchFamily="49" charset="0"/>
+              </a:rPr>
+              <a:t>, </a:t>
+            </a:r>
+            <a:r>
+              <a:rPr lang="en-US" altLang="zh-TW" sz="1900" dirty="0" err="1">
+                <a:effectLst/>
+                <a:latin typeface="Courier New" panose="02070309020205020404" pitchFamily="49" charset="0"/>
+                <a:cs typeface="Courier New" panose="02070309020205020404" pitchFamily="49" charset="0"/>
+              </a:rPr>
+              <a:t>close_fn</a:t>
+            </a:r>
+            <a:r>
+              <a:rPr lang="en-US" altLang="zh-TW" sz="1900" dirty="0">
+                <a:effectLst/>
+                <a:latin typeface="Courier New" panose="02070309020205020404" pitchFamily="49" charset="0"/>
+                <a:cs typeface="Courier New" panose="02070309020205020404" pitchFamily="49" charset="0"/>
+              </a:rPr>
+              <a:t>, </a:t>
+            </a:r>
+            <a:r>
+              <a:rPr lang="en-US" altLang="zh-TW" sz="1900" dirty="0" err="1">
+                <a:effectLst/>
+                <a:latin typeface="Courier New" panose="02070309020205020404" pitchFamily="49" charset="0"/>
+                <a:cs typeface="Courier New" panose="02070309020205020404" pitchFamily="49" charset="0"/>
+              </a:rPr>
+              <a:t>pointer_access</a:t>
+            </a:r>
+            <a:r>
+              <a:rPr lang="en-US" altLang="zh-TW" sz="1900" dirty="0">
+                <a:effectLst/>
+                <a:latin typeface="Courier New" panose="02070309020205020404" pitchFamily="49" charset="0"/>
+                <a:cs typeface="Courier New" panose="02070309020205020404" pitchFamily="49" charset="0"/>
+              </a:rPr>
+              <a:t>, </a:t>
+            </a:r>
+            <a:r>
+              <a:rPr lang="en-US" altLang="zh-TW" sz="1900" dirty="0" err="1">
+                <a:effectLst/>
+                <a:latin typeface="Courier New" panose="02070309020205020404" pitchFamily="49" charset="0"/>
+                <a:cs typeface="Courier New" panose="02070309020205020404" pitchFamily="49" charset="0"/>
+              </a:rPr>
+              <a:t>pointer_storage</a:t>
+            </a:r>
+            <a:r>
+              <a:rPr lang="en-US" altLang="zh-TW" sz="1900" dirty="0">
+                <a:effectLst/>
+                <a:latin typeface="Courier New" panose="02070309020205020404" pitchFamily="49" charset="0"/>
+                <a:cs typeface="Courier New" panose="02070309020205020404" pitchFamily="49" charset="0"/>
+              </a:rPr>
+              <a:t>, </a:t>
+            </a:r>
+            <a:r>
+              <a:rPr lang="en-US" altLang="zh-TW" sz="1900" dirty="0" err="1">
+                <a:effectLst/>
+                <a:latin typeface="Courier New" panose="02070309020205020404" pitchFamily="49" charset="0"/>
+                <a:cs typeface="Courier New" panose="02070309020205020404" pitchFamily="49" charset="0"/>
+              </a:rPr>
+              <a:t>invalid_t</a:t>
+            </a:r>
+            <a:r>
+              <a:rPr lang="en-US" altLang="zh-TW" sz="1900" dirty="0">
+                <a:effectLst/>
+                <a:latin typeface="Courier New" panose="02070309020205020404" pitchFamily="49" charset="0"/>
+                <a:cs typeface="Courier New" panose="02070309020205020404" pitchFamily="49" charset="0"/>
+              </a:rPr>
+              <a:t>, invalid, </a:t>
+            </a:r>
+            <a:r>
+              <a:rPr lang="en-US" altLang="zh-TW" sz="1900" dirty="0" err="1">
+                <a:effectLst/>
+                <a:latin typeface="Courier New" panose="02070309020205020404" pitchFamily="49" charset="0"/>
+                <a:cs typeface="Courier New" panose="02070309020205020404" pitchFamily="49" charset="0"/>
+              </a:rPr>
+              <a:t>pointer_invalid</a:t>
+            </a:r>
+            <a:r>
+              <a:rPr lang="en-US" altLang="zh-TW" sz="1900" dirty="0">
+                <a:effectLst/>
+                <a:latin typeface="Courier New" panose="02070309020205020404" pitchFamily="49" charset="0"/>
+                <a:cs typeface="Courier New" panose="02070309020205020404" pitchFamily="49" charset="0"/>
+              </a:rPr>
+              <a:t>&gt;&gt;&gt;;</a:t>
+            </a:r>
+          </a:p>
+        </p:txBody>
+      </p:sp>
+    </p:spTree>
+    <p:extLst>
+      <p:ext uri="{BB962C8B-B14F-4D97-AF65-F5344CB8AC3E}">
+        <p14:creationId xmlns:p14="http://schemas.microsoft.com/office/powerpoint/2010/main" val="16422042"/>
+      </p:ext>
+    </p:extLst>
+  </p:cSld>
+  <p:clrMapOvr>
+    <a:masterClrMapping/>
+  </p:clrMapOvr>
+</p:sld>
+</file>
+
+<file path=ppt/slides/slide9.xml><?xml version="1.0" encoding="utf-8"?>
+<p:sld xmlns:a="http://schemas.openxmlformats.org/drawingml/2006/main" xmlns:r="http://schemas.openxmlformats.org/officeDocument/2006/relationships" xmlns:p="http://schemas.openxmlformats.org/presentationml/2006/main">
+  <p:cSld>
+    <p:spTree>
+      <p:nvGrpSpPr>
+        <p:cNvPr id="1" name=""/>
+        <p:cNvGrpSpPr/>
+        <p:nvPr/>
+      </p:nvGrpSpPr>
+      <p:grpSpPr>
+        <a:xfrm>
+          <a:off x="0" y="0"/>
+          <a:ext cx="0" cy="0"/>
+          <a:chOff x="0" y="0"/>
+          <a:chExt cx="0" cy="0"/>
+        </a:xfrm>
+      </p:grpSpPr>
+      <p:sp>
+        <p:nvSpPr>
+          <p:cNvPr id="2" name="Title 1">
+            <a:extLst>
+              <a:ext uri="{FF2B5EF4-FFF2-40B4-BE49-F238E27FC236}">
+                <a16:creationId xmlns:a16="http://schemas.microsoft.com/office/drawing/2014/main" id="{67B987A3-AE05-4DD4-B92A-5BB153BF5168}"/>
+              </a:ext>
+            </a:extLst>
+          </p:cNvPr>
+          <p:cNvSpPr>
+            <a:spLocks noGrp="1"/>
+          </p:cNvSpPr>
+          <p:nvPr>
+            <p:ph type="ctrTitle"/>
+          </p:nvPr>
+        </p:nvSpPr>
+        <p:spPr>
+          <a:xfrm>
+            <a:off x="1212574" y="236954"/>
+            <a:ext cx="9780104" cy="806235"/>
+          </a:xfrm>
+        </p:spPr>
+        <p:txBody>
+          <a:bodyPr>
+            <a:normAutofit fontScale="90000"/>
+          </a:bodyPr>
+          <a:lstStyle/>
+          <a:p>
+            <a:r>
+              <a:rPr lang="en-US" dirty="0">
+                <a:effectLst/>
+              </a:rPr>
+              <a:t>WIL </a:t>
+            </a:r>
+            <a:r>
+              <a:rPr lang="en-US" dirty="0" err="1">
+                <a:effectLst/>
+              </a:rPr>
+              <a:t>resource.h</a:t>
+            </a:r>
+            <a:r>
+              <a:rPr lang="en-US" dirty="0">
+                <a:effectLst/>
+              </a:rPr>
+              <a:t> (</a:t>
+            </a:r>
+            <a:r>
+              <a:rPr lang="zh-TW" altLang="en-US" dirty="0">
+                <a:effectLst/>
+              </a:rPr>
+              <a:t>簡化</a:t>
+            </a:r>
+            <a:r>
+              <a:rPr lang="en-US" dirty="0">
+                <a:effectLst/>
+              </a:rPr>
+              <a:t>)</a:t>
+            </a:r>
+          </a:p>
+        </p:txBody>
+      </p:sp>
+      <p:sp>
+        <p:nvSpPr>
+          <p:cNvPr id="3" name="Subtitle 2">
+            <a:extLst>
+              <a:ext uri="{FF2B5EF4-FFF2-40B4-BE49-F238E27FC236}">
+                <a16:creationId xmlns:a16="http://schemas.microsoft.com/office/drawing/2014/main" id="{2F840F1F-E23F-4334-943C-3F1A7A2E80AA}"/>
+              </a:ext>
+            </a:extLst>
+          </p:cNvPr>
+          <p:cNvSpPr>
+            <a:spLocks noGrp="1"/>
+          </p:cNvSpPr>
+          <p:nvPr>
+            <p:ph type="subTitle" idx="1"/>
+          </p:nvPr>
+        </p:nvSpPr>
+        <p:spPr>
+          <a:xfrm>
+            <a:off x="520228" y="1043189"/>
+            <a:ext cx="11140964" cy="5412695"/>
+          </a:xfrm>
+        </p:spPr>
+        <p:txBody>
+          <a:bodyPr>
+            <a:normAutofit/>
+          </a:bodyPr>
+          <a:lstStyle/>
+          <a:p>
+            <a:pPr marL="342900" indent="-342900" algn="l">
+              <a:spcBef>
+                <a:spcPts val="0"/>
+              </a:spcBef>
+              <a:spcAft>
+                <a:spcPts val="300"/>
+              </a:spcAft>
+              <a:buFont typeface="Arial" panose="020B0604020202020204" pitchFamily="34" charset="0"/>
+              <a:buChar char="•"/>
+            </a:pPr>
+            <a:r>
+              <a:rPr lang="en-US" altLang="zh-TW" sz="1400" dirty="0">
+                <a:effectLst/>
+                <a:latin typeface="Courier New" panose="02070309020205020404" pitchFamily="49" charset="0"/>
+                <a:cs typeface="Courier New" panose="02070309020205020404" pitchFamily="49" charset="0"/>
+              </a:rPr>
+              <a:t>template &lt;</a:t>
+            </a:r>
+            <a:r>
+              <a:rPr lang="en-US" altLang="zh-TW" sz="1400" dirty="0" err="1">
+                <a:effectLst/>
+                <a:latin typeface="Courier New" panose="02070309020205020404" pitchFamily="49" charset="0"/>
+                <a:cs typeface="Courier New" panose="02070309020205020404" pitchFamily="49" charset="0"/>
+              </a:rPr>
+              <a:t>typename</a:t>
+            </a:r>
+            <a:r>
+              <a:rPr lang="en-US" altLang="zh-TW" sz="1400" dirty="0">
+                <a:effectLst/>
+                <a:latin typeface="Courier New" panose="02070309020205020404" pitchFamily="49" charset="0"/>
+                <a:cs typeface="Courier New" panose="02070309020205020404" pitchFamily="49" charset="0"/>
+              </a:rPr>
+              <a:t> </a:t>
+            </a:r>
+            <a:r>
+              <a:rPr lang="en-US" altLang="zh-TW" sz="1400" dirty="0" err="1">
+                <a:effectLst/>
+                <a:latin typeface="Courier New" panose="02070309020205020404" pitchFamily="49" charset="0"/>
+                <a:cs typeface="Courier New" panose="02070309020205020404" pitchFamily="49" charset="0"/>
+              </a:rPr>
+              <a:t>close_fn_t</a:t>
+            </a:r>
+            <a:r>
+              <a:rPr lang="en-US" altLang="zh-TW" sz="1400" dirty="0">
+                <a:effectLst/>
+                <a:latin typeface="Courier New" panose="02070309020205020404" pitchFamily="49" charset="0"/>
+                <a:cs typeface="Courier New" panose="02070309020205020404" pitchFamily="49" charset="0"/>
+              </a:rPr>
+              <a:t>, </a:t>
+            </a:r>
+            <a:r>
+              <a:rPr lang="en-US" altLang="zh-TW" sz="1400" dirty="0" err="1">
+                <a:effectLst/>
+                <a:latin typeface="Courier New" panose="02070309020205020404" pitchFamily="49" charset="0"/>
+                <a:cs typeface="Courier New" panose="02070309020205020404" pitchFamily="49" charset="0"/>
+              </a:rPr>
+              <a:t>close_fn_t</a:t>
+            </a:r>
+            <a:r>
+              <a:rPr lang="en-US" altLang="zh-TW" sz="1400" dirty="0">
+                <a:effectLst/>
+                <a:latin typeface="Courier New" panose="02070309020205020404" pitchFamily="49" charset="0"/>
+                <a:cs typeface="Courier New" panose="02070309020205020404" pitchFamily="49" charset="0"/>
+              </a:rPr>
+              <a:t> </a:t>
+            </a:r>
+            <a:r>
+              <a:rPr lang="en-US" altLang="zh-TW" sz="1400" dirty="0" err="1">
+                <a:effectLst/>
+                <a:latin typeface="Courier New" panose="02070309020205020404" pitchFamily="49" charset="0"/>
+                <a:cs typeface="Courier New" panose="02070309020205020404" pitchFamily="49" charset="0"/>
+              </a:rPr>
+              <a:t>close_fn</a:t>
+            </a:r>
+            <a:r>
+              <a:rPr lang="en-US" altLang="zh-TW" sz="1400" dirty="0">
+                <a:effectLst/>
+                <a:latin typeface="Courier New" panose="02070309020205020404" pitchFamily="49" charset="0"/>
+                <a:cs typeface="Courier New" panose="02070309020205020404" pitchFamily="49" charset="0"/>
+              </a:rPr>
+              <a:t>&gt;</a:t>
+            </a:r>
+            <a:br>
+              <a:rPr lang="en-US" altLang="zh-TW" sz="1400" dirty="0">
+                <a:effectLst/>
+                <a:latin typeface="Courier New" panose="02070309020205020404" pitchFamily="49" charset="0"/>
+                <a:cs typeface="Courier New" panose="02070309020205020404" pitchFamily="49" charset="0"/>
+              </a:rPr>
+            </a:br>
+            <a:r>
+              <a:rPr lang="en-US" altLang="zh-TW" sz="1400" dirty="0">
+                <a:effectLst/>
+                <a:latin typeface="Courier New" panose="02070309020205020404" pitchFamily="49" charset="0"/>
+                <a:cs typeface="Courier New" panose="02070309020205020404" pitchFamily="49" charset="0"/>
+              </a:rPr>
+              <a:t>struct </a:t>
+            </a:r>
+            <a:r>
+              <a:rPr lang="en-US" altLang="zh-TW" sz="1400" b="1" dirty="0" err="1">
+                <a:solidFill>
+                  <a:srgbClr val="00B050"/>
+                </a:solidFill>
+                <a:effectLst/>
+                <a:latin typeface="Courier New" panose="02070309020205020404" pitchFamily="49" charset="0"/>
+                <a:cs typeface="Courier New" panose="02070309020205020404" pitchFamily="49" charset="0"/>
+              </a:rPr>
+              <a:t>handle_invalid_resource_policy</a:t>
+            </a:r>
+            <a:r>
+              <a:rPr lang="en-US" altLang="zh-TW" sz="1400" dirty="0">
+                <a:effectLst/>
+                <a:latin typeface="Courier New" panose="02070309020205020404" pitchFamily="49" charset="0"/>
+                <a:cs typeface="Courier New" panose="02070309020205020404" pitchFamily="49" charset="0"/>
+              </a:rPr>
+              <a:t> : </a:t>
+            </a:r>
+            <a:br>
+              <a:rPr lang="en-US" altLang="zh-TW" sz="1400" dirty="0">
+                <a:effectLst/>
+                <a:latin typeface="Courier New" panose="02070309020205020404" pitchFamily="49" charset="0"/>
+                <a:cs typeface="Courier New" panose="02070309020205020404" pitchFamily="49" charset="0"/>
+              </a:rPr>
+            </a:br>
+            <a:r>
+              <a:rPr lang="en-US" altLang="zh-TW" sz="1400" dirty="0" err="1">
+                <a:effectLst/>
+                <a:latin typeface="Courier New" panose="02070309020205020404" pitchFamily="49" charset="0"/>
+                <a:cs typeface="Courier New" panose="02070309020205020404" pitchFamily="49" charset="0"/>
+              </a:rPr>
+              <a:t>resource_policy</a:t>
+            </a:r>
+            <a:r>
+              <a:rPr lang="en-US" altLang="zh-TW" sz="1400" dirty="0">
+                <a:effectLst/>
+                <a:latin typeface="Courier New" panose="02070309020205020404" pitchFamily="49" charset="0"/>
+                <a:cs typeface="Courier New" panose="02070309020205020404" pitchFamily="49" charset="0"/>
+              </a:rPr>
+              <a:t>&lt;HANDLE, </a:t>
+            </a:r>
+            <a:r>
+              <a:rPr lang="en-US" altLang="zh-TW" sz="1400" dirty="0" err="1">
+                <a:effectLst/>
+                <a:latin typeface="Courier New" panose="02070309020205020404" pitchFamily="49" charset="0"/>
+                <a:cs typeface="Courier New" panose="02070309020205020404" pitchFamily="49" charset="0"/>
+              </a:rPr>
+              <a:t>close_fn_t</a:t>
+            </a:r>
+            <a:r>
+              <a:rPr lang="en-US" altLang="zh-TW" sz="1400" dirty="0">
+                <a:effectLst/>
+                <a:latin typeface="Courier New" panose="02070309020205020404" pitchFamily="49" charset="0"/>
+                <a:cs typeface="Courier New" panose="02070309020205020404" pitchFamily="49" charset="0"/>
+              </a:rPr>
+              <a:t>, </a:t>
+            </a:r>
+            <a:r>
+              <a:rPr lang="en-US" altLang="zh-TW" sz="1400" dirty="0" err="1">
+                <a:effectLst/>
+                <a:latin typeface="Courier New" panose="02070309020205020404" pitchFamily="49" charset="0"/>
+                <a:cs typeface="Courier New" panose="02070309020205020404" pitchFamily="49" charset="0"/>
+              </a:rPr>
+              <a:t>close_fn</a:t>
+            </a:r>
+            <a:r>
+              <a:rPr lang="en-US" altLang="zh-TW" sz="1400" dirty="0">
+                <a:effectLst/>
+                <a:latin typeface="Courier New" panose="02070309020205020404" pitchFamily="49" charset="0"/>
+                <a:cs typeface="Courier New" panose="02070309020205020404" pitchFamily="49" charset="0"/>
+              </a:rPr>
+              <a:t>, </a:t>
+            </a:r>
+            <a:r>
+              <a:rPr lang="en-US" altLang="zh-TW" sz="1400" dirty="0" err="1">
+                <a:effectLst/>
+                <a:latin typeface="Courier New" panose="02070309020205020404" pitchFamily="49" charset="0"/>
+                <a:cs typeface="Courier New" panose="02070309020205020404" pitchFamily="49" charset="0"/>
+              </a:rPr>
+              <a:t>pointer_access_all</a:t>
+            </a:r>
+            <a:r>
+              <a:rPr lang="en-US" altLang="zh-TW" sz="1400" dirty="0">
+                <a:effectLst/>
+                <a:latin typeface="Courier New" panose="02070309020205020404" pitchFamily="49" charset="0"/>
+                <a:cs typeface="Courier New" panose="02070309020205020404" pitchFamily="49" charset="0"/>
+              </a:rPr>
+              <a:t>, HANDLE, INT_PTR, -1, HANDLE&gt;</a:t>
+            </a:r>
+            <a:br>
+              <a:rPr lang="en-US" altLang="zh-TW" sz="1400" dirty="0">
+                <a:effectLst/>
+                <a:latin typeface="Courier New" panose="02070309020205020404" pitchFamily="49" charset="0"/>
+                <a:cs typeface="Courier New" panose="02070309020205020404" pitchFamily="49" charset="0"/>
+              </a:rPr>
+            </a:br>
+            <a:r>
+              <a:rPr lang="en-US" altLang="zh-TW" sz="1400" dirty="0">
+                <a:effectLst/>
+                <a:latin typeface="Courier New" panose="02070309020205020404" pitchFamily="49" charset="0"/>
+                <a:cs typeface="Courier New" panose="02070309020205020404" pitchFamily="49" charset="0"/>
+              </a:rPr>
+              <a:t>{</a:t>
+            </a:r>
+            <a:br>
+              <a:rPr lang="en-US" altLang="zh-TW" sz="1400" dirty="0">
+                <a:effectLst/>
+                <a:latin typeface="Courier New" panose="02070309020205020404" pitchFamily="49" charset="0"/>
+                <a:cs typeface="Courier New" panose="02070309020205020404" pitchFamily="49" charset="0"/>
+              </a:rPr>
+            </a:br>
+            <a:r>
+              <a:rPr lang="en-US" altLang="zh-TW" sz="1400" dirty="0">
+                <a:effectLst/>
+                <a:latin typeface="Courier New" panose="02070309020205020404" pitchFamily="49" charset="0"/>
+                <a:cs typeface="Courier New" panose="02070309020205020404" pitchFamily="49" charset="0"/>
+              </a:rPr>
+              <a:t>    static bool </a:t>
+            </a:r>
+            <a:r>
+              <a:rPr lang="en-US" altLang="zh-TW" sz="1400" dirty="0" err="1">
+                <a:effectLst/>
+                <a:latin typeface="Courier New" panose="02070309020205020404" pitchFamily="49" charset="0"/>
+                <a:cs typeface="Courier New" panose="02070309020205020404" pitchFamily="49" charset="0"/>
+              </a:rPr>
+              <a:t>is_valid</a:t>
+            </a:r>
+            <a:r>
+              <a:rPr lang="en-US" altLang="zh-TW" sz="1400" dirty="0">
+                <a:effectLst/>
+                <a:latin typeface="Courier New" panose="02070309020205020404" pitchFamily="49" charset="0"/>
+                <a:cs typeface="Courier New" panose="02070309020205020404" pitchFamily="49" charset="0"/>
+              </a:rPr>
+              <a:t>(HANDLE </a:t>
+            </a:r>
+            <a:r>
+              <a:rPr lang="en-US" altLang="zh-TW" sz="1400" dirty="0" err="1">
+                <a:effectLst/>
+                <a:latin typeface="Courier New" panose="02070309020205020404" pitchFamily="49" charset="0"/>
+                <a:cs typeface="Courier New" panose="02070309020205020404" pitchFamily="49" charset="0"/>
+              </a:rPr>
+              <a:t>ptr</a:t>
+            </a:r>
+            <a:r>
+              <a:rPr lang="en-US" altLang="zh-TW" sz="1400" dirty="0">
+                <a:effectLst/>
+                <a:latin typeface="Courier New" panose="02070309020205020404" pitchFamily="49" charset="0"/>
+                <a:cs typeface="Courier New" panose="02070309020205020404" pitchFamily="49" charset="0"/>
+              </a:rPr>
+              <a:t>) { return ((</a:t>
+            </a:r>
+            <a:r>
+              <a:rPr lang="en-US" altLang="zh-TW" sz="1400" dirty="0" err="1">
+                <a:effectLst/>
+                <a:latin typeface="Courier New" panose="02070309020205020404" pitchFamily="49" charset="0"/>
+                <a:cs typeface="Courier New" panose="02070309020205020404" pitchFamily="49" charset="0"/>
+              </a:rPr>
+              <a:t>ptr</a:t>
+            </a:r>
+            <a:r>
+              <a:rPr lang="en-US" altLang="zh-TW" sz="1400" dirty="0">
+                <a:effectLst/>
+                <a:latin typeface="Courier New" panose="02070309020205020404" pitchFamily="49" charset="0"/>
+                <a:cs typeface="Courier New" panose="02070309020205020404" pitchFamily="49" charset="0"/>
+              </a:rPr>
+              <a:t> != INVALID_HANDLE_VALUE) &amp;&amp; (</a:t>
+            </a:r>
+            <a:r>
+              <a:rPr lang="en-US" altLang="zh-TW" sz="1400" dirty="0" err="1">
+                <a:effectLst/>
+                <a:latin typeface="Courier New" panose="02070309020205020404" pitchFamily="49" charset="0"/>
+                <a:cs typeface="Courier New" panose="02070309020205020404" pitchFamily="49" charset="0"/>
+              </a:rPr>
+              <a:t>ptr</a:t>
+            </a:r>
+            <a:r>
+              <a:rPr lang="en-US" altLang="zh-TW" sz="1400" dirty="0">
+                <a:effectLst/>
+                <a:latin typeface="Courier New" panose="02070309020205020404" pitchFamily="49" charset="0"/>
+                <a:cs typeface="Courier New" panose="02070309020205020404" pitchFamily="49" charset="0"/>
+              </a:rPr>
+              <a:t> != </a:t>
+            </a:r>
+            <a:r>
+              <a:rPr lang="en-US" altLang="zh-TW" sz="1400" dirty="0" err="1">
+                <a:effectLst/>
+                <a:latin typeface="Courier New" panose="02070309020205020404" pitchFamily="49" charset="0"/>
+                <a:cs typeface="Courier New" panose="02070309020205020404" pitchFamily="49" charset="0"/>
+              </a:rPr>
+              <a:t>nullptr</a:t>
+            </a:r>
+            <a:r>
+              <a:rPr lang="en-US" altLang="zh-TW" sz="1400" dirty="0">
+                <a:effectLst/>
+                <a:latin typeface="Courier New" panose="02070309020205020404" pitchFamily="49" charset="0"/>
+                <a:cs typeface="Courier New" panose="02070309020205020404" pitchFamily="49" charset="0"/>
+              </a:rPr>
+              <a:t>)); }</a:t>
+            </a:r>
+            <a:br>
+              <a:rPr lang="en-US" altLang="zh-TW" sz="1400" dirty="0">
+                <a:effectLst/>
+                <a:latin typeface="Courier New" panose="02070309020205020404" pitchFamily="49" charset="0"/>
+                <a:cs typeface="Courier New" panose="02070309020205020404" pitchFamily="49" charset="0"/>
+              </a:rPr>
+            </a:br>
+            <a:r>
+              <a:rPr lang="en-US" altLang="zh-TW" sz="1400" dirty="0">
+                <a:effectLst/>
+                <a:latin typeface="Courier New" panose="02070309020205020404" pitchFamily="49" charset="0"/>
+                <a:cs typeface="Courier New" panose="02070309020205020404" pitchFamily="49" charset="0"/>
+              </a:rPr>
+              <a:t>};</a:t>
+            </a:r>
+            <a:br>
+              <a:rPr lang="en-US" altLang="zh-TW" sz="1400" dirty="0">
+                <a:effectLst/>
+                <a:latin typeface="Courier New" panose="02070309020205020404" pitchFamily="49" charset="0"/>
+                <a:cs typeface="Courier New" panose="02070309020205020404" pitchFamily="49" charset="0"/>
+              </a:rPr>
+            </a:br>
+            <a:br>
+              <a:rPr lang="en-US" altLang="zh-TW" sz="1400" dirty="0">
+                <a:effectLst/>
+                <a:latin typeface="Courier New" panose="02070309020205020404" pitchFamily="49" charset="0"/>
+                <a:cs typeface="Courier New" panose="02070309020205020404" pitchFamily="49" charset="0"/>
+              </a:rPr>
+            </a:br>
+            <a:r>
+              <a:rPr lang="en-US" altLang="zh-TW" sz="1400" dirty="0">
+                <a:effectLst/>
+                <a:latin typeface="Courier New" panose="02070309020205020404" pitchFamily="49" charset="0"/>
+                <a:cs typeface="Courier New" panose="02070309020205020404" pitchFamily="49" charset="0"/>
+              </a:rPr>
+              <a:t>template &lt;</a:t>
+            </a:r>
+            <a:r>
+              <a:rPr lang="en-US" altLang="zh-TW" sz="1400" dirty="0" err="1">
+                <a:effectLst/>
+                <a:latin typeface="Courier New" panose="02070309020205020404" pitchFamily="49" charset="0"/>
+                <a:cs typeface="Courier New" panose="02070309020205020404" pitchFamily="49" charset="0"/>
+              </a:rPr>
+              <a:t>typename</a:t>
+            </a:r>
+            <a:r>
+              <a:rPr lang="en-US" altLang="zh-TW" sz="1400" dirty="0">
+                <a:effectLst/>
+                <a:latin typeface="Courier New" panose="02070309020205020404" pitchFamily="49" charset="0"/>
+                <a:cs typeface="Courier New" panose="02070309020205020404" pitchFamily="49" charset="0"/>
+              </a:rPr>
+              <a:t> </a:t>
+            </a:r>
+            <a:r>
+              <a:rPr lang="en-US" altLang="zh-TW" sz="1400" dirty="0" err="1">
+                <a:effectLst/>
+                <a:latin typeface="Courier New" panose="02070309020205020404" pitchFamily="49" charset="0"/>
+                <a:cs typeface="Courier New" panose="02070309020205020404" pitchFamily="49" charset="0"/>
+              </a:rPr>
+              <a:t>close_fn_t</a:t>
+            </a:r>
+            <a:r>
+              <a:rPr lang="en-US" altLang="zh-TW" sz="1400" dirty="0">
+                <a:effectLst/>
+                <a:latin typeface="Courier New" panose="02070309020205020404" pitchFamily="49" charset="0"/>
+                <a:cs typeface="Courier New" panose="02070309020205020404" pitchFamily="49" charset="0"/>
+              </a:rPr>
+              <a:t>, </a:t>
+            </a:r>
+            <a:r>
+              <a:rPr lang="en-US" altLang="zh-TW" sz="1400" dirty="0" err="1">
+                <a:effectLst/>
+                <a:latin typeface="Courier New" panose="02070309020205020404" pitchFamily="49" charset="0"/>
+                <a:cs typeface="Courier New" panose="02070309020205020404" pitchFamily="49" charset="0"/>
+              </a:rPr>
+              <a:t>close_fn_t</a:t>
+            </a:r>
+            <a:r>
+              <a:rPr lang="en-US" altLang="zh-TW" sz="1400" dirty="0">
+                <a:effectLst/>
+                <a:latin typeface="Courier New" panose="02070309020205020404" pitchFamily="49" charset="0"/>
+                <a:cs typeface="Courier New" panose="02070309020205020404" pitchFamily="49" charset="0"/>
+              </a:rPr>
+              <a:t> </a:t>
+            </a:r>
+            <a:r>
+              <a:rPr lang="en-US" altLang="zh-TW" sz="1400" dirty="0" err="1">
+                <a:effectLst/>
+                <a:latin typeface="Courier New" panose="02070309020205020404" pitchFamily="49" charset="0"/>
+                <a:cs typeface="Courier New" panose="02070309020205020404" pitchFamily="49" charset="0"/>
+              </a:rPr>
+              <a:t>close_fn</a:t>
+            </a:r>
+            <a:r>
+              <a:rPr lang="en-US" altLang="zh-TW" sz="1400" dirty="0">
+                <a:effectLst/>
+                <a:latin typeface="Courier New" panose="02070309020205020404" pitchFamily="49" charset="0"/>
+                <a:cs typeface="Courier New" panose="02070309020205020404" pitchFamily="49" charset="0"/>
+              </a:rPr>
+              <a:t>&gt;</a:t>
+            </a:r>
+            <a:br>
+              <a:rPr lang="en-US" altLang="zh-TW" sz="1400" dirty="0">
+                <a:effectLst/>
+                <a:latin typeface="Courier New" panose="02070309020205020404" pitchFamily="49" charset="0"/>
+                <a:cs typeface="Courier New" panose="02070309020205020404" pitchFamily="49" charset="0"/>
+              </a:rPr>
+            </a:br>
+            <a:r>
+              <a:rPr lang="en-US" altLang="zh-TW" sz="1400" dirty="0">
+                <a:effectLst/>
+                <a:latin typeface="Courier New" panose="02070309020205020404" pitchFamily="49" charset="0"/>
+                <a:cs typeface="Courier New" panose="02070309020205020404" pitchFamily="49" charset="0"/>
+              </a:rPr>
+              <a:t>using </a:t>
+            </a:r>
+            <a:r>
+              <a:rPr lang="en-US" altLang="zh-TW" sz="1400" b="1" dirty="0" err="1">
+                <a:solidFill>
+                  <a:srgbClr val="00B0F0"/>
+                </a:solidFill>
+                <a:effectLst/>
+                <a:latin typeface="Courier New" panose="02070309020205020404" pitchFamily="49" charset="0"/>
+                <a:cs typeface="Courier New" panose="02070309020205020404" pitchFamily="49" charset="0"/>
+              </a:rPr>
+              <a:t>unique_any_handle_invalid</a:t>
+            </a:r>
+            <a:r>
+              <a:rPr lang="en-US" altLang="zh-TW" sz="1400" dirty="0">
+                <a:effectLst/>
+                <a:latin typeface="Courier New" panose="02070309020205020404" pitchFamily="49" charset="0"/>
+                <a:cs typeface="Courier New" panose="02070309020205020404" pitchFamily="49" charset="0"/>
+              </a:rPr>
+              <a:t> = </a:t>
+            </a:r>
+            <a:r>
+              <a:rPr lang="en-US" altLang="zh-TW" sz="1400" dirty="0" err="1">
+                <a:effectLst/>
+                <a:latin typeface="Courier New" panose="02070309020205020404" pitchFamily="49" charset="0"/>
+                <a:cs typeface="Courier New" panose="02070309020205020404" pitchFamily="49" charset="0"/>
+              </a:rPr>
+              <a:t>unique_any_t</a:t>
+            </a:r>
+            <a:r>
+              <a:rPr lang="en-US" altLang="zh-TW" sz="1400" dirty="0">
+                <a:effectLst/>
+                <a:latin typeface="Courier New" panose="02070309020205020404" pitchFamily="49" charset="0"/>
+                <a:cs typeface="Courier New" panose="02070309020205020404" pitchFamily="49" charset="0"/>
+              </a:rPr>
+              <a:t>&lt;</a:t>
+            </a:r>
+            <a:r>
+              <a:rPr lang="en-US" altLang="zh-TW" sz="1400" dirty="0" err="1">
+                <a:effectLst/>
+                <a:latin typeface="Courier New" panose="02070309020205020404" pitchFamily="49" charset="0"/>
+                <a:cs typeface="Courier New" panose="02070309020205020404" pitchFamily="49" charset="0"/>
+              </a:rPr>
+              <a:t>unique_storage</a:t>
+            </a:r>
+            <a:r>
+              <a:rPr lang="en-US" altLang="zh-TW" sz="1400" dirty="0">
+                <a:effectLst/>
+                <a:latin typeface="Courier New" panose="02070309020205020404" pitchFamily="49" charset="0"/>
+                <a:cs typeface="Courier New" panose="02070309020205020404" pitchFamily="49" charset="0"/>
+              </a:rPr>
+              <a:t>&lt;</a:t>
+            </a:r>
+            <a:r>
+              <a:rPr lang="en-US" altLang="zh-TW" sz="1400" b="1" dirty="0" err="1">
+                <a:solidFill>
+                  <a:srgbClr val="00B050"/>
+                </a:solidFill>
+                <a:effectLst/>
+                <a:latin typeface="Courier New" panose="02070309020205020404" pitchFamily="49" charset="0"/>
+                <a:cs typeface="Courier New" panose="02070309020205020404" pitchFamily="49" charset="0"/>
+              </a:rPr>
+              <a:t>handle_invalid_resource_policy</a:t>
+            </a:r>
+            <a:r>
+              <a:rPr lang="en-US" altLang="zh-TW" sz="1400" dirty="0">
+                <a:effectLst/>
+                <a:latin typeface="Courier New" panose="02070309020205020404" pitchFamily="49" charset="0"/>
+                <a:cs typeface="Courier New" panose="02070309020205020404" pitchFamily="49" charset="0"/>
+              </a:rPr>
+              <a:t>&lt;</a:t>
+            </a:r>
+            <a:r>
+              <a:rPr lang="en-US" altLang="zh-TW" sz="1400" dirty="0" err="1">
+                <a:effectLst/>
+                <a:latin typeface="Courier New" panose="02070309020205020404" pitchFamily="49" charset="0"/>
+                <a:cs typeface="Courier New" panose="02070309020205020404" pitchFamily="49" charset="0"/>
+              </a:rPr>
+              <a:t>close_fn_t</a:t>
+            </a:r>
+            <a:r>
+              <a:rPr lang="en-US" altLang="zh-TW" sz="1400" dirty="0">
+                <a:effectLst/>
+                <a:latin typeface="Courier New" panose="02070309020205020404" pitchFamily="49" charset="0"/>
+                <a:cs typeface="Courier New" panose="02070309020205020404" pitchFamily="49" charset="0"/>
+              </a:rPr>
+              <a:t>, </a:t>
+            </a:r>
+            <a:r>
+              <a:rPr lang="en-US" altLang="zh-TW" sz="1400" dirty="0" err="1">
+                <a:effectLst/>
+                <a:latin typeface="Courier New" panose="02070309020205020404" pitchFamily="49" charset="0"/>
+                <a:cs typeface="Courier New" panose="02070309020205020404" pitchFamily="49" charset="0"/>
+              </a:rPr>
+              <a:t>close_fn</a:t>
+            </a:r>
+            <a:r>
+              <a:rPr lang="en-US" altLang="zh-TW" sz="1400" dirty="0">
+                <a:effectLst/>
+                <a:latin typeface="Courier New" panose="02070309020205020404" pitchFamily="49" charset="0"/>
+                <a:cs typeface="Courier New" panose="02070309020205020404" pitchFamily="49" charset="0"/>
+              </a:rPr>
+              <a:t>&gt;&gt;&gt;;</a:t>
+            </a:r>
+            <a:br>
+              <a:rPr lang="en-US" altLang="zh-TW" sz="1400" dirty="0">
+                <a:effectLst/>
+                <a:latin typeface="Courier New" panose="02070309020205020404" pitchFamily="49" charset="0"/>
+                <a:cs typeface="Courier New" panose="02070309020205020404" pitchFamily="49" charset="0"/>
+              </a:rPr>
+            </a:br>
+            <a:br>
+              <a:rPr lang="en-US" altLang="zh-TW" sz="1400" dirty="0">
+                <a:effectLst/>
+                <a:latin typeface="Courier New" panose="02070309020205020404" pitchFamily="49" charset="0"/>
+                <a:cs typeface="Courier New" panose="02070309020205020404" pitchFamily="49" charset="0"/>
+              </a:rPr>
+            </a:br>
+            <a:r>
+              <a:rPr lang="en-US" altLang="zh-TW" sz="1400" dirty="0">
+                <a:effectLst/>
+                <a:latin typeface="Courier New" panose="02070309020205020404" pitchFamily="49" charset="0"/>
+                <a:cs typeface="Courier New" panose="02070309020205020404" pitchFamily="49" charset="0"/>
+              </a:rPr>
+              <a:t>typedef </a:t>
+            </a:r>
+            <a:r>
+              <a:rPr lang="en-US" altLang="zh-TW" sz="1400" b="1" dirty="0" err="1">
+                <a:solidFill>
+                  <a:srgbClr val="00B0F0"/>
+                </a:solidFill>
+                <a:effectLst/>
+                <a:latin typeface="Courier New" panose="02070309020205020404" pitchFamily="49" charset="0"/>
+                <a:cs typeface="Courier New" panose="02070309020205020404" pitchFamily="49" charset="0"/>
+              </a:rPr>
+              <a:t>unique_any_handle_invalid</a:t>
+            </a:r>
+            <a:r>
+              <a:rPr lang="en-US" altLang="zh-TW" sz="1400" dirty="0">
+                <a:effectLst/>
+                <a:latin typeface="Courier New" panose="02070309020205020404" pitchFamily="49" charset="0"/>
+                <a:cs typeface="Courier New" panose="02070309020205020404" pitchFamily="49" charset="0"/>
+              </a:rPr>
+              <a:t>&lt;</a:t>
+            </a:r>
+            <a:r>
+              <a:rPr lang="en-US" altLang="zh-TW" sz="1400" dirty="0" err="1">
+                <a:effectLst/>
+                <a:latin typeface="Courier New" panose="02070309020205020404" pitchFamily="49" charset="0"/>
+                <a:cs typeface="Courier New" panose="02070309020205020404" pitchFamily="49" charset="0"/>
+              </a:rPr>
+              <a:t>decltype</a:t>
+            </a:r>
+            <a:r>
+              <a:rPr lang="en-US" altLang="zh-TW" sz="1400" dirty="0">
+                <a:effectLst/>
+                <a:latin typeface="Courier New" panose="02070309020205020404" pitchFamily="49" charset="0"/>
+                <a:cs typeface="Courier New" panose="02070309020205020404" pitchFamily="49" charset="0"/>
+              </a:rPr>
+              <a:t>(&amp;::</a:t>
+            </a:r>
+            <a:r>
+              <a:rPr lang="en-US" altLang="zh-TW" sz="1400" dirty="0" err="1">
+                <a:effectLst/>
+                <a:latin typeface="Courier New" panose="02070309020205020404" pitchFamily="49" charset="0"/>
+                <a:cs typeface="Courier New" panose="02070309020205020404" pitchFamily="49" charset="0"/>
+              </a:rPr>
+              <a:t>CloseHandle</a:t>
+            </a:r>
+            <a:r>
+              <a:rPr lang="en-US" altLang="zh-TW" sz="1400" dirty="0">
+                <a:effectLst/>
+                <a:latin typeface="Courier New" panose="02070309020205020404" pitchFamily="49" charset="0"/>
+                <a:cs typeface="Courier New" panose="02070309020205020404" pitchFamily="49" charset="0"/>
+              </a:rPr>
+              <a:t>), ::</a:t>
+            </a:r>
+            <a:r>
+              <a:rPr lang="en-US" altLang="zh-TW" sz="1400" dirty="0" err="1">
+                <a:effectLst/>
+                <a:latin typeface="Courier New" panose="02070309020205020404" pitchFamily="49" charset="0"/>
+                <a:cs typeface="Courier New" panose="02070309020205020404" pitchFamily="49" charset="0"/>
+              </a:rPr>
+              <a:t>CloseHandle</a:t>
+            </a:r>
+            <a:r>
+              <a:rPr lang="en-US" altLang="zh-TW" sz="1400" dirty="0">
+                <a:effectLst/>
+                <a:latin typeface="Courier New" panose="02070309020205020404" pitchFamily="49" charset="0"/>
+                <a:cs typeface="Courier New" panose="02070309020205020404" pitchFamily="49" charset="0"/>
+              </a:rPr>
+              <a:t>&gt; </a:t>
+            </a:r>
+            <a:r>
+              <a:rPr lang="en-US" altLang="zh-TW" sz="1400" b="1" dirty="0" err="1">
+                <a:solidFill>
+                  <a:srgbClr val="FFC000"/>
+                </a:solidFill>
+                <a:effectLst/>
+                <a:latin typeface="Courier New" panose="02070309020205020404" pitchFamily="49" charset="0"/>
+                <a:cs typeface="Courier New" panose="02070309020205020404" pitchFamily="49" charset="0"/>
+              </a:rPr>
+              <a:t>unique_hfile</a:t>
+            </a:r>
+            <a:r>
+              <a:rPr lang="en-US" altLang="zh-TW" sz="1400" dirty="0">
+                <a:effectLst/>
+                <a:latin typeface="Courier New" panose="02070309020205020404" pitchFamily="49" charset="0"/>
+                <a:cs typeface="Courier New" panose="02070309020205020404" pitchFamily="49" charset="0"/>
+              </a:rPr>
+              <a:t>;</a:t>
+            </a:r>
+            <a:br>
+              <a:rPr lang="en-US" altLang="zh-TW" sz="1400" dirty="0">
+                <a:effectLst/>
+                <a:latin typeface="Courier New" panose="02070309020205020404" pitchFamily="49" charset="0"/>
+                <a:cs typeface="Courier New" panose="02070309020205020404" pitchFamily="49" charset="0"/>
+              </a:rPr>
+            </a:br>
+            <a:endParaRPr lang="en-US" altLang="zh-TW" sz="1400" dirty="0">
+              <a:effectLst/>
+              <a:latin typeface="Courier New" panose="02070309020205020404" pitchFamily="49" charset="0"/>
+              <a:cs typeface="Courier New" panose="02070309020205020404" pitchFamily="49" charset="0"/>
+            </a:endParaRPr>
+          </a:p>
+          <a:p>
+            <a:pPr marL="342900" indent="-342900" algn="l">
+              <a:spcBef>
+                <a:spcPts val="0"/>
+              </a:spcBef>
+              <a:spcAft>
+                <a:spcPts val="300"/>
+              </a:spcAft>
+              <a:buFont typeface="Arial" panose="020B0604020202020204" pitchFamily="34" charset="0"/>
+              <a:buChar char="•"/>
+            </a:pPr>
+            <a:r>
+              <a:rPr lang="en-US" altLang="zh-TW" sz="1400" dirty="0">
+                <a:effectLst/>
+                <a:latin typeface="Courier New" panose="02070309020205020404" pitchFamily="49" charset="0"/>
+                <a:cs typeface="Courier New" panose="02070309020205020404" pitchFamily="49" charset="0"/>
+              </a:rPr>
+              <a:t>template &lt;</a:t>
+            </a:r>
+            <a:r>
+              <a:rPr lang="en-US" altLang="zh-TW" sz="1400" dirty="0" err="1">
+                <a:effectLst/>
+                <a:latin typeface="Courier New" panose="02070309020205020404" pitchFamily="49" charset="0"/>
+                <a:cs typeface="Courier New" panose="02070309020205020404" pitchFamily="49" charset="0"/>
+              </a:rPr>
+              <a:t>typename</a:t>
+            </a:r>
+            <a:r>
+              <a:rPr lang="en-US" altLang="zh-TW" sz="1400" dirty="0">
+                <a:effectLst/>
+                <a:latin typeface="Courier New" panose="02070309020205020404" pitchFamily="49" charset="0"/>
+                <a:cs typeface="Courier New" panose="02070309020205020404" pitchFamily="49" charset="0"/>
+              </a:rPr>
+              <a:t> </a:t>
+            </a:r>
+            <a:r>
+              <a:rPr lang="en-US" altLang="zh-TW" sz="1400" dirty="0" err="1">
+                <a:effectLst/>
+                <a:latin typeface="Courier New" panose="02070309020205020404" pitchFamily="49" charset="0"/>
+                <a:cs typeface="Courier New" panose="02070309020205020404" pitchFamily="49" charset="0"/>
+              </a:rPr>
+              <a:t>close_fn_t</a:t>
+            </a:r>
+            <a:r>
+              <a:rPr lang="en-US" altLang="zh-TW" sz="1400" dirty="0">
+                <a:effectLst/>
+                <a:latin typeface="Courier New" panose="02070309020205020404" pitchFamily="49" charset="0"/>
+                <a:cs typeface="Courier New" panose="02070309020205020404" pitchFamily="49" charset="0"/>
+              </a:rPr>
+              <a:t>, </a:t>
+            </a:r>
+            <a:r>
+              <a:rPr lang="en-US" altLang="zh-TW" sz="1400" dirty="0" err="1">
+                <a:effectLst/>
+                <a:latin typeface="Courier New" panose="02070309020205020404" pitchFamily="49" charset="0"/>
+                <a:cs typeface="Courier New" panose="02070309020205020404" pitchFamily="49" charset="0"/>
+              </a:rPr>
+              <a:t>close_fn_t</a:t>
+            </a:r>
+            <a:r>
+              <a:rPr lang="en-US" altLang="zh-TW" sz="1400" dirty="0">
+                <a:effectLst/>
+                <a:latin typeface="Courier New" panose="02070309020205020404" pitchFamily="49" charset="0"/>
+                <a:cs typeface="Courier New" panose="02070309020205020404" pitchFamily="49" charset="0"/>
+              </a:rPr>
+              <a:t> </a:t>
+            </a:r>
+            <a:r>
+              <a:rPr lang="en-US" altLang="zh-TW" sz="1400" dirty="0" err="1">
+                <a:effectLst/>
+                <a:latin typeface="Courier New" panose="02070309020205020404" pitchFamily="49" charset="0"/>
+                <a:cs typeface="Courier New" panose="02070309020205020404" pitchFamily="49" charset="0"/>
+              </a:rPr>
+              <a:t>close_fn</a:t>
+            </a:r>
+            <a:r>
+              <a:rPr lang="en-US" altLang="zh-TW" sz="1400" dirty="0">
+                <a:effectLst/>
+                <a:latin typeface="Courier New" panose="02070309020205020404" pitchFamily="49" charset="0"/>
+                <a:cs typeface="Courier New" panose="02070309020205020404" pitchFamily="49" charset="0"/>
+              </a:rPr>
+              <a:t>&gt;</a:t>
+            </a:r>
+            <a:br>
+              <a:rPr lang="en-US" altLang="zh-TW" sz="1400" dirty="0">
+                <a:effectLst/>
+                <a:latin typeface="Courier New" panose="02070309020205020404" pitchFamily="49" charset="0"/>
+                <a:cs typeface="Courier New" panose="02070309020205020404" pitchFamily="49" charset="0"/>
+              </a:rPr>
+            </a:br>
+            <a:r>
+              <a:rPr lang="en-US" altLang="zh-TW" sz="1400" dirty="0">
+                <a:effectLst/>
+                <a:latin typeface="Courier New" panose="02070309020205020404" pitchFamily="49" charset="0"/>
+                <a:cs typeface="Courier New" panose="02070309020205020404" pitchFamily="49" charset="0"/>
+              </a:rPr>
+              <a:t>struct </a:t>
+            </a:r>
+            <a:r>
+              <a:rPr lang="en-US" altLang="zh-TW" sz="1400" b="1" dirty="0" err="1">
+                <a:solidFill>
+                  <a:srgbClr val="00B050"/>
+                </a:solidFill>
+                <a:effectLst/>
+                <a:latin typeface="Courier New" panose="02070309020205020404" pitchFamily="49" charset="0"/>
+                <a:cs typeface="Courier New" panose="02070309020205020404" pitchFamily="49" charset="0"/>
+              </a:rPr>
+              <a:t>handle_null_only_resource_policy</a:t>
+            </a:r>
+            <a:r>
+              <a:rPr lang="en-US" altLang="zh-TW" sz="1400" dirty="0">
+                <a:effectLst/>
+                <a:latin typeface="Courier New" panose="02070309020205020404" pitchFamily="49" charset="0"/>
+                <a:cs typeface="Courier New" panose="02070309020205020404" pitchFamily="49" charset="0"/>
+              </a:rPr>
+              <a:t> : </a:t>
+            </a:r>
+            <a:r>
+              <a:rPr lang="en-US" altLang="zh-TW" sz="1400" dirty="0" err="1">
+                <a:effectLst/>
+                <a:latin typeface="Courier New" panose="02070309020205020404" pitchFamily="49" charset="0"/>
+                <a:cs typeface="Courier New" panose="02070309020205020404" pitchFamily="49" charset="0"/>
+              </a:rPr>
+              <a:t>resource_policy</a:t>
+            </a:r>
+            <a:r>
+              <a:rPr lang="en-US" altLang="zh-TW" sz="1400" dirty="0">
+                <a:effectLst/>
+                <a:latin typeface="Courier New" panose="02070309020205020404" pitchFamily="49" charset="0"/>
+                <a:cs typeface="Courier New" panose="02070309020205020404" pitchFamily="49" charset="0"/>
+              </a:rPr>
+              <a:t>&lt;HANDLE, </a:t>
+            </a:r>
+            <a:r>
+              <a:rPr lang="en-US" altLang="zh-TW" sz="1400" dirty="0" err="1">
+                <a:effectLst/>
+                <a:latin typeface="Courier New" panose="02070309020205020404" pitchFamily="49" charset="0"/>
+                <a:cs typeface="Courier New" panose="02070309020205020404" pitchFamily="49" charset="0"/>
+              </a:rPr>
+              <a:t>close_fn_t</a:t>
+            </a:r>
+            <a:r>
+              <a:rPr lang="en-US" altLang="zh-TW" sz="1400" dirty="0">
+                <a:effectLst/>
+                <a:latin typeface="Courier New" panose="02070309020205020404" pitchFamily="49" charset="0"/>
+                <a:cs typeface="Courier New" panose="02070309020205020404" pitchFamily="49" charset="0"/>
+              </a:rPr>
+              <a:t>, </a:t>
+            </a:r>
+            <a:r>
+              <a:rPr lang="en-US" altLang="zh-TW" sz="1400" dirty="0" err="1">
+                <a:effectLst/>
+                <a:latin typeface="Courier New" panose="02070309020205020404" pitchFamily="49" charset="0"/>
+                <a:cs typeface="Courier New" panose="02070309020205020404" pitchFamily="49" charset="0"/>
+              </a:rPr>
+              <a:t>close_fn</a:t>
+            </a:r>
+            <a:r>
+              <a:rPr lang="en-US" altLang="zh-TW" sz="1400" dirty="0">
+                <a:effectLst/>
+                <a:latin typeface="Courier New" panose="02070309020205020404" pitchFamily="49" charset="0"/>
+                <a:cs typeface="Courier New" panose="02070309020205020404" pitchFamily="49" charset="0"/>
+              </a:rPr>
+              <a:t>&gt;</a:t>
+            </a:r>
+            <a:br>
+              <a:rPr lang="en-US" altLang="zh-TW" sz="1400" dirty="0">
+                <a:effectLst/>
+                <a:latin typeface="Courier New" panose="02070309020205020404" pitchFamily="49" charset="0"/>
+                <a:cs typeface="Courier New" panose="02070309020205020404" pitchFamily="49" charset="0"/>
+              </a:rPr>
+            </a:br>
+            <a:r>
+              <a:rPr lang="en-US" altLang="zh-TW" sz="1400" dirty="0">
+                <a:effectLst/>
+                <a:latin typeface="Courier New" panose="02070309020205020404" pitchFamily="49" charset="0"/>
+                <a:cs typeface="Courier New" panose="02070309020205020404" pitchFamily="49" charset="0"/>
+              </a:rPr>
+              <a:t>{</a:t>
+            </a:r>
+            <a:br>
+              <a:rPr lang="en-US" altLang="zh-TW" sz="1400" dirty="0">
+                <a:effectLst/>
+                <a:latin typeface="Courier New" panose="02070309020205020404" pitchFamily="49" charset="0"/>
+                <a:cs typeface="Courier New" panose="02070309020205020404" pitchFamily="49" charset="0"/>
+              </a:rPr>
+            </a:br>
+            <a:r>
+              <a:rPr lang="en-US" altLang="zh-TW" sz="1400" dirty="0">
+                <a:effectLst/>
+                <a:latin typeface="Courier New" panose="02070309020205020404" pitchFamily="49" charset="0"/>
+                <a:cs typeface="Courier New" panose="02070309020205020404" pitchFamily="49" charset="0"/>
+              </a:rPr>
+              <a:t>    static bool </a:t>
+            </a:r>
+            <a:r>
+              <a:rPr lang="en-US" altLang="zh-TW" sz="1400" dirty="0" err="1">
+                <a:effectLst/>
+                <a:latin typeface="Courier New" panose="02070309020205020404" pitchFamily="49" charset="0"/>
+                <a:cs typeface="Courier New" panose="02070309020205020404" pitchFamily="49" charset="0"/>
+              </a:rPr>
+              <a:t>is_valid</a:t>
+            </a:r>
+            <a:r>
+              <a:rPr lang="en-US" altLang="zh-TW" sz="1400" dirty="0">
+                <a:effectLst/>
+                <a:latin typeface="Courier New" panose="02070309020205020404" pitchFamily="49" charset="0"/>
+                <a:cs typeface="Courier New" panose="02070309020205020404" pitchFamily="49" charset="0"/>
+              </a:rPr>
+              <a:t>(HANDLE </a:t>
+            </a:r>
+            <a:r>
+              <a:rPr lang="en-US" altLang="zh-TW" sz="1400" dirty="0" err="1">
+                <a:effectLst/>
+                <a:latin typeface="Courier New" panose="02070309020205020404" pitchFamily="49" charset="0"/>
+                <a:cs typeface="Courier New" panose="02070309020205020404" pitchFamily="49" charset="0"/>
+              </a:rPr>
+              <a:t>ptr</a:t>
+            </a:r>
+            <a:r>
+              <a:rPr lang="en-US" altLang="zh-TW" sz="1400" dirty="0">
+                <a:effectLst/>
+                <a:latin typeface="Courier New" panose="02070309020205020404" pitchFamily="49" charset="0"/>
+                <a:cs typeface="Courier New" panose="02070309020205020404" pitchFamily="49" charset="0"/>
+              </a:rPr>
+              <a:t>) { return (</a:t>
+            </a:r>
+            <a:r>
+              <a:rPr lang="en-US" altLang="zh-TW" sz="1400" dirty="0" err="1">
+                <a:effectLst/>
+                <a:latin typeface="Courier New" panose="02070309020205020404" pitchFamily="49" charset="0"/>
+                <a:cs typeface="Courier New" panose="02070309020205020404" pitchFamily="49" charset="0"/>
+              </a:rPr>
+              <a:t>ptr</a:t>
+            </a:r>
+            <a:r>
+              <a:rPr lang="en-US" altLang="zh-TW" sz="1400" dirty="0">
+                <a:effectLst/>
+                <a:latin typeface="Courier New" panose="02070309020205020404" pitchFamily="49" charset="0"/>
+                <a:cs typeface="Courier New" panose="02070309020205020404" pitchFamily="49" charset="0"/>
+              </a:rPr>
+              <a:t> != </a:t>
+            </a:r>
+            <a:r>
+              <a:rPr lang="en-US" altLang="zh-TW" sz="1400" dirty="0" err="1">
+                <a:effectLst/>
+                <a:latin typeface="Courier New" panose="02070309020205020404" pitchFamily="49" charset="0"/>
+                <a:cs typeface="Courier New" panose="02070309020205020404" pitchFamily="49" charset="0"/>
+              </a:rPr>
+              <a:t>nullptr</a:t>
+            </a:r>
+            <a:r>
+              <a:rPr lang="en-US" altLang="zh-TW" sz="1400" dirty="0">
+                <a:effectLst/>
+                <a:latin typeface="Courier New" panose="02070309020205020404" pitchFamily="49" charset="0"/>
+                <a:cs typeface="Courier New" panose="02070309020205020404" pitchFamily="49" charset="0"/>
+              </a:rPr>
+              <a:t>); }</a:t>
+            </a:r>
+            <a:br>
+              <a:rPr lang="en-US" altLang="zh-TW" sz="1400" dirty="0">
+                <a:effectLst/>
+                <a:latin typeface="Courier New" panose="02070309020205020404" pitchFamily="49" charset="0"/>
+                <a:cs typeface="Courier New" panose="02070309020205020404" pitchFamily="49" charset="0"/>
+              </a:rPr>
+            </a:br>
+            <a:r>
+              <a:rPr lang="en-US" altLang="zh-TW" sz="1400" dirty="0">
+                <a:effectLst/>
+                <a:latin typeface="Courier New" panose="02070309020205020404" pitchFamily="49" charset="0"/>
+                <a:cs typeface="Courier New" panose="02070309020205020404" pitchFamily="49" charset="0"/>
+              </a:rPr>
+              <a:t>};</a:t>
+            </a:r>
+            <a:br>
+              <a:rPr lang="en-US" altLang="zh-TW" sz="1400" dirty="0">
+                <a:effectLst/>
+                <a:latin typeface="Courier New" panose="02070309020205020404" pitchFamily="49" charset="0"/>
+                <a:cs typeface="Courier New" panose="02070309020205020404" pitchFamily="49" charset="0"/>
+              </a:rPr>
+            </a:br>
+            <a:br>
+              <a:rPr lang="en-US" altLang="zh-TW" sz="1400" dirty="0">
+                <a:effectLst/>
+                <a:latin typeface="Courier New" panose="02070309020205020404" pitchFamily="49" charset="0"/>
+                <a:cs typeface="Courier New" panose="02070309020205020404" pitchFamily="49" charset="0"/>
+              </a:rPr>
+            </a:br>
+            <a:r>
+              <a:rPr lang="en-US" altLang="zh-TW" sz="1400" dirty="0">
+                <a:effectLst/>
+                <a:latin typeface="Courier New" panose="02070309020205020404" pitchFamily="49" charset="0"/>
+                <a:cs typeface="Courier New" panose="02070309020205020404" pitchFamily="49" charset="0"/>
+              </a:rPr>
+              <a:t>template &lt;</a:t>
+            </a:r>
+            <a:r>
+              <a:rPr lang="en-US" altLang="zh-TW" sz="1400" dirty="0" err="1">
+                <a:effectLst/>
+                <a:latin typeface="Courier New" panose="02070309020205020404" pitchFamily="49" charset="0"/>
+                <a:cs typeface="Courier New" panose="02070309020205020404" pitchFamily="49" charset="0"/>
+              </a:rPr>
+              <a:t>typename</a:t>
+            </a:r>
+            <a:r>
+              <a:rPr lang="en-US" altLang="zh-TW" sz="1400" dirty="0">
+                <a:effectLst/>
+                <a:latin typeface="Courier New" panose="02070309020205020404" pitchFamily="49" charset="0"/>
+                <a:cs typeface="Courier New" panose="02070309020205020404" pitchFamily="49" charset="0"/>
+              </a:rPr>
+              <a:t> </a:t>
+            </a:r>
+            <a:r>
+              <a:rPr lang="en-US" altLang="zh-TW" sz="1400" dirty="0" err="1">
+                <a:effectLst/>
+                <a:latin typeface="Courier New" panose="02070309020205020404" pitchFamily="49" charset="0"/>
+                <a:cs typeface="Courier New" panose="02070309020205020404" pitchFamily="49" charset="0"/>
+              </a:rPr>
+              <a:t>close_fn_t</a:t>
+            </a:r>
+            <a:r>
+              <a:rPr lang="en-US" altLang="zh-TW" sz="1400" dirty="0">
+                <a:effectLst/>
+                <a:latin typeface="Courier New" panose="02070309020205020404" pitchFamily="49" charset="0"/>
+                <a:cs typeface="Courier New" panose="02070309020205020404" pitchFamily="49" charset="0"/>
+              </a:rPr>
+              <a:t>, </a:t>
+            </a:r>
+            <a:r>
+              <a:rPr lang="en-US" altLang="zh-TW" sz="1400" dirty="0" err="1">
+                <a:effectLst/>
+                <a:latin typeface="Courier New" panose="02070309020205020404" pitchFamily="49" charset="0"/>
+                <a:cs typeface="Courier New" panose="02070309020205020404" pitchFamily="49" charset="0"/>
+              </a:rPr>
+              <a:t>close_fn_t</a:t>
+            </a:r>
+            <a:r>
+              <a:rPr lang="en-US" altLang="zh-TW" sz="1400" dirty="0">
+                <a:effectLst/>
+                <a:latin typeface="Courier New" panose="02070309020205020404" pitchFamily="49" charset="0"/>
+                <a:cs typeface="Courier New" panose="02070309020205020404" pitchFamily="49" charset="0"/>
+              </a:rPr>
+              <a:t> </a:t>
+            </a:r>
+            <a:r>
+              <a:rPr lang="en-US" altLang="zh-TW" sz="1400" dirty="0" err="1">
+                <a:effectLst/>
+                <a:latin typeface="Courier New" panose="02070309020205020404" pitchFamily="49" charset="0"/>
+                <a:cs typeface="Courier New" panose="02070309020205020404" pitchFamily="49" charset="0"/>
+              </a:rPr>
+              <a:t>close_fn</a:t>
+            </a:r>
+            <a:r>
+              <a:rPr lang="en-US" altLang="zh-TW" sz="1400" dirty="0">
+                <a:effectLst/>
+                <a:latin typeface="Courier New" panose="02070309020205020404" pitchFamily="49" charset="0"/>
+                <a:cs typeface="Courier New" panose="02070309020205020404" pitchFamily="49" charset="0"/>
+              </a:rPr>
+              <a:t>&gt;</a:t>
+            </a:r>
+            <a:br>
+              <a:rPr lang="en-US" altLang="zh-TW" sz="1400" dirty="0">
+                <a:effectLst/>
+                <a:latin typeface="Courier New" panose="02070309020205020404" pitchFamily="49" charset="0"/>
+                <a:cs typeface="Courier New" panose="02070309020205020404" pitchFamily="49" charset="0"/>
+              </a:rPr>
+            </a:br>
+            <a:r>
+              <a:rPr lang="en-US" altLang="zh-TW" sz="1400" dirty="0">
+                <a:effectLst/>
+                <a:latin typeface="Courier New" panose="02070309020205020404" pitchFamily="49" charset="0"/>
+                <a:cs typeface="Courier New" panose="02070309020205020404" pitchFamily="49" charset="0"/>
+              </a:rPr>
+              <a:t>using </a:t>
+            </a:r>
+            <a:r>
+              <a:rPr lang="en-US" altLang="zh-TW" sz="1400" b="1" dirty="0" err="1">
+                <a:solidFill>
+                  <a:srgbClr val="00B0F0"/>
+                </a:solidFill>
+                <a:effectLst/>
+                <a:latin typeface="Courier New" panose="02070309020205020404" pitchFamily="49" charset="0"/>
+                <a:cs typeface="Courier New" panose="02070309020205020404" pitchFamily="49" charset="0"/>
+              </a:rPr>
+              <a:t>unique_any_handle_null_only</a:t>
+            </a:r>
+            <a:r>
+              <a:rPr lang="en-US" altLang="zh-TW" sz="1400" dirty="0">
+                <a:effectLst/>
+                <a:latin typeface="Courier New" panose="02070309020205020404" pitchFamily="49" charset="0"/>
+                <a:cs typeface="Courier New" panose="02070309020205020404" pitchFamily="49" charset="0"/>
+              </a:rPr>
+              <a:t> = </a:t>
+            </a:r>
+            <a:r>
+              <a:rPr lang="en-US" altLang="zh-TW" sz="1400" dirty="0" err="1">
+                <a:effectLst/>
+                <a:latin typeface="Courier New" panose="02070309020205020404" pitchFamily="49" charset="0"/>
+                <a:cs typeface="Courier New" panose="02070309020205020404" pitchFamily="49" charset="0"/>
+              </a:rPr>
+              <a:t>unique_any_t</a:t>
+            </a:r>
+            <a:r>
+              <a:rPr lang="en-US" altLang="zh-TW" sz="1400" dirty="0">
+                <a:effectLst/>
+                <a:latin typeface="Courier New" panose="02070309020205020404" pitchFamily="49" charset="0"/>
+                <a:cs typeface="Courier New" panose="02070309020205020404" pitchFamily="49" charset="0"/>
+              </a:rPr>
+              <a:t>&lt;</a:t>
+            </a:r>
+            <a:r>
+              <a:rPr lang="en-US" altLang="zh-TW" sz="1400" dirty="0" err="1">
+                <a:effectLst/>
+                <a:latin typeface="Courier New" panose="02070309020205020404" pitchFamily="49" charset="0"/>
+                <a:cs typeface="Courier New" panose="02070309020205020404" pitchFamily="49" charset="0"/>
+              </a:rPr>
+              <a:t>unique_storage</a:t>
+            </a:r>
+            <a:r>
+              <a:rPr lang="en-US" altLang="zh-TW" sz="1400" dirty="0">
+                <a:effectLst/>
+                <a:latin typeface="Courier New" panose="02070309020205020404" pitchFamily="49" charset="0"/>
+                <a:cs typeface="Courier New" panose="02070309020205020404" pitchFamily="49" charset="0"/>
+              </a:rPr>
+              <a:t>&lt;</a:t>
+            </a:r>
+            <a:r>
+              <a:rPr lang="en-US" altLang="zh-TW" sz="1400" b="1" dirty="0" err="1">
+                <a:solidFill>
+                  <a:srgbClr val="00B050"/>
+                </a:solidFill>
+                <a:effectLst/>
+                <a:latin typeface="Courier New" panose="02070309020205020404" pitchFamily="49" charset="0"/>
+                <a:cs typeface="Courier New" panose="02070309020205020404" pitchFamily="49" charset="0"/>
+              </a:rPr>
+              <a:t>handle_null_only_resource_policy</a:t>
+            </a:r>
+            <a:r>
+              <a:rPr lang="en-US" altLang="zh-TW" sz="1400" dirty="0">
+                <a:effectLst/>
+                <a:latin typeface="Courier New" panose="02070309020205020404" pitchFamily="49" charset="0"/>
+                <a:cs typeface="Courier New" panose="02070309020205020404" pitchFamily="49" charset="0"/>
+              </a:rPr>
+              <a:t>&lt;</a:t>
+            </a:r>
+            <a:r>
+              <a:rPr lang="en-US" altLang="zh-TW" sz="1400" dirty="0" err="1">
+                <a:effectLst/>
+                <a:latin typeface="Courier New" panose="02070309020205020404" pitchFamily="49" charset="0"/>
+                <a:cs typeface="Courier New" panose="02070309020205020404" pitchFamily="49" charset="0"/>
+              </a:rPr>
+              <a:t>close_fn_t</a:t>
+            </a:r>
+            <a:r>
+              <a:rPr lang="en-US" altLang="zh-TW" sz="1400" dirty="0">
+                <a:effectLst/>
+                <a:latin typeface="Courier New" panose="02070309020205020404" pitchFamily="49" charset="0"/>
+                <a:cs typeface="Courier New" panose="02070309020205020404" pitchFamily="49" charset="0"/>
+              </a:rPr>
+              <a:t>, </a:t>
+            </a:r>
+            <a:r>
+              <a:rPr lang="en-US" altLang="zh-TW" sz="1400" dirty="0" err="1">
+                <a:effectLst/>
+                <a:latin typeface="Courier New" panose="02070309020205020404" pitchFamily="49" charset="0"/>
+                <a:cs typeface="Courier New" panose="02070309020205020404" pitchFamily="49" charset="0"/>
+              </a:rPr>
+              <a:t>close_fn</a:t>
+            </a:r>
+            <a:r>
+              <a:rPr lang="en-US" altLang="zh-TW" sz="1400" dirty="0">
+                <a:effectLst/>
+                <a:latin typeface="Courier New" panose="02070309020205020404" pitchFamily="49" charset="0"/>
+                <a:cs typeface="Courier New" panose="02070309020205020404" pitchFamily="49" charset="0"/>
+              </a:rPr>
+              <a:t>&gt;&gt;&gt;;</a:t>
+            </a:r>
+            <a:br>
+              <a:rPr lang="en-US" altLang="zh-TW" sz="1400" dirty="0">
+                <a:effectLst/>
+                <a:latin typeface="Courier New" panose="02070309020205020404" pitchFamily="49" charset="0"/>
+                <a:cs typeface="Courier New" panose="02070309020205020404" pitchFamily="49" charset="0"/>
+              </a:rPr>
+            </a:br>
+            <a:br>
+              <a:rPr lang="en-US" altLang="zh-TW" sz="1400" dirty="0">
+                <a:effectLst/>
+                <a:latin typeface="Courier New" panose="02070309020205020404" pitchFamily="49" charset="0"/>
+                <a:cs typeface="Courier New" panose="02070309020205020404" pitchFamily="49" charset="0"/>
+              </a:rPr>
+            </a:br>
+            <a:r>
+              <a:rPr lang="en-US" altLang="zh-TW" sz="1400" dirty="0">
+                <a:effectLst/>
+                <a:latin typeface="Courier New" panose="02070309020205020404" pitchFamily="49" charset="0"/>
+                <a:cs typeface="Courier New" panose="02070309020205020404" pitchFamily="49" charset="0"/>
+              </a:rPr>
+              <a:t>typedef </a:t>
+            </a:r>
+            <a:r>
+              <a:rPr lang="en-US" altLang="zh-TW" sz="1400" b="1" dirty="0" err="1">
+                <a:solidFill>
+                  <a:srgbClr val="00B0F0"/>
+                </a:solidFill>
+                <a:effectLst/>
+                <a:latin typeface="Courier New" panose="02070309020205020404" pitchFamily="49" charset="0"/>
+                <a:cs typeface="Courier New" panose="02070309020205020404" pitchFamily="49" charset="0"/>
+              </a:rPr>
+              <a:t>unique_any_handle_null_only</a:t>
+            </a:r>
+            <a:r>
+              <a:rPr lang="en-US" altLang="zh-TW" sz="1400" dirty="0">
+                <a:effectLst/>
+                <a:latin typeface="Courier New" panose="02070309020205020404" pitchFamily="49" charset="0"/>
+                <a:cs typeface="Courier New" panose="02070309020205020404" pitchFamily="49" charset="0"/>
+              </a:rPr>
+              <a:t>&lt;</a:t>
+            </a:r>
+            <a:r>
+              <a:rPr lang="en-US" altLang="zh-TW" sz="1400" dirty="0" err="1">
+                <a:effectLst/>
+                <a:latin typeface="Courier New" panose="02070309020205020404" pitchFamily="49" charset="0"/>
+                <a:cs typeface="Courier New" panose="02070309020205020404" pitchFamily="49" charset="0"/>
+              </a:rPr>
+              <a:t>decltype</a:t>
+            </a:r>
+            <a:r>
+              <a:rPr lang="en-US" altLang="zh-TW" sz="1400" dirty="0">
+                <a:effectLst/>
+                <a:latin typeface="Courier New" panose="02070309020205020404" pitchFamily="49" charset="0"/>
+                <a:cs typeface="Courier New" panose="02070309020205020404" pitchFamily="49" charset="0"/>
+              </a:rPr>
+              <a:t>(&amp;::</a:t>
+            </a:r>
+            <a:r>
+              <a:rPr lang="en-US" altLang="zh-TW" sz="1400" dirty="0" err="1">
+                <a:effectLst/>
+                <a:latin typeface="Courier New" panose="02070309020205020404" pitchFamily="49" charset="0"/>
+                <a:cs typeface="Courier New" panose="02070309020205020404" pitchFamily="49" charset="0"/>
+              </a:rPr>
+              <a:t>CloseHandle</a:t>
+            </a:r>
+            <a:r>
+              <a:rPr lang="en-US" altLang="zh-TW" sz="1400" dirty="0">
+                <a:effectLst/>
+                <a:latin typeface="Courier New" panose="02070309020205020404" pitchFamily="49" charset="0"/>
+                <a:cs typeface="Courier New" panose="02070309020205020404" pitchFamily="49" charset="0"/>
+              </a:rPr>
+              <a:t>), ::</a:t>
+            </a:r>
+            <a:r>
+              <a:rPr lang="en-US" altLang="zh-TW" sz="1400" dirty="0" err="1">
+                <a:effectLst/>
+                <a:latin typeface="Courier New" panose="02070309020205020404" pitchFamily="49" charset="0"/>
+                <a:cs typeface="Courier New" panose="02070309020205020404" pitchFamily="49" charset="0"/>
+              </a:rPr>
+              <a:t>CloseHandle</a:t>
+            </a:r>
+            <a:r>
+              <a:rPr lang="en-US" altLang="zh-TW" sz="1400" dirty="0">
+                <a:effectLst/>
+                <a:latin typeface="Courier New" panose="02070309020205020404" pitchFamily="49" charset="0"/>
+                <a:cs typeface="Courier New" panose="02070309020205020404" pitchFamily="49" charset="0"/>
+              </a:rPr>
+              <a:t>&gt; </a:t>
+            </a:r>
+            <a:r>
+              <a:rPr lang="en-US" altLang="zh-TW" sz="1400" b="1" dirty="0" err="1">
+                <a:solidFill>
+                  <a:srgbClr val="FFC000"/>
+                </a:solidFill>
+                <a:effectLst/>
+                <a:latin typeface="Courier New" panose="02070309020205020404" pitchFamily="49" charset="0"/>
+                <a:cs typeface="Courier New" panose="02070309020205020404" pitchFamily="49" charset="0"/>
+              </a:rPr>
+              <a:t>unique_process_handle</a:t>
+            </a:r>
+            <a:r>
+              <a:rPr lang="en-US" altLang="zh-TW" sz="1400" dirty="0">
+                <a:effectLst/>
+                <a:latin typeface="Courier New" panose="02070309020205020404" pitchFamily="49" charset="0"/>
+                <a:cs typeface="Courier New" panose="02070309020205020404" pitchFamily="49" charset="0"/>
+              </a:rPr>
+              <a:t>;</a:t>
+            </a:r>
+          </a:p>
+        </p:txBody>
+      </p:sp>
+    </p:spTree>
+    <p:extLst>
+      <p:ext uri="{BB962C8B-B14F-4D97-AF65-F5344CB8AC3E}">
+        <p14:creationId xmlns:p14="http://schemas.microsoft.com/office/powerpoint/2010/main" val="2169478392"/>
       </p:ext>
     </p:extLst>
   </p:cSld>
@@ -8633,21 +16874,6 @@
 </file>
 
 <file path=customXml/item1.xml><?xml version="1.0" encoding="utf-8"?>
-<p:properties xmlns:p="http://schemas.microsoft.com/office/2006/metadata/properties" xmlns:xsi="http://www.w3.org/2001/XMLSchema-instance" xmlns:pc="http://schemas.microsoft.com/office/infopath/2007/PartnerControls">
-  <documentManagement/>
-</p:properties>
-</file>
-
-<file path=customXml/item2.xml><?xml version="1.0" encoding="utf-8"?>
-<?mso-contentType ?>
-<FormTemplates xmlns="http://schemas.microsoft.com/sharepoint/v3/contenttype/forms">
-  <Display>DocumentLibraryForm</Display>
-  <Edit>DocumentLibraryForm</Edit>
-  <New>DocumentLibraryForm</New>
-</FormTemplates>
-</file>
-
-<file path=customXml/item3.xml><?xml version="1.0" encoding="utf-8"?>
 <ct:contentTypeSchema xmlns:ct="http://schemas.microsoft.com/office/2006/metadata/contentType" xmlns:ma="http://schemas.microsoft.com/office/2006/metadata/properties/metaAttributes" ct:_="" ma:_="" ma:contentTypeName="Document" ma:contentTypeID="0x0101004D63FE6916634947B53A223223127A7D" ma:contentTypeVersion="2" ma:contentTypeDescription="Create a new document." ma:contentTypeScope="" ma:versionID="d0604ca9bc8e81a00563416e3f10055c">
   <xsd:schema xmlns:xsd="http://www.w3.org/2001/XMLSchema" xmlns:xs="http://www.w3.org/2001/XMLSchema" xmlns:p="http://schemas.microsoft.com/office/2006/metadata/properties" xmlns:ns3="8334de96-96af-4a82-8d87-933f304e8461" targetNamespace="http://schemas.microsoft.com/office/2006/metadata/properties" ma:root="true" ma:fieldsID="fd94e03ab4ace4500eb83c3c06fbea6d" ns3:_="">
     <xsd:import namespace="8334de96-96af-4a82-8d87-933f304e8461"/>
@@ -8779,24 +17005,22 @@
 </ct:contentTypeSchema>
 </file>
 
-<file path=customXml/itemProps1.xml><?xml version="1.0" encoding="utf-8"?>
-<ds:datastoreItem xmlns:ds="http://schemas.openxmlformats.org/officeDocument/2006/customXml" ds:itemID="{2F8C9F32-7161-48C3-9855-9C15C43F57C7}">
-  <ds:schemaRefs>
-    <ds:schemaRef ds:uri="http://schemas.microsoft.com/office/2006/metadata/properties"/>
-    <ds:schemaRef ds:uri="http://schemas.microsoft.com/office/infopath/2007/PartnerControls"/>
-  </ds:schemaRefs>
-</ds:datastoreItem>
+<file path=customXml/item2.xml><?xml version="1.0" encoding="utf-8"?>
+<p:properties xmlns:p="http://schemas.microsoft.com/office/2006/metadata/properties" xmlns:xsi="http://www.w3.org/2001/XMLSchema-instance" xmlns:pc="http://schemas.microsoft.com/office/infopath/2007/PartnerControls">
+  <documentManagement/>
+</p:properties>
 </file>
 
-<file path=customXml/itemProps2.xml><?xml version="1.0" encoding="utf-8"?>
-<ds:datastoreItem xmlns:ds="http://schemas.openxmlformats.org/officeDocument/2006/customXml" ds:itemID="{72C7E206-98DE-4FC1-A2E2-2854D35018BC}">
-  <ds:schemaRefs>
-    <ds:schemaRef ds:uri="http://schemas.microsoft.com/sharepoint/v3/contenttype/forms"/>
-  </ds:schemaRefs>
-</ds:datastoreItem>
+<file path=customXml/item3.xml><?xml version="1.0" encoding="utf-8"?>
+<?mso-contentType ?>
+<FormTemplates xmlns="http://schemas.microsoft.com/sharepoint/v3/contenttype/forms">
+  <Display>DocumentLibraryForm</Display>
+  <Edit>DocumentLibraryForm</Edit>
+  <New>DocumentLibraryForm</New>
+</FormTemplates>
 </file>
 
-<file path=customXml/itemProps3.xml><?xml version="1.0" encoding="utf-8"?>
+<file path=customXml/itemProps1.xml><?xml version="1.0" encoding="utf-8"?>
 <ds:datastoreItem xmlns:ds="http://schemas.openxmlformats.org/officeDocument/2006/customXml" ds:itemID="{2EDFCF9A-CF0B-403A-8345-1BA2DCA02AF0}">
   <ds:schemaRefs>
     <ds:schemaRef ds:uri="http://schemas.microsoft.com/office/2006/metadata/contentType"/>
@@ -8812,4 +17036,21 @@
     <ds:schemaRef ds:uri="http://schemas.microsoft.com/internal/obd"/>
   </ds:schemaRefs>
 </ds:datastoreItem>
+</file>
+
+<file path=customXml/itemProps2.xml><?xml version="1.0" encoding="utf-8"?>
+<ds:datastoreItem xmlns:ds="http://schemas.openxmlformats.org/officeDocument/2006/customXml" ds:itemID="{2F8C9F32-7161-48C3-9855-9C15C43F57C7}">
+  <ds:schemaRefs>
+    <ds:schemaRef ds:uri="http://schemas.microsoft.com/office/2006/metadata/properties"/>
+    <ds:schemaRef ds:uri="http://schemas.microsoft.com/office/infopath/2007/PartnerControls"/>
+  </ds:schemaRefs>
+</ds:datastoreItem>
+</file>
+
+<file path=customXml/itemProps3.xml><?xml version="1.0" encoding="utf-8"?>
+<ds:datastoreItem xmlns:ds="http://schemas.openxmlformats.org/officeDocument/2006/customXml" ds:itemID="{72C7E206-98DE-4FC1-A2E2-2854D35018BC}">
+  <ds:schemaRefs>
+    <ds:schemaRef ds:uri="http://schemas.microsoft.com/sharepoint/v3/contenttype/forms"/>
+  </ds:schemaRefs>
+</ds:datastoreItem>
 </file>
--- a/SharedPointer.pptx
+++ b/SharedPointer.pptx
@@ -209,7 +209,7 @@
           <a:p>
             <a:fld id="{9E095F26-633F-4564-B85E-E583F671A7C0}" type="datetimeFigureOut">
               <a:rPr lang="en-US" smtClean="0"/>
-              <a:t>7/31/2020</a:t>
+              <a:t>8/3/2020</a:t>
             </a:fld>
             <a:endParaRPr lang="en-US"/>
           </a:p>
@@ -662,7 +662,7 @@
             <a:fld id="{8E36636D-D922-432D-A958-524484B5923D}" type="datetimeFigureOut">
               <a:rPr lang="en-US" dirty="0"/>
               <a:pPr/>
-              <a:t>7/31/2020</a:t>
+              <a:t>8/3/2020</a:t>
             </a:fld>
             <a:endParaRPr lang="en-US" dirty="0"/>
           </a:p>
@@ -956,7 +956,7 @@
           <a:p>
             <a:fld id="{48A87A34-81AB-432B-8DAE-1953F412C126}" type="datetimeFigureOut">
               <a:rPr lang="en-US" dirty="0"/>
-              <a:t>7/31/2020</a:t>
+              <a:t>8/3/2020</a:t>
             </a:fld>
             <a:endParaRPr lang="en-US" dirty="0"/>
           </a:p>
@@ -1143,7 +1143,7 @@
           <a:p>
             <a:fld id="{48A87A34-81AB-432B-8DAE-1953F412C126}" type="datetimeFigureOut">
               <a:rPr lang="en-US" dirty="0"/>
-              <a:t>7/31/2020</a:t>
+              <a:t>8/3/2020</a:t>
             </a:fld>
             <a:endParaRPr lang="en-US" dirty="0"/>
           </a:p>
@@ -1399,7 +1399,7 @@
           <a:p>
             <a:fld id="{48A87A34-81AB-432B-8DAE-1953F412C126}" type="datetimeFigureOut">
               <a:rPr lang="en-US" dirty="0"/>
-              <a:t>7/31/2020</a:t>
+              <a:t>8/3/2020</a:t>
             </a:fld>
             <a:endParaRPr lang="en-US" dirty="0"/>
           </a:p>
@@ -1818,7 +1818,7 @@
           <a:p>
             <a:fld id="{48A87A34-81AB-432B-8DAE-1953F412C126}" type="datetimeFigureOut">
               <a:rPr lang="en-US" dirty="0"/>
-              <a:t>7/31/2020</a:t>
+              <a:t>8/3/2020</a:t>
             </a:fld>
             <a:endParaRPr lang="en-US" dirty="0"/>
           </a:p>
@@ -2350,7 +2350,7 @@
           <a:p>
             <a:fld id="{48A87A34-81AB-432B-8DAE-1953F412C126}" type="datetimeFigureOut">
               <a:rPr lang="en-US" dirty="0"/>
-              <a:t>7/31/2020</a:t>
+              <a:t>8/3/2020</a:t>
             </a:fld>
             <a:endParaRPr lang="en-US" dirty="0"/>
           </a:p>
@@ -3209,7 +3209,7 @@
           <a:p>
             <a:fld id="{48A87A34-81AB-432B-8DAE-1953F412C126}" type="datetimeFigureOut">
               <a:rPr lang="en-US" dirty="0"/>
-              <a:t>7/31/2020</a:t>
+              <a:t>8/3/2020</a:t>
             </a:fld>
             <a:endParaRPr lang="en-US" dirty="0"/>
           </a:p>
@@ -3375,7 +3375,7 @@
             <a:fld id="{8E36636D-D922-432D-A958-524484B5923D}" type="datetimeFigureOut">
               <a:rPr lang="en-US" dirty="0"/>
               <a:pPr/>
-              <a:t>7/31/2020</a:t>
+              <a:t>8/3/2020</a:t>
             </a:fld>
             <a:endParaRPr lang="en-US" dirty="0"/>
           </a:p>
@@ -3556,7 +3556,7 @@
             <a:fld id="{8E36636D-D922-432D-A958-524484B5923D}" type="datetimeFigureOut">
               <a:rPr lang="en-US" dirty="0"/>
               <a:pPr/>
-              <a:t>7/31/2020</a:t>
+              <a:t>8/3/2020</a:t>
             </a:fld>
             <a:endParaRPr lang="en-US" dirty="0"/>
           </a:p>
@@ -3723,7 +3723,7 @@
             <a:fld id="{8E36636D-D922-432D-A958-524484B5923D}" type="datetimeFigureOut">
               <a:rPr lang="en-US" dirty="0"/>
               <a:pPr/>
-              <a:t>7/31/2020</a:t>
+              <a:t>8/3/2020</a:t>
             </a:fld>
             <a:endParaRPr lang="en-US" dirty="0"/>
           </a:p>
@@ -3964,7 +3964,7 @@
             <a:fld id="{8E36636D-D922-432D-A958-524484B5923D}" type="datetimeFigureOut">
               <a:rPr lang="en-US" dirty="0"/>
               <a:pPr/>
-              <a:t>7/31/2020</a:t>
+              <a:t>8/3/2020</a:t>
             </a:fld>
             <a:endParaRPr lang="en-US" dirty="0"/>
           </a:p>
@@ -4197,7 +4197,7 @@
             <a:fld id="{8E36636D-D922-432D-A958-524484B5923D}" type="datetimeFigureOut">
               <a:rPr lang="en-US" dirty="0"/>
               <a:pPr/>
-              <a:t>7/31/2020</a:t>
+              <a:t>8/3/2020</a:t>
             </a:fld>
             <a:endParaRPr lang="en-US" dirty="0"/>
           </a:p>
@@ -4660,7 +4660,7 @@
             <a:fld id="{8E36636D-D922-432D-A958-524484B5923D}" type="datetimeFigureOut">
               <a:rPr lang="en-US" dirty="0"/>
               <a:pPr/>
-              <a:t>7/31/2020</a:t>
+              <a:t>8/3/2020</a:t>
             </a:fld>
             <a:endParaRPr lang="en-US" dirty="0"/>
           </a:p>
@@ -4775,7 +4775,7 @@
             <a:fld id="{8E36636D-D922-432D-A958-524484B5923D}" type="datetimeFigureOut">
               <a:rPr lang="en-US" dirty="0"/>
               <a:pPr/>
-              <a:t>7/31/2020</a:t>
+              <a:t>8/3/2020</a:t>
             </a:fld>
             <a:endParaRPr lang="en-US" dirty="0"/>
           </a:p>
@@ -4867,7 +4867,7 @@
             <a:fld id="{8E36636D-D922-432D-A958-524484B5923D}" type="datetimeFigureOut">
               <a:rPr lang="en-US" dirty="0"/>
               <a:pPr/>
-              <a:t>7/31/2020</a:t>
+              <a:t>8/3/2020</a:t>
             </a:fld>
             <a:endParaRPr lang="en-US" dirty="0"/>
           </a:p>
@@ -5119,7 +5119,7 @@
             <a:fld id="{8E36636D-D922-432D-A958-524484B5923D}" type="datetimeFigureOut">
               <a:rPr lang="en-US" dirty="0"/>
               <a:pPr/>
-              <a:t>7/31/2020</a:t>
+              <a:t>8/3/2020</a:t>
             </a:fld>
             <a:endParaRPr lang="en-US" dirty="0"/>
           </a:p>
@@ -5416,7 +5416,7 @@
             <a:fld id="{8E36636D-D922-432D-A958-524484B5923D}" type="datetimeFigureOut">
               <a:rPr lang="en-US" dirty="0"/>
               <a:pPr/>
-              <a:t>7/31/2020</a:t>
+              <a:t>8/3/2020</a:t>
             </a:fld>
             <a:endParaRPr lang="en-US" dirty="0"/>
           </a:p>
@@ -5647,7 +5647,7 @@
             <a:fld id="{8E36636D-D922-432D-A958-524484B5923D}" type="datetimeFigureOut">
               <a:rPr lang="en-US" dirty="0"/>
               <a:pPr/>
-              <a:t>7/31/2020</a:t>
+              <a:t>8/3/2020</a:t>
             </a:fld>
             <a:endParaRPr lang="en-US" dirty="0"/>
           </a:p>
@@ -10458,7 +10458,7 @@
         </p:spPr>
         <p:txBody>
           <a:bodyPr>
-            <a:normAutofit lnSpcReduction="10000"/>
+            <a:normAutofit/>
           </a:bodyPr>
           <a:lstStyle/>
           <a:p>
@@ -10861,23 +10861,22 @@
                 <a:latin typeface="Courier New" panose="02070309020205020404" pitchFamily="49" charset="0"/>
                 <a:cs typeface="Courier New" panose="02070309020205020404" pitchFamily="49" charset="0"/>
               </a:rPr>
-              <a:t>的職責完全分配出去之後</a:t>
-            </a:r>
-            <a:r>
-              <a:rPr lang="en-US" altLang="zh-TW" dirty="0">
-                <a:effectLst/>
-                <a:latin typeface="Courier New" panose="02070309020205020404" pitchFamily="49" charset="0"/>
-                <a:cs typeface="Courier New" panose="02070309020205020404" pitchFamily="49" charset="0"/>
-              </a:rPr>
-              <a:t>,</a:t>
-            </a:r>
+              <a:t>的職責完全分配出去。</a:t>
+            </a:r>
+            <a:br>
+              <a:rPr lang="en-US" altLang="zh-TW" dirty="0">
+                <a:effectLst/>
+                <a:latin typeface="Courier New" panose="02070309020205020404" pitchFamily="49" charset="0"/>
+                <a:cs typeface="Courier New" panose="02070309020205020404" pitchFamily="49" charset="0"/>
+              </a:rPr>
+            </a:br>
             <a:r>
               <a:rPr lang="zh-TW" altLang="en-US" dirty="0">
                 <a:effectLst/>
                 <a:latin typeface="Courier New" panose="02070309020205020404" pitchFamily="49" charset="0"/>
                 <a:cs typeface="Courier New" panose="02070309020205020404" pitchFamily="49" charset="0"/>
               </a:rPr>
-              <a:t>就可以自由變更</a:t>
+              <a:t>例如</a:t>
             </a:r>
             <a:r>
               <a:rPr lang="en-US" altLang="zh-TW" dirty="0" err="1">
@@ -10893,383 +10892,183 @@
                 <a:latin typeface="Courier New" panose="02070309020205020404" pitchFamily="49" charset="0"/>
                 <a:cs typeface="Courier New" panose="02070309020205020404" pitchFamily="49" charset="0"/>
               </a:rPr>
+              <a:t>只需要被四個</a:t>
+            </a:r>
+            <a:r>
+              <a:rPr lang="en-US" altLang="zh-TW" dirty="0">
+                <a:effectLst/>
+                <a:latin typeface="Courier New" panose="02070309020205020404" pitchFamily="49" charset="0"/>
+                <a:cs typeface="Courier New" panose="02070309020205020404" pitchFamily="49" charset="0"/>
+              </a:rPr>
+              <a:t>thread access</a:t>
+            </a:r>
+            <a:r>
+              <a:rPr lang="zh-TW" altLang="en-US" dirty="0">
+                <a:effectLst/>
+                <a:latin typeface="Courier New" panose="02070309020205020404" pitchFamily="49" charset="0"/>
+                <a:cs typeface="Courier New" panose="02070309020205020404" pitchFamily="49" charset="0"/>
+              </a:rPr>
+              <a:t>。我們可以先將</a:t>
+            </a:r>
+            <a:r>
+              <a:rPr lang="en-US" altLang="zh-TW" dirty="0" err="1">
+                <a:effectLst/>
+                <a:latin typeface="Courier New" panose="02070309020205020404" pitchFamily="49" charset="0"/>
+                <a:cs typeface="Courier New" panose="02070309020205020404" pitchFamily="49" charset="0"/>
+              </a:rPr>
+              <a:t>m_shared_ptr</a:t>
+            </a:r>
+            <a:r>
+              <a:rPr lang="zh-TW" altLang="en-US" dirty="0">
+                <a:effectLst/>
+                <a:latin typeface="Courier New" panose="02070309020205020404" pitchFamily="49" charset="0"/>
+                <a:cs typeface="Courier New" panose="02070309020205020404" pitchFamily="49" charset="0"/>
+              </a:rPr>
+              <a:t> </a:t>
+            </a:r>
+            <a:r>
+              <a:rPr lang="en-US" altLang="zh-TW" dirty="0">
+                <a:effectLst/>
+                <a:latin typeface="Courier New" panose="02070309020205020404" pitchFamily="49" charset="0"/>
+                <a:cs typeface="Courier New" panose="02070309020205020404" pitchFamily="49" charset="0"/>
+              </a:rPr>
+              <a:t>assign</a:t>
+            </a:r>
+            <a:r>
+              <a:rPr lang="zh-TW" altLang="en-US" dirty="0">
+                <a:effectLst/>
+                <a:latin typeface="Courier New" panose="02070309020205020404" pitchFamily="49" charset="0"/>
+                <a:cs typeface="Courier New" panose="02070309020205020404" pitchFamily="49" charset="0"/>
+              </a:rPr>
+              <a:t>給一個</a:t>
+            </a:r>
+            <a:r>
+              <a:rPr lang="en-US" altLang="zh-TW" dirty="0">
+                <a:effectLst/>
+                <a:latin typeface="Courier New" panose="02070309020205020404" pitchFamily="49" charset="0"/>
+                <a:cs typeface="Courier New" panose="02070309020205020404" pitchFamily="49" charset="0"/>
+              </a:rPr>
+              <a:t>local variable,</a:t>
+            </a:r>
+            <a:r>
+              <a:rPr lang="zh-TW" altLang="en-US" dirty="0">
+                <a:effectLst/>
+                <a:latin typeface="Courier New" panose="02070309020205020404" pitchFamily="49" charset="0"/>
+                <a:cs typeface="Courier New" panose="02070309020205020404" pitchFamily="49" charset="0"/>
+              </a:rPr>
+              <a:t>如此</a:t>
+            </a:r>
+            <a:r>
+              <a:rPr lang="en-US" altLang="zh-TW" dirty="0" err="1">
+                <a:effectLst/>
+                <a:latin typeface="Courier New" panose="02070309020205020404" pitchFamily="49" charset="0"/>
+                <a:cs typeface="Courier New" panose="02070309020205020404" pitchFamily="49" charset="0"/>
+              </a:rPr>
+              <a:t>m_shared_ptr</a:t>
+            </a:r>
+            <a:r>
+              <a:rPr lang="zh-TW" altLang="en-US" dirty="0">
+                <a:effectLst/>
+                <a:latin typeface="Courier New" panose="02070309020205020404" pitchFamily="49" charset="0"/>
+                <a:cs typeface="Courier New" panose="02070309020205020404" pitchFamily="49" charset="0"/>
+              </a:rPr>
+              <a:t>的職責就結束了。此</a:t>
+            </a:r>
+            <a:r>
+              <a:rPr lang="en-US" altLang="zh-TW" dirty="0">
+                <a:effectLst/>
+                <a:latin typeface="Courier New" panose="02070309020205020404" pitchFamily="49" charset="0"/>
+                <a:cs typeface="Courier New" panose="02070309020205020404" pitchFamily="49" charset="0"/>
+              </a:rPr>
+              <a:t>local variable</a:t>
+            </a:r>
+            <a:r>
+              <a:rPr lang="zh-TW" altLang="en-US" dirty="0">
+                <a:effectLst/>
+                <a:latin typeface="Courier New" panose="02070309020205020404" pitchFamily="49" charset="0"/>
+                <a:cs typeface="Courier New" panose="02070309020205020404" pitchFamily="49" charset="0"/>
+              </a:rPr>
+              <a:t>再</a:t>
+            </a:r>
+            <a:r>
+              <a:rPr lang="en-US" altLang="zh-TW" dirty="0">
+                <a:effectLst/>
+                <a:latin typeface="Courier New" panose="02070309020205020404" pitchFamily="49" charset="0"/>
+                <a:cs typeface="Courier New" panose="02070309020205020404" pitchFamily="49" charset="0"/>
+              </a:rPr>
+              <a:t>copy</a:t>
+            </a:r>
+            <a:r>
+              <a:rPr lang="zh-TW" altLang="en-US" dirty="0">
+                <a:effectLst/>
+                <a:latin typeface="Courier New" panose="02070309020205020404" pitchFamily="49" charset="0"/>
+                <a:cs typeface="Courier New" panose="02070309020205020404" pitchFamily="49" charset="0"/>
+              </a:rPr>
+              <a:t>給四個</a:t>
+            </a:r>
+            <a:r>
+              <a:rPr lang="en-US" altLang="zh-TW" dirty="0">
+                <a:effectLst/>
+                <a:latin typeface="Courier New" panose="02070309020205020404" pitchFamily="49" charset="0"/>
+                <a:cs typeface="Courier New" panose="02070309020205020404" pitchFamily="49" charset="0"/>
+              </a:rPr>
+              <a:t>thread</a:t>
+            </a:r>
+            <a:r>
+              <a:rPr lang="zh-TW" altLang="en-US" dirty="0">
+                <a:effectLst/>
+                <a:latin typeface="Courier New" panose="02070309020205020404" pitchFamily="49" charset="0"/>
+                <a:cs typeface="Courier New" panose="02070309020205020404" pitchFamily="49" charset="0"/>
+              </a:rPr>
+              <a:t>。千萬不要直接把</a:t>
+            </a:r>
+            <a:r>
+              <a:rPr lang="en-US" altLang="zh-TW" dirty="0" err="1">
+                <a:effectLst/>
+                <a:latin typeface="Courier New" panose="02070309020205020404" pitchFamily="49" charset="0"/>
+                <a:cs typeface="Courier New" panose="02070309020205020404" pitchFamily="49" charset="0"/>
+              </a:rPr>
+              <a:t>m_shared_ptr</a:t>
+            </a:r>
+            <a:r>
+              <a:rPr lang="zh-TW" altLang="en-US" dirty="0">
+                <a:effectLst/>
+                <a:latin typeface="Courier New" panose="02070309020205020404" pitchFamily="49" charset="0"/>
+                <a:cs typeface="Courier New" panose="02070309020205020404" pitchFamily="49" charset="0"/>
+              </a:rPr>
+              <a:t>分四次給四個</a:t>
+            </a:r>
+            <a:r>
+              <a:rPr lang="en-US" altLang="zh-TW" dirty="0">
+                <a:effectLst/>
+                <a:latin typeface="Courier New" panose="02070309020205020404" pitchFamily="49" charset="0"/>
+                <a:cs typeface="Courier New" panose="02070309020205020404" pitchFamily="49" charset="0"/>
+              </a:rPr>
+              <a:t>thread,</a:t>
+            </a:r>
+            <a:r>
+              <a:rPr lang="zh-TW" altLang="en-US" dirty="0">
+                <a:effectLst/>
+                <a:latin typeface="Courier New" panose="02070309020205020404" pitchFamily="49" charset="0"/>
+                <a:cs typeface="Courier New" panose="02070309020205020404" pitchFamily="49" charset="0"/>
+              </a:rPr>
+              <a:t>這樣就很難安全的使用</a:t>
+            </a:r>
+            <a:r>
+              <a:rPr lang="en-US" altLang="zh-TW" dirty="0" err="1">
+                <a:effectLst/>
+                <a:latin typeface="Courier New" panose="02070309020205020404" pitchFamily="49" charset="0"/>
+                <a:cs typeface="Courier New" panose="02070309020205020404" pitchFamily="49" charset="0"/>
+              </a:rPr>
+              <a:t>m_shared_ptr</a:t>
+            </a:r>
+            <a:r>
+              <a:rPr lang="zh-TW" altLang="en-US" dirty="0">
+                <a:effectLst/>
+                <a:latin typeface="Courier New" panose="02070309020205020404" pitchFamily="49" charset="0"/>
+                <a:cs typeface="Courier New" panose="02070309020205020404" pitchFamily="49" charset="0"/>
+              </a:rPr>
               <a:t>了。</a:t>
-            </a:r>
-            <a:br>
-              <a:rPr lang="en-US" altLang="zh-TW" dirty="0">
-                <a:effectLst/>
-                <a:latin typeface="Courier New" panose="02070309020205020404" pitchFamily="49" charset="0"/>
-                <a:cs typeface="Courier New" panose="02070309020205020404" pitchFamily="49" charset="0"/>
-              </a:rPr>
-            </a:br>
-            <a:r>
-              <a:rPr lang="zh-TW" altLang="en-US" dirty="0">
-                <a:effectLst/>
-                <a:latin typeface="Courier New" panose="02070309020205020404" pitchFamily="49" charset="0"/>
-                <a:cs typeface="Courier New" panose="02070309020205020404" pitchFamily="49" charset="0"/>
-              </a:rPr>
-              <a:t>例如</a:t>
-            </a:r>
-            <a:r>
-              <a:rPr lang="en-US" altLang="zh-TW" dirty="0" err="1">
-                <a:effectLst/>
-                <a:latin typeface="Courier New" panose="02070309020205020404" pitchFamily="49" charset="0"/>
-                <a:cs typeface="Courier New" panose="02070309020205020404" pitchFamily="49" charset="0"/>
-              </a:rPr>
-              <a:t>m_shared_ptr</a:t>
-            </a:r>
-            <a:r>
-              <a:rPr lang="zh-TW" altLang="en-US" dirty="0">
-                <a:effectLst/>
-                <a:latin typeface="Courier New" panose="02070309020205020404" pitchFamily="49" charset="0"/>
-                <a:cs typeface="Courier New" panose="02070309020205020404" pitchFamily="49" charset="0"/>
-              </a:rPr>
-              <a:t>只需要被四個</a:t>
-            </a:r>
-            <a:r>
-              <a:rPr lang="en-US" altLang="zh-TW" dirty="0">
-                <a:effectLst/>
-                <a:latin typeface="Courier New" panose="02070309020205020404" pitchFamily="49" charset="0"/>
-                <a:cs typeface="Courier New" panose="02070309020205020404" pitchFamily="49" charset="0"/>
-              </a:rPr>
-              <a:t>thread access</a:t>
-            </a:r>
-            <a:r>
-              <a:rPr lang="zh-TW" altLang="en-US" dirty="0">
-                <a:effectLst/>
-                <a:latin typeface="Courier New" panose="02070309020205020404" pitchFamily="49" charset="0"/>
-                <a:cs typeface="Courier New" panose="02070309020205020404" pitchFamily="49" charset="0"/>
-              </a:rPr>
-              <a:t>。我們可以先將</a:t>
-            </a:r>
-            <a:r>
-              <a:rPr lang="en-US" altLang="zh-TW" dirty="0" err="1">
-                <a:effectLst/>
-                <a:latin typeface="Courier New" panose="02070309020205020404" pitchFamily="49" charset="0"/>
-                <a:cs typeface="Courier New" panose="02070309020205020404" pitchFamily="49" charset="0"/>
-              </a:rPr>
-              <a:t>m_shared_ptr</a:t>
-            </a:r>
-            <a:r>
-              <a:rPr lang="zh-TW" altLang="en-US" dirty="0">
-                <a:effectLst/>
-                <a:latin typeface="Courier New" panose="02070309020205020404" pitchFamily="49" charset="0"/>
-                <a:cs typeface="Courier New" panose="02070309020205020404" pitchFamily="49" charset="0"/>
-              </a:rPr>
-              <a:t> </a:t>
-            </a:r>
-            <a:r>
-              <a:rPr lang="en-US" altLang="zh-TW" dirty="0">
-                <a:effectLst/>
-                <a:latin typeface="Courier New" panose="02070309020205020404" pitchFamily="49" charset="0"/>
-                <a:cs typeface="Courier New" panose="02070309020205020404" pitchFamily="49" charset="0"/>
-              </a:rPr>
-              <a:t>assign</a:t>
-            </a:r>
-            <a:r>
-              <a:rPr lang="zh-TW" altLang="en-US" dirty="0">
-                <a:effectLst/>
-                <a:latin typeface="Courier New" panose="02070309020205020404" pitchFamily="49" charset="0"/>
-                <a:cs typeface="Courier New" panose="02070309020205020404" pitchFamily="49" charset="0"/>
-              </a:rPr>
-              <a:t>給一個</a:t>
-            </a:r>
-            <a:r>
-              <a:rPr lang="en-US" altLang="zh-TW" dirty="0">
-                <a:effectLst/>
-                <a:latin typeface="Courier New" panose="02070309020205020404" pitchFamily="49" charset="0"/>
-                <a:cs typeface="Courier New" panose="02070309020205020404" pitchFamily="49" charset="0"/>
-              </a:rPr>
-              <a:t>local variable,</a:t>
-            </a:r>
-            <a:r>
-              <a:rPr lang="zh-TW" altLang="en-US" dirty="0">
-                <a:effectLst/>
-                <a:latin typeface="Courier New" panose="02070309020205020404" pitchFamily="49" charset="0"/>
-                <a:cs typeface="Courier New" panose="02070309020205020404" pitchFamily="49" charset="0"/>
-              </a:rPr>
-              <a:t>如此</a:t>
-            </a:r>
-            <a:r>
-              <a:rPr lang="en-US" altLang="zh-TW" dirty="0" err="1">
-                <a:effectLst/>
-                <a:latin typeface="Courier New" panose="02070309020205020404" pitchFamily="49" charset="0"/>
-                <a:cs typeface="Courier New" panose="02070309020205020404" pitchFamily="49" charset="0"/>
-              </a:rPr>
-              <a:t>m_shared_ptr</a:t>
-            </a:r>
-            <a:r>
-              <a:rPr lang="zh-TW" altLang="en-US" dirty="0">
-                <a:effectLst/>
-                <a:latin typeface="Courier New" panose="02070309020205020404" pitchFamily="49" charset="0"/>
-                <a:cs typeface="Courier New" panose="02070309020205020404" pitchFamily="49" charset="0"/>
-              </a:rPr>
-              <a:t>的職責就結束了。此</a:t>
-            </a:r>
-            <a:r>
-              <a:rPr lang="en-US" altLang="zh-TW" dirty="0">
-                <a:effectLst/>
-                <a:latin typeface="Courier New" panose="02070309020205020404" pitchFamily="49" charset="0"/>
-                <a:cs typeface="Courier New" panose="02070309020205020404" pitchFamily="49" charset="0"/>
-              </a:rPr>
-              <a:t>local variable</a:t>
-            </a:r>
-            <a:r>
-              <a:rPr lang="zh-TW" altLang="en-US" dirty="0">
-                <a:effectLst/>
-                <a:latin typeface="Courier New" panose="02070309020205020404" pitchFamily="49" charset="0"/>
-                <a:cs typeface="Courier New" panose="02070309020205020404" pitchFamily="49" charset="0"/>
-              </a:rPr>
-              <a:t>再</a:t>
-            </a:r>
-            <a:r>
-              <a:rPr lang="en-US" altLang="zh-TW" dirty="0">
-                <a:effectLst/>
-                <a:latin typeface="Courier New" panose="02070309020205020404" pitchFamily="49" charset="0"/>
-                <a:cs typeface="Courier New" panose="02070309020205020404" pitchFamily="49" charset="0"/>
-              </a:rPr>
-              <a:t>copy</a:t>
-            </a:r>
-            <a:r>
-              <a:rPr lang="zh-TW" altLang="en-US" dirty="0">
-                <a:effectLst/>
-                <a:latin typeface="Courier New" panose="02070309020205020404" pitchFamily="49" charset="0"/>
-                <a:cs typeface="Courier New" panose="02070309020205020404" pitchFamily="49" charset="0"/>
-              </a:rPr>
-              <a:t>給四個</a:t>
-            </a:r>
-            <a:r>
-              <a:rPr lang="en-US" altLang="zh-TW" dirty="0">
-                <a:effectLst/>
-                <a:latin typeface="Courier New" panose="02070309020205020404" pitchFamily="49" charset="0"/>
-                <a:cs typeface="Courier New" panose="02070309020205020404" pitchFamily="49" charset="0"/>
-              </a:rPr>
-              <a:t>thread</a:t>
-            </a:r>
-            <a:r>
-              <a:rPr lang="zh-TW" altLang="en-US" dirty="0">
-                <a:effectLst/>
-                <a:latin typeface="Courier New" panose="02070309020205020404" pitchFamily="49" charset="0"/>
-                <a:cs typeface="Courier New" panose="02070309020205020404" pitchFamily="49" charset="0"/>
-              </a:rPr>
-              <a:t>。千萬不要直接把</a:t>
-            </a:r>
-            <a:r>
-              <a:rPr lang="en-US" altLang="zh-TW" dirty="0" err="1">
-                <a:effectLst/>
-                <a:latin typeface="Courier New" panose="02070309020205020404" pitchFamily="49" charset="0"/>
-                <a:cs typeface="Courier New" panose="02070309020205020404" pitchFamily="49" charset="0"/>
-              </a:rPr>
-              <a:t>m_shared_ptr</a:t>
-            </a:r>
-            <a:r>
-              <a:rPr lang="zh-TW" altLang="en-US" dirty="0">
-                <a:effectLst/>
-                <a:latin typeface="Courier New" panose="02070309020205020404" pitchFamily="49" charset="0"/>
-                <a:cs typeface="Courier New" panose="02070309020205020404" pitchFamily="49" charset="0"/>
-              </a:rPr>
-              <a:t>分四次給四個</a:t>
-            </a:r>
-            <a:r>
-              <a:rPr lang="en-US" altLang="zh-TW" dirty="0">
-                <a:effectLst/>
-                <a:latin typeface="Courier New" panose="02070309020205020404" pitchFamily="49" charset="0"/>
-                <a:cs typeface="Courier New" panose="02070309020205020404" pitchFamily="49" charset="0"/>
-              </a:rPr>
-              <a:t>thread,</a:t>
-            </a:r>
-            <a:r>
-              <a:rPr lang="zh-TW" altLang="en-US" dirty="0">
-                <a:effectLst/>
-                <a:latin typeface="Courier New" panose="02070309020205020404" pitchFamily="49" charset="0"/>
-                <a:cs typeface="Courier New" panose="02070309020205020404" pitchFamily="49" charset="0"/>
-              </a:rPr>
-              <a:t>這樣就很難安全的使用</a:t>
-            </a:r>
-            <a:r>
-              <a:rPr lang="en-US" altLang="zh-TW" dirty="0" err="1">
-                <a:effectLst/>
-                <a:latin typeface="Courier New" panose="02070309020205020404" pitchFamily="49" charset="0"/>
-                <a:cs typeface="Courier New" panose="02070309020205020404" pitchFamily="49" charset="0"/>
-              </a:rPr>
-              <a:t>m_shared_ptr</a:t>
-            </a:r>
-            <a:r>
-              <a:rPr lang="zh-TW" altLang="en-US" dirty="0">
-                <a:effectLst/>
-                <a:latin typeface="Courier New" panose="02070309020205020404" pitchFamily="49" charset="0"/>
-                <a:cs typeface="Courier New" panose="02070309020205020404" pitchFamily="49" charset="0"/>
-              </a:rPr>
-              <a:t>了。</a:t>
-            </a:r>
-            <a:endParaRPr lang="en-US" altLang="zh-TW" dirty="0">
-              <a:effectLst/>
-              <a:latin typeface="Courier New" panose="02070309020205020404" pitchFamily="49" charset="0"/>
-              <a:cs typeface="Courier New" panose="02070309020205020404" pitchFamily="49" charset="0"/>
-            </a:endParaRPr>
-          </a:p>
-          <a:p>
-            <a:pPr marL="342900" indent="-342900" algn="l">
-              <a:spcBef>
-                <a:spcPts val="0"/>
-              </a:spcBef>
-              <a:spcAft>
-                <a:spcPts val="300"/>
-              </a:spcAft>
-              <a:buFont typeface="Arial" panose="020B0604020202020204" pitchFamily="34" charset="0"/>
-              <a:buChar char="•"/>
-            </a:pPr>
-            <a:r>
-              <a:rPr lang="zh-TW" altLang="en-US" dirty="0">
-                <a:effectLst/>
-                <a:latin typeface="Courier New" panose="02070309020205020404" pitchFamily="49" charset="0"/>
-                <a:cs typeface="Courier New" panose="02070309020205020404" pitchFamily="49" charset="0"/>
-              </a:rPr>
-              <a:t>這個</a:t>
-            </a:r>
-            <a:r>
-              <a:rPr lang="en-US" altLang="zh-TW" dirty="0">
-                <a:effectLst/>
-                <a:latin typeface="Courier New" panose="02070309020205020404" pitchFamily="49" charset="0"/>
-                <a:cs typeface="Courier New" panose="02070309020205020404" pitchFamily="49" charset="0"/>
-              </a:rPr>
-              <a:t>local variable</a:t>
-            </a:r>
-            <a:r>
-              <a:rPr lang="zh-TW" altLang="en-US" dirty="0">
-                <a:effectLst/>
-                <a:latin typeface="Courier New" panose="02070309020205020404" pitchFamily="49" charset="0"/>
-                <a:cs typeface="Courier New" panose="02070309020205020404" pitchFamily="49" charset="0"/>
-              </a:rPr>
-              <a:t>也可以搭配其他的</a:t>
-            </a:r>
-            <a:r>
-              <a:rPr lang="en-US" altLang="zh-TW" dirty="0">
-                <a:effectLst/>
-                <a:latin typeface="Courier New" panose="02070309020205020404" pitchFamily="49" charset="0"/>
-                <a:cs typeface="Courier New" panose="02070309020205020404" pitchFamily="49" charset="0"/>
-              </a:rPr>
-              <a:t>container</a:t>
-            </a:r>
-            <a:r>
-              <a:rPr lang="zh-TW" altLang="en-US" dirty="0">
-                <a:effectLst/>
-                <a:latin typeface="Courier New" panose="02070309020205020404" pitchFamily="49" charset="0"/>
-                <a:cs typeface="Courier New" panose="02070309020205020404" pitchFamily="49" charset="0"/>
-              </a:rPr>
-              <a:t>使用</a:t>
-            </a:r>
-            <a:r>
-              <a:rPr lang="en-US" altLang="zh-TW" dirty="0">
-                <a:effectLst/>
-                <a:latin typeface="Courier New" panose="02070309020205020404" pitchFamily="49" charset="0"/>
-                <a:cs typeface="Courier New" panose="02070309020205020404" pitchFamily="49" charset="0"/>
-              </a:rPr>
-              <a:t>,</a:t>
-            </a:r>
-            <a:r>
-              <a:rPr lang="zh-TW" altLang="en-US" dirty="0">
-                <a:effectLst/>
-                <a:latin typeface="Courier New" panose="02070309020205020404" pitchFamily="49" charset="0"/>
-                <a:cs typeface="Courier New" panose="02070309020205020404" pitchFamily="49" charset="0"/>
-              </a:rPr>
-              <a:t>如</a:t>
-            </a:r>
-            <a:r>
-              <a:rPr lang="en-US" altLang="zh-TW" dirty="0">
-                <a:effectLst/>
-                <a:latin typeface="Courier New" panose="02070309020205020404" pitchFamily="49" charset="0"/>
-                <a:cs typeface="Courier New" panose="02070309020205020404" pitchFamily="49" charset="0"/>
-              </a:rPr>
-              <a:t>queue,</a:t>
-            </a:r>
-            <a:r>
-              <a:rPr lang="zh-TW" altLang="en-US" dirty="0">
-                <a:effectLst/>
-                <a:latin typeface="Courier New" panose="02070309020205020404" pitchFamily="49" charset="0"/>
-                <a:cs typeface="Courier New" panose="02070309020205020404" pitchFamily="49" charset="0"/>
-              </a:rPr>
-              <a:t>甚至是兩個互相影響的</a:t>
-            </a:r>
-            <a:r>
-              <a:rPr lang="en-US" altLang="zh-TW" dirty="0">
-                <a:effectLst/>
-                <a:latin typeface="Courier New" panose="02070309020205020404" pitchFamily="49" charset="0"/>
-                <a:cs typeface="Courier New" panose="02070309020205020404" pitchFamily="49" charset="0"/>
-              </a:rPr>
-              <a:t>queue</a:t>
-            </a:r>
-            <a:r>
-              <a:rPr lang="zh-TW" altLang="en-US" dirty="0">
-                <a:effectLst/>
-                <a:latin typeface="Courier New" panose="02070309020205020404" pitchFamily="49" charset="0"/>
-                <a:cs typeface="Courier New" panose="02070309020205020404" pitchFamily="49" charset="0"/>
-              </a:rPr>
-              <a:t>。或者是當初不需要用</a:t>
-            </a:r>
-            <a:r>
-              <a:rPr lang="en-US" altLang="zh-TW" dirty="0" err="1">
-                <a:effectLst/>
-                <a:latin typeface="Courier New" panose="02070309020205020404" pitchFamily="49" charset="0"/>
-                <a:cs typeface="Courier New" panose="02070309020205020404" pitchFamily="49" charset="0"/>
-              </a:rPr>
-              <a:t>m_shared_ptr</a:t>
-            </a:r>
-            <a:r>
-              <a:rPr lang="en-US" altLang="zh-TW" dirty="0">
-                <a:effectLst/>
-                <a:latin typeface="Courier New" panose="02070309020205020404" pitchFamily="49" charset="0"/>
-                <a:cs typeface="Courier New" panose="02070309020205020404" pitchFamily="49" charset="0"/>
-              </a:rPr>
-              <a:t>,</a:t>
-            </a:r>
-            <a:r>
-              <a:rPr lang="zh-TW" altLang="en-US" dirty="0">
-                <a:effectLst/>
-                <a:latin typeface="Courier New" panose="02070309020205020404" pitchFamily="49" charset="0"/>
-                <a:cs typeface="Courier New" panose="02070309020205020404" pitchFamily="49" charset="0"/>
-              </a:rPr>
-              <a:t>直接使用</a:t>
-            </a:r>
-            <a:r>
-              <a:rPr lang="en-US" altLang="zh-TW" dirty="0">
-                <a:effectLst/>
-                <a:latin typeface="Courier New" panose="02070309020205020404" pitchFamily="49" charset="0"/>
-                <a:cs typeface="Courier New" panose="02070309020205020404" pitchFamily="49" charset="0"/>
-              </a:rPr>
-              <a:t>container,</a:t>
-            </a:r>
-            <a:r>
-              <a:rPr lang="zh-TW" altLang="en-US" dirty="0">
-                <a:effectLst/>
-                <a:latin typeface="Courier New" panose="02070309020205020404" pitchFamily="49" charset="0"/>
-                <a:cs typeface="Courier New" panose="02070309020205020404" pitchFamily="49" charset="0"/>
-              </a:rPr>
-              <a:t>或是根本不該變更</a:t>
-            </a:r>
-            <a:r>
-              <a:rPr lang="en-US" altLang="zh-TW" dirty="0" err="1">
-                <a:effectLst/>
-                <a:latin typeface="Courier New" panose="02070309020205020404" pitchFamily="49" charset="0"/>
-                <a:cs typeface="Courier New" panose="02070309020205020404" pitchFamily="49" charset="0"/>
-              </a:rPr>
-              <a:t>m_shared_ptr</a:t>
-            </a:r>
-            <a:r>
-              <a:rPr lang="en-US" altLang="zh-TW" dirty="0">
-                <a:effectLst/>
-                <a:latin typeface="Courier New" panose="02070309020205020404" pitchFamily="49" charset="0"/>
-                <a:cs typeface="Courier New" panose="02070309020205020404" pitchFamily="49" charset="0"/>
-              </a:rPr>
-              <a:t> </a:t>
-            </a:r>
-            <a:r>
-              <a:rPr lang="zh-TW" altLang="en-US" dirty="0">
-                <a:effectLst/>
-                <a:latin typeface="Courier New" panose="02070309020205020404" pitchFamily="49" charset="0"/>
-                <a:cs typeface="Courier New" panose="02070309020205020404" pitchFamily="49" charset="0"/>
-              </a:rPr>
-              <a:t>。</a:t>
             </a:r>
             <a:endParaRPr lang="en-US" altLang="zh-TW" dirty="0">
               <a:effectLst/>
@@ -12104,6 +11903,86 @@
             <a:normAutofit/>
           </a:bodyPr>
           <a:lstStyle/>
+          <a:p>
+            <a:pPr marL="342900" indent="-342900" algn="l">
+              <a:spcBef>
+                <a:spcPts val="0"/>
+              </a:spcBef>
+              <a:spcAft>
+                <a:spcPts val="300"/>
+              </a:spcAft>
+              <a:buFont typeface="Arial" panose="020B0604020202020204" pitchFamily="34" charset="0"/>
+              <a:buChar char="•"/>
+            </a:pPr>
+            <a:r>
+              <a:rPr lang="en-US" altLang="zh-TW" dirty="0" err="1">
+                <a:effectLst/>
+                <a:latin typeface="Courier New" panose="02070309020205020404" pitchFamily="49" charset="0"/>
+                <a:cs typeface="Courier New" panose="02070309020205020404" pitchFamily="49" charset="0"/>
+              </a:rPr>
+              <a:t>m_shared_ptr.reset</a:t>
+            </a:r>
+            <a:r>
+              <a:rPr lang="en-US" altLang="zh-TW" dirty="0">
+                <a:effectLst/>
+                <a:latin typeface="Courier New" panose="02070309020205020404" pitchFamily="49" charset="0"/>
+                <a:cs typeface="Courier New" panose="02070309020205020404" pitchFamily="49" charset="0"/>
+              </a:rPr>
+              <a:t>(x) and </a:t>
+            </a:r>
+            <a:r>
+              <a:rPr lang="en-US" altLang="zh-TW" dirty="0" err="1">
+                <a:effectLst/>
+                <a:latin typeface="Courier New" panose="02070309020205020404" pitchFamily="49" charset="0"/>
+                <a:cs typeface="Courier New" panose="02070309020205020404" pitchFamily="49" charset="0"/>
+              </a:rPr>
+              <a:t>m_shared_ptr</a:t>
+            </a:r>
+            <a:r>
+              <a:rPr lang="en-US" altLang="zh-TW" dirty="0">
+                <a:effectLst/>
+                <a:latin typeface="Courier New" panose="02070309020205020404" pitchFamily="49" charset="0"/>
+                <a:cs typeface="Courier New" panose="02070309020205020404" pitchFamily="49" charset="0"/>
+              </a:rPr>
+              <a:t> = x not atomic!</a:t>
+            </a:r>
+          </a:p>
+          <a:p>
+            <a:pPr marL="342900" indent="-342900" algn="l">
+              <a:spcBef>
+                <a:spcPts val="0"/>
+              </a:spcBef>
+              <a:spcAft>
+                <a:spcPts val="300"/>
+              </a:spcAft>
+              <a:buFont typeface="Arial" panose="020B0604020202020204" pitchFamily="34" charset="0"/>
+              <a:buChar char="•"/>
+            </a:pPr>
+            <a:r>
+              <a:rPr lang="en-US" altLang="zh-TW" dirty="0">
+                <a:effectLst/>
+                <a:latin typeface="Courier New" panose="02070309020205020404" pitchFamily="49" charset="0"/>
+                <a:cs typeface="Courier New" panose="02070309020205020404" pitchFamily="49" charset="0"/>
+              </a:rPr>
+              <a:t>C++ 20 std::atomic&lt;std::</a:t>
+            </a:r>
+            <a:r>
+              <a:rPr lang="en-US" altLang="zh-TW" dirty="0" err="1">
+                <a:effectLst/>
+                <a:latin typeface="Courier New" panose="02070309020205020404" pitchFamily="49" charset="0"/>
+                <a:cs typeface="Courier New" panose="02070309020205020404" pitchFamily="49" charset="0"/>
+              </a:rPr>
+              <a:t>shared_ptr</a:t>
+            </a:r>
+            <a:r>
+              <a:rPr lang="en-US" altLang="zh-TW" dirty="0">
+                <a:effectLst/>
+                <a:latin typeface="Courier New" panose="02070309020205020404" pitchFamily="49" charset="0"/>
+                <a:cs typeface="Courier New" panose="02070309020205020404" pitchFamily="49" charset="0"/>
+              </a:rPr>
+              <a:t>&lt;T&gt;&gt;</a:t>
+            </a:r>
+          </a:p>
           <a:p>
             <a:pPr marL="342900" indent="-342900" algn="l">
               <a:spcBef>

--- a/SharedPointer.pptx
+++ b/SharedPointer.pptx
@@ -209,7 +209,7 @@
           <a:p>
             <a:fld id="{9E095F26-633F-4564-B85E-E583F671A7C0}" type="datetimeFigureOut">
               <a:rPr lang="en-US" smtClean="0"/>
-              <a:t>8/3/2020</a:t>
+              <a:t>8/31/2020</a:t>
             </a:fld>
             <a:endParaRPr lang="en-US"/>
           </a:p>
@@ -476,6 +476,174 @@
 </p:notesMaster>
 </file>
 
+<file path=ppt/notesSlides/notesSlide1.xml><?xml version="1.0" encoding="utf-8"?>
+<p:notes xmlns:a="http://schemas.openxmlformats.org/drawingml/2006/main" xmlns:r="http://schemas.openxmlformats.org/officeDocument/2006/relationships" xmlns:p="http://schemas.openxmlformats.org/presentationml/2006/main">
+  <p:cSld>
+    <p:spTree>
+      <p:nvGrpSpPr>
+        <p:cNvPr id="1" name=""/>
+        <p:cNvGrpSpPr/>
+        <p:nvPr/>
+      </p:nvGrpSpPr>
+      <p:grpSpPr>
+        <a:xfrm>
+          <a:off x="0" y="0"/>
+          <a:ext cx="0" cy="0"/>
+          <a:chOff x="0" y="0"/>
+          <a:chExt cx="0" cy="0"/>
+        </a:xfrm>
+      </p:grpSpPr>
+      <p:sp>
+        <p:nvSpPr>
+          <p:cNvPr id="2" name="Slide Image Placeholder 1"/>
+          <p:cNvSpPr>
+            <a:spLocks noGrp="1" noRot="1" noChangeAspect="1"/>
+          </p:cNvSpPr>
+          <p:nvPr>
+            <p:ph type="sldImg"/>
+          </p:nvPr>
+        </p:nvSpPr>
+        <p:spPr/>
+      </p:sp>
+      <p:sp>
+        <p:nvSpPr>
+          <p:cNvPr id="3" name="Notes Placeholder 2"/>
+          <p:cNvSpPr>
+            <a:spLocks noGrp="1"/>
+          </p:cNvSpPr>
+          <p:nvPr>
+            <p:ph type="body" idx="1"/>
+          </p:nvPr>
+        </p:nvSpPr>
+        <p:spPr/>
+        <p:txBody>
+          <a:bodyPr/>
+          <a:lstStyle/>
+          <a:p>
+            <a:endParaRPr lang="en-US" dirty="0"/>
+          </a:p>
+        </p:txBody>
+      </p:sp>
+      <p:sp>
+        <p:nvSpPr>
+          <p:cNvPr id="4" name="Slide Number Placeholder 3"/>
+          <p:cNvSpPr>
+            <a:spLocks noGrp="1"/>
+          </p:cNvSpPr>
+          <p:nvPr>
+            <p:ph type="sldNum" sz="quarter" idx="5"/>
+          </p:nvPr>
+        </p:nvSpPr>
+        <p:spPr/>
+        <p:txBody>
+          <a:bodyPr/>
+          <a:lstStyle/>
+          <a:p>
+            <a:fld id="{FA1DC14A-439F-4AC5-96C9-6B88A4F19138}" type="slidenum">
+              <a:rPr lang="en-US" smtClean="0"/>
+              <a:t>2</a:t>
+            </a:fld>
+            <a:endParaRPr lang="en-US"/>
+          </a:p>
+        </p:txBody>
+      </p:sp>
+    </p:spTree>
+    <p:extLst>
+      <p:ext uri="{BB962C8B-B14F-4D97-AF65-F5344CB8AC3E}">
+        <p14:creationId xmlns:p14="http://schemas.microsoft.com/office/powerpoint/2010/main" val="3065314674"/>
+      </p:ext>
+    </p:extLst>
+  </p:cSld>
+  <p:clrMapOvr>
+    <a:masterClrMapping/>
+  </p:clrMapOvr>
+</p:notes>
+</file>
+
+<file path=ppt/notesSlides/notesSlide2.xml><?xml version="1.0" encoding="utf-8"?>
+<p:notes xmlns:a="http://schemas.openxmlformats.org/drawingml/2006/main" xmlns:r="http://schemas.openxmlformats.org/officeDocument/2006/relationships" xmlns:p="http://schemas.openxmlformats.org/presentationml/2006/main">
+  <p:cSld>
+    <p:spTree>
+      <p:nvGrpSpPr>
+        <p:cNvPr id="1" name=""/>
+        <p:cNvGrpSpPr/>
+        <p:nvPr/>
+      </p:nvGrpSpPr>
+      <p:grpSpPr>
+        <a:xfrm>
+          <a:off x="0" y="0"/>
+          <a:ext cx="0" cy="0"/>
+          <a:chOff x="0" y="0"/>
+          <a:chExt cx="0" cy="0"/>
+        </a:xfrm>
+      </p:grpSpPr>
+      <p:sp>
+        <p:nvSpPr>
+          <p:cNvPr id="2" name="Slide Image Placeholder 1"/>
+          <p:cNvSpPr>
+            <a:spLocks noGrp="1" noRot="1" noChangeAspect="1"/>
+          </p:cNvSpPr>
+          <p:nvPr>
+            <p:ph type="sldImg"/>
+          </p:nvPr>
+        </p:nvSpPr>
+        <p:spPr/>
+      </p:sp>
+      <p:sp>
+        <p:nvSpPr>
+          <p:cNvPr id="3" name="Notes Placeholder 2"/>
+          <p:cNvSpPr>
+            <a:spLocks noGrp="1"/>
+          </p:cNvSpPr>
+          <p:nvPr>
+            <p:ph type="body" idx="1"/>
+          </p:nvPr>
+        </p:nvSpPr>
+        <p:spPr/>
+        <p:txBody>
+          <a:bodyPr/>
+          <a:lstStyle/>
+          <a:p>
+            <a:endParaRPr lang="en-US" dirty="0"/>
+          </a:p>
+        </p:txBody>
+      </p:sp>
+      <p:sp>
+        <p:nvSpPr>
+          <p:cNvPr id="4" name="Slide Number Placeholder 3"/>
+          <p:cNvSpPr>
+            <a:spLocks noGrp="1"/>
+          </p:cNvSpPr>
+          <p:nvPr>
+            <p:ph type="sldNum" sz="quarter" idx="5"/>
+          </p:nvPr>
+        </p:nvSpPr>
+        <p:spPr/>
+        <p:txBody>
+          <a:bodyPr/>
+          <a:lstStyle/>
+          <a:p>
+            <a:fld id="{FA1DC14A-439F-4AC5-96C9-6B88A4F19138}" type="slidenum">
+              <a:rPr lang="en-US" smtClean="0"/>
+              <a:t>11</a:t>
+            </a:fld>
+            <a:endParaRPr lang="en-US"/>
+          </a:p>
+        </p:txBody>
+      </p:sp>
+    </p:spTree>
+    <p:extLst>
+      <p:ext uri="{BB962C8B-B14F-4D97-AF65-F5344CB8AC3E}">
+        <p14:creationId xmlns:p14="http://schemas.microsoft.com/office/powerpoint/2010/main" val="367355895"/>
+      </p:ext>
+    </p:extLst>
+  </p:cSld>
+  <p:clrMapOvr>
+    <a:masterClrMapping/>
+  </p:clrMapOvr>
+</p:notes>
+</file>
+
 <file path=ppt/slideLayouts/slideLayout1.xml><?xml version="1.0" encoding="utf-8"?>
 <p:sldLayout xmlns:a="http://schemas.openxmlformats.org/drawingml/2006/main" xmlns:r="http://schemas.openxmlformats.org/officeDocument/2006/relationships" xmlns:p="http://schemas.openxmlformats.org/presentationml/2006/main" type="title" preserve="1">
   <p:cSld name="Title Slide">
@@ -662,7 +830,7 @@
             <a:fld id="{8E36636D-D922-432D-A958-524484B5923D}" type="datetimeFigureOut">
               <a:rPr lang="en-US" dirty="0"/>
               <a:pPr/>
-              <a:t>8/3/2020</a:t>
+              <a:t>8/31/2020</a:t>
             </a:fld>
             <a:endParaRPr lang="en-US" dirty="0"/>
           </a:p>
@@ -956,7 +1124,7 @@
           <a:p>
             <a:fld id="{48A87A34-81AB-432B-8DAE-1953F412C126}" type="datetimeFigureOut">
               <a:rPr lang="en-US" dirty="0"/>
-              <a:t>8/3/2020</a:t>
+              <a:t>8/31/2020</a:t>
             </a:fld>
             <a:endParaRPr lang="en-US" dirty="0"/>
           </a:p>
@@ -1143,7 +1311,7 @@
           <a:p>
             <a:fld id="{48A87A34-81AB-432B-8DAE-1953F412C126}" type="datetimeFigureOut">
               <a:rPr lang="en-US" dirty="0"/>
-              <a:t>8/3/2020</a:t>
+              <a:t>8/31/2020</a:t>
             </a:fld>
             <a:endParaRPr lang="en-US" dirty="0"/>
           </a:p>
@@ -1399,7 +1567,7 @@
           <a:p>
             <a:fld id="{48A87A34-81AB-432B-8DAE-1953F412C126}" type="datetimeFigureOut">
               <a:rPr lang="en-US" dirty="0"/>
-              <a:t>8/3/2020</a:t>
+              <a:t>8/31/2020</a:t>
             </a:fld>
             <a:endParaRPr lang="en-US" dirty="0"/>
           </a:p>
@@ -1818,7 +1986,7 @@
           <a:p>
             <a:fld id="{48A87A34-81AB-432B-8DAE-1953F412C126}" type="datetimeFigureOut">
               <a:rPr lang="en-US" dirty="0"/>
-              <a:t>8/3/2020</a:t>
+              <a:t>8/31/2020</a:t>
             </a:fld>
             <a:endParaRPr lang="en-US" dirty="0"/>
           </a:p>
@@ -2350,7 +2518,7 @@
           <a:p>
             <a:fld id="{48A87A34-81AB-432B-8DAE-1953F412C126}" type="datetimeFigureOut">
               <a:rPr lang="en-US" dirty="0"/>
-              <a:t>8/3/2020</a:t>
+              <a:t>8/31/2020</a:t>
             </a:fld>
             <a:endParaRPr lang="en-US" dirty="0"/>
           </a:p>
@@ -3209,7 +3377,7 @@
           <a:p>
             <a:fld id="{48A87A34-81AB-432B-8DAE-1953F412C126}" type="datetimeFigureOut">
               <a:rPr lang="en-US" dirty="0"/>
-              <a:t>8/3/2020</a:t>
+              <a:t>8/31/2020</a:t>
             </a:fld>
             <a:endParaRPr lang="en-US" dirty="0"/>
           </a:p>
@@ -3375,7 +3543,7 @@
             <a:fld id="{8E36636D-D922-432D-A958-524484B5923D}" type="datetimeFigureOut">
               <a:rPr lang="en-US" dirty="0"/>
               <a:pPr/>
-              <a:t>8/3/2020</a:t>
+              <a:t>8/31/2020</a:t>
             </a:fld>
             <a:endParaRPr lang="en-US" dirty="0"/>
           </a:p>
@@ -3556,7 +3724,7 @@
             <a:fld id="{8E36636D-D922-432D-A958-524484B5923D}" type="datetimeFigureOut">
               <a:rPr lang="en-US" dirty="0"/>
               <a:pPr/>
-              <a:t>8/3/2020</a:t>
+              <a:t>8/31/2020</a:t>
             </a:fld>
             <a:endParaRPr lang="en-US" dirty="0"/>
           </a:p>
@@ -3723,7 +3891,7 @@
             <a:fld id="{8E36636D-D922-432D-A958-524484B5923D}" type="datetimeFigureOut">
               <a:rPr lang="en-US" dirty="0"/>
               <a:pPr/>
-              <a:t>8/3/2020</a:t>
+              <a:t>8/31/2020</a:t>
             </a:fld>
             <a:endParaRPr lang="en-US" dirty="0"/>
           </a:p>
@@ -3964,7 +4132,7 @@
             <a:fld id="{8E36636D-D922-432D-A958-524484B5923D}" type="datetimeFigureOut">
               <a:rPr lang="en-US" dirty="0"/>
               <a:pPr/>
-              <a:t>8/3/2020</a:t>
+              <a:t>8/31/2020</a:t>
             </a:fld>
             <a:endParaRPr lang="en-US" dirty="0"/>
           </a:p>
@@ -4197,7 +4365,7 @@
             <a:fld id="{8E36636D-D922-432D-A958-524484B5923D}" type="datetimeFigureOut">
               <a:rPr lang="en-US" dirty="0"/>
               <a:pPr/>
-              <a:t>8/3/2020</a:t>
+              <a:t>8/31/2020</a:t>
             </a:fld>
             <a:endParaRPr lang="en-US" dirty="0"/>
           </a:p>
@@ -4660,7 +4828,7 @@
             <a:fld id="{8E36636D-D922-432D-A958-524484B5923D}" type="datetimeFigureOut">
               <a:rPr lang="en-US" dirty="0"/>
               <a:pPr/>
-              <a:t>8/3/2020</a:t>
+              <a:t>8/31/2020</a:t>
             </a:fld>
             <a:endParaRPr lang="en-US" dirty="0"/>
           </a:p>
@@ -4775,7 +4943,7 @@
             <a:fld id="{8E36636D-D922-432D-A958-524484B5923D}" type="datetimeFigureOut">
               <a:rPr lang="en-US" dirty="0"/>
               <a:pPr/>
-              <a:t>8/3/2020</a:t>
+              <a:t>8/31/2020</a:t>
             </a:fld>
             <a:endParaRPr lang="en-US" dirty="0"/>
           </a:p>
@@ -4867,7 +5035,7 @@
             <a:fld id="{8E36636D-D922-432D-A958-524484B5923D}" type="datetimeFigureOut">
               <a:rPr lang="en-US" dirty="0"/>
               <a:pPr/>
-              <a:t>8/3/2020</a:t>
+              <a:t>8/31/2020</a:t>
             </a:fld>
             <a:endParaRPr lang="en-US" dirty="0"/>
           </a:p>
@@ -5119,7 +5287,7 @@
             <a:fld id="{8E36636D-D922-432D-A958-524484B5923D}" type="datetimeFigureOut">
               <a:rPr lang="en-US" dirty="0"/>
               <a:pPr/>
-              <a:t>8/3/2020</a:t>
+              <a:t>8/31/2020</a:t>
             </a:fld>
             <a:endParaRPr lang="en-US" dirty="0"/>
           </a:p>
@@ -5416,7 +5584,7 @@
             <a:fld id="{8E36636D-D922-432D-A958-524484B5923D}" type="datetimeFigureOut">
               <a:rPr lang="en-US" dirty="0"/>
               <a:pPr/>
-              <a:t>8/3/2020</a:t>
+              <a:t>8/31/2020</a:t>
             </a:fld>
             <a:endParaRPr lang="en-US" dirty="0"/>
           </a:p>
@@ -5647,7 +5815,7 @@
             <a:fld id="{8E36636D-D922-432D-A958-524484B5923D}" type="datetimeFigureOut">
               <a:rPr lang="en-US" dirty="0"/>
               <a:pPr/>
-              <a:t>8/3/2020</a:t>
+              <a:t>8/31/2020</a:t>
             </a:fld>
             <a:endParaRPr lang="en-US" dirty="0"/>
           </a:p>
@@ -6466,7 +6634,7 @@
                 <a:spcPts val="0"/>
               </a:spcBef>
               <a:spcAft>
-                <a:spcPts val="300"/>
+                <a:spcPts val="0"/>
               </a:spcAft>
               <a:buFont typeface="Arial" panose="020B0604020202020204" pitchFamily="34" charset="0"/>
               <a:buChar char="•"/>
@@ -6839,7 +7007,7 @@
                 <a:spcPts val="0"/>
               </a:spcBef>
               <a:spcAft>
-                <a:spcPts val="300"/>
+                <a:spcPts val="0"/>
               </a:spcAft>
               <a:buFont typeface="Arial" panose="020B0604020202020204" pitchFamily="34" charset="0"/>
               <a:buChar char="•"/>
@@ -7329,11 +7497,14 @@
           <a:lstStyle/>
           <a:p>
             <a:pPr marL="342900" indent="-342900" algn="l">
+              <a:lnSpc>
+                <a:spcPct val="120000"/>
+              </a:lnSpc>
               <a:spcBef>
                 <a:spcPts val="0"/>
               </a:spcBef>
               <a:spcAft>
-                <a:spcPts val="300"/>
+                <a:spcPts val="0"/>
               </a:spcAft>
               <a:buFont typeface="Arial" panose="020B0604020202020204" pitchFamily="34" charset="0"/>
               <a:buChar char="•"/>
@@ -7521,11 +7692,14 @@
           </a:p>
           <a:p>
             <a:pPr marL="342900" indent="-342900" algn="l">
+              <a:lnSpc>
+                <a:spcPct val="120000"/>
+              </a:lnSpc>
               <a:spcBef>
                 <a:spcPts val="0"/>
               </a:spcBef>
               <a:spcAft>
-                <a:spcPts val="300"/>
+                <a:spcPts val="0"/>
               </a:spcAft>
               <a:buFont typeface="Arial" panose="020B0604020202020204" pitchFamily="34" charset="0"/>
               <a:buChar char="•"/>
@@ -7706,11 +7880,14 @@
           </a:p>
           <a:p>
             <a:pPr marL="342900" indent="-342900" algn="l">
+              <a:lnSpc>
+                <a:spcPct val="120000"/>
+              </a:lnSpc>
               <a:spcBef>
                 <a:spcPts val="0"/>
               </a:spcBef>
               <a:spcAft>
-                <a:spcPts val="300"/>
+                <a:spcPts val="0"/>
               </a:spcAft>
               <a:buFont typeface="Arial" panose="020B0604020202020204" pitchFamily="34" charset="0"/>
               <a:buChar char="•"/>
@@ -8138,230 +8315,6 @@
                 <a:cs typeface="Courier New" panose="02070309020205020404" pitchFamily="49" charset="0"/>
               </a:rPr>
               <a:t>GlobalUnlock</a:t>
-            </a:r>
-            <a:r>
-              <a:rPr lang="en-US" altLang="zh-TW" sz="8000" dirty="0">
-                <a:effectLst/>
-                <a:latin typeface="Courier New" panose="02070309020205020404" pitchFamily="49" charset="0"/>
-                <a:cs typeface="Courier New" panose="02070309020205020404" pitchFamily="49" charset="0"/>
-              </a:rPr>
-              <a:t>, </a:t>
-            </a:r>
-            <a:r>
-              <a:rPr lang="en-US" altLang="zh-TW" sz="8000" dirty="0" err="1">
-                <a:effectLst/>
-                <a:latin typeface="Courier New" panose="02070309020205020404" pitchFamily="49" charset="0"/>
-                <a:cs typeface="Courier New" panose="02070309020205020404" pitchFamily="49" charset="0"/>
-              </a:rPr>
-              <a:t>HeapDestroy</a:t>
-            </a:r>
-            <a:r>
-              <a:rPr lang="en-US" altLang="zh-TW" sz="8000" dirty="0">
-                <a:effectLst/>
-                <a:latin typeface="Courier New" panose="02070309020205020404" pitchFamily="49" charset="0"/>
-                <a:cs typeface="Courier New" panose="02070309020205020404" pitchFamily="49" charset="0"/>
-              </a:rPr>
-              <a:t>, </a:t>
-            </a:r>
-            <a:r>
-              <a:rPr lang="en-US" altLang="zh-TW" sz="8000" dirty="0" err="1">
-                <a:effectLst/>
-                <a:latin typeface="Courier New" panose="02070309020205020404" pitchFamily="49" charset="0"/>
-                <a:cs typeface="Courier New" panose="02070309020205020404" pitchFamily="49" charset="0"/>
-              </a:rPr>
-              <a:t>UnhookWindowsHookEx</a:t>
-            </a:r>
-            <a:r>
-              <a:rPr lang="en-US" altLang="zh-TW" sz="8000" dirty="0">
-                <a:effectLst/>
-                <a:latin typeface="Courier New" panose="02070309020205020404" pitchFamily="49" charset="0"/>
-                <a:cs typeface="Courier New" panose="02070309020205020404" pitchFamily="49" charset="0"/>
-              </a:rPr>
-              <a:t>, </a:t>
-            </a:r>
-            <a:r>
-              <a:rPr lang="en-US" altLang="zh-TW" sz="8000" dirty="0" err="1">
-                <a:effectLst/>
-                <a:latin typeface="Courier New" panose="02070309020205020404" pitchFamily="49" charset="0"/>
-                <a:cs typeface="Courier New" panose="02070309020205020404" pitchFamily="49" charset="0"/>
-              </a:rPr>
-              <a:t>DestroyIcon</a:t>
-            </a:r>
-            <a:r>
-              <a:rPr lang="en-US" altLang="zh-TW" sz="8000" dirty="0">
-                <a:effectLst/>
-                <a:latin typeface="Courier New" panose="02070309020205020404" pitchFamily="49" charset="0"/>
-                <a:cs typeface="Courier New" panose="02070309020205020404" pitchFamily="49" charset="0"/>
-              </a:rPr>
-              <a:t>, </a:t>
-            </a:r>
-            <a:r>
-              <a:rPr lang="en-US" altLang="zh-TW" sz="8000" dirty="0" err="1">
-                <a:effectLst/>
-                <a:latin typeface="Courier New" panose="02070309020205020404" pitchFamily="49" charset="0"/>
-                <a:cs typeface="Courier New" panose="02070309020205020404" pitchFamily="49" charset="0"/>
-              </a:rPr>
-              <a:t>ImageList_Destroy</a:t>
-            </a:r>
-            <a:r>
-              <a:rPr lang="en-US" altLang="zh-TW" sz="8000" dirty="0">
-                <a:effectLst/>
-                <a:latin typeface="Courier New" panose="02070309020205020404" pitchFamily="49" charset="0"/>
-                <a:cs typeface="Courier New" panose="02070309020205020404" pitchFamily="49" charset="0"/>
-              </a:rPr>
-              <a:t>, </a:t>
-            </a:r>
-            <a:r>
-              <a:rPr lang="en-US" altLang="zh-TW" sz="8000" dirty="0" err="1">
-                <a:effectLst/>
-                <a:latin typeface="Courier New" panose="02070309020205020404" pitchFamily="49" charset="0"/>
-                <a:cs typeface="Courier New" panose="02070309020205020404" pitchFamily="49" charset="0"/>
-              </a:rPr>
-              <a:t>InternetCloseHandle</a:t>
-            </a:r>
-            <a:r>
-              <a:rPr lang="en-US" altLang="zh-TW" sz="8000" dirty="0">
-                <a:effectLst/>
-                <a:latin typeface="Courier New" panose="02070309020205020404" pitchFamily="49" charset="0"/>
-                <a:cs typeface="Courier New" panose="02070309020205020404" pitchFamily="49" charset="0"/>
-              </a:rPr>
-              <a:t>, </a:t>
-            </a:r>
-            <a:r>
-              <a:rPr lang="en-US" altLang="zh-TW" sz="8000" dirty="0" err="1">
-                <a:effectLst/>
-                <a:latin typeface="Courier New" panose="02070309020205020404" pitchFamily="49" charset="0"/>
-                <a:cs typeface="Courier New" panose="02070309020205020404" pitchFamily="49" charset="0"/>
-              </a:rPr>
-              <a:t>RegCloseKey</a:t>
-            </a:r>
-            <a:r>
-              <a:rPr lang="en-US" altLang="zh-TW" sz="8000" dirty="0">
-                <a:effectLst/>
-                <a:latin typeface="Courier New" panose="02070309020205020404" pitchFamily="49" charset="0"/>
-                <a:cs typeface="Courier New" panose="02070309020205020404" pitchFamily="49" charset="0"/>
-              </a:rPr>
-              <a:t>, </a:t>
-            </a:r>
-            <a:r>
-              <a:rPr lang="en-US" altLang="zh-TW" sz="8000" dirty="0" err="1">
-                <a:effectLst/>
-                <a:latin typeface="Courier New" panose="02070309020205020404" pitchFamily="49" charset="0"/>
-                <a:cs typeface="Courier New" panose="02070309020205020404" pitchFamily="49" charset="0"/>
-              </a:rPr>
-              <a:t>LsaClose</a:t>
-            </a:r>
-            <a:r>
-              <a:rPr lang="en-US" altLang="zh-TW" sz="8000" dirty="0">
-                <a:effectLst/>
-                <a:latin typeface="Courier New" panose="02070309020205020404" pitchFamily="49" charset="0"/>
-                <a:cs typeface="Courier New" panose="02070309020205020404" pitchFamily="49" charset="0"/>
-              </a:rPr>
-              <a:t>, </a:t>
-            </a:r>
-            <a:r>
-              <a:rPr lang="en-US" altLang="zh-TW" sz="8000" dirty="0" err="1">
-                <a:effectLst/>
-                <a:latin typeface="Courier New" panose="02070309020205020404" pitchFamily="49" charset="0"/>
-                <a:cs typeface="Courier New" panose="02070309020205020404" pitchFamily="49" charset="0"/>
-              </a:rPr>
-              <a:t>LsaLookupClose</a:t>
-            </a:r>
-            <a:r>
-              <a:rPr lang="en-US" altLang="zh-TW" sz="8000" dirty="0">
-                <a:effectLst/>
-                <a:latin typeface="Courier New" panose="02070309020205020404" pitchFamily="49" charset="0"/>
-                <a:cs typeface="Courier New" panose="02070309020205020404" pitchFamily="49" charset="0"/>
-              </a:rPr>
-              <a:t>, </a:t>
-            </a:r>
-            <a:r>
-              <a:rPr lang="en-US" altLang="zh-TW" sz="8000" dirty="0" err="1">
-                <a:effectLst/>
-                <a:latin typeface="Courier New" panose="02070309020205020404" pitchFamily="49" charset="0"/>
-                <a:cs typeface="Courier New" panose="02070309020205020404" pitchFamily="49" charset="0"/>
-              </a:rPr>
-              <a:t>DestroyMenu</a:t>
-            </a:r>
-            <a:r>
-              <a:rPr lang="en-US" altLang="zh-TW" sz="8000" dirty="0">
-                <a:effectLst/>
-                <a:latin typeface="Courier New" panose="02070309020205020404" pitchFamily="49" charset="0"/>
-                <a:cs typeface="Courier New" panose="02070309020205020404" pitchFamily="49" charset="0"/>
-              </a:rPr>
-              <a:t>, </a:t>
-            </a:r>
-            <a:r>
-              <a:rPr lang="en-US" altLang="zh-TW" sz="8000" dirty="0" err="1">
-                <a:effectLst/>
-                <a:latin typeface="Courier New" panose="02070309020205020404" pitchFamily="49" charset="0"/>
-                <a:cs typeface="Courier New" panose="02070309020205020404" pitchFamily="49" charset="0"/>
-              </a:rPr>
-              <a:t>FreeLibrary</a:t>
-            </a:r>
-            <a:r>
-              <a:rPr lang="en-US" altLang="zh-TW" sz="8000" dirty="0">
-                <a:effectLst/>
-                <a:latin typeface="Courier New" panose="02070309020205020404" pitchFamily="49" charset="0"/>
-                <a:cs typeface="Courier New" panose="02070309020205020404" pitchFamily="49" charset="0"/>
-              </a:rPr>
-              <a:t>, </a:t>
-            </a:r>
-            <a:r>
-              <a:rPr lang="en-US" altLang="zh-TW" sz="8000" dirty="0" err="1">
-                <a:effectLst/>
-                <a:latin typeface="Courier New" panose="02070309020205020404" pitchFamily="49" charset="0"/>
-                <a:cs typeface="Courier New" panose="02070309020205020404" pitchFamily="49" charset="0"/>
-              </a:rPr>
-              <a:t>UnregisterPowerSettingNotification</a:t>
-            </a:r>
-            <a:r>
-              <a:rPr lang="en-US" altLang="zh-TW" sz="8000" dirty="0">
-                <a:effectLst/>
-                <a:latin typeface="Courier New" panose="02070309020205020404" pitchFamily="49" charset="0"/>
-                <a:cs typeface="Courier New" panose="02070309020205020404" pitchFamily="49" charset="0"/>
-              </a:rPr>
-              <a:t>, </a:t>
-            </a:r>
-            <a:r>
-              <a:rPr lang="en-US" altLang="zh-TW" sz="8000" dirty="0" err="1">
-                <a:effectLst/>
-                <a:latin typeface="Courier New" panose="02070309020205020404" pitchFamily="49" charset="0"/>
-                <a:cs typeface="Courier New" panose="02070309020205020404" pitchFamily="49" charset="0"/>
-              </a:rPr>
-              <a:t>WindowsDeleteString</a:t>
-            </a:r>
-            <a:r>
-              <a:rPr lang="en-US" altLang="zh-TW" sz="8000" dirty="0">
-                <a:effectLst/>
-                <a:latin typeface="Courier New" panose="02070309020205020404" pitchFamily="49" charset="0"/>
-                <a:cs typeface="Courier New" panose="02070309020205020404" pitchFamily="49" charset="0"/>
-              </a:rPr>
-              <a:t>, </a:t>
-            </a:r>
-            <a:r>
-              <a:rPr lang="en-US" altLang="zh-TW" sz="8000" dirty="0" err="1">
-                <a:effectLst/>
-                <a:latin typeface="Courier New" panose="02070309020205020404" pitchFamily="49" charset="0"/>
-                <a:cs typeface="Courier New" panose="02070309020205020404" pitchFamily="49" charset="0"/>
-              </a:rPr>
-              <a:t>WindowsDeleteStringBuffer</a:t>
-            </a:r>
-            <a:r>
-              <a:rPr lang="en-US" altLang="zh-TW" sz="8000" dirty="0">
-                <a:effectLst/>
-                <a:latin typeface="Courier New" panose="02070309020205020404" pitchFamily="49" charset="0"/>
-                <a:cs typeface="Courier New" panose="02070309020205020404" pitchFamily="49" charset="0"/>
-              </a:rPr>
-              <a:t>, </a:t>
-            </a:r>
-            <a:r>
-              <a:rPr lang="en-US" altLang="zh-TW" sz="8000" dirty="0" err="1">
-                <a:effectLst/>
-                <a:latin typeface="Courier New" panose="02070309020205020404" pitchFamily="49" charset="0"/>
-                <a:cs typeface="Courier New" panose="02070309020205020404" pitchFamily="49" charset="0"/>
-              </a:rPr>
-              <a:t>CloseThemeData</a:t>
             </a:r>
             <a:r>
               <a:rPr lang="en-US" altLang="zh-TW" sz="8000" dirty="0">
@@ -8483,7 +8436,7 @@
                 <a:spcPts val="0"/>
               </a:spcBef>
               <a:spcAft>
-                <a:spcPts val="300"/>
+                <a:spcPts val="0"/>
               </a:spcAft>
               <a:buFont typeface="Arial" panose="020B0604020202020204" pitchFamily="34" charset="0"/>
               <a:buChar char="•"/>
@@ -8972,7 +8925,7 @@
                 <a:spcPts val="0"/>
               </a:spcBef>
               <a:spcAft>
-                <a:spcPts val="300"/>
+                <a:spcPts val="0"/>
               </a:spcAft>
               <a:buFont typeface="Arial" panose="020B0604020202020204" pitchFamily="34" charset="0"/>
               <a:buChar char="•"/>
@@ -9124,7 +9077,7 @@
                 <a:spcPts val="0"/>
               </a:spcBef>
               <a:spcAft>
-                <a:spcPts val="300"/>
+                <a:spcPts val="0"/>
               </a:spcAft>
               <a:buFont typeface="Arial" panose="020B0604020202020204" pitchFamily="34" charset="0"/>
               <a:buChar char="•"/>
@@ -9401,7 +9354,7 @@
                 <a:spcPts val="0"/>
               </a:spcBef>
               <a:spcAft>
-                <a:spcPts val="300"/>
+                <a:spcPts val="0"/>
               </a:spcAft>
               <a:buFont typeface="Arial" panose="020B0604020202020204" pitchFamily="34" charset="0"/>
               <a:buChar char="•"/>
@@ -9522,7 +9475,7 @@
                 <a:spcPts val="0"/>
               </a:spcBef>
               <a:spcAft>
-                <a:spcPts val="300"/>
+                <a:spcPts val="0"/>
               </a:spcAft>
               <a:buFont typeface="Arial" panose="020B0604020202020204" pitchFamily="34" charset="0"/>
               <a:buChar char="•"/>
@@ -9638,7 +9591,7 @@
                 <a:spcPts val="0"/>
               </a:spcBef>
               <a:spcAft>
-                <a:spcPts val="300"/>
+                <a:spcPts val="0"/>
               </a:spcAft>
               <a:buFont typeface="Arial" panose="020B0604020202020204" pitchFamily="34" charset="0"/>
               <a:buChar char="•"/>
@@ -9757,11 +9710,14 @@
           <a:lstStyle/>
           <a:p>
             <a:r>
-              <a:rPr lang="en-US" dirty="0">
-                <a:effectLst/>
-              </a:rPr>
-              <a:t>Design</a:t>
-            </a:r>
+              <a:rPr lang="zh-TW" altLang="en-US" dirty="0">
+                <a:effectLst/>
+              </a:rPr>
+              <a:t>設計</a:t>
+            </a:r>
+            <a:endParaRPr lang="en-US" dirty="0">
+              <a:effectLst/>
+            </a:endParaRPr>
           </a:p>
         </p:txBody>
       </p:sp>
@@ -9783,12 +9739,14 @@
         </p:nvSpPr>
         <p:spPr>
           <a:xfrm>
-            <a:off x="520228" y="1043189"/>
+            <a:off x="510180" y="1043189"/>
             <a:ext cx="11140964" cy="5412695"/>
           </a:xfrm>
         </p:spPr>
         <p:txBody>
-          <a:bodyPr/>
+          <a:bodyPr>
+            <a:normAutofit fontScale="92500" lnSpcReduction="20000"/>
+          </a:bodyPr>
           <a:lstStyle/>
           <a:p>
             <a:pPr marL="342900" indent="-342900" algn="l">
@@ -9796,7 +9754,7 @@
                 <a:spcPts val="0"/>
               </a:spcBef>
               <a:spcAft>
-                <a:spcPts val="300"/>
+                <a:spcPts val="0"/>
               </a:spcAft>
               <a:buFont typeface="Arial" panose="020B0604020202020204" pitchFamily="34" charset="0"/>
               <a:buChar char="•"/>
@@ -9823,7 +9781,55 @@
                 <a:latin typeface="Courier New" panose="02070309020205020404" pitchFamily="49" charset="0"/>
                 <a:cs typeface="Courier New" panose="02070309020205020404" pitchFamily="49" charset="0"/>
               </a:rPr>
-              <a:t>會另外配置一塊記憶體去放</a:t>
+              <a:t>會有一個</a:t>
+            </a:r>
+            <a:r>
+              <a:rPr lang="en-US" altLang="zh-TW" dirty="0">
+                <a:effectLst/>
+                <a:latin typeface="Courier New" panose="02070309020205020404" pitchFamily="49" charset="0"/>
+                <a:cs typeface="Courier New" panose="02070309020205020404" pitchFamily="49" charset="0"/>
+              </a:rPr>
+              <a:t>pointer</a:t>
+            </a:r>
+            <a:r>
+              <a:rPr lang="zh-TW" altLang="en-US" dirty="0">
+                <a:effectLst/>
+                <a:latin typeface="Courier New" panose="02070309020205020404" pitchFamily="49" charset="0"/>
+                <a:cs typeface="Courier New" panose="02070309020205020404" pitchFamily="49" charset="0"/>
+              </a:rPr>
+              <a:t>指向資源</a:t>
+            </a:r>
+            <a:r>
+              <a:rPr lang="en-US" altLang="zh-TW" dirty="0">
+                <a:effectLst/>
+                <a:latin typeface="Courier New" panose="02070309020205020404" pitchFamily="49" charset="0"/>
+                <a:cs typeface="Courier New" panose="02070309020205020404" pitchFamily="49" charset="0"/>
+              </a:rPr>
+              <a:t>,</a:t>
+            </a:r>
+            <a:r>
+              <a:rPr lang="zh-TW" altLang="en-US" dirty="0">
+                <a:effectLst/>
+                <a:latin typeface="Courier New" panose="02070309020205020404" pitchFamily="49" charset="0"/>
+                <a:cs typeface="Courier New" panose="02070309020205020404" pitchFamily="49" charset="0"/>
+              </a:rPr>
+              <a:t>會另外配置一塊記憶體</a:t>
+            </a:r>
+            <a:r>
+              <a:rPr lang="en-US" altLang="zh-TW" dirty="0">
+                <a:effectLst/>
+                <a:latin typeface="Courier New" panose="02070309020205020404" pitchFamily="49" charset="0"/>
+                <a:cs typeface="Courier New" panose="02070309020205020404" pitchFamily="49" charset="0"/>
+              </a:rPr>
+              <a:t>control block</a:t>
+            </a:r>
+            <a:r>
+              <a:rPr lang="zh-TW" altLang="en-US" dirty="0">
+                <a:effectLst/>
+                <a:latin typeface="Courier New" panose="02070309020205020404" pitchFamily="49" charset="0"/>
+                <a:cs typeface="Courier New" panose="02070309020205020404" pitchFamily="49" charset="0"/>
+              </a:rPr>
+              <a:t>去放</a:t>
             </a:r>
             <a:r>
               <a:rPr lang="en-US" altLang="zh-TW" dirty="0">
@@ -9847,7 +9853,7 @@
                 <a:latin typeface="Courier New" panose="02070309020205020404" pitchFamily="49" charset="0"/>
                 <a:cs typeface="Courier New" panose="02070309020205020404" pitchFamily="49" charset="0"/>
               </a:rPr>
-              <a:t>)</a:t>
+              <a:t>) for use count</a:t>
             </a:r>
             <a:r>
               <a:rPr lang="zh-TW" altLang="en-US" dirty="0">
@@ -9855,7 +9861,23 @@
                 <a:latin typeface="Courier New" panose="02070309020205020404" pitchFamily="49" charset="0"/>
                 <a:cs typeface="Courier New" panose="02070309020205020404" pitchFamily="49" charset="0"/>
               </a:rPr>
-              <a:t>。當計數器減到零時</a:t>
+              <a:t>。當</a:t>
+            </a:r>
+            <a:r>
+              <a:rPr lang="en-US" altLang="zh-TW" dirty="0">
+                <a:effectLst/>
+                <a:latin typeface="Courier New" panose="02070309020205020404" pitchFamily="49" charset="0"/>
+                <a:cs typeface="Courier New" panose="02070309020205020404" pitchFamily="49" charset="0"/>
+              </a:rPr>
+              <a:t>use count</a:t>
+            </a:r>
+            <a:r>
+              <a:rPr lang="zh-TW" altLang="en-US" dirty="0">
+                <a:effectLst/>
+                <a:latin typeface="Courier New" panose="02070309020205020404" pitchFamily="49" charset="0"/>
+                <a:cs typeface="Courier New" panose="02070309020205020404" pitchFamily="49" charset="0"/>
+              </a:rPr>
+              <a:t>減到零時</a:t>
             </a:r>
             <a:r>
               <a:rPr lang="en-US" altLang="zh-TW" dirty="0">
@@ -9872,6 +9894,69 @@
                 <a:cs typeface="Courier New" panose="02070309020205020404" pitchFamily="49" charset="0"/>
               </a:rPr>
               <a:t>才把資源釋放。</a:t>
+            </a:r>
+            <a:br>
+              <a:rPr lang="en-US" altLang="zh-TW" dirty="0">
+                <a:effectLst/>
+                <a:latin typeface="Courier New" panose="02070309020205020404" pitchFamily="49" charset="0"/>
+                <a:cs typeface="Courier New" panose="02070309020205020404" pitchFamily="49" charset="0"/>
+              </a:rPr>
+            </a:br>
+            <a:r>
+              <a:rPr lang="zh-TW" altLang="en-US" dirty="0">
+                <a:effectLst/>
+                <a:latin typeface="Courier New" panose="02070309020205020404" pitchFamily="49" charset="0"/>
+                <a:cs typeface="Courier New" panose="02070309020205020404" pitchFamily="49" charset="0"/>
+              </a:rPr>
+              <a:t>當</a:t>
+            </a:r>
+            <a:r>
+              <a:rPr lang="en-US" altLang="zh-TW" dirty="0">
+                <a:effectLst/>
+                <a:latin typeface="Courier New" panose="02070309020205020404" pitchFamily="49" charset="0"/>
+                <a:cs typeface="Courier New" panose="02070309020205020404" pitchFamily="49" charset="0"/>
+              </a:rPr>
+              <a:t>weak count + use count</a:t>
+            </a:r>
+            <a:r>
+              <a:rPr lang="zh-TW" altLang="en-US" dirty="0">
+                <a:effectLst/>
+                <a:latin typeface="Courier New" panose="02070309020205020404" pitchFamily="49" charset="0"/>
+                <a:cs typeface="Courier New" panose="02070309020205020404" pitchFamily="49" charset="0"/>
+              </a:rPr>
+              <a:t>減到零時</a:t>
+            </a:r>
+            <a:r>
+              <a:rPr lang="en-US" altLang="zh-TW" dirty="0">
+                <a:effectLst/>
+                <a:latin typeface="Courier New" panose="02070309020205020404" pitchFamily="49" charset="0"/>
+                <a:cs typeface="Courier New" panose="02070309020205020404" pitchFamily="49" charset="0"/>
+              </a:rPr>
+              <a:t>,</a:t>
+            </a:r>
+            <a:r>
+              <a:rPr lang="zh-TW" altLang="en-US" dirty="0">
+                <a:effectLst/>
+                <a:latin typeface="Courier New" panose="02070309020205020404" pitchFamily="49" charset="0"/>
+                <a:cs typeface="Courier New" panose="02070309020205020404" pitchFamily="49" charset="0"/>
+              </a:rPr>
+              <a:t>才將</a:t>
+            </a:r>
+            <a:r>
+              <a:rPr lang="en-US" altLang="zh-TW" dirty="0">
+                <a:effectLst/>
+                <a:latin typeface="Courier New" panose="02070309020205020404" pitchFamily="49" charset="0"/>
+                <a:cs typeface="Courier New" panose="02070309020205020404" pitchFamily="49" charset="0"/>
+              </a:rPr>
+              <a:t>control block</a:t>
+            </a:r>
+            <a:r>
+              <a:rPr lang="zh-TW" altLang="en-US" dirty="0">
+                <a:effectLst/>
+                <a:latin typeface="Courier New" panose="02070309020205020404" pitchFamily="49" charset="0"/>
+                <a:cs typeface="Courier New" panose="02070309020205020404" pitchFamily="49" charset="0"/>
+              </a:rPr>
+              <a:t>釋放。</a:t>
             </a:r>
             <a:endParaRPr lang="en-US" altLang="zh-TW" dirty="0">
               <a:effectLst/>
@@ -9885,7 +9970,213 @@
                 <a:spcPts val="0"/>
               </a:spcBef>
               <a:spcAft>
-                <a:spcPts val="300"/>
+                <a:spcPts val="0"/>
+              </a:spcAft>
+              <a:buFont typeface="Arial" panose="020B0604020202020204" pitchFamily="34" charset="0"/>
+              <a:buChar char="•"/>
+            </a:pPr>
+            <a:r>
+              <a:rPr lang="en-US" altLang="zh-TW" dirty="0">
+                <a:effectLst/>
+                <a:latin typeface="Courier New" panose="02070309020205020404" pitchFamily="49" charset="0"/>
+                <a:cs typeface="Courier New" panose="02070309020205020404" pitchFamily="49" charset="0"/>
+              </a:rPr>
+              <a:t>std::</a:t>
+            </a:r>
+            <a:r>
+              <a:rPr lang="en-US" altLang="zh-TW" dirty="0" err="1">
+                <a:effectLst/>
+                <a:latin typeface="Courier New" panose="02070309020205020404" pitchFamily="49" charset="0"/>
+                <a:cs typeface="Courier New" panose="02070309020205020404" pitchFamily="49" charset="0"/>
+              </a:rPr>
+              <a:t>enable_shared_from_this</a:t>
+            </a:r>
+            <a:r>
+              <a:rPr lang="en-US" altLang="zh-TW" dirty="0">
+                <a:effectLst/>
+                <a:latin typeface="Courier New" panose="02070309020205020404" pitchFamily="49" charset="0"/>
+                <a:cs typeface="Courier New" panose="02070309020205020404" pitchFamily="49" charset="0"/>
+              </a:rPr>
+              <a:t>&lt;T&gt;</a:t>
+            </a:r>
+            <a:br>
+              <a:rPr lang="en-US" altLang="zh-TW" dirty="0">
+                <a:effectLst/>
+                <a:latin typeface="Courier New" panose="02070309020205020404" pitchFamily="49" charset="0"/>
+                <a:cs typeface="Courier New" panose="02070309020205020404" pitchFamily="49" charset="0"/>
+              </a:rPr>
+            </a:br>
+            <a:r>
+              <a:rPr lang="en-US" altLang="zh-TW" dirty="0">
+                <a:effectLst/>
+                <a:latin typeface="Courier New" panose="02070309020205020404" pitchFamily="49" charset="0"/>
+                <a:cs typeface="Courier New" panose="02070309020205020404" pitchFamily="49" charset="0"/>
+              </a:rPr>
+              <a:t>struct Foo: public std::</a:t>
+            </a:r>
+            <a:r>
+              <a:rPr lang="en-US" altLang="zh-TW" dirty="0" err="1">
+                <a:effectLst/>
+                <a:latin typeface="Courier New" panose="02070309020205020404" pitchFamily="49" charset="0"/>
+                <a:cs typeface="Courier New" panose="02070309020205020404" pitchFamily="49" charset="0"/>
+              </a:rPr>
+              <a:t>enable_shared_from_this</a:t>
+            </a:r>
+            <a:r>
+              <a:rPr lang="en-US" altLang="zh-TW" dirty="0">
+                <a:effectLst/>
+                <a:latin typeface="Courier New" panose="02070309020205020404" pitchFamily="49" charset="0"/>
+                <a:cs typeface="Courier New" panose="02070309020205020404" pitchFamily="49" charset="0"/>
+              </a:rPr>
+              <a:t>&lt;Foo&gt;</a:t>
+            </a:r>
+            <a:br>
+              <a:rPr lang="en-US" altLang="zh-TW" dirty="0">
+                <a:effectLst/>
+                <a:latin typeface="Courier New" panose="02070309020205020404" pitchFamily="49" charset="0"/>
+                <a:cs typeface="Courier New" panose="02070309020205020404" pitchFamily="49" charset="0"/>
+              </a:rPr>
+            </a:br>
+            <a:r>
+              <a:rPr lang="en-US" altLang="zh-TW" dirty="0">
+                <a:effectLst/>
+                <a:latin typeface="Courier New" panose="02070309020205020404" pitchFamily="49" charset="0"/>
+                <a:cs typeface="Courier New" panose="02070309020205020404" pitchFamily="49" charset="0"/>
+              </a:rPr>
+              <a:t>{</a:t>
+            </a:r>
+            <a:br>
+              <a:rPr lang="en-US" altLang="zh-TW" dirty="0">
+                <a:effectLst/>
+                <a:latin typeface="Courier New" panose="02070309020205020404" pitchFamily="49" charset="0"/>
+                <a:cs typeface="Courier New" panose="02070309020205020404" pitchFamily="49" charset="0"/>
+              </a:rPr>
+            </a:br>
+            <a:r>
+              <a:rPr lang="en-US" altLang="zh-TW" dirty="0">
+                <a:effectLst/>
+                <a:latin typeface="Courier New" panose="02070309020205020404" pitchFamily="49" charset="0"/>
+                <a:cs typeface="Courier New" panose="02070309020205020404" pitchFamily="49" charset="0"/>
+              </a:rPr>
+              <a:t>    …</a:t>
+            </a:r>
+            <a:br>
+              <a:rPr lang="en-US" altLang="zh-TW" dirty="0">
+                <a:effectLst/>
+                <a:latin typeface="Courier New" panose="02070309020205020404" pitchFamily="49" charset="0"/>
+                <a:cs typeface="Courier New" panose="02070309020205020404" pitchFamily="49" charset="0"/>
+              </a:rPr>
+            </a:br>
+            <a:r>
+              <a:rPr lang="en-US" altLang="zh-TW" dirty="0">
+                <a:effectLst/>
+                <a:latin typeface="Courier New" panose="02070309020205020404" pitchFamily="49" charset="0"/>
+                <a:cs typeface="Courier New" panose="02070309020205020404" pitchFamily="49" charset="0"/>
+              </a:rPr>
+              <a:t>    std::</a:t>
+            </a:r>
+            <a:r>
+              <a:rPr lang="en-US" altLang="zh-TW" dirty="0" err="1">
+                <a:effectLst/>
+                <a:latin typeface="Courier New" panose="02070309020205020404" pitchFamily="49" charset="0"/>
+                <a:cs typeface="Courier New" panose="02070309020205020404" pitchFamily="49" charset="0"/>
+              </a:rPr>
+              <a:t>shared_ptr</a:t>
+            </a:r>
+            <a:r>
+              <a:rPr lang="en-US" altLang="zh-TW" dirty="0">
+                <a:effectLst/>
+                <a:latin typeface="Courier New" panose="02070309020205020404" pitchFamily="49" charset="0"/>
+                <a:cs typeface="Courier New" panose="02070309020205020404" pitchFamily="49" charset="0"/>
+              </a:rPr>
+              <a:t>&lt;Foo&gt; </a:t>
+            </a:r>
+            <a:r>
+              <a:rPr lang="en-US" altLang="zh-TW" dirty="0" err="1">
+                <a:effectLst/>
+                <a:latin typeface="Courier New" panose="02070309020205020404" pitchFamily="49" charset="0"/>
+                <a:cs typeface="Courier New" panose="02070309020205020404" pitchFamily="49" charset="0"/>
+              </a:rPr>
+              <a:t>getFoo</a:t>
+            </a:r>
+            <a:r>
+              <a:rPr lang="en-US" altLang="zh-TW" dirty="0">
+                <a:effectLst/>
+                <a:latin typeface="Courier New" panose="02070309020205020404" pitchFamily="49" charset="0"/>
+                <a:cs typeface="Courier New" panose="02070309020205020404" pitchFamily="49" charset="0"/>
+              </a:rPr>
+              <a:t>() { return </a:t>
+            </a:r>
+            <a:r>
+              <a:rPr lang="en-US" altLang="zh-TW" dirty="0" err="1">
+                <a:effectLst/>
+                <a:latin typeface="Courier New" panose="02070309020205020404" pitchFamily="49" charset="0"/>
+                <a:cs typeface="Courier New" panose="02070309020205020404" pitchFamily="49" charset="0"/>
+              </a:rPr>
+              <a:t>shared_from_this</a:t>
+            </a:r>
+            <a:r>
+              <a:rPr lang="en-US" altLang="zh-TW" dirty="0">
+                <a:effectLst/>
+                <a:latin typeface="Courier New" panose="02070309020205020404" pitchFamily="49" charset="0"/>
+                <a:cs typeface="Courier New" panose="02070309020205020404" pitchFamily="49" charset="0"/>
+              </a:rPr>
+              <a:t>(); }</a:t>
+            </a:r>
+            <a:br>
+              <a:rPr lang="en-US" altLang="zh-TW" dirty="0">
+                <a:effectLst/>
+                <a:latin typeface="Courier New" panose="02070309020205020404" pitchFamily="49" charset="0"/>
+                <a:cs typeface="Courier New" panose="02070309020205020404" pitchFamily="49" charset="0"/>
+              </a:rPr>
+            </a:br>
+            <a:r>
+              <a:rPr lang="en-US" altLang="zh-TW" dirty="0">
+                <a:effectLst/>
+                <a:latin typeface="Courier New" panose="02070309020205020404" pitchFamily="49" charset="0"/>
+                <a:cs typeface="Courier New" panose="02070309020205020404" pitchFamily="49" charset="0"/>
+              </a:rPr>
+              <a:t>}</a:t>
+            </a:r>
+            <a:br>
+              <a:rPr lang="en-US" altLang="zh-TW" dirty="0">
+                <a:effectLst/>
+                <a:latin typeface="Courier New" panose="02070309020205020404" pitchFamily="49" charset="0"/>
+                <a:cs typeface="Courier New" panose="02070309020205020404" pitchFamily="49" charset="0"/>
+              </a:rPr>
+            </a:br>
+            <a:r>
+              <a:rPr lang="en-US" altLang="zh-TW" dirty="0">
+                <a:effectLst/>
+                <a:latin typeface="Courier New" panose="02070309020205020404" pitchFamily="49" charset="0"/>
+                <a:cs typeface="Courier New" panose="02070309020205020404" pitchFamily="49" charset="0"/>
+              </a:rPr>
+              <a:t>// Foo has a </a:t>
+            </a:r>
+            <a:r>
+              <a:rPr lang="en-US" altLang="zh-TW" dirty="0" err="1">
+                <a:effectLst/>
+                <a:latin typeface="Courier New" panose="02070309020205020404" pitchFamily="49" charset="0"/>
+                <a:cs typeface="Courier New" panose="02070309020205020404" pitchFamily="49" charset="0"/>
+              </a:rPr>
+              <a:t>weak_ptr</a:t>
+            </a:r>
+            <a:r>
+              <a:rPr lang="en-US" altLang="zh-TW" dirty="0">
+                <a:effectLst/>
+                <a:latin typeface="Courier New" panose="02070309020205020404" pitchFamily="49" charset="0"/>
+                <a:cs typeface="Courier New" panose="02070309020205020404" pitchFamily="49" charset="0"/>
+              </a:rPr>
+              <a:t> pointing to the control block</a:t>
+            </a:r>
+          </a:p>
+          <a:p>
+            <a:pPr marL="342900" indent="-342900" algn="l">
+              <a:spcBef>
+                <a:spcPts val="0"/>
+              </a:spcBef>
+              <a:spcAft>
+                <a:spcPts val="0"/>
               </a:spcAft>
               <a:buFont typeface="Arial" panose="020B0604020202020204" pitchFamily="34" charset="0"/>
               <a:buChar char="•"/>
@@ -9942,7 +10233,7 @@
                 <a:spcPts val="0"/>
               </a:spcBef>
               <a:spcAft>
-                <a:spcPts val="300"/>
+                <a:spcPts val="0"/>
               </a:spcAft>
               <a:buFont typeface="Arial" panose="020B0604020202020204" pitchFamily="34" charset="0"/>
               <a:buChar char="•"/>
@@ -10093,6 +10384,38 @@
                 <a:cs typeface="Courier New" panose="02070309020205020404" pitchFamily="49" charset="0"/>
               </a:rPr>
               <a:t>。</a:t>
+            </a:r>
+            <a:r>
+              <a:rPr lang="en-US" altLang="zh-TW" dirty="0" err="1">
+                <a:effectLst/>
+                <a:latin typeface="Courier New" panose="02070309020205020404" pitchFamily="49" charset="0"/>
+                <a:cs typeface="Courier New" panose="02070309020205020404" pitchFamily="49" charset="0"/>
+              </a:rPr>
+              <a:t>deleter</a:t>
+            </a:r>
+            <a:r>
+              <a:rPr lang="zh-TW" altLang="en-US" dirty="0">
+                <a:effectLst/>
+                <a:latin typeface="Courier New" panose="02070309020205020404" pitchFamily="49" charset="0"/>
+                <a:cs typeface="Courier New" panose="02070309020205020404" pitchFamily="49" charset="0"/>
+              </a:rPr>
+              <a:t>也是放在</a:t>
+            </a:r>
+            <a:r>
+              <a:rPr lang="en-US" altLang="zh-TW" dirty="0">
+                <a:effectLst/>
+                <a:latin typeface="Courier New" panose="02070309020205020404" pitchFamily="49" charset="0"/>
+                <a:cs typeface="Courier New" panose="02070309020205020404" pitchFamily="49" charset="0"/>
+              </a:rPr>
+              <a:t>control block</a:t>
+            </a:r>
+            <a:r>
+              <a:rPr lang="zh-TW" altLang="en-US" dirty="0">
+                <a:effectLst/>
+                <a:latin typeface="Courier New" panose="02070309020205020404" pitchFamily="49" charset="0"/>
+                <a:cs typeface="Courier New" panose="02070309020205020404" pitchFamily="49" charset="0"/>
+              </a:rPr>
+              <a:t>裡。</a:t>
             </a:r>
             <a:endParaRPr lang="en-US" altLang="zh-TW" dirty="0">
               <a:effectLst/>
@@ -10106,7 +10429,7 @@
                 <a:spcPts val="0"/>
               </a:spcBef>
               <a:spcAft>
-                <a:spcPts val="300"/>
+                <a:spcPts val="0"/>
               </a:spcAft>
               <a:buFont typeface="Arial" panose="020B0604020202020204" pitchFamily="34" charset="0"/>
               <a:buChar char="•"/>
@@ -10426,7 +10749,7 @@
               <a:rPr lang="zh-TW" altLang="en-US" dirty="0">
                 <a:effectLst/>
               </a:rPr>
-              <a:t>使用時的概念</a:t>
+              <a:t>使用</a:t>
             </a:r>
             <a:endParaRPr lang="en-US" dirty="0">
               <a:effectLst/>
@@ -10452,13 +10775,13 @@
         </p:nvSpPr>
         <p:spPr>
           <a:xfrm>
-            <a:off x="520228" y="1043189"/>
-            <a:ext cx="11140964" cy="5412695"/>
+            <a:off x="160774" y="1043189"/>
+            <a:ext cx="11826910" cy="5412695"/>
           </a:xfrm>
         </p:spPr>
         <p:txBody>
           <a:bodyPr>
-            <a:normAutofit/>
+            <a:noAutofit/>
           </a:bodyPr>
           <a:lstStyle/>
           <a:p>
@@ -10467,43 +10790,56 @@
                 <a:spcPts val="0"/>
               </a:spcBef>
               <a:spcAft>
-                <a:spcPts val="300"/>
+                <a:spcPts val="0"/>
               </a:spcAft>
               <a:buFont typeface="Arial" panose="020B0604020202020204" pitchFamily="34" charset="0"/>
               <a:buChar char="•"/>
             </a:pPr>
             <a:r>
-              <a:rPr lang="zh-TW" altLang="en-US" dirty="0">
-                <a:effectLst/>
-                <a:latin typeface="Courier New" panose="02070309020205020404" pitchFamily="49" charset="0"/>
-                <a:cs typeface="Courier New" panose="02070309020205020404" pitchFamily="49" charset="0"/>
-              </a:rPr>
-              <a:t>請參考</a:t>
-            </a:r>
-            <a:r>
-              <a:rPr lang="en-US" altLang="zh-TW" dirty="0">
-                <a:effectLst/>
-                <a:latin typeface="Courier New" panose="02070309020205020404" pitchFamily="49" charset="0"/>
-                <a:cs typeface="Courier New" panose="02070309020205020404" pitchFamily="49" charset="0"/>
-              </a:rPr>
-              <a:t>Herb Sutter </a:t>
-            </a:r>
-            <a:r>
-              <a:rPr lang="en-US" altLang="zh-TW" dirty="0" err="1">
-                <a:effectLst/>
-                <a:latin typeface="Courier New" panose="02070309020205020404" pitchFamily="49" charset="0"/>
-                <a:cs typeface="Courier New" panose="02070309020205020404" pitchFamily="49" charset="0"/>
-              </a:rPr>
-              <a:t>GotW</a:t>
-            </a:r>
-            <a:r>
-              <a:rPr lang="en-US" altLang="zh-TW" dirty="0">
-                <a:effectLst/>
-                <a:latin typeface="Courier New" panose="02070309020205020404" pitchFamily="49" charset="0"/>
-                <a:cs typeface="Courier New" panose="02070309020205020404" pitchFamily="49" charset="0"/>
-              </a:rPr>
-              <a:t> #91</a:t>
-            </a:r>
+              <a:rPr lang="zh-TW" altLang="en-US" sz="1900" dirty="0">
+                <a:effectLst/>
+                <a:latin typeface="Courier New" panose="02070309020205020404" pitchFamily="49" charset="0"/>
+                <a:cs typeface="Courier New" panose="02070309020205020404" pitchFamily="49" charset="0"/>
+              </a:rPr>
+              <a:t>程式中不同的職責分享資源的擁有權</a:t>
+            </a:r>
+            <a:r>
+              <a:rPr lang="en-US" altLang="zh-TW" sz="1900" dirty="0">
+                <a:effectLst/>
+                <a:latin typeface="Courier New" panose="02070309020205020404" pitchFamily="49" charset="0"/>
+                <a:cs typeface="Courier New" panose="02070309020205020404" pitchFamily="49" charset="0"/>
+              </a:rPr>
+              <a:t>,</a:t>
+            </a:r>
+            <a:r>
+              <a:rPr lang="zh-TW" altLang="en-US" sz="1900" dirty="0">
+                <a:effectLst/>
+                <a:latin typeface="Courier New" panose="02070309020205020404" pitchFamily="49" charset="0"/>
+                <a:cs typeface="Courier New" panose="02070309020205020404" pitchFamily="49" charset="0"/>
+              </a:rPr>
+              <a:t>直到所有的職責都結束了</a:t>
+            </a:r>
+            <a:r>
+              <a:rPr lang="en-US" altLang="zh-TW" sz="1900" dirty="0">
+                <a:effectLst/>
+                <a:latin typeface="Courier New" panose="02070309020205020404" pitchFamily="49" charset="0"/>
+                <a:cs typeface="Courier New" panose="02070309020205020404" pitchFamily="49" charset="0"/>
+              </a:rPr>
+              <a:t>,</a:t>
+            </a:r>
+            <a:r>
+              <a:rPr lang="zh-TW" altLang="en-US" sz="1900" dirty="0">
+                <a:effectLst/>
+                <a:latin typeface="Courier New" panose="02070309020205020404" pitchFamily="49" charset="0"/>
+                <a:cs typeface="Courier New" panose="02070309020205020404" pitchFamily="49" charset="0"/>
+              </a:rPr>
+              <a:t>才釋放掉此資源。</a:t>
+            </a:r>
+            <a:endParaRPr lang="en-US" altLang="zh-TW" sz="1900" dirty="0">
+              <a:effectLst/>
+              <a:latin typeface="Courier New" panose="02070309020205020404" pitchFamily="49" charset="0"/>
+              <a:cs typeface="Courier New" panose="02070309020205020404" pitchFamily="49" charset="0"/>
+            </a:endParaRPr>
           </a:p>
           <a:p>
             <a:pPr marL="342900" indent="-342900" algn="l">
@@ -10511,37 +10847,37 @@
                 <a:spcPts val="0"/>
               </a:spcBef>
               <a:spcAft>
-                <a:spcPts val="300"/>
+                <a:spcPts val="0"/>
               </a:spcAft>
               <a:buFont typeface="Arial" panose="020B0604020202020204" pitchFamily="34" charset="0"/>
               <a:buChar char="•"/>
             </a:pPr>
             <a:r>
-              <a:rPr lang="zh-TW" altLang="en-US" dirty="0">
-                <a:effectLst/>
-                <a:latin typeface="Courier New" panose="02070309020205020404" pitchFamily="49" charset="0"/>
-                <a:cs typeface="Courier New" panose="02070309020205020404" pitchFamily="49" charset="0"/>
-              </a:rPr>
-              <a:t>當沒牽涉到擁有權</a:t>
-            </a:r>
-            <a:r>
-              <a:rPr lang="en-US" altLang="zh-TW" dirty="0">
-                <a:effectLst/>
-                <a:latin typeface="Courier New" panose="02070309020205020404" pitchFamily="49" charset="0"/>
-                <a:cs typeface="Courier New" panose="02070309020205020404" pitchFamily="49" charset="0"/>
-              </a:rPr>
-              <a:t>(ownership)</a:t>
-            </a:r>
-            <a:r>
-              <a:rPr lang="zh-TW" altLang="en-US" dirty="0">
-                <a:effectLst/>
-                <a:latin typeface="Courier New" panose="02070309020205020404" pitchFamily="49" charset="0"/>
-                <a:cs typeface="Courier New" panose="02070309020205020404" pitchFamily="49" charset="0"/>
-              </a:rPr>
-              <a:t>時</a:t>
-            </a:r>
-            <a:r>
-              <a:rPr lang="en-US" altLang="zh-TW" dirty="0">
+              <a:rPr lang="zh-TW" altLang="en-US" sz="1900" dirty="0">
+                <a:effectLst/>
+                <a:latin typeface="Courier New" panose="02070309020205020404" pitchFamily="49" charset="0"/>
+                <a:cs typeface="Courier New" panose="02070309020205020404" pitchFamily="49" charset="0"/>
+              </a:rPr>
+              <a:t>例如一份記憶體裡存放這硬碟一個</a:t>
+            </a:r>
+            <a:r>
+              <a:rPr lang="en-US" altLang="zh-TW" sz="1900" dirty="0">
+                <a:effectLst/>
+                <a:latin typeface="Courier New" panose="02070309020205020404" pitchFamily="49" charset="0"/>
+                <a:cs typeface="Courier New" panose="02070309020205020404" pitchFamily="49" charset="0"/>
+              </a:rPr>
+              <a:t>block</a:t>
+            </a:r>
+            <a:r>
+              <a:rPr lang="zh-TW" altLang="en-US" sz="1900" dirty="0">
+                <a:effectLst/>
+                <a:latin typeface="Courier New" panose="02070309020205020404" pitchFamily="49" charset="0"/>
+                <a:cs typeface="Courier New" panose="02070309020205020404" pitchFamily="49" charset="0"/>
+              </a:rPr>
+              <a:t>的內容</a:t>
+            </a:r>
+            <a:r>
+              <a:rPr lang="en-US" altLang="zh-TW" sz="1900" dirty="0">
                 <a:effectLst/>
                 <a:latin typeface="Courier New" panose="02070309020205020404" pitchFamily="49" charset="0"/>
                 <a:cs typeface="Courier New" panose="02070309020205020404" pitchFamily="49" charset="0"/>
@@ -10549,42 +10885,336 @@
               <a:t>,</a:t>
             </a:r>
             <a:r>
-              <a:rPr lang="zh-TW" altLang="en-US" dirty="0">
-                <a:effectLst/>
-                <a:latin typeface="Courier New" panose="02070309020205020404" pitchFamily="49" charset="0"/>
-                <a:cs typeface="Courier New" panose="02070309020205020404" pitchFamily="49" charset="0"/>
-              </a:rPr>
-              <a:t>可用以下的方法</a:t>
+              <a:rPr lang="zh-TW" altLang="en-US" sz="1900" dirty="0">
+                <a:effectLst/>
+                <a:latin typeface="Courier New" panose="02070309020205020404" pitchFamily="49" charset="0"/>
+                <a:cs typeface="Courier New" panose="02070309020205020404" pitchFamily="49" charset="0"/>
+              </a:rPr>
+              <a:t>我想要壓縮此內容</a:t>
+            </a:r>
+            <a:r>
+              <a:rPr lang="en-US" altLang="zh-TW" sz="1900" dirty="0">
+                <a:effectLst/>
+                <a:latin typeface="Courier New" panose="02070309020205020404" pitchFamily="49" charset="0"/>
+                <a:cs typeface="Courier New" panose="02070309020205020404" pitchFamily="49" charset="0"/>
+              </a:rPr>
+              <a:t>(</a:t>
+            </a:r>
+            <a:r>
+              <a:rPr lang="zh-TW" altLang="en-US" sz="1900" dirty="0">
+                <a:effectLst/>
+                <a:latin typeface="Courier New" panose="02070309020205020404" pitchFamily="49" charset="0"/>
+                <a:cs typeface="Courier New" panose="02070309020205020404" pitchFamily="49" charset="0"/>
+              </a:rPr>
+              <a:t>職責</a:t>
+            </a:r>
+            <a:r>
+              <a:rPr lang="en-US" altLang="zh-TW" sz="1900" dirty="0">
+                <a:effectLst/>
+                <a:latin typeface="Courier New" panose="02070309020205020404" pitchFamily="49" charset="0"/>
+                <a:cs typeface="Courier New" panose="02070309020205020404" pitchFamily="49" charset="0"/>
+              </a:rPr>
+              <a:t>1),</a:t>
+            </a:r>
+            <a:r>
+              <a:rPr lang="zh-TW" altLang="en-US" sz="1900" dirty="0">
+                <a:effectLst/>
+                <a:latin typeface="Courier New" panose="02070309020205020404" pitchFamily="49" charset="0"/>
+                <a:cs typeface="Courier New" panose="02070309020205020404" pitchFamily="49" charset="0"/>
+              </a:rPr>
+              <a:t>並且要計算此內容的</a:t>
+            </a:r>
+            <a:r>
+              <a:rPr lang="en-US" altLang="zh-TW" sz="1900" dirty="0">
+                <a:effectLst/>
+                <a:latin typeface="Courier New" panose="02070309020205020404" pitchFamily="49" charset="0"/>
+                <a:cs typeface="Courier New" panose="02070309020205020404" pitchFamily="49" charset="0"/>
+              </a:rPr>
+              <a:t>hash</a:t>
+            </a:r>
+            <a:r>
+              <a:rPr lang="zh-TW" altLang="en-US" sz="1900" dirty="0">
+                <a:effectLst/>
+                <a:latin typeface="Courier New" panose="02070309020205020404" pitchFamily="49" charset="0"/>
+                <a:cs typeface="Courier New" panose="02070309020205020404" pitchFamily="49" charset="0"/>
+              </a:rPr>
+              <a:t>值</a:t>
+            </a:r>
+            <a:r>
+              <a:rPr lang="en-US" altLang="zh-TW" sz="1900" dirty="0">
+                <a:effectLst/>
+                <a:latin typeface="Courier New" panose="02070309020205020404" pitchFamily="49" charset="0"/>
+                <a:cs typeface="Courier New" panose="02070309020205020404" pitchFamily="49" charset="0"/>
+              </a:rPr>
+              <a:t>(</a:t>
+            </a:r>
+            <a:r>
+              <a:rPr lang="zh-TW" altLang="en-US" sz="1900" dirty="0">
+                <a:effectLst/>
+                <a:latin typeface="Courier New" panose="02070309020205020404" pitchFamily="49" charset="0"/>
+                <a:cs typeface="Courier New" panose="02070309020205020404" pitchFamily="49" charset="0"/>
+              </a:rPr>
+              <a:t>職責</a:t>
+            </a:r>
+            <a:r>
+              <a:rPr lang="en-US" altLang="zh-TW" sz="1900" dirty="0">
+                <a:effectLst/>
+                <a:latin typeface="Courier New" panose="02070309020205020404" pitchFamily="49" charset="0"/>
+                <a:cs typeface="Courier New" panose="02070309020205020404" pitchFamily="49" charset="0"/>
+              </a:rPr>
+              <a:t>2)</a:t>
+            </a:r>
+            <a:r>
+              <a:rPr lang="zh-TW" altLang="en-US" sz="1900" dirty="0">
+                <a:effectLst/>
+                <a:latin typeface="Courier New" panose="02070309020205020404" pitchFamily="49" charset="0"/>
+                <a:cs typeface="Courier New" panose="02070309020205020404" pitchFamily="49" charset="0"/>
+              </a:rPr>
+              <a:t>。</a:t>
+            </a:r>
+            <a:r>
+              <a:rPr lang="en-US" altLang="zh-TW" sz="1900" dirty="0" err="1">
+                <a:effectLst/>
+                <a:latin typeface="Courier New" panose="02070309020205020404" pitchFamily="49" charset="0"/>
+                <a:cs typeface="Courier New" panose="02070309020205020404" pitchFamily="49" charset="0"/>
+              </a:rPr>
+              <a:t>Baesd</a:t>
+            </a:r>
+            <a:r>
+              <a:rPr lang="en-US" altLang="zh-TW" sz="1900" dirty="0">
+                <a:effectLst/>
+                <a:latin typeface="Courier New" panose="02070309020205020404" pitchFamily="49" charset="0"/>
+                <a:cs typeface="Courier New" panose="02070309020205020404" pitchFamily="49" charset="0"/>
+              </a:rPr>
+              <a:t> on C++ 20 [Visual Studio 2019 version: 16.7.0],</a:t>
             </a:r>
             <a:br>
-              <a:rPr lang="en-US" altLang="zh-TW" dirty="0">
+              <a:rPr lang="en-US" altLang="zh-TW" sz="1900" dirty="0">
                 <a:effectLst/>
                 <a:latin typeface="Courier New" panose="02070309020205020404" pitchFamily="49" charset="0"/>
                 <a:cs typeface="Courier New" panose="02070309020205020404" pitchFamily="49" charset="0"/>
               </a:rPr>
             </a:br>
             <a:r>
-              <a:rPr lang="en-US" altLang="zh-TW" dirty="0">
-                <a:effectLst/>
-                <a:latin typeface="Courier New" panose="02070309020205020404" pitchFamily="49" charset="0"/>
-                <a:cs typeface="Courier New" panose="02070309020205020404" pitchFamily="49" charset="0"/>
-              </a:rPr>
-              <a:t>void f(widget*);</a:t>
+              <a:rPr lang="en-US" altLang="zh-TW" sz="1900" dirty="0">
+                <a:effectLst/>
+                <a:latin typeface="Courier New" panose="02070309020205020404" pitchFamily="49" charset="0"/>
+                <a:cs typeface="Courier New" panose="02070309020205020404" pitchFamily="49" charset="0"/>
+              </a:rPr>
+              <a:t>auto p = std::</a:t>
+            </a:r>
+            <a:r>
+              <a:rPr lang="en-US" altLang="zh-TW" sz="1900" dirty="0" err="1">
+                <a:effectLst/>
+                <a:latin typeface="Courier New" panose="02070309020205020404" pitchFamily="49" charset="0"/>
+                <a:cs typeface="Courier New" panose="02070309020205020404" pitchFamily="49" charset="0"/>
+              </a:rPr>
+              <a:t>make_shared</a:t>
+            </a:r>
+            <a:r>
+              <a:rPr lang="en-US" altLang="zh-TW" sz="1900" dirty="0">
+                <a:effectLst/>
+                <a:latin typeface="Courier New" panose="02070309020205020404" pitchFamily="49" charset="0"/>
+                <a:cs typeface="Courier New" panose="02070309020205020404" pitchFamily="49" charset="0"/>
+              </a:rPr>
+              <a:t>(BYTE[])(HD_BLOCK_SIZE);</a:t>
             </a:r>
             <a:br>
-              <a:rPr lang="en-US" altLang="zh-TW" dirty="0">
+              <a:rPr lang="en-US" altLang="zh-TW" sz="1900" dirty="0">
                 <a:effectLst/>
                 <a:latin typeface="Courier New" panose="02070309020205020404" pitchFamily="49" charset="0"/>
                 <a:cs typeface="Courier New" panose="02070309020205020404" pitchFamily="49" charset="0"/>
               </a:rPr>
             </a:br>
             <a:r>
-              <a:rPr lang="en-US" altLang="zh-TW" dirty="0">
-                <a:effectLst/>
-                <a:latin typeface="Courier New" panose="02070309020205020404" pitchFamily="49" charset="0"/>
-                <a:cs typeface="Courier New" panose="02070309020205020404" pitchFamily="49" charset="0"/>
-              </a:rPr>
-              <a:t>void f(widget&amp;);</a:t>
+              <a:rPr lang="en-US" altLang="zh-TW" sz="1900" dirty="0">
+                <a:effectLst/>
+                <a:latin typeface="Courier New" panose="02070309020205020404" pitchFamily="49" charset="0"/>
+                <a:cs typeface="Courier New" panose="02070309020205020404" pitchFamily="49" charset="0"/>
+              </a:rPr>
+              <a:t>auto </a:t>
+            </a:r>
+            <a:r>
+              <a:rPr lang="en-US" altLang="zh-TW" sz="1900" dirty="0" err="1">
+                <a:effectLst/>
+                <a:latin typeface="Courier New" panose="02070309020205020404" pitchFamily="49" charset="0"/>
+                <a:cs typeface="Courier New" panose="02070309020205020404" pitchFamily="49" charset="0"/>
+              </a:rPr>
+              <a:t>pCompress</a:t>
+            </a:r>
+            <a:r>
+              <a:rPr lang="en-US" altLang="zh-TW" sz="1900" dirty="0">
+                <a:effectLst/>
+                <a:latin typeface="Courier New" panose="02070309020205020404" pitchFamily="49" charset="0"/>
+                <a:cs typeface="Courier New" panose="02070309020205020404" pitchFamily="49" charset="0"/>
+              </a:rPr>
+              <a:t> = p; //</a:t>
+            </a:r>
+            <a:r>
+              <a:rPr lang="zh-TW" altLang="en-US" sz="1900" dirty="0">
+                <a:effectLst/>
+                <a:latin typeface="Courier New" panose="02070309020205020404" pitchFamily="49" charset="0"/>
+                <a:cs typeface="Courier New" panose="02070309020205020404" pitchFamily="49" charset="0"/>
+              </a:rPr>
+              <a:t>分享擁有權給壓縮</a:t>
+            </a:r>
+            <a:r>
+              <a:rPr lang="en-US" altLang="zh-TW" sz="1900" dirty="0">
+                <a:effectLst/>
+                <a:latin typeface="Courier New" panose="02070309020205020404" pitchFamily="49" charset="0"/>
+                <a:cs typeface="Courier New" panose="02070309020205020404" pitchFamily="49" charset="0"/>
+              </a:rPr>
+              <a:t>-</a:t>
+            </a:r>
+            <a:r>
+              <a:rPr lang="zh-TW" altLang="en-US" sz="1900" dirty="0">
+                <a:effectLst/>
+                <a:latin typeface="Courier New" panose="02070309020205020404" pitchFamily="49" charset="0"/>
+                <a:cs typeface="Courier New" panose="02070309020205020404" pitchFamily="49" charset="0"/>
+              </a:rPr>
+              <a:t>職責</a:t>
+            </a:r>
+            <a:r>
+              <a:rPr lang="en-US" altLang="zh-TW" sz="1900" dirty="0">
+                <a:effectLst/>
+                <a:latin typeface="Courier New" panose="02070309020205020404" pitchFamily="49" charset="0"/>
+                <a:cs typeface="Courier New" panose="02070309020205020404" pitchFamily="49" charset="0"/>
+              </a:rPr>
+              <a:t>1,</a:t>
+            </a:r>
+            <a:r>
+              <a:rPr lang="zh-TW" altLang="en-US" sz="1900" dirty="0">
+                <a:effectLst/>
+                <a:latin typeface="Courier New" panose="02070309020205020404" pitchFamily="49" charset="0"/>
+                <a:cs typeface="Courier New" panose="02070309020205020404" pitchFamily="49" charset="0"/>
+              </a:rPr>
+              <a:t>或</a:t>
+            </a:r>
+            <a:r>
+              <a:rPr lang="en-US" altLang="zh-TW" sz="1900" dirty="0">
+                <a:effectLst/>
+                <a:latin typeface="Courier New" panose="02070309020205020404" pitchFamily="49" charset="0"/>
+                <a:cs typeface="Courier New" panose="02070309020205020404" pitchFamily="49" charset="0"/>
+              </a:rPr>
+              <a:t>push into a “compress” queue</a:t>
+            </a:r>
+            <a:br>
+              <a:rPr lang="en-US" altLang="zh-TW" sz="1900" dirty="0">
+                <a:effectLst/>
+                <a:latin typeface="Courier New" panose="02070309020205020404" pitchFamily="49" charset="0"/>
+                <a:cs typeface="Courier New" panose="02070309020205020404" pitchFamily="49" charset="0"/>
+              </a:rPr>
+            </a:br>
+            <a:r>
+              <a:rPr lang="en-US" altLang="zh-TW" sz="1900" dirty="0">
+                <a:effectLst/>
+                <a:latin typeface="Courier New" panose="02070309020205020404" pitchFamily="49" charset="0"/>
+                <a:cs typeface="Courier New" panose="02070309020205020404" pitchFamily="49" charset="0"/>
+              </a:rPr>
+              <a:t>auto </a:t>
+            </a:r>
+            <a:r>
+              <a:rPr lang="en-US" altLang="zh-TW" sz="1900" dirty="0" err="1">
+                <a:effectLst/>
+                <a:latin typeface="Courier New" panose="02070309020205020404" pitchFamily="49" charset="0"/>
+                <a:cs typeface="Courier New" panose="02070309020205020404" pitchFamily="49" charset="0"/>
+              </a:rPr>
+              <a:t>pHash</a:t>
+            </a:r>
+            <a:r>
+              <a:rPr lang="en-US" altLang="zh-TW" sz="1900" dirty="0">
+                <a:effectLst/>
+                <a:latin typeface="Courier New" panose="02070309020205020404" pitchFamily="49" charset="0"/>
+                <a:cs typeface="Courier New" panose="02070309020205020404" pitchFamily="49" charset="0"/>
+              </a:rPr>
+              <a:t> = p; //</a:t>
+            </a:r>
+            <a:r>
+              <a:rPr lang="zh-TW" altLang="en-US" sz="1900" dirty="0">
+                <a:effectLst/>
+                <a:latin typeface="Courier New" panose="02070309020205020404" pitchFamily="49" charset="0"/>
+                <a:cs typeface="Courier New" panose="02070309020205020404" pitchFamily="49" charset="0"/>
+              </a:rPr>
+              <a:t>分享擁有權給</a:t>
+            </a:r>
+            <a:r>
+              <a:rPr lang="en-US" altLang="zh-TW" sz="1900" dirty="0">
+                <a:effectLst/>
+                <a:latin typeface="Courier New" panose="02070309020205020404" pitchFamily="49" charset="0"/>
+                <a:cs typeface="Courier New" panose="02070309020205020404" pitchFamily="49" charset="0"/>
+              </a:rPr>
+              <a:t>hash-</a:t>
+            </a:r>
+            <a:r>
+              <a:rPr lang="zh-TW" altLang="en-US" sz="1900" dirty="0">
+                <a:effectLst/>
+                <a:latin typeface="Courier New" panose="02070309020205020404" pitchFamily="49" charset="0"/>
+                <a:cs typeface="Courier New" panose="02070309020205020404" pitchFamily="49" charset="0"/>
+              </a:rPr>
+              <a:t>職責</a:t>
+            </a:r>
+            <a:r>
+              <a:rPr lang="en-US" altLang="zh-TW" sz="1900" dirty="0">
+                <a:effectLst/>
+                <a:latin typeface="Courier New" panose="02070309020205020404" pitchFamily="49" charset="0"/>
+                <a:cs typeface="Courier New" panose="02070309020205020404" pitchFamily="49" charset="0"/>
+              </a:rPr>
+              <a:t>2,</a:t>
+            </a:r>
+            <a:r>
+              <a:rPr lang="zh-TW" altLang="en-US" sz="1900" dirty="0">
+                <a:effectLst/>
+                <a:latin typeface="Courier New" panose="02070309020205020404" pitchFamily="49" charset="0"/>
+                <a:cs typeface="Courier New" panose="02070309020205020404" pitchFamily="49" charset="0"/>
+              </a:rPr>
+              <a:t>或</a:t>
+            </a:r>
+            <a:r>
+              <a:rPr lang="en-US" altLang="zh-TW" sz="1900" dirty="0">
+                <a:effectLst/>
+                <a:latin typeface="Courier New" panose="02070309020205020404" pitchFamily="49" charset="0"/>
+                <a:cs typeface="Courier New" panose="02070309020205020404" pitchFamily="49" charset="0"/>
+              </a:rPr>
+              <a:t>push into a “hash” queue</a:t>
+            </a:r>
+            <a:br>
+              <a:rPr lang="en-US" altLang="zh-TW" sz="1900" dirty="0">
+                <a:effectLst/>
+                <a:latin typeface="Courier New" panose="02070309020205020404" pitchFamily="49" charset="0"/>
+                <a:cs typeface="Courier New" panose="02070309020205020404" pitchFamily="49" charset="0"/>
+              </a:rPr>
+            </a:br>
+            <a:r>
+              <a:rPr lang="zh-TW" altLang="en-US" sz="1900" dirty="0">
+                <a:effectLst/>
+                <a:latin typeface="Courier New" panose="02070309020205020404" pitchFamily="49" charset="0"/>
+                <a:cs typeface="Courier New" panose="02070309020205020404" pitchFamily="49" charset="0"/>
+              </a:rPr>
+              <a:t>請參考</a:t>
+            </a:r>
+            <a:r>
+              <a:rPr lang="en-US" altLang="zh-TW" sz="1900" dirty="0">
+                <a:effectLst/>
+                <a:latin typeface="Courier New" panose="02070309020205020404" pitchFamily="49" charset="0"/>
+                <a:cs typeface="Courier New" panose="02070309020205020404" pitchFamily="49" charset="0"/>
+              </a:rPr>
+              <a:t>Herb Sutter </a:t>
+            </a:r>
+            <a:r>
+              <a:rPr lang="en-US" altLang="zh-TW" sz="1900" dirty="0" err="1">
+                <a:effectLst/>
+                <a:latin typeface="Courier New" panose="02070309020205020404" pitchFamily="49" charset="0"/>
+                <a:cs typeface="Courier New" panose="02070309020205020404" pitchFamily="49" charset="0"/>
+              </a:rPr>
+              <a:t>GotW</a:t>
+            </a:r>
+            <a:r>
+              <a:rPr lang="en-US" altLang="zh-TW" sz="1900" dirty="0">
+                <a:effectLst/>
+                <a:latin typeface="Courier New" panose="02070309020205020404" pitchFamily="49" charset="0"/>
+                <a:cs typeface="Courier New" panose="02070309020205020404" pitchFamily="49" charset="0"/>
+              </a:rPr>
+              <a:t> #91</a:t>
             </a:r>
           </a:p>
           <a:p>
@@ -10593,166 +11223,81 @@
                 <a:spcPts val="0"/>
               </a:spcBef>
               <a:spcAft>
-                <a:spcPts val="300"/>
+                <a:spcPts val="0"/>
               </a:spcAft>
               <a:buFont typeface="Arial" panose="020B0604020202020204" pitchFamily="34" charset="0"/>
               <a:buChar char="•"/>
             </a:pPr>
             <a:r>
-              <a:rPr lang="en-US" altLang="zh-TW" dirty="0">
-                <a:effectLst/>
-                <a:latin typeface="Courier New" panose="02070309020205020404" pitchFamily="49" charset="0"/>
-                <a:cs typeface="Courier New" panose="02070309020205020404" pitchFamily="49" charset="0"/>
-              </a:rPr>
-              <a:t>void f(</a:t>
-            </a:r>
-            <a:r>
-              <a:rPr lang="en-US" altLang="zh-TW" dirty="0" err="1">
-                <a:effectLst/>
-                <a:latin typeface="Courier New" panose="02070309020205020404" pitchFamily="49" charset="0"/>
-                <a:cs typeface="Courier New" panose="02070309020205020404" pitchFamily="49" charset="0"/>
-              </a:rPr>
-              <a:t>shared_ptr</a:t>
-            </a:r>
-            <a:r>
-              <a:rPr lang="en-US" altLang="zh-TW" dirty="0">
-                <a:effectLst/>
-                <a:latin typeface="Courier New" panose="02070309020205020404" pitchFamily="49" charset="0"/>
-                <a:cs typeface="Courier New" panose="02070309020205020404" pitchFamily="49" charset="0"/>
-              </a:rPr>
-              <a:t>&lt;widget&gt;);        // </a:t>
-            </a:r>
-            <a:r>
-              <a:rPr lang="zh-TW" altLang="en-US" dirty="0">
-                <a:effectLst/>
-                <a:latin typeface="Courier New" panose="02070309020205020404" pitchFamily="49" charset="0"/>
-                <a:cs typeface="Courier New" panose="02070309020205020404" pitchFamily="49" charset="0"/>
-              </a:rPr>
-              <a:t>從呼叫者分享</a:t>
-            </a:r>
-            <a:r>
-              <a:rPr lang="en-US" altLang="zh-TW" dirty="0">
-                <a:effectLst/>
-                <a:latin typeface="Courier New" panose="02070309020205020404" pitchFamily="49" charset="0"/>
-                <a:cs typeface="Courier New" panose="02070309020205020404" pitchFamily="49" charset="0"/>
-              </a:rPr>
-              <a:t>widget</a:t>
-            </a:r>
-            <a:r>
-              <a:rPr lang="zh-TW" altLang="en-US" dirty="0">
-                <a:effectLst/>
-                <a:latin typeface="Courier New" panose="02070309020205020404" pitchFamily="49" charset="0"/>
-                <a:cs typeface="Courier New" panose="02070309020205020404" pitchFamily="49" charset="0"/>
-              </a:rPr>
-              <a:t>的擁有權</a:t>
+              <a:rPr lang="zh-TW" altLang="en-US" sz="1900" dirty="0">
+                <a:effectLst/>
+                <a:latin typeface="Courier New" panose="02070309020205020404" pitchFamily="49" charset="0"/>
+                <a:cs typeface="Courier New" panose="02070309020205020404" pitchFamily="49" charset="0"/>
+              </a:rPr>
+              <a:t>當沒牽涉到擁有權</a:t>
+            </a:r>
+            <a:r>
+              <a:rPr lang="en-US" altLang="zh-TW" sz="1900" dirty="0">
+                <a:effectLst/>
+                <a:latin typeface="Courier New" panose="02070309020205020404" pitchFamily="49" charset="0"/>
+                <a:cs typeface="Courier New" panose="02070309020205020404" pitchFamily="49" charset="0"/>
+              </a:rPr>
+              <a:t>(ownership)</a:t>
+            </a:r>
+            <a:r>
+              <a:rPr lang="zh-TW" altLang="en-US" sz="1900" dirty="0">
+                <a:effectLst/>
+                <a:latin typeface="Courier New" panose="02070309020205020404" pitchFamily="49" charset="0"/>
+                <a:cs typeface="Courier New" panose="02070309020205020404" pitchFamily="49" charset="0"/>
+              </a:rPr>
+              <a:t>時</a:t>
+            </a:r>
+            <a:r>
+              <a:rPr lang="en-US" altLang="zh-TW" sz="1900" dirty="0">
+                <a:effectLst/>
+                <a:latin typeface="Courier New" panose="02070309020205020404" pitchFamily="49" charset="0"/>
+                <a:cs typeface="Courier New" panose="02070309020205020404" pitchFamily="49" charset="0"/>
+              </a:rPr>
+              <a:t>,</a:t>
+            </a:r>
+            <a:r>
+              <a:rPr lang="zh-TW" altLang="en-US" sz="1900" dirty="0">
+                <a:effectLst/>
+                <a:latin typeface="Courier New" panose="02070309020205020404" pitchFamily="49" charset="0"/>
+                <a:cs typeface="Courier New" panose="02070309020205020404" pitchFamily="49" charset="0"/>
+              </a:rPr>
+              <a:t>可用以下的方法</a:t>
             </a:r>
             <a:br>
-              <a:rPr lang="en-US" altLang="zh-TW" dirty="0">
+              <a:rPr lang="en-US" altLang="zh-TW" sz="1900" dirty="0">
                 <a:effectLst/>
                 <a:latin typeface="Courier New" panose="02070309020205020404" pitchFamily="49" charset="0"/>
                 <a:cs typeface="Courier New" panose="02070309020205020404" pitchFamily="49" charset="0"/>
               </a:rPr>
             </a:br>
             <a:r>
-              <a:rPr lang="en-US" altLang="zh-TW" dirty="0">
-                <a:effectLst/>
-                <a:latin typeface="Courier New" panose="02070309020205020404" pitchFamily="49" charset="0"/>
-                <a:cs typeface="Courier New" panose="02070309020205020404" pitchFamily="49" charset="0"/>
-              </a:rPr>
-              <a:t>void f(</a:t>
-            </a:r>
-            <a:r>
-              <a:rPr lang="en-US" altLang="zh-TW" dirty="0" err="1">
-                <a:effectLst/>
-                <a:latin typeface="Courier New" panose="02070309020205020404" pitchFamily="49" charset="0"/>
-                <a:cs typeface="Courier New" panose="02070309020205020404" pitchFamily="49" charset="0"/>
-              </a:rPr>
-              <a:t>shared_ptr</a:t>
-            </a:r>
-            <a:r>
-              <a:rPr lang="en-US" altLang="zh-TW" dirty="0">
-                <a:effectLst/>
-                <a:latin typeface="Courier New" panose="02070309020205020404" pitchFamily="49" charset="0"/>
-                <a:cs typeface="Courier New" panose="02070309020205020404" pitchFamily="49" charset="0"/>
-              </a:rPr>
-              <a:t>&lt;widget&gt;&amp;);       // </a:t>
-            </a:r>
-            <a:r>
-              <a:rPr lang="zh-TW" altLang="en-US" dirty="0">
-                <a:effectLst/>
-                <a:latin typeface="Courier New" panose="02070309020205020404" pitchFamily="49" charset="0"/>
-                <a:cs typeface="Courier New" panose="02070309020205020404" pitchFamily="49" charset="0"/>
-              </a:rPr>
-              <a:t>有可能變更呼叫者成新的</a:t>
-            </a:r>
-            <a:r>
-              <a:rPr lang="en-US" altLang="zh-TW" dirty="0">
-                <a:effectLst/>
-                <a:latin typeface="Courier New" panose="02070309020205020404" pitchFamily="49" charset="0"/>
-                <a:cs typeface="Courier New" panose="02070309020205020404" pitchFamily="49" charset="0"/>
-              </a:rPr>
-              <a:t>widget</a:t>
+              <a:rPr lang="en-US" altLang="zh-TW" sz="1900" dirty="0">
+                <a:effectLst/>
+                <a:latin typeface="Courier New" panose="02070309020205020404" pitchFamily="49" charset="0"/>
+                <a:cs typeface="Courier New" panose="02070309020205020404" pitchFamily="49" charset="0"/>
+              </a:rPr>
+              <a:t>void f(widget*);</a:t>
             </a:r>
             <a:br>
-              <a:rPr lang="en-US" altLang="zh-TW" dirty="0">
+              <a:rPr lang="en-US" altLang="zh-TW" sz="1900" dirty="0">
                 <a:effectLst/>
                 <a:latin typeface="Courier New" panose="02070309020205020404" pitchFamily="49" charset="0"/>
                 <a:cs typeface="Courier New" panose="02070309020205020404" pitchFamily="49" charset="0"/>
               </a:rPr>
             </a:br>
             <a:r>
-              <a:rPr lang="en-US" altLang="zh-TW" strike="sngStrike" dirty="0">
-                <a:effectLst/>
-                <a:latin typeface="Courier New" panose="02070309020205020404" pitchFamily="49" charset="0"/>
-                <a:cs typeface="Courier New" panose="02070309020205020404" pitchFamily="49" charset="0"/>
-              </a:rPr>
-              <a:t>void f(const </a:t>
-            </a:r>
-            <a:r>
-              <a:rPr lang="en-US" altLang="zh-TW" strike="sngStrike" dirty="0" err="1">
-                <a:effectLst/>
-                <a:latin typeface="Courier New" panose="02070309020205020404" pitchFamily="49" charset="0"/>
-                <a:cs typeface="Courier New" panose="02070309020205020404" pitchFamily="49" charset="0"/>
-              </a:rPr>
-              <a:t>shared_ptr</a:t>
-            </a:r>
-            <a:r>
-              <a:rPr lang="en-US" altLang="zh-TW" strike="sngStrike" dirty="0">
-                <a:effectLst/>
-                <a:latin typeface="Courier New" panose="02070309020205020404" pitchFamily="49" charset="0"/>
-                <a:cs typeface="Courier New" panose="02070309020205020404" pitchFamily="49" charset="0"/>
-              </a:rPr>
-              <a:t>&lt;widget&gt;&amp;); // </a:t>
-            </a:r>
-            <a:r>
-              <a:rPr lang="zh-TW" altLang="en-US" strike="sngStrike" dirty="0">
-                <a:effectLst/>
-                <a:latin typeface="Courier New" panose="02070309020205020404" pitchFamily="49" charset="0"/>
-                <a:cs typeface="Courier New" panose="02070309020205020404" pitchFamily="49" charset="0"/>
-              </a:rPr>
-              <a:t>有可能從呼叫者分享</a:t>
-            </a:r>
-            <a:r>
-              <a:rPr lang="en-US" altLang="zh-TW" strike="sngStrike" dirty="0">
-                <a:effectLst/>
-                <a:latin typeface="Courier New" panose="02070309020205020404" pitchFamily="49" charset="0"/>
-                <a:cs typeface="Courier New" panose="02070309020205020404" pitchFamily="49" charset="0"/>
-              </a:rPr>
-              <a:t>widget</a:t>
-            </a:r>
-            <a:r>
-              <a:rPr lang="zh-TW" altLang="en-US" strike="sngStrike" dirty="0">
-                <a:effectLst/>
-                <a:latin typeface="Courier New" panose="02070309020205020404" pitchFamily="49" charset="0"/>
-                <a:cs typeface="Courier New" panose="02070309020205020404" pitchFamily="49" charset="0"/>
-              </a:rPr>
-              <a:t>的擁有權</a:t>
-            </a:r>
-            <a:endParaRPr lang="en-US" altLang="zh-TW" strike="sngStrike" dirty="0">
-              <a:effectLst/>
-              <a:latin typeface="Courier New" panose="02070309020205020404" pitchFamily="49" charset="0"/>
-              <a:cs typeface="Courier New" panose="02070309020205020404" pitchFamily="49" charset="0"/>
-            </a:endParaRPr>
+              <a:rPr lang="en-US" altLang="zh-TW" sz="1900" dirty="0">
+                <a:effectLst/>
+                <a:latin typeface="Courier New" panose="02070309020205020404" pitchFamily="49" charset="0"/>
+                <a:cs typeface="Courier New" panose="02070309020205020404" pitchFamily="49" charset="0"/>
+              </a:rPr>
+              <a:t>void f(widget&amp;);</a:t>
+            </a:r>
           </a:p>
           <a:p>
             <a:pPr marL="342900" indent="-342900" algn="l">
@@ -10760,13 +11305,180 @@
                 <a:spcPts val="0"/>
               </a:spcBef>
               <a:spcAft>
-                <a:spcPts val="300"/>
+                <a:spcPts val="0"/>
               </a:spcAft>
               <a:buFont typeface="Arial" panose="020B0604020202020204" pitchFamily="34" charset="0"/>
               <a:buChar char="•"/>
             </a:pPr>
             <a:r>
-              <a:rPr lang="zh-TW" altLang="en-US" dirty="0">
+              <a:rPr lang="en-US" altLang="zh-TW" sz="1900" dirty="0">
+                <a:effectLst/>
+                <a:latin typeface="Courier New" panose="02070309020205020404" pitchFamily="49" charset="0"/>
+                <a:cs typeface="Courier New" panose="02070309020205020404" pitchFamily="49" charset="0"/>
+              </a:rPr>
+              <a:t>void f(</a:t>
+            </a:r>
+            <a:r>
+              <a:rPr lang="en-US" altLang="zh-TW" sz="1900" dirty="0" err="1">
+                <a:effectLst/>
+                <a:latin typeface="Courier New" panose="02070309020205020404" pitchFamily="49" charset="0"/>
+                <a:cs typeface="Courier New" panose="02070309020205020404" pitchFamily="49" charset="0"/>
+              </a:rPr>
+              <a:t>shared_ptr</a:t>
+            </a:r>
+            <a:r>
+              <a:rPr lang="en-US" altLang="zh-TW" sz="1900" dirty="0">
+                <a:effectLst/>
+                <a:latin typeface="Courier New" panose="02070309020205020404" pitchFamily="49" charset="0"/>
+                <a:cs typeface="Courier New" panose="02070309020205020404" pitchFamily="49" charset="0"/>
+              </a:rPr>
+              <a:t>&lt;widget&gt;);        // </a:t>
+            </a:r>
+            <a:r>
+              <a:rPr lang="zh-TW" altLang="en-US" sz="1900" dirty="0">
+                <a:effectLst/>
+                <a:latin typeface="Courier New" panose="02070309020205020404" pitchFamily="49" charset="0"/>
+                <a:cs typeface="Courier New" panose="02070309020205020404" pitchFamily="49" charset="0"/>
+              </a:rPr>
+              <a:t>從呼叫者分享</a:t>
+            </a:r>
+            <a:r>
+              <a:rPr lang="en-US" altLang="zh-TW" sz="1900" dirty="0">
+                <a:effectLst/>
+                <a:latin typeface="Courier New" panose="02070309020205020404" pitchFamily="49" charset="0"/>
+                <a:cs typeface="Courier New" panose="02070309020205020404" pitchFamily="49" charset="0"/>
+              </a:rPr>
+              <a:t>widget</a:t>
+            </a:r>
+            <a:r>
+              <a:rPr lang="zh-TW" altLang="en-US" sz="1900" dirty="0">
+                <a:effectLst/>
+                <a:latin typeface="Courier New" panose="02070309020205020404" pitchFamily="49" charset="0"/>
+                <a:cs typeface="Courier New" panose="02070309020205020404" pitchFamily="49" charset="0"/>
+              </a:rPr>
+              <a:t>的擁有權</a:t>
+            </a:r>
+            <a:br>
+              <a:rPr lang="en-US" altLang="zh-TW" sz="1900" dirty="0">
+                <a:effectLst/>
+                <a:latin typeface="Courier New" panose="02070309020205020404" pitchFamily="49" charset="0"/>
+                <a:cs typeface="Courier New" panose="02070309020205020404" pitchFamily="49" charset="0"/>
+              </a:rPr>
+            </a:br>
+            <a:r>
+              <a:rPr lang="en-US" altLang="zh-TW" sz="1900" dirty="0">
+                <a:effectLst/>
+                <a:latin typeface="Courier New" panose="02070309020205020404" pitchFamily="49" charset="0"/>
+                <a:cs typeface="Courier New" panose="02070309020205020404" pitchFamily="49" charset="0"/>
+              </a:rPr>
+              <a:t>void f(</a:t>
+            </a:r>
+            <a:r>
+              <a:rPr lang="en-US" altLang="zh-TW" sz="1900" dirty="0" err="1">
+                <a:effectLst/>
+                <a:latin typeface="Courier New" panose="02070309020205020404" pitchFamily="49" charset="0"/>
+                <a:cs typeface="Courier New" panose="02070309020205020404" pitchFamily="49" charset="0"/>
+              </a:rPr>
+              <a:t>shared_ptr</a:t>
+            </a:r>
+            <a:r>
+              <a:rPr lang="en-US" altLang="zh-TW" sz="1900" dirty="0">
+                <a:effectLst/>
+                <a:latin typeface="Courier New" panose="02070309020205020404" pitchFamily="49" charset="0"/>
+                <a:cs typeface="Courier New" panose="02070309020205020404" pitchFamily="49" charset="0"/>
+              </a:rPr>
+              <a:t>&lt;widget&gt;&amp;);       // </a:t>
+            </a:r>
+            <a:r>
+              <a:rPr lang="zh-TW" altLang="en-US" sz="1900" dirty="0">
+                <a:effectLst/>
+                <a:latin typeface="Courier New" panose="02070309020205020404" pitchFamily="49" charset="0"/>
+                <a:cs typeface="Courier New" panose="02070309020205020404" pitchFamily="49" charset="0"/>
+              </a:rPr>
+              <a:t>有可能變更呼叫者成新的</a:t>
+            </a:r>
+            <a:r>
+              <a:rPr lang="en-US" altLang="zh-TW" sz="1900" dirty="0">
+                <a:effectLst/>
+                <a:latin typeface="Courier New" panose="02070309020205020404" pitchFamily="49" charset="0"/>
+                <a:cs typeface="Courier New" panose="02070309020205020404" pitchFamily="49" charset="0"/>
+              </a:rPr>
+              <a:t>widget</a:t>
+            </a:r>
+            <a:br>
+              <a:rPr lang="en-US" altLang="zh-TW" sz="1900" dirty="0">
+                <a:effectLst/>
+                <a:latin typeface="Courier New" panose="02070309020205020404" pitchFamily="49" charset="0"/>
+                <a:cs typeface="Courier New" panose="02070309020205020404" pitchFamily="49" charset="0"/>
+              </a:rPr>
+            </a:br>
+            <a:r>
+              <a:rPr lang="en-US" altLang="zh-TW" sz="1900" strike="sngStrike" dirty="0">
+                <a:effectLst/>
+                <a:latin typeface="Courier New" panose="02070309020205020404" pitchFamily="49" charset="0"/>
+                <a:cs typeface="Courier New" panose="02070309020205020404" pitchFamily="49" charset="0"/>
+              </a:rPr>
+              <a:t>void f(const </a:t>
+            </a:r>
+            <a:r>
+              <a:rPr lang="en-US" altLang="zh-TW" sz="1900" strike="sngStrike" dirty="0" err="1">
+                <a:effectLst/>
+                <a:latin typeface="Courier New" panose="02070309020205020404" pitchFamily="49" charset="0"/>
+                <a:cs typeface="Courier New" panose="02070309020205020404" pitchFamily="49" charset="0"/>
+              </a:rPr>
+              <a:t>shared_ptr</a:t>
+            </a:r>
+            <a:r>
+              <a:rPr lang="en-US" altLang="zh-TW" sz="1900" strike="sngStrike" dirty="0">
+                <a:effectLst/>
+                <a:latin typeface="Courier New" panose="02070309020205020404" pitchFamily="49" charset="0"/>
+                <a:cs typeface="Courier New" panose="02070309020205020404" pitchFamily="49" charset="0"/>
+              </a:rPr>
+              <a:t>&lt;widget&gt;&amp;); // </a:t>
+            </a:r>
+            <a:r>
+              <a:rPr lang="zh-TW" altLang="en-US" sz="1900" strike="sngStrike" dirty="0">
+                <a:effectLst/>
+                <a:latin typeface="Courier New" panose="02070309020205020404" pitchFamily="49" charset="0"/>
+                <a:cs typeface="Courier New" panose="02070309020205020404" pitchFamily="49" charset="0"/>
+              </a:rPr>
+              <a:t>有可能從呼叫者分享</a:t>
+            </a:r>
+            <a:r>
+              <a:rPr lang="en-US" altLang="zh-TW" sz="1900" strike="sngStrike" dirty="0">
+                <a:effectLst/>
+                <a:latin typeface="Courier New" panose="02070309020205020404" pitchFamily="49" charset="0"/>
+                <a:cs typeface="Courier New" panose="02070309020205020404" pitchFamily="49" charset="0"/>
+              </a:rPr>
+              <a:t>widget</a:t>
+            </a:r>
+            <a:r>
+              <a:rPr lang="zh-TW" altLang="en-US" sz="1900" strike="sngStrike" dirty="0">
+                <a:effectLst/>
+                <a:latin typeface="Courier New" panose="02070309020205020404" pitchFamily="49" charset="0"/>
+                <a:cs typeface="Courier New" panose="02070309020205020404" pitchFamily="49" charset="0"/>
+              </a:rPr>
+              <a:t>的擁有權</a:t>
+            </a:r>
+            <a:endParaRPr lang="en-US" altLang="zh-TW" sz="1900" strike="sngStrike" dirty="0">
+              <a:effectLst/>
+              <a:latin typeface="Courier New" panose="02070309020205020404" pitchFamily="49" charset="0"/>
+              <a:cs typeface="Courier New" panose="02070309020205020404" pitchFamily="49" charset="0"/>
+            </a:endParaRPr>
+          </a:p>
+          <a:p>
+            <a:pPr marL="342900" indent="-342900" algn="l">
+              <a:spcBef>
+                <a:spcPts val="0"/>
+              </a:spcBef>
+              <a:spcAft>
+                <a:spcPts val="0"/>
+              </a:spcAft>
+              <a:buFont typeface="Arial" panose="020B0604020202020204" pitchFamily="34" charset="0"/>
+              <a:buChar char="•"/>
+            </a:pPr>
+            <a:r>
+              <a:rPr lang="zh-TW" altLang="en-US" sz="1900" dirty="0">
                 <a:effectLst/>
                 <a:latin typeface="Courier New" panose="02070309020205020404" pitchFamily="49" charset="0"/>
                 <a:cs typeface="Courier New" panose="02070309020205020404" pitchFamily="49" charset="0"/>
@@ -10774,7 +11486,7 @@
               <a:t>如何操作成員</a:t>
             </a:r>
             <a:r>
-              <a:rPr lang="en-US" altLang="zh-TW" dirty="0">
+              <a:rPr lang="en-US" altLang="zh-TW" sz="1900" dirty="0">
                 <a:effectLst/>
                 <a:latin typeface="Courier New" panose="02070309020205020404" pitchFamily="49" charset="0"/>
                 <a:cs typeface="Courier New" panose="02070309020205020404" pitchFamily="49" charset="0"/>
@@ -10782,7 +11494,7 @@
               <a:t>(member data):</a:t>
             </a:r>
             <a:r>
-              <a:rPr lang="en-US" altLang="zh-TW" dirty="0" err="1">
+              <a:rPr lang="en-US" altLang="zh-TW" sz="1900" dirty="0" err="1">
                 <a:effectLst/>
                 <a:latin typeface="Courier New" panose="02070309020205020404" pitchFamily="49" charset="0"/>
                 <a:cs typeface="Courier New" panose="02070309020205020404" pitchFamily="49" charset="0"/>
@@ -10790,7 +11502,7 @@
               <a:t>m_shared_ptr</a:t>
             </a:r>
             <a:r>
-              <a:rPr lang="en-US" altLang="zh-TW" dirty="0">
+              <a:rPr lang="en-US" altLang="zh-TW" sz="1900" dirty="0">
                 <a:effectLst/>
                 <a:latin typeface="Courier New" panose="02070309020205020404" pitchFamily="49" charset="0"/>
                 <a:cs typeface="Courier New" panose="02070309020205020404" pitchFamily="49" charset="0"/>
@@ -10798,14 +11510,14 @@
               <a:t>?</a:t>
             </a:r>
             <a:br>
-              <a:rPr lang="en-US" altLang="zh-TW" dirty="0">
+              <a:rPr lang="en-US" altLang="zh-TW" sz="1900" dirty="0">
                 <a:effectLst/>
                 <a:latin typeface="Courier New" panose="02070309020205020404" pitchFamily="49" charset="0"/>
                 <a:cs typeface="Courier New" panose="02070309020205020404" pitchFamily="49" charset="0"/>
               </a:rPr>
             </a:br>
             <a:r>
-              <a:rPr lang="zh-TW" altLang="en-US" dirty="0">
+              <a:rPr lang="zh-TW" altLang="en-US" sz="1900" dirty="0">
                 <a:effectLst/>
                 <a:latin typeface="Courier New" panose="02070309020205020404" pitchFamily="49" charset="0"/>
                 <a:cs typeface="Courier New" panose="02070309020205020404" pitchFamily="49" charset="0"/>
@@ -10813,7 +11525,7 @@
               <a:t>重要的是職責分配</a:t>
             </a:r>
             <a:r>
-              <a:rPr lang="en-US" altLang="zh-TW" dirty="0">
+              <a:rPr lang="en-US" altLang="zh-TW" sz="1900" dirty="0">
                 <a:effectLst/>
                 <a:latin typeface="Courier New" panose="02070309020205020404" pitchFamily="49" charset="0"/>
                 <a:cs typeface="Courier New" panose="02070309020205020404" pitchFamily="49" charset="0"/>
@@ -10821,7 +11533,7 @@
               <a:t>,</a:t>
             </a:r>
             <a:r>
-              <a:rPr lang="zh-TW" altLang="en-US" dirty="0">
+              <a:rPr lang="zh-TW" altLang="en-US" sz="1900" dirty="0">
                 <a:effectLst/>
                 <a:latin typeface="Courier New" panose="02070309020205020404" pitchFamily="49" charset="0"/>
                 <a:cs typeface="Courier New" panose="02070309020205020404" pitchFamily="49" charset="0"/>
@@ -10829,7 +11541,7 @@
               <a:t>盡量在</a:t>
             </a:r>
             <a:r>
-              <a:rPr lang="zh-TW" altLang="en-US" b="1" dirty="0">
+              <a:rPr lang="zh-TW" altLang="en-US" sz="1900" b="1" dirty="0">
                 <a:solidFill>
                   <a:srgbClr val="00B0F0"/>
                 </a:solidFill>
@@ -10840,7 +11552,7 @@
               <a:t>一個點</a:t>
             </a:r>
             <a:r>
-              <a:rPr lang="zh-TW" altLang="en-US" dirty="0">
+              <a:rPr lang="zh-TW" altLang="en-US" sz="1900" dirty="0">
                 <a:effectLst/>
                 <a:latin typeface="Courier New" panose="02070309020205020404" pitchFamily="49" charset="0"/>
                 <a:cs typeface="Courier New" panose="02070309020205020404" pitchFamily="49" charset="0"/>
@@ -10848,7 +11560,7 @@
               <a:t>把</a:t>
             </a:r>
             <a:r>
-              <a:rPr lang="en-US" altLang="zh-TW" dirty="0" err="1">
+              <a:rPr lang="en-US" altLang="zh-TW" sz="1900" dirty="0" err="1">
                 <a:effectLst/>
                 <a:latin typeface="Courier New" panose="02070309020205020404" pitchFamily="49" charset="0"/>
                 <a:cs typeface="Courier New" panose="02070309020205020404" pitchFamily="49" charset="0"/>
@@ -10856,7 +11568,7 @@
               <a:t>m_shared_ptr</a:t>
             </a:r>
             <a:r>
-              <a:rPr lang="zh-TW" altLang="en-US" dirty="0">
+              <a:rPr lang="zh-TW" altLang="en-US" sz="1900" dirty="0">
                 <a:effectLst/>
                 <a:latin typeface="Courier New" panose="02070309020205020404" pitchFamily="49" charset="0"/>
                 <a:cs typeface="Courier New" panose="02070309020205020404" pitchFamily="49" charset="0"/>
@@ -10864,14 +11576,14 @@
               <a:t>的職責完全分配出去。</a:t>
             </a:r>
             <a:br>
-              <a:rPr lang="en-US" altLang="zh-TW" dirty="0">
+              <a:rPr lang="en-US" altLang="zh-TW" sz="1900" dirty="0">
                 <a:effectLst/>
                 <a:latin typeface="Courier New" panose="02070309020205020404" pitchFamily="49" charset="0"/>
                 <a:cs typeface="Courier New" panose="02070309020205020404" pitchFamily="49" charset="0"/>
               </a:rPr>
             </a:br>
             <a:r>
-              <a:rPr lang="zh-TW" altLang="en-US" dirty="0">
+              <a:rPr lang="zh-TW" altLang="en-US" sz="1900" dirty="0">
                 <a:effectLst/>
                 <a:latin typeface="Courier New" panose="02070309020205020404" pitchFamily="49" charset="0"/>
                 <a:cs typeface="Courier New" panose="02070309020205020404" pitchFamily="49" charset="0"/>
@@ -10879,7 +11591,7 @@
               <a:t>例如</a:t>
             </a:r>
             <a:r>
-              <a:rPr lang="en-US" altLang="zh-TW" dirty="0" err="1">
+              <a:rPr lang="en-US" altLang="zh-TW" sz="1900" dirty="0" err="1">
                 <a:effectLst/>
                 <a:latin typeface="Courier New" panose="02070309020205020404" pitchFamily="49" charset="0"/>
                 <a:cs typeface="Courier New" panose="02070309020205020404" pitchFamily="49" charset="0"/>
@@ -10887,7 +11599,7 @@
               <a:t>m_shared_ptr</a:t>
             </a:r>
             <a:r>
-              <a:rPr lang="zh-TW" altLang="en-US" dirty="0">
+              <a:rPr lang="zh-TW" altLang="en-US" sz="1900" dirty="0">
                 <a:effectLst/>
                 <a:latin typeface="Courier New" panose="02070309020205020404" pitchFamily="49" charset="0"/>
                 <a:cs typeface="Courier New" panose="02070309020205020404" pitchFamily="49" charset="0"/>
@@ -10895,7 +11607,7 @@
               <a:t>只需要被四個</a:t>
             </a:r>
             <a:r>
-              <a:rPr lang="en-US" altLang="zh-TW" dirty="0">
+              <a:rPr lang="en-US" altLang="zh-TW" sz="1900" dirty="0">
                 <a:effectLst/>
                 <a:latin typeface="Courier New" panose="02070309020205020404" pitchFamily="49" charset="0"/>
                 <a:cs typeface="Courier New" panose="02070309020205020404" pitchFamily="49" charset="0"/>
@@ -10903,7 +11615,7 @@
               <a:t>thread access</a:t>
             </a:r>
             <a:r>
-              <a:rPr lang="zh-TW" altLang="en-US" dirty="0">
+              <a:rPr lang="zh-TW" altLang="en-US" sz="1900" dirty="0">
                 <a:effectLst/>
                 <a:latin typeface="Courier New" panose="02070309020205020404" pitchFamily="49" charset="0"/>
                 <a:cs typeface="Courier New" panose="02070309020205020404" pitchFamily="49" charset="0"/>
@@ -10911,7 +11623,7 @@
               <a:t>。我們可以先將</a:t>
             </a:r>
             <a:r>
-              <a:rPr lang="en-US" altLang="zh-TW" dirty="0" err="1">
+              <a:rPr lang="en-US" altLang="zh-TW" sz="1900" dirty="0" err="1">
                 <a:effectLst/>
                 <a:latin typeface="Courier New" panose="02070309020205020404" pitchFamily="49" charset="0"/>
                 <a:cs typeface="Courier New" panose="02070309020205020404" pitchFamily="49" charset="0"/>
@@ -10919,7 +11631,7 @@
               <a:t>m_shared_ptr</a:t>
             </a:r>
             <a:r>
-              <a:rPr lang="zh-TW" altLang="en-US" dirty="0">
+              <a:rPr lang="zh-TW" altLang="en-US" sz="1900" dirty="0">
                 <a:effectLst/>
                 <a:latin typeface="Courier New" panose="02070309020205020404" pitchFamily="49" charset="0"/>
                 <a:cs typeface="Courier New" panose="02070309020205020404" pitchFamily="49" charset="0"/>
@@ -10927,7 +11639,7 @@
               <a:t> </a:t>
             </a:r>
             <a:r>
-              <a:rPr lang="en-US" altLang="zh-TW" dirty="0">
+              <a:rPr lang="en-US" altLang="zh-TW" sz="1900" dirty="0">
                 <a:effectLst/>
                 <a:latin typeface="Courier New" panose="02070309020205020404" pitchFamily="49" charset="0"/>
                 <a:cs typeface="Courier New" panose="02070309020205020404" pitchFamily="49" charset="0"/>
@@ -10935,7 +11647,7 @@
               <a:t>assign</a:t>
             </a:r>
             <a:r>
-              <a:rPr lang="zh-TW" altLang="en-US" dirty="0">
+              <a:rPr lang="zh-TW" altLang="en-US" sz="1900" dirty="0">
                 <a:effectLst/>
                 <a:latin typeface="Courier New" panose="02070309020205020404" pitchFamily="49" charset="0"/>
                 <a:cs typeface="Courier New" panose="02070309020205020404" pitchFamily="49" charset="0"/>
@@ -10943,7 +11655,7 @@
               <a:t>給一個</a:t>
             </a:r>
             <a:r>
-              <a:rPr lang="en-US" altLang="zh-TW" dirty="0">
+              <a:rPr lang="en-US" altLang="zh-TW" sz="1900" dirty="0">
                 <a:effectLst/>
                 <a:latin typeface="Courier New" panose="02070309020205020404" pitchFamily="49" charset="0"/>
                 <a:cs typeface="Courier New" panose="02070309020205020404" pitchFamily="49" charset="0"/>
@@ -10951,7 +11663,7 @@
               <a:t>local variable,</a:t>
             </a:r>
             <a:r>
-              <a:rPr lang="zh-TW" altLang="en-US" dirty="0">
+              <a:rPr lang="zh-TW" altLang="en-US" sz="1900" dirty="0">
                 <a:effectLst/>
                 <a:latin typeface="Courier New" panose="02070309020205020404" pitchFamily="49" charset="0"/>
                 <a:cs typeface="Courier New" panose="02070309020205020404" pitchFamily="49" charset="0"/>
@@ -10959,7 +11671,7 @@
               <a:t>如此</a:t>
             </a:r>
             <a:r>
-              <a:rPr lang="en-US" altLang="zh-TW" dirty="0" err="1">
+              <a:rPr lang="en-US" altLang="zh-TW" sz="1900" dirty="0" err="1">
                 <a:effectLst/>
                 <a:latin typeface="Courier New" panose="02070309020205020404" pitchFamily="49" charset="0"/>
                 <a:cs typeface="Courier New" panose="02070309020205020404" pitchFamily="49" charset="0"/>
@@ -10967,7 +11679,7 @@
               <a:t>m_shared_ptr</a:t>
             </a:r>
             <a:r>
-              <a:rPr lang="zh-TW" altLang="en-US" dirty="0">
+              <a:rPr lang="zh-TW" altLang="en-US" sz="1900" dirty="0">
                 <a:effectLst/>
                 <a:latin typeface="Courier New" panose="02070309020205020404" pitchFamily="49" charset="0"/>
                 <a:cs typeface="Courier New" panose="02070309020205020404" pitchFamily="49" charset="0"/>
@@ -10975,7 +11687,7 @@
               <a:t>的職責就結束了。此</a:t>
             </a:r>
             <a:r>
-              <a:rPr lang="en-US" altLang="zh-TW" dirty="0">
+              <a:rPr lang="en-US" altLang="zh-TW" sz="1900" dirty="0">
                 <a:effectLst/>
                 <a:latin typeface="Courier New" panose="02070309020205020404" pitchFamily="49" charset="0"/>
                 <a:cs typeface="Courier New" panose="02070309020205020404" pitchFamily="49" charset="0"/>
@@ -10983,7 +11695,7 @@
               <a:t>local variable</a:t>
             </a:r>
             <a:r>
-              <a:rPr lang="zh-TW" altLang="en-US" dirty="0">
+              <a:rPr lang="zh-TW" altLang="en-US" sz="1900" dirty="0">
                 <a:effectLst/>
                 <a:latin typeface="Courier New" panose="02070309020205020404" pitchFamily="49" charset="0"/>
                 <a:cs typeface="Courier New" panose="02070309020205020404" pitchFamily="49" charset="0"/>
@@ -10991,7 +11703,7 @@
               <a:t>再</a:t>
             </a:r>
             <a:r>
-              <a:rPr lang="en-US" altLang="zh-TW" dirty="0">
+              <a:rPr lang="en-US" altLang="zh-TW" sz="1900" dirty="0">
                 <a:effectLst/>
                 <a:latin typeface="Courier New" panose="02070309020205020404" pitchFamily="49" charset="0"/>
                 <a:cs typeface="Courier New" panose="02070309020205020404" pitchFamily="49" charset="0"/>
@@ -10999,7 +11711,7 @@
               <a:t>copy</a:t>
             </a:r>
             <a:r>
-              <a:rPr lang="zh-TW" altLang="en-US" dirty="0">
+              <a:rPr lang="zh-TW" altLang="en-US" sz="1900" dirty="0">
                 <a:effectLst/>
                 <a:latin typeface="Courier New" panose="02070309020205020404" pitchFamily="49" charset="0"/>
                 <a:cs typeface="Courier New" panose="02070309020205020404" pitchFamily="49" charset="0"/>
@@ -11007,7 +11719,7 @@
               <a:t>給四個</a:t>
             </a:r>
             <a:r>
-              <a:rPr lang="en-US" altLang="zh-TW" dirty="0">
+              <a:rPr lang="en-US" altLang="zh-TW" sz="1900" dirty="0">
                 <a:effectLst/>
                 <a:latin typeface="Courier New" panose="02070309020205020404" pitchFamily="49" charset="0"/>
                 <a:cs typeface="Courier New" panose="02070309020205020404" pitchFamily="49" charset="0"/>
@@ -11015,7 +11727,7 @@
               <a:t>thread</a:t>
             </a:r>
             <a:r>
-              <a:rPr lang="zh-TW" altLang="en-US" dirty="0">
+              <a:rPr lang="zh-TW" altLang="en-US" sz="1900" dirty="0">
                 <a:effectLst/>
                 <a:latin typeface="Courier New" panose="02070309020205020404" pitchFamily="49" charset="0"/>
                 <a:cs typeface="Courier New" panose="02070309020205020404" pitchFamily="49" charset="0"/>
@@ -11023,7 +11735,7 @@
               <a:t>。千萬不要直接把</a:t>
             </a:r>
             <a:r>
-              <a:rPr lang="en-US" altLang="zh-TW" dirty="0" err="1">
+              <a:rPr lang="en-US" altLang="zh-TW" sz="1900" dirty="0" err="1">
                 <a:effectLst/>
                 <a:latin typeface="Courier New" panose="02070309020205020404" pitchFamily="49" charset="0"/>
                 <a:cs typeface="Courier New" panose="02070309020205020404" pitchFamily="49" charset="0"/>
@@ -11031,7 +11743,7 @@
               <a:t>m_shared_ptr</a:t>
             </a:r>
             <a:r>
-              <a:rPr lang="zh-TW" altLang="en-US" dirty="0">
+              <a:rPr lang="zh-TW" altLang="en-US" sz="1900" dirty="0">
                 <a:effectLst/>
                 <a:latin typeface="Courier New" panose="02070309020205020404" pitchFamily="49" charset="0"/>
                 <a:cs typeface="Courier New" panose="02070309020205020404" pitchFamily="49" charset="0"/>
@@ -11039,7 +11751,7 @@
               <a:t>分四次給四個</a:t>
             </a:r>
             <a:r>
-              <a:rPr lang="en-US" altLang="zh-TW" dirty="0">
+              <a:rPr lang="en-US" altLang="zh-TW" sz="1900" dirty="0">
                 <a:effectLst/>
                 <a:latin typeface="Courier New" panose="02070309020205020404" pitchFamily="49" charset="0"/>
                 <a:cs typeface="Courier New" panose="02070309020205020404" pitchFamily="49" charset="0"/>
@@ -11047,7 +11759,7 @@
               <a:t>thread,</a:t>
             </a:r>
             <a:r>
-              <a:rPr lang="zh-TW" altLang="en-US" dirty="0">
+              <a:rPr lang="zh-TW" altLang="en-US" sz="1900" dirty="0">
                 <a:effectLst/>
                 <a:latin typeface="Courier New" panose="02070309020205020404" pitchFamily="49" charset="0"/>
                 <a:cs typeface="Courier New" panose="02070309020205020404" pitchFamily="49" charset="0"/>
@@ -11055,7 +11767,7 @@
               <a:t>這樣就很難安全的使用</a:t>
             </a:r>
             <a:r>
-              <a:rPr lang="en-US" altLang="zh-TW" dirty="0" err="1">
+              <a:rPr lang="en-US" altLang="zh-TW" sz="1900" dirty="0" err="1">
                 <a:effectLst/>
                 <a:latin typeface="Courier New" panose="02070309020205020404" pitchFamily="49" charset="0"/>
                 <a:cs typeface="Courier New" panose="02070309020205020404" pitchFamily="49" charset="0"/>
@@ -11063,14 +11775,14 @@
               <a:t>m_shared_ptr</a:t>
             </a:r>
             <a:r>
-              <a:rPr lang="zh-TW" altLang="en-US" dirty="0">
+              <a:rPr lang="zh-TW" altLang="en-US" sz="1900" dirty="0">
                 <a:effectLst/>
                 <a:latin typeface="Courier New" panose="02070309020205020404" pitchFamily="49" charset="0"/>
                 <a:cs typeface="Courier New" panose="02070309020205020404" pitchFamily="49" charset="0"/>
               </a:rPr>
               <a:t>了。</a:t>
             </a:r>
-            <a:endParaRPr lang="en-US" altLang="zh-TW" dirty="0">
+            <a:endParaRPr lang="en-US" altLang="zh-TW" sz="1900" dirty="0">
               <a:effectLst/>
               <a:latin typeface="Courier New" panose="02070309020205020404" pitchFamily="49" charset="0"/>
               <a:cs typeface="Courier New" panose="02070309020205020404" pitchFamily="49" charset="0"/>
@@ -11172,13 +11884,106 @@
         </p:spPr>
         <p:txBody>
           <a:bodyPr>
-            <a:normAutofit fontScale="92500" lnSpcReduction="10000"/>
+            <a:noAutofit/>
           </a:bodyPr>
           <a:lstStyle/>
           <a:p>
-            <a:pPr algn="l"/>
-            <a:r>
-              <a:rPr lang="en-US" sz="1800" dirty="0">
+            <a:pPr algn="l">
+              <a:spcBef>
+                <a:spcPts val="0"/>
+              </a:spcBef>
+              <a:spcAft>
+                <a:spcPts val="0"/>
+              </a:spcAft>
+            </a:pPr>
+            <a:r>
+              <a:rPr lang="en-US" sz="1600" dirty="0">
+                <a:effectLst/>
+                <a:latin typeface="Courier New" panose="02070309020205020404" pitchFamily="49" charset="0"/>
+                <a:cs typeface="Courier New" panose="02070309020205020404" pitchFamily="49" charset="0"/>
+              </a:rPr>
+              <a:t>using byte = unsigned char;</a:t>
+            </a:r>
+          </a:p>
+          <a:p>
+            <a:pPr algn="l">
+              <a:spcBef>
+                <a:spcPts val="0"/>
+              </a:spcBef>
+              <a:spcAft>
+                <a:spcPts val="0"/>
+              </a:spcAft>
+            </a:pPr>
+            <a:r>
+              <a:rPr lang="en-US" sz="1600" dirty="0">
+                <a:effectLst/>
+                <a:latin typeface="Courier New" panose="02070309020205020404" pitchFamily="49" charset="0"/>
+                <a:cs typeface="Courier New" panose="02070309020205020404" pitchFamily="49" charset="0"/>
+              </a:rPr>
+              <a:t>std::</a:t>
+            </a:r>
+            <a:r>
+              <a:rPr lang="en-US" sz="1600" dirty="0" err="1">
+                <a:effectLst/>
+                <a:latin typeface="Courier New" panose="02070309020205020404" pitchFamily="49" charset="0"/>
+                <a:cs typeface="Courier New" panose="02070309020205020404" pitchFamily="49" charset="0"/>
+              </a:rPr>
+              <a:t>shared_ptr</a:t>
+            </a:r>
+            <a:r>
+              <a:rPr lang="en-US" sz="1600" dirty="0">
+                <a:effectLst/>
+                <a:latin typeface="Courier New" panose="02070309020205020404" pitchFamily="49" charset="0"/>
+                <a:cs typeface="Courier New" panose="02070309020205020404" pitchFamily="49" charset="0"/>
+              </a:rPr>
+              <a:t>&lt;byte[]&gt; </a:t>
+            </a:r>
+            <a:r>
+              <a:rPr lang="en-US" sz="1600" dirty="0" err="1">
+                <a:effectLst/>
+                <a:latin typeface="Courier New" panose="02070309020205020404" pitchFamily="49" charset="0"/>
+                <a:cs typeface="Courier New" panose="02070309020205020404" pitchFamily="49" charset="0"/>
+              </a:rPr>
+              <a:t>m_shared_ptr</a:t>
+            </a:r>
+            <a:r>
+              <a:rPr lang="en-US" sz="1600" dirty="0">
+                <a:effectLst/>
+                <a:latin typeface="Courier New" panose="02070309020205020404" pitchFamily="49" charset="0"/>
+                <a:cs typeface="Courier New" panose="02070309020205020404" pitchFamily="49" charset="0"/>
+              </a:rPr>
+              <a:t>;</a:t>
+            </a:r>
+          </a:p>
+          <a:p>
+            <a:pPr algn="l">
+              <a:spcBef>
+                <a:spcPts val="0"/>
+              </a:spcBef>
+              <a:spcAft>
+                <a:spcPts val="0"/>
+              </a:spcAft>
+            </a:pPr>
+            <a:r>
+              <a:rPr lang="en-US" sz="1600" dirty="0">
+                <a:effectLst/>
+                <a:latin typeface="Courier New" panose="02070309020205020404" pitchFamily="49" charset="0"/>
+                <a:cs typeface="Courier New" panose="02070309020205020404" pitchFamily="49" charset="0"/>
+              </a:rPr>
+              <a:t>    :</a:t>
+            </a:r>
+          </a:p>
+          <a:p>
+            <a:pPr algn="l">
+              <a:spcBef>
+                <a:spcPts val="0"/>
+              </a:spcBef>
+              <a:spcAft>
+                <a:spcPts val="0"/>
+              </a:spcAft>
+            </a:pPr>
+            <a:r>
+              <a:rPr lang="en-US" sz="1600" dirty="0">
                 <a:effectLst/>
                 <a:latin typeface="Courier New" panose="02070309020205020404" pitchFamily="49" charset="0"/>
                 <a:cs typeface="Courier New" panose="02070309020205020404" pitchFamily="49" charset="0"/>
@@ -11186,7 +11991,7 @@
               <a:t>auto </a:t>
             </a:r>
             <a:r>
-              <a:rPr lang="en-US" sz="1800" b="1" dirty="0" err="1">
+              <a:rPr lang="en-US" sz="1600" b="1" dirty="0" err="1">
                 <a:solidFill>
                   <a:srgbClr val="00B0F0"/>
                 </a:solidFill>
@@ -11197,7 +12002,7 @@
               <a:t>sptr</a:t>
             </a:r>
             <a:r>
-              <a:rPr lang="en-US" sz="1800" b="1" dirty="0">
+              <a:rPr lang="en-US" sz="1600" b="1" dirty="0">
                 <a:solidFill>
                   <a:srgbClr val="00B0F0"/>
                 </a:solidFill>
@@ -11208,7 +12013,7 @@
               <a:t> = </a:t>
             </a:r>
             <a:r>
-              <a:rPr lang="en-US" sz="1800" b="1" dirty="0" err="1">
+              <a:rPr lang="en-US" sz="1600" b="1" dirty="0" err="1">
                 <a:solidFill>
                   <a:srgbClr val="00B0F0"/>
                 </a:solidFill>
@@ -11219,7 +12024,7 @@
               <a:t>m_shared_ptr</a:t>
             </a:r>
             <a:r>
-              <a:rPr lang="en-US" sz="1800" dirty="0">
+              <a:rPr lang="en-US" sz="1600" dirty="0">
                 <a:effectLst/>
                 <a:latin typeface="Courier New" panose="02070309020205020404" pitchFamily="49" charset="0"/>
                 <a:cs typeface="Courier New" panose="02070309020205020404" pitchFamily="49" charset="0"/>
@@ -11227,7 +12032,7 @@
               <a:t>; // </a:t>
             </a:r>
             <a:r>
-              <a:rPr lang="en-US" sz="1800" dirty="0" err="1">
+              <a:rPr lang="en-US" sz="1600" dirty="0" err="1">
                 <a:effectLst/>
                 <a:latin typeface="Courier New" panose="02070309020205020404" pitchFamily="49" charset="0"/>
                 <a:cs typeface="Courier New" panose="02070309020205020404" pitchFamily="49" charset="0"/>
@@ -11235,7 +12040,7 @@
               <a:t>sptr</a:t>
             </a:r>
             <a:r>
-              <a:rPr lang="en-US" sz="1800" dirty="0">
+              <a:rPr lang="en-US" sz="1600" dirty="0">
                 <a:effectLst/>
                 <a:latin typeface="Courier New" panose="02070309020205020404" pitchFamily="49" charset="0"/>
                 <a:cs typeface="Courier New" panose="02070309020205020404" pitchFamily="49" charset="0"/>
@@ -11243,14 +12048,14 @@
               <a:t> responsible for dispatch to diff threads</a:t>
             </a:r>
             <a:br>
-              <a:rPr lang="en-US" sz="1800" dirty="0">
+              <a:rPr lang="en-US" sz="1600" dirty="0">
                 <a:effectLst/>
                 <a:latin typeface="Courier New" panose="02070309020205020404" pitchFamily="49" charset="0"/>
                 <a:cs typeface="Courier New" panose="02070309020205020404" pitchFamily="49" charset="0"/>
               </a:rPr>
             </a:br>
             <a:r>
-              <a:rPr lang="en-US" sz="1800" dirty="0">
+              <a:rPr lang="en-US" sz="1600" dirty="0">
                 <a:effectLst/>
                 <a:latin typeface="Courier New" panose="02070309020205020404" pitchFamily="49" charset="0"/>
                 <a:cs typeface="Courier New" panose="02070309020205020404" pitchFamily="49" charset="0"/>
@@ -11259,17 +12064,31 @@
             </a:r>
           </a:p>
           <a:p>
-            <a:pPr algn="l"/>
-            <a:endParaRPr lang="en-US" sz="1800" dirty="0">
+            <a:pPr algn="l">
+              <a:spcBef>
+                <a:spcPts val="0"/>
+              </a:spcBef>
+              <a:spcAft>
+                <a:spcPts val="0"/>
+              </a:spcAft>
+            </a:pPr>
+            <a:endParaRPr lang="en-US" sz="1600" dirty="0">
               <a:effectLst/>
               <a:latin typeface="Courier New" panose="02070309020205020404" pitchFamily="49" charset="0"/>
               <a:cs typeface="Courier New" panose="02070309020205020404" pitchFamily="49" charset="0"/>
             </a:endParaRPr>
           </a:p>
           <a:p>
-            <a:pPr algn="l"/>
-            <a:r>
-              <a:rPr lang="nn-NO" sz="1800" dirty="0">
+            <a:pPr algn="l">
+              <a:spcBef>
+                <a:spcPts val="0"/>
+              </a:spcBef>
+              <a:spcAft>
+                <a:spcPts val="0"/>
+              </a:spcAft>
+            </a:pPr>
+            <a:r>
+              <a:rPr lang="nn-NO" sz="1600" dirty="0">
                 <a:effectLst/>
                 <a:latin typeface="Courier New" panose="02070309020205020404" pitchFamily="49" charset="0"/>
                 <a:cs typeface="Courier New" panose="02070309020205020404" pitchFamily="49" charset="0"/>
@@ -11278,9 +12097,16 @@
             </a:r>
           </a:p>
           <a:p>
-            <a:pPr algn="l"/>
-            <a:r>
-              <a:rPr lang="en-US" sz="1800" dirty="0">
+            <a:pPr algn="l">
+              <a:spcBef>
+                <a:spcPts val="0"/>
+              </a:spcBef>
+              <a:spcAft>
+                <a:spcPts val="0"/>
+              </a:spcAft>
+            </a:pPr>
+            <a:r>
+              <a:rPr lang="en-US" sz="1600" dirty="0">
                 <a:effectLst/>
                 <a:latin typeface="Courier New" panose="02070309020205020404" pitchFamily="49" charset="0"/>
                 <a:cs typeface="Courier New" panose="02070309020205020404" pitchFamily="49" charset="0"/>
@@ -11289,9 +12115,16 @@
             </a:r>
           </a:p>
           <a:p>
-            <a:pPr algn="l"/>
-            <a:r>
-              <a:rPr lang="en-US" sz="1800" dirty="0">
+            <a:pPr algn="l">
+              <a:spcBef>
+                <a:spcPts val="0"/>
+              </a:spcBef>
+              <a:spcAft>
+                <a:spcPts val="0"/>
+              </a:spcAft>
+            </a:pPr>
+            <a:r>
+              <a:rPr lang="en-US" sz="1600" dirty="0">
                 <a:effectLst/>
                 <a:latin typeface="Courier New" panose="02070309020205020404" pitchFamily="49" charset="0"/>
                 <a:cs typeface="Courier New" panose="02070309020205020404" pitchFamily="49" charset="0"/>
@@ -11299,7 +12132,7 @@
               <a:t>    </a:t>
             </a:r>
             <a:r>
-              <a:rPr lang="en-US" sz="1800" dirty="0" err="1">
+              <a:rPr lang="en-US" sz="1600" dirty="0" err="1">
                 <a:effectLst/>
                 <a:latin typeface="Courier New" panose="02070309020205020404" pitchFamily="49" charset="0"/>
                 <a:cs typeface="Courier New" panose="02070309020205020404" pitchFamily="49" charset="0"/>
@@ -11307,7 +12140,7 @@
               <a:t>threads.push_back</a:t>
             </a:r>
             <a:r>
-              <a:rPr lang="en-US" sz="1800" dirty="0">
+              <a:rPr lang="en-US" sz="1600" dirty="0">
                 <a:effectLst/>
                 <a:latin typeface="Courier New" panose="02070309020205020404" pitchFamily="49" charset="0"/>
                 <a:cs typeface="Courier New" panose="02070309020205020404" pitchFamily="49" charset="0"/>
@@ -11315,7 +12148,7 @@
               <a:t>(std::thread([</a:t>
             </a:r>
             <a:r>
-              <a:rPr lang="en-US" sz="1800" b="1" dirty="0" err="1">
+              <a:rPr lang="en-US" sz="1600" b="1" dirty="0" err="1">
                 <a:solidFill>
                   <a:srgbClr val="00B0F0"/>
                 </a:solidFill>
@@ -11326,7 +12159,7 @@
               <a:t>sptr</a:t>
             </a:r>
             <a:r>
-              <a:rPr lang="en-US" sz="1800" dirty="0">
+              <a:rPr lang="en-US" sz="1600" dirty="0">
                 <a:effectLst/>
                 <a:latin typeface="Courier New" panose="02070309020205020404" pitchFamily="49" charset="0"/>
                 <a:cs typeface="Courier New" panose="02070309020205020404" pitchFamily="49" charset="0"/>
@@ -11335,9 +12168,16 @@
             </a:r>
           </a:p>
           <a:p>
-            <a:pPr algn="l"/>
-            <a:r>
-              <a:rPr lang="en-US" sz="1800" dirty="0">
+            <a:pPr algn="l">
+              <a:spcBef>
+                <a:spcPts val="0"/>
+              </a:spcBef>
+              <a:spcAft>
+                <a:spcPts val="0"/>
+              </a:spcAft>
+            </a:pPr>
+            <a:r>
+              <a:rPr lang="en-US" sz="1600" dirty="0">
                 <a:effectLst/>
                 <a:latin typeface="Courier New" panose="02070309020205020404" pitchFamily="49" charset="0"/>
                 <a:cs typeface="Courier New" panose="02070309020205020404" pitchFamily="49" charset="0"/>
@@ -11346,17 +12186,24 @@
             </a:r>
           </a:p>
           <a:p>
-            <a:pPr algn="l"/>
-            <a:r>
-              <a:rPr lang="en-US" sz="1800" dirty="0">
-                <a:effectLst/>
-                <a:latin typeface="Courier New" panose="02070309020205020404" pitchFamily="49" charset="0"/>
-                <a:cs typeface="Courier New" panose="02070309020205020404" pitchFamily="49" charset="0"/>
-              </a:rPr>
-              <a:t>            f(*</a:t>
-            </a:r>
-            <a:r>
-              <a:rPr lang="en-US" sz="1800" dirty="0" err="1">
+            <a:pPr algn="l">
+              <a:spcBef>
+                <a:spcPts val="0"/>
+              </a:spcBef>
+              <a:spcAft>
+                <a:spcPts val="0"/>
+              </a:spcAft>
+            </a:pPr>
+            <a:r>
+              <a:rPr lang="en-US" sz="1600" dirty="0">
+                <a:effectLst/>
+                <a:latin typeface="Courier New" panose="02070309020205020404" pitchFamily="49" charset="0"/>
+                <a:cs typeface="Courier New" panose="02070309020205020404" pitchFamily="49" charset="0"/>
+              </a:rPr>
+              <a:t>            f(</a:t>
+            </a:r>
+            <a:r>
+              <a:rPr lang="en-US" sz="1600" dirty="0" err="1">
                 <a:effectLst/>
                 <a:latin typeface="Courier New" panose="02070309020205020404" pitchFamily="49" charset="0"/>
                 <a:cs typeface="Courier New" panose="02070309020205020404" pitchFamily="49" charset="0"/>
@@ -11364,7 +12211,7 @@
               <a:t>sptr.get</a:t>
             </a:r>
             <a:r>
-              <a:rPr lang="en-US" sz="1800" dirty="0">
+              <a:rPr lang="en-US" sz="1600" dirty="0">
                 <a:effectLst/>
                 <a:latin typeface="Courier New" panose="02070309020205020404" pitchFamily="49" charset="0"/>
                 <a:cs typeface="Courier New" panose="02070309020205020404" pitchFamily="49" charset="0"/>
@@ -11373,9 +12220,16 @@
             </a:r>
           </a:p>
           <a:p>
-            <a:pPr algn="l"/>
-            <a:r>
-              <a:rPr lang="en-US" sz="1800" dirty="0">
+            <a:pPr algn="l">
+              <a:spcBef>
+                <a:spcPts val="0"/>
+              </a:spcBef>
+              <a:spcAft>
+                <a:spcPts val="0"/>
+              </a:spcAft>
+            </a:pPr>
+            <a:r>
+              <a:rPr lang="en-US" sz="1600" dirty="0">
                 <a:effectLst/>
                 <a:latin typeface="Courier New" panose="02070309020205020404" pitchFamily="49" charset="0"/>
                 <a:cs typeface="Courier New" panose="02070309020205020404" pitchFamily="49" charset="0"/>
@@ -11384,9 +12238,16 @@
             </a:r>
           </a:p>
           <a:p>
-            <a:pPr algn="l"/>
-            <a:r>
-              <a:rPr lang="en-US" sz="1800" dirty="0">
+            <a:pPr algn="l">
+              <a:spcBef>
+                <a:spcPts val="0"/>
+              </a:spcBef>
+              <a:spcAft>
+                <a:spcPts val="0"/>
+              </a:spcAft>
+            </a:pPr>
+            <a:r>
+              <a:rPr lang="en-US" sz="1600" dirty="0">
                 <a:effectLst/>
                 <a:latin typeface="Courier New" panose="02070309020205020404" pitchFamily="49" charset="0"/>
                 <a:cs typeface="Courier New" panose="02070309020205020404" pitchFamily="49" charset="0"/>
@@ -11395,17 +12256,31 @@
             </a:r>
           </a:p>
           <a:p>
-            <a:pPr algn="l"/>
-            <a:endParaRPr lang="en-US" sz="1800" dirty="0">
+            <a:pPr algn="l">
+              <a:spcBef>
+                <a:spcPts val="0"/>
+              </a:spcBef>
+              <a:spcAft>
+                <a:spcPts val="0"/>
+              </a:spcAft>
+            </a:pPr>
+            <a:endParaRPr lang="en-US" sz="1600" dirty="0">
               <a:effectLst/>
               <a:latin typeface="Courier New" panose="02070309020205020404" pitchFamily="49" charset="0"/>
               <a:cs typeface="Courier New" panose="02070309020205020404" pitchFamily="49" charset="0"/>
             </a:endParaRPr>
           </a:p>
           <a:p>
-            <a:pPr algn="l"/>
-            <a:r>
-              <a:rPr lang="nn-NO" sz="1800" dirty="0">
+            <a:pPr algn="l">
+              <a:spcBef>
+                <a:spcPts val="0"/>
+              </a:spcBef>
+              <a:spcAft>
+                <a:spcPts val="0"/>
+              </a:spcAft>
+            </a:pPr>
+            <a:r>
+              <a:rPr lang="nn-NO" sz="1600" dirty="0">
                 <a:effectLst/>
                 <a:latin typeface="Courier New" panose="02070309020205020404" pitchFamily="49" charset="0"/>
                 <a:cs typeface="Courier New" panose="02070309020205020404" pitchFamily="49" charset="0"/>
@@ -11414,9 +12289,16 @@
             </a:r>
           </a:p>
           <a:p>
-            <a:pPr algn="l"/>
-            <a:r>
-              <a:rPr lang="en-US" sz="1800" dirty="0">
+            <a:pPr algn="l">
+              <a:spcBef>
+                <a:spcPts val="0"/>
+              </a:spcBef>
+              <a:spcAft>
+                <a:spcPts val="0"/>
+              </a:spcAft>
+            </a:pPr>
+            <a:r>
+              <a:rPr lang="en-US" sz="1600" dirty="0">
                 <a:effectLst/>
                 <a:latin typeface="Courier New" panose="02070309020205020404" pitchFamily="49" charset="0"/>
                 <a:cs typeface="Courier New" panose="02070309020205020404" pitchFamily="49" charset="0"/>
@@ -11425,9 +12307,16 @@
             </a:r>
           </a:p>
           <a:p>
-            <a:pPr algn="l"/>
-            <a:r>
-              <a:rPr lang="en-US" sz="1800" dirty="0">
+            <a:pPr algn="l">
+              <a:spcBef>
+                <a:spcPts val="0"/>
+              </a:spcBef>
+              <a:spcAft>
+                <a:spcPts val="0"/>
+              </a:spcAft>
+            </a:pPr>
+            <a:r>
+              <a:rPr lang="en-US" sz="1600" dirty="0">
                 <a:effectLst/>
                 <a:latin typeface="Courier New" panose="02070309020205020404" pitchFamily="49" charset="0"/>
                 <a:cs typeface="Courier New" panose="02070309020205020404" pitchFamily="49" charset="0"/>
@@ -11435,7 +12324,7 @@
               <a:t>    threads[</a:t>
             </a:r>
             <a:r>
-              <a:rPr lang="en-US" sz="1800" dirty="0" err="1">
+              <a:rPr lang="en-US" sz="1600" dirty="0" err="1">
                 <a:effectLst/>
                 <a:latin typeface="Courier New" panose="02070309020205020404" pitchFamily="49" charset="0"/>
                 <a:cs typeface="Courier New" panose="02070309020205020404" pitchFamily="49" charset="0"/>
@@ -11443,7 +12332,7 @@
               <a:t>i</a:t>
             </a:r>
             <a:r>
-              <a:rPr lang="en-US" sz="1800" dirty="0">
+              <a:rPr lang="en-US" sz="1600" dirty="0">
                 <a:effectLst/>
                 <a:latin typeface="Courier New" panose="02070309020205020404" pitchFamily="49" charset="0"/>
                 <a:cs typeface="Courier New" panose="02070309020205020404" pitchFamily="49" charset="0"/>
@@ -11452,16 +12341,23 @@
             </a:r>
           </a:p>
           <a:p>
-            <a:pPr algn="l"/>
-            <a:r>
-              <a:rPr lang="en-US" sz="1800" dirty="0">
+            <a:pPr algn="l">
+              <a:spcBef>
+                <a:spcPts val="0"/>
+              </a:spcBef>
+              <a:spcAft>
+                <a:spcPts val="0"/>
+              </a:spcAft>
+            </a:pPr>
+            <a:r>
+              <a:rPr lang="en-US" sz="1600" dirty="0">
                 <a:effectLst/>
                 <a:latin typeface="Courier New" panose="02070309020205020404" pitchFamily="49" charset="0"/>
                 <a:cs typeface="Courier New" panose="02070309020205020404" pitchFamily="49" charset="0"/>
               </a:rPr>
               <a:t>}</a:t>
             </a:r>
-            <a:endParaRPr lang="en-US" altLang="zh-TW" dirty="0">
+            <a:endParaRPr lang="en-US" altLang="zh-TW" sz="1600" dirty="0">
               <a:effectLst/>
               <a:latin typeface="Courier New" panose="02070309020205020404" pitchFamily="49" charset="0"/>
               <a:cs typeface="Courier New" panose="02070309020205020404" pitchFamily="49" charset="0"/>
@@ -11569,13 +12465,106 @@
         </p:spPr>
         <p:txBody>
           <a:bodyPr>
-            <a:normAutofit/>
+            <a:noAutofit/>
           </a:bodyPr>
           <a:lstStyle/>
           <a:p>
-            <a:pPr algn="l"/>
-            <a:r>
-              <a:rPr lang="en-US" sz="1700" dirty="0">
+            <a:pPr algn="l">
+              <a:spcBef>
+                <a:spcPts val="0"/>
+              </a:spcBef>
+              <a:spcAft>
+                <a:spcPts val="0"/>
+              </a:spcAft>
+            </a:pPr>
+            <a:r>
+              <a:rPr lang="en-US" sz="1600" dirty="0">
+                <a:effectLst/>
+                <a:latin typeface="Courier New" panose="02070309020205020404" pitchFamily="49" charset="0"/>
+                <a:cs typeface="Courier New" panose="02070309020205020404" pitchFamily="49" charset="0"/>
+              </a:rPr>
+              <a:t>using byte = unsigned char;</a:t>
+            </a:r>
+          </a:p>
+          <a:p>
+            <a:pPr algn="l">
+              <a:spcBef>
+                <a:spcPts val="0"/>
+              </a:spcBef>
+              <a:spcAft>
+                <a:spcPts val="0"/>
+              </a:spcAft>
+            </a:pPr>
+            <a:r>
+              <a:rPr lang="en-US" sz="1600" dirty="0">
+                <a:effectLst/>
+                <a:latin typeface="Courier New" panose="02070309020205020404" pitchFamily="49" charset="0"/>
+                <a:cs typeface="Courier New" panose="02070309020205020404" pitchFamily="49" charset="0"/>
+              </a:rPr>
+              <a:t>std::</a:t>
+            </a:r>
+            <a:r>
+              <a:rPr lang="en-US" sz="1600" dirty="0" err="1">
+                <a:effectLst/>
+                <a:latin typeface="Courier New" panose="02070309020205020404" pitchFamily="49" charset="0"/>
+                <a:cs typeface="Courier New" panose="02070309020205020404" pitchFamily="49" charset="0"/>
+              </a:rPr>
+              <a:t>shared_ptr</a:t>
+            </a:r>
+            <a:r>
+              <a:rPr lang="en-US" sz="1600" dirty="0">
+                <a:effectLst/>
+                <a:latin typeface="Courier New" panose="02070309020205020404" pitchFamily="49" charset="0"/>
+                <a:cs typeface="Courier New" panose="02070309020205020404" pitchFamily="49" charset="0"/>
+              </a:rPr>
+              <a:t>&lt;byte[]&gt; </a:t>
+            </a:r>
+            <a:r>
+              <a:rPr lang="en-US" sz="1600" dirty="0" err="1">
+                <a:effectLst/>
+                <a:latin typeface="Courier New" panose="02070309020205020404" pitchFamily="49" charset="0"/>
+                <a:cs typeface="Courier New" panose="02070309020205020404" pitchFamily="49" charset="0"/>
+              </a:rPr>
+              <a:t>m_shared_ptr</a:t>
+            </a:r>
+            <a:r>
+              <a:rPr lang="en-US" sz="1600" dirty="0">
+                <a:effectLst/>
+                <a:latin typeface="Courier New" panose="02070309020205020404" pitchFamily="49" charset="0"/>
+                <a:cs typeface="Courier New" panose="02070309020205020404" pitchFamily="49" charset="0"/>
+              </a:rPr>
+              <a:t>;</a:t>
+            </a:r>
+          </a:p>
+          <a:p>
+            <a:pPr algn="l">
+              <a:spcBef>
+                <a:spcPts val="0"/>
+              </a:spcBef>
+              <a:spcAft>
+                <a:spcPts val="0"/>
+              </a:spcAft>
+            </a:pPr>
+            <a:r>
+              <a:rPr lang="en-US" sz="1600" dirty="0">
+                <a:effectLst/>
+                <a:latin typeface="Courier New" panose="02070309020205020404" pitchFamily="49" charset="0"/>
+                <a:cs typeface="Courier New" panose="02070309020205020404" pitchFamily="49" charset="0"/>
+              </a:rPr>
+              <a:t>    :</a:t>
+            </a:r>
+          </a:p>
+          <a:p>
+            <a:pPr algn="l">
+              <a:spcBef>
+                <a:spcPts val="0"/>
+              </a:spcBef>
+              <a:spcAft>
+                <a:spcPts val="0"/>
+              </a:spcAft>
+            </a:pPr>
+            <a:r>
+              <a:rPr lang="en-US" sz="1600" dirty="0">
                 <a:effectLst/>
                 <a:latin typeface="Courier New" panose="02070309020205020404" pitchFamily="49" charset="0"/>
                 <a:cs typeface="Courier New" panose="02070309020205020404" pitchFamily="49" charset="0"/>
@@ -11584,17 +12573,31 @@
             </a:r>
           </a:p>
           <a:p>
-            <a:pPr algn="l"/>
-            <a:endParaRPr lang="en-US" sz="1700" dirty="0">
+            <a:pPr algn="l">
+              <a:spcBef>
+                <a:spcPts val="0"/>
+              </a:spcBef>
+              <a:spcAft>
+                <a:spcPts val="0"/>
+              </a:spcAft>
+            </a:pPr>
+            <a:endParaRPr lang="en-US" sz="1600" dirty="0">
               <a:effectLst/>
               <a:latin typeface="Courier New" panose="02070309020205020404" pitchFamily="49" charset="0"/>
               <a:cs typeface="Courier New" panose="02070309020205020404" pitchFamily="49" charset="0"/>
             </a:endParaRPr>
           </a:p>
           <a:p>
-            <a:pPr algn="l"/>
-            <a:r>
-              <a:rPr lang="nn-NO" sz="1700" dirty="0">
+            <a:pPr algn="l">
+              <a:spcBef>
+                <a:spcPts val="0"/>
+              </a:spcBef>
+              <a:spcAft>
+                <a:spcPts val="0"/>
+              </a:spcAft>
+            </a:pPr>
+            <a:r>
+              <a:rPr lang="nn-NO" sz="1600" dirty="0">
                 <a:effectLst/>
                 <a:latin typeface="Courier New" panose="02070309020205020404" pitchFamily="49" charset="0"/>
                 <a:cs typeface="Courier New" panose="02070309020205020404" pitchFamily="49" charset="0"/>
@@ -11603,9 +12606,16 @@
             </a:r>
           </a:p>
           <a:p>
-            <a:pPr algn="l"/>
-            <a:r>
-              <a:rPr lang="en-US" sz="1700" dirty="0">
+            <a:pPr algn="l">
+              <a:spcBef>
+                <a:spcPts val="0"/>
+              </a:spcBef>
+              <a:spcAft>
+                <a:spcPts val="0"/>
+              </a:spcAft>
+            </a:pPr>
+            <a:r>
+              <a:rPr lang="en-US" sz="1600" dirty="0">
                 <a:effectLst/>
                 <a:latin typeface="Courier New" panose="02070309020205020404" pitchFamily="49" charset="0"/>
                 <a:cs typeface="Courier New" panose="02070309020205020404" pitchFamily="49" charset="0"/>
@@ -11614,9 +12624,16 @@
             </a:r>
           </a:p>
           <a:p>
-            <a:pPr algn="l"/>
-            <a:r>
-              <a:rPr lang="en-US" sz="1700" dirty="0">
+            <a:pPr algn="l">
+              <a:spcBef>
+                <a:spcPts val="0"/>
+              </a:spcBef>
+              <a:spcAft>
+                <a:spcPts val="0"/>
+              </a:spcAft>
+            </a:pPr>
+            <a:r>
+              <a:rPr lang="en-US" sz="1600" dirty="0">
                 <a:effectLst/>
                 <a:latin typeface="Courier New" panose="02070309020205020404" pitchFamily="49" charset="0"/>
                 <a:cs typeface="Courier New" panose="02070309020205020404" pitchFamily="49" charset="0"/>
@@ -11624,7 +12641,7 @@
               <a:t>    </a:t>
             </a:r>
             <a:r>
-              <a:rPr lang="en-US" sz="1700" dirty="0" err="1">
+              <a:rPr lang="en-US" sz="1600" dirty="0" err="1">
                 <a:effectLst/>
                 <a:latin typeface="Courier New" panose="02070309020205020404" pitchFamily="49" charset="0"/>
                 <a:cs typeface="Courier New" panose="02070309020205020404" pitchFamily="49" charset="0"/>
@@ -11632,7 +12649,7 @@
               <a:t>threads.push_back</a:t>
             </a:r>
             <a:r>
-              <a:rPr lang="en-US" sz="1700" dirty="0">
+              <a:rPr lang="en-US" sz="1600" dirty="0">
                 <a:effectLst/>
                 <a:latin typeface="Courier New" panose="02070309020205020404" pitchFamily="49" charset="0"/>
                 <a:cs typeface="Courier New" panose="02070309020205020404" pitchFamily="49" charset="0"/>
@@ -11640,7 +12657,7 @@
               <a:t>(std::thread([</a:t>
             </a:r>
             <a:r>
-              <a:rPr lang="en-US" sz="1700" b="1" dirty="0" err="1">
+              <a:rPr lang="en-US" sz="1600" b="1" dirty="0" err="1">
                 <a:solidFill>
                   <a:srgbClr val="FF0000"/>
                 </a:solidFill>
@@ -11650,7 +12667,7 @@
               <a:t>m_shared_ptr</a:t>
             </a:r>
             <a:r>
-              <a:rPr lang="en-US" sz="1700" dirty="0">
+              <a:rPr lang="en-US" sz="1600" dirty="0">
                 <a:effectLst/>
                 <a:latin typeface="Courier New" panose="02070309020205020404" pitchFamily="49" charset="0"/>
                 <a:cs typeface="Courier New" panose="02070309020205020404" pitchFamily="49" charset="0"/>
@@ -11659,9 +12676,16 @@
             </a:r>
           </a:p>
           <a:p>
-            <a:pPr algn="l"/>
-            <a:r>
-              <a:rPr lang="en-US" sz="1700" dirty="0">
+            <a:pPr algn="l">
+              <a:spcBef>
+                <a:spcPts val="0"/>
+              </a:spcBef>
+              <a:spcAft>
+                <a:spcPts val="0"/>
+              </a:spcAft>
+            </a:pPr>
+            <a:r>
+              <a:rPr lang="en-US" sz="1600" dirty="0">
                 <a:effectLst/>
                 <a:latin typeface="Courier New" panose="02070309020205020404" pitchFamily="49" charset="0"/>
                 <a:cs typeface="Courier New" panose="02070309020205020404" pitchFamily="49" charset="0"/>
@@ -11670,17 +12694,24 @@
             </a:r>
           </a:p>
           <a:p>
-            <a:pPr algn="l"/>
-            <a:r>
-              <a:rPr lang="en-US" sz="1700" dirty="0">
-                <a:effectLst/>
-                <a:latin typeface="Courier New" panose="02070309020205020404" pitchFamily="49" charset="0"/>
-                <a:cs typeface="Courier New" panose="02070309020205020404" pitchFamily="49" charset="0"/>
-              </a:rPr>
-              <a:t>            f(*</a:t>
-            </a:r>
-            <a:r>
-              <a:rPr lang="en-US" sz="1700" b="1" dirty="0" err="1">
+            <a:pPr algn="l">
+              <a:spcBef>
+                <a:spcPts val="0"/>
+              </a:spcBef>
+              <a:spcAft>
+                <a:spcPts val="0"/>
+              </a:spcAft>
+            </a:pPr>
+            <a:r>
+              <a:rPr lang="en-US" sz="1600" dirty="0">
+                <a:effectLst/>
+                <a:latin typeface="Courier New" panose="02070309020205020404" pitchFamily="49" charset="0"/>
+                <a:cs typeface="Courier New" panose="02070309020205020404" pitchFamily="49" charset="0"/>
+              </a:rPr>
+              <a:t>            f(</a:t>
+            </a:r>
+            <a:r>
+              <a:rPr lang="en-US" sz="1600" b="1" dirty="0" err="1">
                 <a:solidFill>
                   <a:srgbClr val="FF0000"/>
                 </a:solidFill>
@@ -11690,7 +12721,7 @@
               <a:t>m_shared_ptr</a:t>
             </a:r>
             <a:r>
-              <a:rPr lang="en-US" sz="1700" dirty="0" err="1">
+              <a:rPr lang="en-US" sz="1600" dirty="0" err="1">
                 <a:effectLst/>
                 <a:latin typeface="Courier New" panose="02070309020205020404" pitchFamily="49" charset="0"/>
                 <a:cs typeface="Courier New" panose="02070309020205020404" pitchFamily="49" charset="0"/>
@@ -11698,7 +12729,7 @@
               <a:t>.get</a:t>
             </a:r>
             <a:r>
-              <a:rPr lang="en-US" sz="1700" dirty="0">
+              <a:rPr lang="en-US" sz="1600" dirty="0">
                 <a:effectLst/>
                 <a:latin typeface="Courier New" panose="02070309020205020404" pitchFamily="49" charset="0"/>
                 <a:cs typeface="Courier New" panose="02070309020205020404" pitchFamily="49" charset="0"/>
@@ -11707,9 +12738,16 @@
             </a:r>
           </a:p>
           <a:p>
-            <a:pPr algn="l"/>
-            <a:r>
-              <a:rPr lang="en-US" sz="1700" dirty="0">
+            <a:pPr algn="l">
+              <a:spcBef>
+                <a:spcPts val="0"/>
+              </a:spcBef>
+              <a:spcAft>
+                <a:spcPts val="0"/>
+              </a:spcAft>
+            </a:pPr>
+            <a:r>
+              <a:rPr lang="en-US" sz="1600" dirty="0">
                 <a:effectLst/>
                 <a:latin typeface="Courier New" panose="02070309020205020404" pitchFamily="49" charset="0"/>
                 <a:cs typeface="Courier New" panose="02070309020205020404" pitchFamily="49" charset="0"/>
@@ -11718,9 +12756,16 @@
             </a:r>
           </a:p>
           <a:p>
-            <a:pPr algn="l"/>
-            <a:r>
-              <a:rPr lang="en-US" sz="1700" dirty="0">
+            <a:pPr algn="l">
+              <a:spcBef>
+                <a:spcPts val="0"/>
+              </a:spcBef>
+              <a:spcAft>
+                <a:spcPts val="0"/>
+              </a:spcAft>
+            </a:pPr>
+            <a:r>
+              <a:rPr lang="en-US" sz="1600" dirty="0">
                 <a:effectLst/>
                 <a:latin typeface="Courier New" panose="02070309020205020404" pitchFamily="49" charset="0"/>
                 <a:cs typeface="Courier New" panose="02070309020205020404" pitchFamily="49" charset="0"/>
@@ -11729,17 +12774,31 @@
             </a:r>
           </a:p>
           <a:p>
-            <a:pPr algn="l"/>
-            <a:endParaRPr lang="en-US" sz="1700" dirty="0">
+            <a:pPr algn="l">
+              <a:spcBef>
+                <a:spcPts val="0"/>
+              </a:spcBef>
+              <a:spcAft>
+                <a:spcPts val="0"/>
+              </a:spcAft>
+            </a:pPr>
+            <a:endParaRPr lang="en-US" sz="1600" dirty="0">
               <a:effectLst/>
               <a:latin typeface="Courier New" panose="02070309020205020404" pitchFamily="49" charset="0"/>
               <a:cs typeface="Courier New" panose="02070309020205020404" pitchFamily="49" charset="0"/>
             </a:endParaRPr>
           </a:p>
           <a:p>
-            <a:pPr algn="l"/>
-            <a:r>
-              <a:rPr lang="nn-NO" sz="1700" dirty="0">
+            <a:pPr algn="l">
+              <a:spcBef>
+                <a:spcPts val="0"/>
+              </a:spcBef>
+              <a:spcAft>
+                <a:spcPts val="0"/>
+              </a:spcAft>
+            </a:pPr>
+            <a:r>
+              <a:rPr lang="nn-NO" sz="1600" dirty="0">
                 <a:effectLst/>
                 <a:latin typeface="Courier New" panose="02070309020205020404" pitchFamily="49" charset="0"/>
                 <a:cs typeface="Courier New" panose="02070309020205020404" pitchFamily="49" charset="0"/>
@@ -11748,9 +12807,16 @@
             </a:r>
           </a:p>
           <a:p>
-            <a:pPr algn="l"/>
-            <a:r>
-              <a:rPr lang="en-US" sz="1700" dirty="0">
+            <a:pPr algn="l">
+              <a:spcBef>
+                <a:spcPts val="0"/>
+              </a:spcBef>
+              <a:spcAft>
+                <a:spcPts val="0"/>
+              </a:spcAft>
+            </a:pPr>
+            <a:r>
+              <a:rPr lang="en-US" sz="1600" dirty="0">
                 <a:effectLst/>
                 <a:latin typeface="Courier New" panose="02070309020205020404" pitchFamily="49" charset="0"/>
                 <a:cs typeface="Courier New" panose="02070309020205020404" pitchFamily="49" charset="0"/>
@@ -11759,9 +12825,16 @@
             </a:r>
           </a:p>
           <a:p>
-            <a:pPr algn="l"/>
-            <a:r>
-              <a:rPr lang="en-US" sz="1700" dirty="0">
+            <a:pPr algn="l">
+              <a:spcBef>
+                <a:spcPts val="0"/>
+              </a:spcBef>
+              <a:spcAft>
+                <a:spcPts val="0"/>
+              </a:spcAft>
+            </a:pPr>
+            <a:r>
+              <a:rPr lang="en-US" sz="1600" dirty="0">
                 <a:effectLst/>
                 <a:latin typeface="Courier New" panose="02070309020205020404" pitchFamily="49" charset="0"/>
                 <a:cs typeface="Courier New" panose="02070309020205020404" pitchFamily="49" charset="0"/>
@@ -11769,7 +12842,7 @@
               <a:t>    threads[</a:t>
             </a:r>
             <a:r>
-              <a:rPr lang="en-US" sz="1700" dirty="0" err="1">
+              <a:rPr lang="en-US" sz="1600" dirty="0" err="1">
                 <a:effectLst/>
                 <a:latin typeface="Courier New" panose="02070309020205020404" pitchFamily="49" charset="0"/>
                 <a:cs typeface="Courier New" panose="02070309020205020404" pitchFamily="49" charset="0"/>
@@ -11777,7 +12850,7 @@
               <a:t>i</a:t>
             </a:r>
             <a:r>
-              <a:rPr lang="en-US" sz="1700" dirty="0">
+              <a:rPr lang="en-US" sz="1600" dirty="0">
                 <a:effectLst/>
                 <a:latin typeface="Courier New" panose="02070309020205020404" pitchFamily="49" charset="0"/>
                 <a:cs typeface="Courier New" panose="02070309020205020404" pitchFamily="49" charset="0"/>
@@ -11786,16 +12859,23 @@
             </a:r>
           </a:p>
           <a:p>
-            <a:pPr algn="l"/>
-            <a:r>
-              <a:rPr lang="en-US" sz="1700" dirty="0">
+            <a:pPr algn="l">
+              <a:spcBef>
+                <a:spcPts val="0"/>
+              </a:spcBef>
+              <a:spcAft>
+                <a:spcPts val="0"/>
+              </a:spcAft>
+            </a:pPr>
+            <a:r>
+              <a:rPr lang="en-US" sz="1600" dirty="0">
                 <a:effectLst/>
                 <a:latin typeface="Courier New" panose="02070309020205020404" pitchFamily="49" charset="0"/>
                 <a:cs typeface="Courier New" panose="02070309020205020404" pitchFamily="49" charset="0"/>
               </a:rPr>
               <a:t>}</a:t>
             </a:r>
-            <a:endParaRPr lang="en-US" altLang="zh-TW" sz="1700" dirty="0">
+            <a:endParaRPr lang="en-US" altLang="zh-TW" sz="1600" dirty="0">
               <a:effectLst/>
               <a:latin typeface="Courier New" panose="02070309020205020404" pitchFamily="49" charset="0"/>
               <a:cs typeface="Courier New" panose="02070309020205020404" pitchFamily="49" charset="0"/>
@@ -11909,7 +12989,7 @@
                 <a:spcPts val="0"/>
               </a:spcBef>
               <a:spcAft>
-                <a:spcPts val="300"/>
+                <a:spcPts val="0"/>
               </a:spcAft>
               <a:buFont typeface="Arial" panose="020B0604020202020204" pitchFamily="34" charset="0"/>
               <a:buChar char="•"/>
@@ -11944,7 +13024,26 @@
                 <a:latin typeface="Courier New" panose="02070309020205020404" pitchFamily="49" charset="0"/>
                 <a:cs typeface="Courier New" panose="02070309020205020404" pitchFamily="49" charset="0"/>
               </a:rPr>
-              <a:t> = x not atomic!</a:t>
+              <a:t> = x </a:t>
+            </a:r>
+            <a:r>
+              <a:rPr lang="en-US" altLang="zh-TW" b="1" dirty="0">
+                <a:solidFill>
+                  <a:srgbClr val="FF0000"/>
+                </a:solidFill>
+                <a:effectLst/>
+                <a:latin typeface="Courier New" panose="02070309020205020404" pitchFamily="49" charset="0"/>
+                <a:cs typeface="Courier New" panose="02070309020205020404" pitchFamily="49" charset="0"/>
+              </a:rPr>
+              <a:t>not atomic</a:t>
+            </a:r>
+            <a:r>
+              <a:rPr lang="en-US" altLang="zh-TW" dirty="0">
+                <a:effectLst/>
+                <a:latin typeface="Courier New" panose="02070309020205020404" pitchFamily="49" charset="0"/>
+                <a:cs typeface="Courier New" panose="02070309020205020404" pitchFamily="49" charset="0"/>
+              </a:rPr>
+              <a:t>!</a:t>
             </a:r>
           </a:p>
           <a:p>
@@ -11953,7 +13052,7 @@
                 <a:spcPts val="0"/>
               </a:spcBef>
               <a:spcAft>
-                <a:spcPts val="300"/>
+                <a:spcPts val="0"/>
               </a:spcAft>
               <a:buFont typeface="Arial" panose="020B0604020202020204" pitchFamily="34" charset="0"/>
               <a:buChar char="•"/>
@@ -11964,7 +13063,26 @@
                 <a:latin typeface="Courier New" panose="02070309020205020404" pitchFamily="49" charset="0"/>
                 <a:cs typeface="Courier New" panose="02070309020205020404" pitchFamily="49" charset="0"/>
               </a:rPr>
-              <a:t>C++ 20 std::atomic&lt;std::</a:t>
+              <a:t>C++ 20 </a:t>
+            </a:r>
+            <a:r>
+              <a:rPr lang="en-US" altLang="zh-TW" b="1" dirty="0">
+                <a:solidFill>
+                  <a:srgbClr val="00B0F0"/>
+                </a:solidFill>
+                <a:effectLst/>
+                <a:latin typeface="Courier New" panose="02070309020205020404" pitchFamily="49" charset="0"/>
+                <a:cs typeface="Courier New" panose="02070309020205020404" pitchFamily="49" charset="0"/>
+              </a:rPr>
+              <a:t>std::atomic</a:t>
+            </a:r>
+            <a:r>
+              <a:rPr lang="en-US" altLang="zh-TW" dirty="0">
+                <a:effectLst/>
+                <a:latin typeface="Courier New" panose="02070309020205020404" pitchFamily="49" charset="0"/>
+                <a:cs typeface="Courier New" panose="02070309020205020404" pitchFamily="49" charset="0"/>
+              </a:rPr>
+              <a:t>&lt;std::</a:t>
             </a:r>
             <a:r>
               <a:rPr lang="en-US" altLang="zh-TW" dirty="0" err="1">
@@ -11981,6 +13099,28 @@
                 <a:cs typeface="Courier New" panose="02070309020205020404" pitchFamily="49" charset="0"/>
               </a:rPr>
               <a:t>&lt;T&gt;&gt;</a:t>
+            </a:r>
+            <a:r>
+              <a:rPr lang="en-US" altLang="zh-TW" b="1" dirty="0">
+                <a:solidFill>
+                  <a:srgbClr val="00B0F0"/>
+                </a:solidFill>
+                <a:effectLst/>
+                <a:latin typeface="Courier New" panose="02070309020205020404" pitchFamily="49" charset="0"/>
+                <a:cs typeface="Courier New" panose="02070309020205020404" pitchFamily="49" charset="0"/>
+              </a:rPr>
+              <a:t>?</a:t>
+            </a:r>
+            <a:r>
+              <a:rPr lang="en-US" altLang="zh-TW" b="1" dirty="0">
+                <a:solidFill>
+                  <a:srgbClr val="FF0000"/>
+                </a:solidFill>
+                <a:effectLst/>
+                <a:latin typeface="Courier New" panose="02070309020205020404" pitchFamily="49" charset="0"/>
+                <a:cs typeface="Courier New" panose="02070309020205020404" pitchFamily="49" charset="0"/>
+              </a:rPr>
+              <a:t>?</a:t>
             </a:r>
           </a:p>
           <a:p>
@@ -11989,7 +13129,7 @@
                 <a:spcPts val="0"/>
               </a:spcBef>
               <a:spcAft>
-                <a:spcPts val="300"/>
+                <a:spcPts val="0"/>
               </a:spcAft>
               <a:buFont typeface="Arial" panose="020B0604020202020204" pitchFamily="34" charset="0"/>
               <a:buChar char="•"/>
@@ -12134,7 +13274,7 @@
                 <a:spcPts val="0"/>
               </a:spcBef>
               <a:spcAft>
-                <a:spcPts val="300"/>
+                <a:spcPts val="0"/>
               </a:spcAft>
               <a:buFont typeface="Arial" panose="020B0604020202020204" pitchFamily="34" charset="0"/>
               <a:buChar char="•"/>
@@ -12210,7 +13350,7 @@
                 <a:spcPts val="0"/>
               </a:spcBef>
               <a:spcAft>
-                <a:spcPts val="300"/>
+                <a:spcPts val="0"/>
               </a:spcAft>
               <a:buFont typeface="Arial" panose="020B0604020202020204" pitchFamily="34" charset="0"/>
               <a:buChar char="•"/>
@@ -12411,7 +13551,7 @@
                 <a:spcPts val="0"/>
               </a:spcBef>
               <a:spcAft>
-                <a:spcPts val="300"/>
+                <a:spcPts val="0"/>
               </a:spcAft>
               <a:buFont typeface="Arial" panose="020B0604020202020204" pitchFamily="34" charset="0"/>
               <a:buChar char="•"/>
@@ -12867,7 +14007,7 @@
                 <a:spcPts val="0"/>
               </a:spcBef>
               <a:spcAft>
-                <a:spcPts val="300"/>
+                <a:spcPts val="0"/>
               </a:spcAft>
               <a:buFont typeface="Arial" panose="020B0604020202020204" pitchFamily="34" charset="0"/>
               <a:buChar char="•"/>
@@ -12913,7 +14053,7 @@
                 <a:spcPts val="0"/>
               </a:spcBef>
               <a:spcAft>
-                <a:spcPts val="300"/>
+                <a:spcPts val="0"/>
               </a:spcAft>
               <a:buFont typeface="Arial" panose="020B0604020202020204" pitchFamily="34" charset="0"/>
               <a:buChar char="•"/>
@@ -12973,7 +14113,7 @@
                 <a:spcPts val="0"/>
               </a:spcBef>
               <a:spcAft>
-                <a:spcPts val="300"/>
+                <a:spcPts val="0"/>
               </a:spcAft>
               <a:buFont typeface="Arial" panose="020B0604020202020204" pitchFamily="34" charset="0"/>
               <a:buChar char="•"/>
@@ -13480,7 +14620,7 @@
                 <a:spcPts val="0"/>
               </a:spcBef>
               <a:spcAft>
-                <a:spcPts val="300"/>
+                <a:spcPts val="0"/>
               </a:spcAft>
               <a:buFont typeface="Arial" panose="020B0604020202020204" pitchFamily="34" charset="0"/>
               <a:buChar char="•"/>
@@ -13737,7 +14877,7 @@
                 <a:spcPts val="0"/>
               </a:spcBef>
               <a:spcAft>
-                <a:spcPts val="300"/>
+                <a:spcPts val="0"/>
               </a:spcAft>
               <a:buFont typeface="Arial" panose="020B0604020202020204" pitchFamily="34" charset="0"/>
               <a:buChar char="•"/>
@@ -14023,7 +15163,7 @@
                 <a:spcPts val="0"/>
               </a:spcBef>
               <a:spcAft>
-                <a:spcPts val="300"/>
+                <a:spcPts val="0"/>
               </a:spcAft>
               <a:buFont typeface="Arial" panose="020B0604020202020204" pitchFamily="34" charset="0"/>
               <a:buChar char="•"/>
@@ -14275,7 +15415,7 @@
                 <a:spcPts val="0"/>
               </a:spcBef>
               <a:spcAft>
-                <a:spcPts val="300"/>
+                <a:spcPts val="0"/>
               </a:spcAft>
               <a:buFont typeface="Arial" panose="020B0604020202020204" pitchFamily="34" charset="0"/>
               <a:buChar char="•"/>
@@ -14983,7 +16123,7 @@
                 <a:spcPts val="0"/>
               </a:spcBef>
               <a:spcAft>
-                <a:spcPts val="300"/>
+                <a:spcPts val="0"/>
               </a:spcAft>
               <a:buFont typeface="Arial" panose="020B0604020202020204" pitchFamily="34" charset="0"/>
               <a:buChar char="•"/>
@@ -15620,7 +16760,7 @@
                 <a:spcPts val="0"/>
               </a:spcBef>
               <a:spcAft>
-                <a:spcPts val="300"/>
+                <a:spcPts val="0"/>
               </a:spcAft>
               <a:buFont typeface="Arial" panose="020B0604020202020204" pitchFamily="34" charset="0"/>
               <a:buChar char="•"/>
@@ -16753,6 +17893,21 @@
 </file>
 
 <file path=customXml/item1.xml><?xml version="1.0" encoding="utf-8"?>
+<?mso-contentType ?>
+<FormTemplates xmlns="http://schemas.microsoft.com/sharepoint/v3/contenttype/forms">
+  <Display>DocumentLibraryForm</Display>
+  <Edit>DocumentLibraryForm</Edit>
+  <New>DocumentLibraryForm</New>
+</FormTemplates>
+</file>
+
+<file path=customXml/item2.xml><?xml version="1.0" encoding="utf-8"?>
+<p:properties xmlns:p="http://schemas.microsoft.com/office/2006/metadata/properties" xmlns:xsi="http://www.w3.org/2001/XMLSchema-instance" xmlns:pc="http://schemas.microsoft.com/office/infopath/2007/PartnerControls">
+  <documentManagement/>
+</p:properties>
+</file>
+
+<file path=customXml/item3.xml><?xml version="1.0" encoding="utf-8"?>
 <ct:contentTypeSchema xmlns:ct="http://schemas.microsoft.com/office/2006/metadata/contentType" xmlns:ma="http://schemas.microsoft.com/office/2006/metadata/properties/metaAttributes" ct:_="" ma:_="" ma:contentTypeName="Document" ma:contentTypeID="0x0101004D63FE6916634947B53A223223127A7D" ma:contentTypeVersion="2" ma:contentTypeDescription="Create a new document." ma:contentTypeScope="" ma:versionID="d0604ca9bc8e81a00563416e3f10055c">
   <xsd:schema xmlns:xsd="http://www.w3.org/2001/XMLSchema" xmlns:xs="http://www.w3.org/2001/XMLSchema" xmlns:p="http://schemas.microsoft.com/office/2006/metadata/properties" xmlns:ns3="8334de96-96af-4a82-8d87-933f304e8461" targetNamespace="http://schemas.microsoft.com/office/2006/metadata/properties" ma:root="true" ma:fieldsID="fd94e03ab4ace4500eb83c3c06fbea6d" ns3:_="">
     <xsd:import namespace="8334de96-96af-4a82-8d87-933f304e8461"/>
@@ -16884,22 +18039,24 @@
 </ct:contentTypeSchema>
 </file>
 
-<file path=customXml/item2.xml><?xml version="1.0" encoding="utf-8"?>
-<p:properties xmlns:p="http://schemas.microsoft.com/office/2006/metadata/properties" xmlns:xsi="http://www.w3.org/2001/XMLSchema-instance" xmlns:pc="http://schemas.microsoft.com/office/infopath/2007/PartnerControls">
-  <documentManagement/>
-</p:properties>
+<file path=customXml/itemProps1.xml><?xml version="1.0" encoding="utf-8"?>
+<ds:datastoreItem xmlns:ds="http://schemas.openxmlformats.org/officeDocument/2006/customXml" ds:itemID="{72C7E206-98DE-4FC1-A2E2-2854D35018BC}">
+  <ds:schemaRefs>
+    <ds:schemaRef ds:uri="http://schemas.microsoft.com/sharepoint/v3/contenttype/forms"/>
+  </ds:schemaRefs>
+</ds:datastoreItem>
 </file>
 
-<file path=customXml/item3.xml><?xml version="1.0" encoding="utf-8"?>
-<?mso-contentType ?>
-<FormTemplates xmlns="http://schemas.microsoft.com/sharepoint/v3/contenttype/forms">
-  <Display>DocumentLibraryForm</Display>
-  <Edit>DocumentLibraryForm</Edit>
-  <New>DocumentLibraryForm</New>
-</FormTemplates>
+<file path=customXml/itemProps2.xml><?xml version="1.0" encoding="utf-8"?>
+<ds:datastoreItem xmlns:ds="http://schemas.openxmlformats.org/officeDocument/2006/customXml" ds:itemID="{2F8C9F32-7161-48C3-9855-9C15C43F57C7}">
+  <ds:schemaRefs>
+    <ds:schemaRef ds:uri="http://schemas.microsoft.com/office/2006/metadata/properties"/>
+    <ds:schemaRef ds:uri="http://schemas.microsoft.com/office/infopath/2007/PartnerControls"/>
+  </ds:schemaRefs>
+</ds:datastoreItem>
 </file>
 
-<file path=customXml/itemProps1.xml><?xml version="1.0" encoding="utf-8"?>
+<file path=customXml/itemProps3.xml><?xml version="1.0" encoding="utf-8"?>
 <ds:datastoreItem xmlns:ds="http://schemas.openxmlformats.org/officeDocument/2006/customXml" ds:itemID="{2EDFCF9A-CF0B-403A-8345-1BA2DCA02AF0}">
   <ds:schemaRefs>
     <ds:schemaRef ds:uri="http://schemas.microsoft.com/office/2006/metadata/contentType"/>
@@ -16915,21 +18072,4 @@
     <ds:schemaRef ds:uri="http://schemas.microsoft.com/internal/obd"/>
   </ds:schemaRefs>
 </ds:datastoreItem>
-</file>
-
-<file path=customXml/itemProps2.xml><?xml version="1.0" encoding="utf-8"?>
-<ds:datastoreItem xmlns:ds="http://schemas.openxmlformats.org/officeDocument/2006/customXml" ds:itemID="{2F8C9F32-7161-48C3-9855-9C15C43F57C7}">
-  <ds:schemaRefs>
-    <ds:schemaRef ds:uri="http://schemas.microsoft.com/office/2006/metadata/properties"/>
-    <ds:schemaRef ds:uri="http://schemas.microsoft.com/office/infopath/2007/PartnerControls"/>
-  </ds:schemaRefs>
-</ds:datastoreItem>
-</file>
-
-<file path=customXml/itemProps3.xml><?xml version="1.0" encoding="utf-8"?>
-<ds:datastoreItem xmlns:ds="http://schemas.openxmlformats.org/officeDocument/2006/customXml" ds:itemID="{72C7E206-98DE-4FC1-A2E2-2854D35018BC}">
-  <ds:schemaRefs>
-    <ds:schemaRef ds:uri="http://schemas.microsoft.com/sharepoint/v3/contenttype/forms"/>
-  </ds:schemaRefs>
-</ds:datastoreItem>
 </file>